--- a/pp-pdq.pptx
+++ b/pp-pdq.pptx
@@ -5,53 +5,51 @@
     <p:sldMasterId id="2147483648" r:id="rId1"/>
   </p:sldMasterIdLst>
   <p:notesMasterIdLst>
-    <p:notesMasterId r:id="rId17"/>
+    <p:notesMasterId r:id="rId15"/>
   </p:notesMasterIdLst>
   <p:sldIdLst>
     <p:sldId id="256" r:id="rId2"/>
     <p:sldId id="258" r:id="rId3"/>
     <p:sldId id="403" r:id="rId4"/>
     <p:sldId id="348" r:id="rId5"/>
-    <p:sldId id="261" r:id="rId6"/>
-    <p:sldId id="351" r:id="rId7"/>
-    <p:sldId id="282" r:id="rId8"/>
-    <p:sldId id="365" r:id="rId9"/>
-    <p:sldId id="368" r:id="rId10"/>
-    <p:sldId id="371" r:id="rId11"/>
-    <p:sldId id="305" r:id="rId12"/>
-    <p:sldId id="390" r:id="rId13"/>
-    <p:sldId id="400" r:id="rId14"/>
-    <p:sldId id="404" r:id="rId15"/>
-    <p:sldId id="402" r:id="rId16"/>
+    <p:sldId id="282" r:id="rId6"/>
+    <p:sldId id="365" r:id="rId7"/>
+    <p:sldId id="368" r:id="rId8"/>
+    <p:sldId id="371" r:id="rId9"/>
+    <p:sldId id="305" r:id="rId10"/>
+    <p:sldId id="390" r:id="rId11"/>
+    <p:sldId id="400" r:id="rId12"/>
+    <p:sldId id="404" r:id="rId13"/>
+    <p:sldId id="402" r:id="rId14"/>
   </p:sldIdLst>
   <p:sldSz cx="18288000" cy="10287000"/>
   <p:notesSz cx="6858000" cy="9144000"/>
   <p:embeddedFontLst>
     <p:embeddedFont>
       <p:font typeface="Calibri" panose="020F0502020204030204" pitchFamily="34" charset="0"/>
-      <p:regular r:id="rId18"/>
-      <p:bold r:id="rId19"/>
-      <p:italic r:id="rId20"/>
-      <p:boldItalic r:id="rId21"/>
+      <p:regular r:id="rId16"/>
+      <p:bold r:id="rId17"/>
+      <p:italic r:id="rId18"/>
+      <p:boldItalic r:id="rId19"/>
     </p:embeddedFont>
     <p:embeddedFont>
-      <p:font typeface="Gidole" panose="020B0604020202020204" charset="0"/>
+      <p:font typeface="Gidole" panose="02000503000000000000" pitchFamily="2" charset="0"/>
+      <p:regular r:id="rId20"/>
+    </p:embeddedFont>
+    <p:embeddedFont>
+      <p:font typeface="League Spartan" panose="020B0604020202020204" charset="0"/>
+      <p:regular r:id="rId21"/>
+    </p:embeddedFont>
+    <p:embeddedFont>
+      <p:font typeface="Open Sans Extra Bold" panose="020B0604020202020204" charset="0"/>
       <p:regular r:id="rId22"/>
     </p:embeddedFont>
     <p:embeddedFont>
-      <p:font typeface="League Spartan" panose="020B0604020202020204" charset="0"/>
+      <p:font typeface="Roboto Mono" pitchFamily="2" charset="0"/>
       <p:regular r:id="rId23"/>
-    </p:embeddedFont>
-    <p:embeddedFont>
-      <p:font typeface="Open Sans Extra Bold" panose="020B0604020202020204" charset="0"/>
-      <p:regular r:id="rId24"/>
-    </p:embeddedFont>
-    <p:embeddedFont>
-      <p:font typeface="Roboto Mono" panose="020B0604020202020204" charset="0"/>
-      <p:regular r:id="rId25"/>
-      <p:bold r:id="rId26"/>
-      <p:italic r:id="rId27"/>
-      <p:boldItalic r:id="rId28"/>
+      <p:bold r:id="rId24"/>
+      <p:italic r:id="rId25"/>
+      <p:boldItalic r:id="rId26"/>
     </p:embeddedFont>
   </p:embeddedFontLst>
   <p:defaultTextStyle>
@@ -262,7 +260,7 @@
           <a:p>
             <a:fld id="{17A98A70-FA8C-4354-959C-C70678AC9BCF}" type="datetimeFigureOut">
               <a:rPr lang="en-US" smtClean="0"/>
-              <a:t>8/24/2022</a:t>
+              <a:t>8/31/2022</a:t>
             </a:fld>
             <a:endParaRPr lang="en-US"/>
           </a:p>
@@ -662,21 +660,7 @@
           <a:p>
             <a:r>
               <a:rPr lang="en-US" dirty="0"/>
-              <a:t>Let’s practice on this</a:t>
-            </a:r>
-          </a:p>
-          <a:p>
-            <a:r>
-              <a:rPr lang="en-US" dirty="0"/>
-              <a:t>Of course there is a LOT more you can do here, you can work on rows, multiple datasets </a:t>
-            </a:r>
-            <a:r>
-              <a:rPr lang="en-US" dirty="0" err="1"/>
-              <a:t>etc</a:t>
-            </a:r>
-            <a:r>
-              <a:rPr lang="en-US" dirty="0"/>
-              <a:t> but we’ll focus on the very beginning stuff here. </a:t>
+              <a:t>Thanks for coming! Feel free to contact me anytime, find me on LinkedIn, I also write frequently on this stuff so check out my website too. </a:t>
             </a:r>
           </a:p>
         </p:txBody>
@@ -707,7 +691,7 @@
     </p:spTree>
     <p:extLst>
       <p:ext uri="{BB962C8B-B14F-4D97-AF65-F5344CB8AC3E}">
-        <p14:creationId xmlns:p14="http://schemas.microsoft.com/office/powerpoint/2010/main" val="1531584346"/>
+        <p14:creationId xmlns:p14="http://schemas.microsoft.com/office/powerpoint/2010/main" val="2404527324"/>
       </p:ext>
     </p:extLst>
   </p:cSld>
@@ -761,34 +745,15 @@
           <a:bodyPr/>
           <a:lstStyle/>
           <a:p>
-            <a:pPr marL="0" marR="0" lvl="0" indent="0" algn="l" defTabSz="914400" rtl="0" eaLnBrk="1" fontAlgn="auto" latinLnBrk="0" hangingPunct="1">
-              <a:lnSpc>
-                <a:spcPct val="100000"/>
-              </a:lnSpc>
-              <a:spcBef>
-                <a:spcPts val="0"/>
-              </a:spcBef>
-              <a:spcAft>
-                <a:spcPts val="0"/>
-              </a:spcAft>
-              <a:buClrTx/>
-              <a:buSzTx/>
-              <a:buFontTx/>
-              <a:buNone/>
-              <a:tabLst/>
-              <a:defRPr/>
-            </a:pPr>
-            <a:r>
-              <a:rPr lang="en-US" sz="1200" kern="1200" dirty="0">
-                <a:solidFill>
-                  <a:schemeClr val="tx1"/>
-                </a:solidFill>
-                <a:effectLst/>
-                <a:latin typeface="+mn-lt"/>
-                <a:ea typeface="+mn-ea"/>
-                <a:cs typeface="+mn-cs"/>
-              </a:rPr>
-              <a:t>If you are looking to individually take a Power Query class I have a surprise here at the end… </a:t>
+            <a:r>
+              <a:rPr lang="en-US" dirty="0"/>
+              <a:t>I’m a data analyst give me data on how I did</a:t>
+            </a:r>
+          </a:p>
+          <a:p>
+            <a:r>
+              <a:rPr lang="en-US" dirty="0"/>
+              <a:t>Testimonials also VERY helpful. </a:t>
             </a:r>
           </a:p>
         </p:txBody>
@@ -819,7 +784,7 @@
     </p:spTree>
     <p:extLst>
       <p:ext uri="{BB962C8B-B14F-4D97-AF65-F5344CB8AC3E}">
-        <p14:creationId xmlns:p14="http://schemas.microsoft.com/office/powerpoint/2010/main" val="3644834246"/>
+        <p14:creationId xmlns:p14="http://schemas.microsoft.com/office/powerpoint/2010/main" val="3125451817"/>
       </p:ext>
     </p:extLst>
   </p:cSld>
@@ -875,7 +840,7 @@
           <a:p>
             <a:r>
               <a:rPr lang="en-US" dirty="0"/>
-              <a:t>Thanks for coming! Feel free to contact me anytime, find me on LinkedIn, I also write frequently on this stuff so check out my website too. </a:t>
+              <a:t>Any questions on descriptive statistics? </a:t>
             </a:r>
           </a:p>
         </p:txBody>
@@ -906,7 +871,7 @@
     </p:spTree>
     <p:extLst>
       <p:ext uri="{BB962C8B-B14F-4D97-AF65-F5344CB8AC3E}">
-        <p14:creationId xmlns:p14="http://schemas.microsoft.com/office/powerpoint/2010/main" val="2404527324"/>
+        <p14:creationId xmlns:p14="http://schemas.microsoft.com/office/powerpoint/2010/main" val="746477125"/>
       </p:ext>
     </p:extLst>
   </p:cSld>
@@ -962,13 +927,7 @@
           <a:p>
             <a:r>
               <a:rPr lang="en-US" dirty="0"/>
-              <a:t>I’m a data analyst give me data on how I did</a:t>
-            </a:r>
-          </a:p>
-          <a:p>
-            <a:r>
-              <a:rPr lang="en-US" dirty="0"/>
-              <a:t>Testimonials also VERY helpful. </a:t>
+              <a:t>Any questions on descriptive statistics? </a:t>
             </a:r>
           </a:p>
         </p:txBody>
@@ -991,180 +950,6 @@
             <a:fld id="{FFB500C5-13F7-48FC-8160-C29AECF6C602}" type="slidenum">
               <a:rPr lang="en-US" smtClean="0"/>
               <a:t>13</a:t>
-            </a:fld>
-            <a:endParaRPr lang="en-US"/>
-          </a:p>
-        </p:txBody>
-      </p:sp>
-    </p:spTree>
-    <p:extLst>
-      <p:ext uri="{BB962C8B-B14F-4D97-AF65-F5344CB8AC3E}">
-        <p14:creationId xmlns:p14="http://schemas.microsoft.com/office/powerpoint/2010/main" val="3125451817"/>
-      </p:ext>
-    </p:extLst>
-  </p:cSld>
-  <p:clrMapOvr>
-    <a:masterClrMapping/>
-  </p:clrMapOvr>
-</p:notes>
-</file>
-
-<file path=ppt/notesSlides/notesSlide14.xml><?xml version="1.0" encoding="utf-8"?>
-<p:notes xmlns:a="http://schemas.openxmlformats.org/drawingml/2006/main" xmlns:r="http://schemas.openxmlformats.org/officeDocument/2006/relationships" xmlns:p="http://schemas.openxmlformats.org/presentationml/2006/main">
-  <p:cSld>
-    <p:spTree>
-      <p:nvGrpSpPr>
-        <p:cNvPr id="1" name=""/>
-        <p:cNvGrpSpPr/>
-        <p:nvPr/>
-      </p:nvGrpSpPr>
-      <p:grpSpPr>
-        <a:xfrm>
-          <a:off x="0" y="0"/>
-          <a:ext cx="0" cy="0"/>
-          <a:chOff x="0" y="0"/>
-          <a:chExt cx="0" cy="0"/>
-        </a:xfrm>
-      </p:grpSpPr>
-      <p:sp>
-        <p:nvSpPr>
-          <p:cNvPr id="2" name="Slide Image Placeholder 1"/>
-          <p:cNvSpPr>
-            <a:spLocks noGrp="1" noRot="1" noChangeAspect="1"/>
-          </p:cNvSpPr>
-          <p:nvPr>
-            <p:ph type="sldImg"/>
-          </p:nvPr>
-        </p:nvSpPr>
-        <p:spPr/>
-      </p:sp>
-      <p:sp>
-        <p:nvSpPr>
-          <p:cNvPr id="3" name="Notes Placeholder 2"/>
-          <p:cNvSpPr>
-            <a:spLocks noGrp="1"/>
-          </p:cNvSpPr>
-          <p:nvPr>
-            <p:ph type="body" idx="1"/>
-          </p:nvPr>
-        </p:nvSpPr>
-        <p:spPr/>
-        <p:txBody>
-          <a:bodyPr/>
-          <a:lstStyle/>
-          <a:p>
-            <a:r>
-              <a:rPr lang="en-US" dirty="0"/>
-              <a:t>Any questions on descriptive statistics? </a:t>
-            </a:r>
-          </a:p>
-        </p:txBody>
-      </p:sp>
-      <p:sp>
-        <p:nvSpPr>
-          <p:cNvPr id="4" name="Slide Number Placeholder 3"/>
-          <p:cNvSpPr>
-            <a:spLocks noGrp="1"/>
-          </p:cNvSpPr>
-          <p:nvPr>
-            <p:ph type="sldNum" sz="quarter" idx="5"/>
-          </p:nvPr>
-        </p:nvSpPr>
-        <p:spPr/>
-        <p:txBody>
-          <a:bodyPr/>
-          <a:lstStyle/>
-          <a:p>
-            <a:fld id="{FFB500C5-13F7-48FC-8160-C29AECF6C602}" type="slidenum">
-              <a:rPr lang="en-US" smtClean="0"/>
-              <a:t>14</a:t>
-            </a:fld>
-            <a:endParaRPr lang="en-US"/>
-          </a:p>
-        </p:txBody>
-      </p:sp>
-    </p:spTree>
-    <p:extLst>
-      <p:ext uri="{BB962C8B-B14F-4D97-AF65-F5344CB8AC3E}">
-        <p14:creationId xmlns:p14="http://schemas.microsoft.com/office/powerpoint/2010/main" val="746477125"/>
-      </p:ext>
-    </p:extLst>
-  </p:cSld>
-  <p:clrMapOvr>
-    <a:masterClrMapping/>
-  </p:clrMapOvr>
-</p:notes>
-</file>
-
-<file path=ppt/notesSlides/notesSlide15.xml><?xml version="1.0" encoding="utf-8"?>
-<p:notes xmlns:a="http://schemas.openxmlformats.org/drawingml/2006/main" xmlns:r="http://schemas.openxmlformats.org/officeDocument/2006/relationships" xmlns:p="http://schemas.openxmlformats.org/presentationml/2006/main">
-  <p:cSld>
-    <p:spTree>
-      <p:nvGrpSpPr>
-        <p:cNvPr id="1" name=""/>
-        <p:cNvGrpSpPr/>
-        <p:nvPr/>
-      </p:nvGrpSpPr>
-      <p:grpSpPr>
-        <a:xfrm>
-          <a:off x="0" y="0"/>
-          <a:ext cx="0" cy="0"/>
-          <a:chOff x="0" y="0"/>
-          <a:chExt cx="0" cy="0"/>
-        </a:xfrm>
-      </p:grpSpPr>
-      <p:sp>
-        <p:nvSpPr>
-          <p:cNvPr id="2" name="Slide Image Placeholder 1"/>
-          <p:cNvSpPr>
-            <a:spLocks noGrp="1" noRot="1" noChangeAspect="1"/>
-          </p:cNvSpPr>
-          <p:nvPr>
-            <p:ph type="sldImg"/>
-          </p:nvPr>
-        </p:nvSpPr>
-        <p:spPr/>
-      </p:sp>
-      <p:sp>
-        <p:nvSpPr>
-          <p:cNvPr id="3" name="Notes Placeholder 2"/>
-          <p:cNvSpPr>
-            <a:spLocks noGrp="1"/>
-          </p:cNvSpPr>
-          <p:nvPr>
-            <p:ph type="body" idx="1"/>
-          </p:nvPr>
-        </p:nvSpPr>
-        <p:spPr/>
-        <p:txBody>
-          <a:bodyPr/>
-          <a:lstStyle/>
-          <a:p>
-            <a:r>
-              <a:rPr lang="en-US" dirty="0"/>
-              <a:t>Any questions on descriptive statistics? </a:t>
-            </a:r>
-          </a:p>
-        </p:txBody>
-      </p:sp>
-      <p:sp>
-        <p:nvSpPr>
-          <p:cNvPr id="4" name="Slide Number Placeholder 3"/>
-          <p:cNvSpPr>
-            <a:spLocks noGrp="1"/>
-          </p:cNvSpPr>
-          <p:nvPr>
-            <p:ph type="sldNum" sz="quarter" idx="5"/>
-          </p:nvPr>
-        </p:nvSpPr>
-        <p:spPr/>
-        <p:txBody>
-          <a:bodyPr/>
-          <a:lstStyle/>
-          <a:p>
-            <a:fld id="{FFB500C5-13F7-48FC-8160-C29AECF6C602}" type="slidenum">
-              <a:rPr lang="en-US" smtClean="0"/>
-              <a:t>15</a:t>
             </a:fld>
             <a:endParaRPr lang="en-US"/>
           </a:p>
@@ -1511,7 +1296,7 @@
           <a:p>
             <a:r>
               <a:rPr lang="en-US" dirty="0"/>
-              <a:t>Now I’m going to be very scientific here and go to Wikipedia to explain how extract, transform, load or ETL methodologies work.</a:t>
+              <a:t>Now you are hyped up Power Query, I think you are going to love it and it will be hard for you to remember the days when you didn’t have it. So let’s think about what we would do without Power Query. </a:t>
             </a:r>
           </a:p>
         </p:txBody>
@@ -1542,7 +1327,7 @@
     </p:spTree>
     <p:extLst>
       <p:ext uri="{BB962C8B-B14F-4D97-AF65-F5344CB8AC3E}">
-        <p14:creationId xmlns:p14="http://schemas.microsoft.com/office/powerpoint/2010/main" val="1543694555"/>
+        <p14:creationId xmlns:p14="http://schemas.microsoft.com/office/powerpoint/2010/main" val="3535360720"/>
       </p:ext>
     </p:extLst>
   </p:cSld>
@@ -1596,61 +1381,7 @@
           <a:bodyPr/>
           <a:lstStyle/>
           <a:p>
-            <a:r>
-              <a:rPr lang="en-US" dirty="0"/>
-              <a:t>So, you can see ETL achieves quite a few purposes, and as the name implies it works in three steps:</a:t>
-            </a:r>
-          </a:p>
-          <a:p>
-            <a:r>
-              <a:rPr lang="en-US" dirty="0"/>
-              <a:t>- First, you want to extract the information from some outside source, this can be anything from a database to a web page.</a:t>
-            </a:r>
-          </a:p>
-          <a:p>
-            <a:r>
-              <a:rPr lang="en-US" dirty="0"/>
-              <a:t>- Then, you want to transform it. This could be cleaning the data, filtering it, checking for assumptions, you get the idea.</a:t>
-            </a:r>
-          </a:p>
-          <a:p>
-            <a:r>
-              <a:rPr lang="en-US" dirty="0"/>
-              <a:t>- Finally, loading the data, this places it in a format that is accessible for end users to work with. </a:t>
-            </a:r>
-          </a:p>
-          <a:p>
             <a:endParaRPr lang="en-US" dirty="0"/>
-          </a:p>
-          <a:p>
-            <a:endParaRPr lang="en-US" dirty="0"/>
-          </a:p>
-          <a:p>
-            <a:endParaRPr lang="en-US" dirty="0"/>
-          </a:p>
-          <a:p>
-            <a:r>
-              <a:rPr lang="en-US" dirty="0"/>
-              <a:t>https://unsplash.com/photos/QUHlPs4y8PQ  </a:t>
-            </a:r>
-          </a:p>
-          <a:p>
-            <a:r>
-              <a:rPr lang="en-US" dirty="0"/>
-              <a:t>https://pixabay.com/photos/tee-tea-bags-teas-drink-herbal-tea-1252397/  </a:t>
-            </a:r>
-          </a:p>
-          <a:p>
-            <a:r>
-              <a:rPr lang="en-US" dirty="0"/>
-              <a:t>https://pixabay.com/photos/construction-worker-welding-welder-1717893/  </a:t>
-            </a:r>
-          </a:p>
-          <a:p>
-            <a:r>
-              <a:rPr lang="en-US" dirty="0"/>
-              <a:t>https://pixabay.com/photos/gift-box-gifts-packaging-box-2458012/  </a:t>
-            </a:r>
           </a:p>
         </p:txBody>
       </p:sp>
@@ -1680,7 +1411,7 @@
     </p:spTree>
     <p:extLst>
       <p:ext uri="{BB962C8B-B14F-4D97-AF65-F5344CB8AC3E}">
-        <p14:creationId xmlns:p14="http://schemas.microsoft.com/office/powerpoint/2010/main" val="3195903179"/>
+        <p14:creationId xmlns:p14="http://schemas.microsoft.com/office/powerpoint/2010/main" val="3625376761"/>
       </p:ext>
     </p:extLst>
   </p:cSld>
@@ -1736,7 +1467,7 @@
           <a:p>
             <a:r>
               <a:rPr lang="en-US" dirty="0"/>
-              <a:t>Now you are hyped up Power Query, I think you are going to love it and it will be hard for you to remember the days when you didn’t have it. So let’s think about what we would do without Power Query. </a:t>
+              <a:t>Now Power Query is more for data cleaning and transformation but of course we can’t clean unless we know what needs to be cleaned. So let’s look at some ways to do this. We will explore the data and see what we’re working with. </a:t>
             </a:r>
           </a:p>
         </p:txBody>
@@ -1767,7 +1498,7 @@
     </p:spTree>
     <p:extLst>
       <p:ext uri="{BB962C8B-B14F-4D97-AF65-F5344CB8AC3E}">
-        <p14:creationId xmlns:p14="http://schemas.microsoft.com/office/powerpoint/2010/main" val="3535360720"/>
+        <p14:creationId xmlns:p14="http://schemas.microsoft.com/office/powerpoint/2010/main" val="3097664856"/>
       </p:ext>
     </p:extLst>
   </p:cSld>
@@ -1821,7 +1552,24 @@
           <a:bodyPr/>
           <a:lstStyle/>
           <a:p>
-            <a:endParaRPr lang="en-US" dirty="0"/>
+            <a:r>
+              <a:rPr lang="en-US" dirty="0"/>
+              <a:t>Let’s practice on this</a:t>
+            </a:r>
+          </a:p>
+          <a:p>
+            <a:r>
+              <a:rPr lang="en-US" dirty="0"/>
+              <a:t>Of course there is a LOT more you can do here, you can work on rows, multiple datasets </a:t>
+            </a:r>
+            <a:r>
+              <a:rPr lang="en-US" dirty="0" err="1"/>
+              <a:t>etc</a:t>
+            </a:r>
+            <a:r>
+              <a:rPr lang="en-US" dirty="0"/>
+              <a:t> but we’ll focus on the very beginning stuff here. </a:t>
+            </a:r>
           </a:p>
         </p:txBody>
       </p:sp>
@@ -1851,7 +1599,7 @@
     </p:spTree>
     <p:extLst>
       <p:ext uri="{BB962C8B-B14F-4D97-AF65-F5344CB8AC3E}">
-        <p14:creationId xmlns:p14="http://schemas.microsoft.com/office/powerpoint/2010/main" val="3625376761"/>
+        <p14:creationId xmlns:p14="http://schemas.microsoft.com/office/powerpoint/2010/main" val="1531584346"/>
       </p:ext>
     </p:extLst>
   </p:cSld>
@@ -1905,9 +1653,34 @@
           <a:bodyPr/>
           <a:lstStyle/>
           <a:p>
-            <a:r>
-              <a:rPr lang="en-US" dirty="0"/>
-              <a:t>Now Power Query is more for data cleaning and transformation but of course we can’t clean unless we know what needs to be cleaned. So let’s look at some ways to do this. We will explore the data and see what we’re working with. </a:t>
+            <a:pPr marL="0" marR="0" lvl="0" indent="0" algn="l" defTabSz="914400" rtl="0" eaLnBrk="1" fontAlgn="auto" latinLnBrk="0" hangingPunct="1">
+              <a:lnSpc>
+                <a:spcPct val="100000"/>
+              </a:lnSpc>
+              <a:spcBef>
+                <a:spcPts val="0"/>
+              </a:spcBef>
+              <a:spcAft>
+                <a:spcPts val="0"/>
+              </a:spcAft>
+              <a:buClrTx/>
+              <a:buSzTx/>
+              <a:buFontTx/>
+              <a:buNone/>
+              <a:tabLst/>
+              <a:defRPr/>
+            </a:pPr>
+            <a:r>
+              <a:rPr lang="en-US" sz="1200" kern="1200" dirty="0">
+                <a:solidFill>
+                  <a:schemeClr val="tx1"/>
+                </a:solidFill>
+                <a:effectLst/>
+                <a:latin typeface="+mn-lt"/>
+                <a:ea typeface="+mn-ea"/>
+                <a:cs typeface="+mn-cs"/>
+              </a:rPr>
+              <a:t>If you are looking to individually take a Power Query class I have a surprise here at the end… </a:t>
             </a:r>
           </a:p>
         </p:txBody>
@@ -1938,7 +1711,7 @@
     </p:spTree>
     <p:extLst>
       <p:ext uri="{BB962C8B-B14F-4D97-AF65-F5344CB8AC3E}">
-        <p14:creationId xmlns:p14="http://schemas.microsoft.com/office/powerpoint/2010/main" val="3097664856"/>
+        <p14:creationId xmlns:p14="http://schemas.microsoft.com/office/powerpoint/2010/main" val="3644834246"/>
       </p:ext>
     </p:extLst>
   </p:cSld>
@@ -2128,7 +1901,7 @@
             <a:fld id="{1D8BD707-D9CF-40AE-B4C6-C98DA3205C09}" type="datetimeFigureOut">
               <a:rPr lang="en-US" smtClean="0"/>
               <a:pPr/>
-              <a:t>8/24/2022</a:t>
+              <a:t>8/31/2022</a:t>
             </a:fld>
             <a:endParaRPr lang="en-US"/>
           </a:p>
@@ -2293,7 +2066,7 @@
             <a:fld id="{1D8BD707-D9CF-40AE-B4C6-C98DA3205C09}" type="datetimeFigureOut">
               <a:rPr lang="en-US" smtClean="0"/>
               <a:pPr/>
-              <a:t>8/24/2022</a:t>
+              <a:t>8/31/2022</a:t>
             </a:fld>
             <a:endParaRPr lang="en-US"/>
           </a:p>
@@ -2468,7 +2241,7 @@
             <a:fld id="{1D8BD707-D9CF-40AE-B4C6-C98DA3205C09}" type="datetimeFigureOut">
               <a:rPr lang="en-US" smtClean="0"/>
               <a:pPr/>
-              <a:t>8/24/2022</a:t>
+              <a:t>8/31/2022</a:t>
             </a:fld>
             <a:endParaRPr lang="en-US"/>
           </a:p>
@@ -2633,7 +2406,7 @@
             <a:fld id="{1D8BD707-D9CF-40AE-B4C6-C98DA3205C09}" type="datetimeFigureOut">
               <a:rPr lang="en-US" smtClean="0"/>
               <a:pPr/>
-              <a:t>8/24/2022</a:t>
+              <a:t>8/31/2022</a:t>
             </a:fld>
             <a:endParaRPr lang="en-US"/>
           </a:p>
@@ -2875,7 +2648,7 @@
             <a:fld id="{1D8BD707-D9CF-40AE-B4C6-C98DA3205C09}" type="datetimeFigureOut">
               <a:rPr lang="en-US" smtClean="0"/>
               <a:pPr/>
-              <a:t>8/24/2022</a:t>
+              <a:t>8/31/2022</a:t>
             </a:fld>
             <a:endParaRPr lang="en-US"/>
           </a:p>
@@ -3157,7 +2930,7 @@
             <a:fld id="{1D8BD707-D9CF-40AE-B4C6-C98DA3205C09}" type="datetimeFigureOut">
               <a:rPr lang="en-US" smtClean="0"/>
               <a:pPr/>
-              <a:t>8/24/2022</a:t>
+              <a:t>8/31/2022</a:t>
             </a:fld>
             <a:endParaRPr lang="en-US"/>
           </a:p>
@@ -3573,7 +3346,7 @@
             <a:fld id="{1D8BD707-D9CF-40AE-B4C6-C98DA3205C09}" type="datetimeFigureOut">
               <a:rPr lang="en-US" smtClean="0"/>
               <a:pPr/>
-              <a:t>8/24/2022</a:t>
+              <a:t>8/31/2022</a:t>
             </a:fld>
             <a:endParaRPr lang="en-US"/>
           </a:p>
@@ -3687,7 +3460,7 @@
             <a:fld id="{1D8BD707-D9CF-40AE-B4C6-C98DA3205C09}" type="datetimeFigureOut">
               <a:rPr lang="en-US" smtClean="0"/>
               <a:pPr/>
-              <a:t>8/24/2022</a:t>
+              <a:t>8/31/2022</a:t>
             </a:fld>
             <a:endParaRPr lang="en-US"/>
           </a:p>
@@ -3779,7 +3552,7 @@
             <a:fld id="{1D8BD707-D9CF-40AE-B4C6-C98DA3205C09}" type="datetimeFigureOut">
               <a:rPr lang="en-US" smtClean="0"/>
               <a:pPr/>
-              <a:t>8/24/2022</a:t>
+              <a:t>8/31/2022</a:t>
             </a:fld>
             <a:endParaRPr lang="en-US"/>
           </a:p>
@@ -4051,7 +3824,7 @@
             <a:fld id="{1D8BD707-D9CF-40AE-B4C6-C98DA3205C09}" type="datetimeFigureOut">
               <a:rPr lang="en-US" smtClean="0"/>
               <a:pPr/>
-              <a:t>8/24/2022</a:t>
+              <a:t>8/31/2022</a:t>
             </a:fld>
             <a:endParaRPr lang="en-US"/>
           </a:p>
@@ -4300,7 +4073,7 @@
             <a:fld id="{1D8BD707-D9CF-40AE-B4C6-C98DA3205C09}" type="datetimeFigureOut">
               <a:rPr lang="en-US" smtClean="0"/>
               <a:pPr/>
-              <a:t>8/24/2022</a:t>
+              <a:t>8/31/2022</a:t>
             </a:fld>
             <a:endParaRPr lang="en-US"/>
           </a:p>
@@ -4513,7 +4286,7 @@
             <a:fld id="{1D8BD707-D9CF-40AE-B4C6-C98DA3205C09}" type="datetimeFigureOut">
               <a:rPr lang="en-US" smtClean="0"/>
               <a:pPr/>
-              <a:t>8/24/2022</a:t>
+              <a:t>8/31/2022</a:t>
             </a:fld>
             <a:endParaRPr lang="en-US"/>
           </a:p>
@@ -4884,127 +4657,12 @@
           <a:chExt cx="0" cy="0"/>
         </a:xfrm>
       </p:grpSpPr>
-      <p:grpSp>
-        <p:nvGrpSpPr>
-          <p:cNvPr id="2" name="Group 2"/>
-          <p:cNvGrpSpPr/>
-          <p:nvPr/>
-        </p:nvGrpSpPr>
-        <p:grpSpPr>
-          <a:xfrm rot="5400000">
-            <a:off x="-6053" y="6053"/>
-            <a:ext cx="7565692" cy="7553587"/>
-            <a:chOff x="0" y="0"/>
-            <a:chExt cx="6350000" cy="6339840"/>
-          </a:xfrm>
-        </p:grpSpPr>
-        <p:sp>
-          <p:nvSpPr>
-            <p:cNvPr id="3" name="Freeform 3"/>
-            <p:cNvSpPr/>
-            <p:nvPr/>
-          </p:nvSpPr>
-          <p:spPr>
-            <a:xfrm>
-              <a:off x="0" y="0"/>
-              <a:ext cx="6350000" cy="6339840"/>
-            </a:xfrm>
-            <a:custGeom>
-              <a:avLst/>
-              <a:gdLst/>
-              <a:ahLst/>
-              <a:cxnLst/>
-              <a:rect l="l" t="t" r="r" b="b"/>
-              <a:pathLst>
-                <a:path w="6350000" h="6339840">
-                  <a:moveTo>
-                    <a:pt x="6350000" y="6339840"/>
-                  </a:moveTo>
-                  <a:lnTo>
-                    <a:pt x="0" y="6339840"/>
-                  </a:lnTo>
-                  <a:lnTo>
-                    <a:pt x="0" y="0"/>
-                  </a:lnTo>
-                  <a:close/>
-                </a:path>
-              </a:pathLst>
-            </a:custGeom>
-            <a:solidFill>
-              <a:srgbClr val="CF3338"/>
-            </a:solidFill>
-          </p:spPr>
-        </p:sp>
-      </p:grpSp>
       <p:pic>
         <p:nvPicPr>
-          <p:cNvPr id="7" name="Picture 7"/>
-          <p:cNvPicPr>
-            <a:picLocks noChangeAspect="1"/>
-          </p:cNvPicPr>
-          <p:nvPr/>
-        </p:nvPicPr>
-        <p:blipFill>
-          <a:blip r:embed="rId3"/>
-          <a:srcRect/>
-          <a:stretch>
-            <a:fillRect/>
-          </a:stretch>
-        </p:blipFill>
-        <p:spPr>
-          <a:xfrm>
-            <a:off x="11095486" y="-952760"/>
-            <a:ext cx="6699438" cy="4911526"/>
-          </a:xfrm>
-          <a:prstGeom prst="rect">
-            <a:avLst/>
-          </a:prstGeom>
-        </p:spPr>
-      </p:pic>
-      <p:sp>
-        <p:nvSpPr>
-          <p:cNvPr id="8" name="TextBox 8"/>
-          <p:cNvSpPr txBox="1"/>
-          <p:nvPr/>
-        </p:nvSpPr>
-        <p:spPr>
-          <a:xfrm>
-            <a:off x="3716308" y="4022266"/>
-            <a:ext cx="13542992" cy="5626540"/>
-          </a:xfrm>
-          <a:prstGeom prst="rect">
-            <a:avLst/>
-          </a:prstGeom>
-        </p:spPr>
-        <p:txBody>
-          <a:bodyPr lIns="0" tIns="0" rIns="0" bIns="0" rtlCol="0" anchor="t">
-            <a:spAutoFit/>
-          </a:bodyPr>
-          <a:lstStyle/>
-          <a:p>
-            <a:pPr algn="r">
-              <a:lnSpc>
-                <a:spcPts val="10900"/>
-              </a:lnSpc>
-            </a:pPr>
-            <a:r>
-              <a:rPr lang="en-US" sz="10000" spc="600" dirty="0">
-                <a:solidFill>
-                  <a:srgbClr val="000000"/>
-                </a:solidFill>
-                <a:latin typeface="League Spartan Bold"/>
-              </a:rPr>
-              <a:t>FIRST STEPS FOR POWER QUERY WITH MICROSOFT EXCEL</a:t>
-            </a:r>
-          </a:p>
-        </p:txBody>
-      </p:sp>
-      <p:pic>
-        <p:nvPicPr>
-          <p:cNvPr id="10" name="Picture 9" descr="A picture containing graphical user interface&#10;&#10;Description automatically generated">
+          <p:cNvPr id="5" name="Picture 4" descr="A close-up of a road&#10;&#10;Description automatically generated with low confidence">
             <a:extLst>
               <a:ext uri="{FF2B5EF4-FFF2-40B4-BE49-F238E27FC236}">
-                <a16:creationId xmlns:a16="http://schemas.microsoft.com/office/drawing/2014/main" id="{94F1CEDF-D95F-41D3-B107-8A9663BF56F3}"/>
+                <a16:creationId xmlns:a16="http://schemas.microsoft.com/office/drawing/2014/main" id="{96DC61DE-B7CF-40E2-331B-7751EAA313E0}"/>
               </a:ext>
             </a:extLst>
           </p:cNvPr>
@@ -5014,7 +4672,7 @@
           <p:nvPr/>
         </p:nvPicPr>
         <p:blipFill>
-          <a:blip r:embed="rId4">
+          <a:blip r:embed="rId3">
             <a:extLst>
               <a:ext uri="{28A0092B-C50C-407E-A947-70E740481C1C}">
                 <a14:useLocalDpi xmlns:a14="http://schemas.microsoft.com/office/drawing/2010/main" val="0"/>
@@ -5027,8 +4685,8 @@
         </p:blipFill>
         <p:spPr>
           <a:xfrm>
-            <a:off x="-1" y="0"/>
-            <a:ext cx="18288002" cy="10287000"/>
+            <a:off x="0" y="459535"/>
+            <a:ext cx="18288000" cy="9858376"/>
           </a:xfrm>
           <a:prstGeom prst="rect">
             <a:avLst/>
@@ -5044,522 +4702,6 @@
 </file>
 
 <file path=ppt/slides/slide10.xml><?xml version="1.0" encoding="utf-8"?>
-<p:sld xmlns:a="http://schemas.openxmlformats.org/drawingml/2006/main" xmlns:r="http://schemas.openxmlformats.org/officeDocument/2006/relationships" xmlns:p="http://schemas.openxmlformats.org/presentationml/2006/main">
-  <p:cSld>
-    <p:spTree>
-      <p:nvGrpSpPr>
-        <p:cNvPr id="1" name=""/>
-        <p:cNvGrpSpPr/>
-        <p:nvPr/>
-      </p:nvGrpSpPr>
-      <p:grpSpPr>
-        <a:xfrm>
-          <a:off x="0" y="0"/>
-          <a:ext cx="0" cy="0"/>
-          <a:chOff x="0" y="0"/>
-          <a:chExt cx="0" cy="0"/>
-        </a:xfrm>
-      </p:grpSpPr>
-      <p:pic>
-        <p:nvPicPr>
-          <p:cNvPr id="8" name="Picture 8"/>
-          <p:cNvPicPr>
-            <a:picLocks noChangeAspect="1"/>
-          </p:cNvPicPr>
-          <p:nvPr/>
-        </p:nvPicPr>
-        <p:blipFill>
-          <a:blip r:embed="rId3"/>
-          <a:srcRect/>
-          <a:stretch>
-            <a:fillRect/>
-          </a:stretch>
-        </p:blipFill>
-        <p:spPr>
-          <a:xfrm>
-            <a:off x="16459200" y="-99077"/>
-            <a:ext cx="2005783" cy="1470490"/>
-          </a:xfrm>
-          <a:prstGeom prst="rect">
-            <a:avLst/>
-          </a:prstGeom>
-        </p:spPr>
-      </p:pic>
-      <p:sp>
-        <p:nvSpPr>
-          <p:cNvPr id="9" name="TextBox 9"/>
-          <p:cNvSpPr txBox="1"/>
-          <p:nvPr/>
-        </p:nvSpPr>
-        <p:spPr>
-          <a:xfrm>
-            <a:off x="838200" y="617118"/>
-            <a:ext cx="15631206" cy="1209818"/>
-          </a:xfrm>
-          <a:prstGeom prst="rect">
-            <a:avLst/>
-          </a:prstGeom>
-        </p:spPr>
-        <p:txBody>
-          <a:bodyPr wrap="square" lIns="0" tIns="0" rIns="0" bIns="0" rtlCol="0" anchor="t">
-            <a:spAutoFit/>
-          </a:bodyPr>
-          <a:lstStyle/>
-          <a:p>
-            <a:pPr>
-              <a:lnSpc>
-                <a:spcPts val="10080"/>
-              </a:lnSpc>
-              <a:spcBef>
-                <a:spcPct val="0"/>
-              </a:spcBef>
-            </a:pPr>
-            <a:r>
-              <a:rPr lang="en-US" sz="7200" dirty="0">
-                <a:solidFill>
-                  <a:srgbClr val="000000"/>
-                </a:solidFill>
-                <a:latin typeface="Open Sans Extra Bold"/>
-              </a:rPr>
-              <a:t>DEMO: MANIPULATING ROWS</a:t>
-            </a:r>
-          </a:p>
-        </p:txBody>
-      </p:sp>
-      <p:pic>
-        <p:nvPicPr>
-          <p:cNvPr id="5" name="Picture 6">
-            <a:extLst>
-              <a:ext uri="{FF2B5EF4-FFF2-40B4-BE49-F238E27FC236}">
-                <a16:creationId xmlns:a16="http://schemas.microsoft.com/office/drawing/2014/main" id="{01C401A0-8EBC-47CA-B2DE-F204DE6EEF54}"/>
-              </a:ext>
-            </a:extLst>
-          </p:cNvPr>
-          <p:cNvPicPr>
-            <a:picLocks noChangeAspect="1"/>
-          </p:cNvPicPr>
-          <p:nvPr/>
-        </p:nvPicPr>
-        <p:blipFill>
-          <a:blip r:embed="rId4"/>
-          <a:srcRect b="44190"/>
-          <a:stretch>
-            <a:fillRect/>
-          </a:stretch>
-        </p:blipFill>
-        <p:spPr>
-          <a:xfrm>
-            <a:off x="16095120" y="9265255"/>
-            <a:ext cx="2013122" cy="823680"/>
-          </a:xfrm>
-          <a:prstGeom prst="rect">
-            <a:avLst/>
-          </a:prstGeom>
-        </p:spPr>
-      </p:pic>
-      <p:sp>
-        <p:nvSpPr>
-          <p:cNvPr id="2" name="TextBox 1">
-            <a:extLst>
-              <a:ext uri="{FF2B5EF4-FFF2-40B4-BE49-F238E27FC236}">
-                <a16:creationId xmlns:a16="http://schemas.microsoft.com/office/drawing/2014/main" id="{DA7E4D39-AF17-46FE-A0C7-071D1DD526E8}"/>
-              </a:ext>
-            </a:extLst>
-          </p:cNvPr>
-          <p:cNvSpPr txBox="1"/>
-          <p:nvPr/>
-        </p:nvSpPr>
-        <p:spPr>
-          <a:xfrm>
-            <a:off x="857250" y="1943100"/>
-            <a:ext cx="12877800" cy="707886"/>
-          </a:xfrm>
-          <a:prstGeom prst="rect">
-            <a:avLst/>
-          </a:prstGeom>
-          <a:noFill/>
-        </p:spPr>
-        <p:txBody>
-          <a:bodyPr wrap="square" rtlCol="0">
-            <a:spAutoFit/>
-          </a:bodyPr>
-          <a:lstStyle/>
-          <a:p>
-            <a:pPr marL="571500" indent="-571500">
-              <a:buFont typeface="Arial" panose="020B0604020202020204" pitchFamily="34" charset="0"/>
-              <a:buChar char="•"/>
-            </a:pPr>
-            <a:r>
-              <a:rPr lang="en-US" sz="4000" dirty="0">
-                <a:latin typeface="Gidole" panose="02000503000000000000" pitchFamily="50" charset="0"/>
-              </a:rPr>
-              <a:t>File: </a:t>
-            </a:r>
-            <a:r>
-              <a:rPr lang="en-US" sz="4000" dirty="0">
-                <a:latin typeface="Roboto Mono" pitchFamily="2" charset="0"/>
-                <a:ea typeface="Roboto Mono" pitchFamily="2" charset="0"/>
-              </a:rPr>
-              <a:t>office-rsvps.xlsx</a:t>
-            </a:r>
-          </a:p>
-        </p:txBody>
-      </p:sp>
-    </p:spTree>
-    <p:extLst>
-      <p:ext uri="{BB962C8B-B14F-4D97-AF65-F5344CB8AC3E}">
-        <p14:creationId xmlns:p14="http://schemas.microsoft.com/office/powerpoint/2010/main" val="737950228"/>
-      </p:ext>
-    </p:extLst>
-  </p:cSld>
-  <p:clrMapOvr>
-    <a:masterClrMapping/>
-  </p:clrMapOvr>
-</p:sld>
-</file>
-
-<file path=ppt/slides/slide11.xml><?xml version="1.0" encoding="utf-8"?>
-<p:sld xmlns:a="http://schemas.openxmlformats.org/drawingml/2006/main" xmlns:r="http://schemas.openxmlformats.org/officeDocument/2006/relationships" xmlns:p="http://schemas.openxmlformats.org/presentationml/2006/main">
-  <p:cSld>
-    <p:spTree>
-      <p:nvGrpSpPr>
-        <p:cNvPr id="1" name=""/>
-        <p:cNvGrpSpPr/>
-        <p:nvPr/>
-      </p:nvGrpSpPr>
-      <p:grpSpPr>
-        <a:xfrm>
-          <a:off x="0" y="0"/>
-          <a:ext cx="0" cy="0"/>
-          <a:chOff x="0" y="0"/>
-          <a:chExt cx="0" cy="0"/>
-        </a:xfrm>
-      </p:grpSpPr>
-      <p:sp>
-        <p:nvSpPr>
-          <p:cNvPr id="2" name="AutoShape 2"/>
-          <p:cNvSpPr/>
-          <p:nvPr/>
-        </p:nvSpPr>
-        <p:spPr>
-          <a:xfrm>
-            <a:off x="0" y="-56390"/>
-            <a:ext cx="10283741" cy="10399781"/>
-          </a:xfrm>
-          <a:prstGeom prst="rect">
-            <a:avLst/>
-          </a:prstGeom>
-          <a:solidFill>
-            <a:srgbClr val="CF3338"/>
-          </a:solidFill>
-        </p:spPr>
-      </p:sp>
-      <p:grpSp>
-        <p:nvGrpSpPr>
-          <p:cNvPr id="3" name="Group 3"/>
-          <p:cNvGrpSpPr/>
-          <p:nvPr/>
-        </p:nvGrpSpPr>
-        <p:grpSpPr>
-          <a:xfrm rot="5400000">
-            <a:off x="9957" y="-9957"/>
-            <a:ext cx="10263828" cy="10283741"/>
-            <a:chOff x="0" y="0"/>
-            <a:chExt cx="6350000" cy="6339840"/>
-          </a:xfrm>
-        </p:grpSpPr>
-        <p:sp>
-          <p:nvSpPr>
-            <p:cNvPr id="4" name="Freeform 4"/>
-            <p:cNvSpPr/>
-            <p:nvPr/>
-          </p:nvSpPr>
-          <p:spPr>
-            <a:xfrm>
-              <a:off x="0" y="0"/>
-              <a:ext cx="6350000" cy="6339840"/>
-            </a:xfrm>
-            <a:custGeom>
-              <a:avLst/>
-              <a:gdLst/>
-              <a:ahLst/>
-              <a:cxnLst/>
-              <a:rect l="l" t="t" r="r" b="b"/>
-              <a:pathLst>
-                <a:path w="6350000" h="6339840">
-                  <a:moveTo>
-                    <a:pt x="6350000" y="6339840"/>
-                  </a:moveTo>
-                  <a:lnTo>
-                    <a:pt x="0" y="6339840"/>
-                  </a:lnTo>
-                  <a:lnTo>
-                    <a:pt x="0" y="0"/>
-                  </a:lnTo>
-                  <a:close/>
-                </a:path>
-              </a:pathLst>
-            </a:custGeom>
-            <a:solidFill>
-              <a:srgbClr val="3D3935">
-                <a:alpha val="19607"/>
-              </a:srgbClr>
-            </a:solidFill>
-          </p:spPr>
-        </p:sp>
-      </p:grpSp>
-      <p:sp>
-        <p:nvSpPr>
-          <p:cNvPr id="5" name="TextBox 5"/>
-          <p:cNvSpPr txBox="1"/>
-          <p:nvPr/>
-        </p:nvSpPr>
-        <p:spPr>
-          <a:xfrm>
-            <a:off x="1329711" y="2960593"/>
-            <a:ext cx="7624318" cy="1690784"/>
-          </a:xfrm>
-          <a:prstGeom prst="rect">
-            <a:avLst/>
-          </a:prstGeom>
-        </p:spPr>
-        <p:txBody>
-          <a:bodyPr lIns="0" tIns="0" rIns="0" bIns="0" rtlCol="0" anchor="t">
-            <a:spAutoFit/>
-          </a:bodyPr>
-          <a:lstStyle/>
-          <a:p>
-            <a:pPr marL="457200" indent="-457200">
-              <a:lnSpc>
-                <a:spcPts val="4522"/>
-              </a:lnSpc>
-              <a:buFont typeface="Arial" panose="020B0604020202020204" pitchFamily="34" charset="0"/>
-              <a:buChar char="•"/>
-            </a:pPr>
-            <a:r>
-              <a:rPr lang="en-US" sz="3400" spc="340" dirty="0">
-                <a:solidFill>
-                  <a:schemeClr val="bg1"/>
-                </a:solidFill>
-                <a:latin typeface="Gidole"/>
-              </a:rPr>
-              <a:t>Learn more and connect at </a:t>
-            </a:r>
-            <a:r>
-              <a:rPr lang="en-US" sz="3400" spc="340" dirty="0">
-                <a:solidFill>
-                  <a:schemeClr val="bg1"/>
-                </a:solidFill>
-                <a:latin typeface="Gidole"/>
-                <a:hlinkClick r:id="rId3">
-                  <a:extLst>
-                    <a:ext uri="{A12FA001-AC4F-418D-AE19-62706E023703}">
-                      <ahyp:hlinkClr xmlns:ahyp="http://schemas.microsoft.com/office/drawing/2018/hyperlinkcolor" val="tx"/>
-                    </a:ext>
-                  </a:extLst>
-                </a:hlinkClick>
-              </a:rPr>
-              <a:t>https://social.stringfestanalytics.com/pq-workshops </a:t>
-            </a:r>
-            <a:endParaRPr lang="en-US" sz="3400" spc="340" dirty="0">
-              <a:solidFill>
-                <a:schemeClr val="bg1"/>
-              </a:solidFill>
-              <a:latin typeface="Gidole"/>
-            </a:endParaRPr>
-          </a:p>
-        </p:txBody>
-      </p:sp>
-      <p:sp>
-        <p:nvSpPr>
-          <p:cNvPr id="6" name="TextBox 6"/>
-          <p:cNvSpPr txBox="1"/>
-          <p:nvPr/>
-        </p:nvSpPr>
-        <p:spPr>
-          <a:xfrm rot="5400000">
-            <a:off x="15031804" y="6973654"/>
-            <a:ext cx="3734903" cy="834390"/>
-          </a:xfrm>
-          <a:prstGeom prst="rect">
-            <a:avLst/>
-          </a:prstGeom>
-        </p:spPr>
-        <p:txBody>
-          <a:bodyPr lIns="0" tIns="0" rIns="0" bIns="0" rtlCol="0" anchor="t">
-            <a:spAutoFit/>
-          </a:bodyPr>
-          <a:lstStyle/>
-          <a:p>
-            <a:pPr algn="r">
-              <a:lnSpc>
-                <a:spcPts val="3359"/>
-              </a:lnSpc>
-            </a:pPr>
-            <a:r>
-              <a:rPr lang="en-US" sz="2400" spc="192">
-                <a:solidFill>
-                  <a:srgbClr val="F2F0F4"/>
-                </a:solidFill>
-                <a:latin typeface="Gidole"/>
-              </a:rPr>
-              <a:t>Human Centered Design • MDLS 2020</a:t>
-            </a:r>
-          </a:p>
-        </p:txBody>
-      </p:sp>
-      <p:pic>
-        <p:nvPicPr>
-          <p:cNvPr id="7" name="Picture 7"/>
-          <p:cNvPicPr>
-            <a:picLocks noChangeAspect="1"/>
-          </p:cNvPicPr>
-          <p:nvPr/>
-        </p:nvPicPr>
-        <p:blipFill>
-          <a:blip r:embed="rId4"/>
-          <a:srcRect/>
-          <a:stretch>
-            <a:fillRect/>
-          </a:stretch>
-        </p:blipFill>
-        <p:spPr>
-          <a:xfrm>
-            <a:off x="16100583" y="9258300"/>
-            <a:ext cx="2005783" cy="1470490"/>
-          </a:xfrm>
-          <a:prstGeom prst="rect">
-            <a:avLst/>
-          </a:prstGeom>
-        </p:spPr>
-      </p:pic>
-      <p:sp>
-        <p:nvSpPr>
-          <p:cNvPr id="9" name="TextBox 9"/>
-          <p:cNvSpPr txBox="1"/>
-          <p:nvPr/>
-        </p:nvSpPr>
-        <p:spPr>
-          <a:xfrm>
-            <a:off x="657572" y="942975"/>
-            <a:ext cx="8486428" cy="1485663"/>
-          </a:xfrm>
-          <a:prstGeom prst="rect">
-            <a:avLst/>
-          </a:prstGeom>
-        </p:spPr>
-        <p:txBody>
-          <a:bodyPr lIns="0" tIns="0" rIns="0" bIns="0" rtlCol="0" anchor="t">
-            <a:spAutoFit/>
-          </a:bodyPr>
-          <a:lstStyle/>
-          <a:p>
-            <a:pPr>
-              <a:lnSpc>
-                <a:spcPts val="5880"/>
-              </a:lnSpc>
-              <a:spcBef>
-                <a:spcPct val="0"/>
-              </a:spcBef>
-            </a:pPr>
-            <a:r>
-              <a:rPr lang="en-US" sz="4200" dirty="0">
-                <a:solidFill>
-                  <a:srgbClr val="FFFFFF"/>
-                </a:solidFill>
-                <a:latin typeface="League Spartan"/>
-              </a:rPr>
-              <a:t>Power Query corporate training</a:t>
-            </a:r>
-          </a:p>
-        </p:txBody>
-      </p:sp>
-      <p:pic>
-        <p:nvPicPr>
-          <p:cNvPr id="10" name="Picture 9" descr="Text&#10;&#10;Description automatically generated">
-            <a:extLst>
-              <a:ext uri="{FF2B5EF4-FFF2-40B4-BE49-F238E27FC236}">
-                <a16:creationId xmlns:a16="http://schemas.microsoft.com/office/drawing/2014/main" id="{E63B4FF6-BF88-4463-8657-7F5CDE66BB1D}"/>
-              </a:ext>
-            </a:extLst>
-          </p:cNvPr>
-          <p:cNvPicPr>
-            <a:picLocks noChangeAspect="1"/>
-          </p:cNvPicPr>
-          <p:nvPr/>
-        </p:nvPicPr>
-        <p:blipFill>
-          <a:blip r:embed="rId5" cstate="print">
-            <a:extLst>
-              <a:ext uri="{28A0092B-C50C-407E-A947-70E740481C1C}">
-                <a14:useLocalDpi xmlns:a14="http://schemas.microsoft.com/office/drawing/2010/main" val="0"/>
-              </a:ext>
-            </a:extLst>
-          </a:blip>
-          <a:stretch>
-            <a:fillRect/>
-          </a:stretch>
-        </p:blipFill>
-        <p:spPr>
-          <a:xfrm>
-            <a:off x="11094686" y="752926"/>
-            <a:ext cx="6336807" cy="8200574"/>
-          </a:xfrm>
-          <a:prstGeom prst="rect">
-            <a:avLst/>
-          </a:prstGeom>
-        </p:spPr>
-      </p:pic>
-      <p:pic>
-        <p:nvPicPr>
-          <p:cNvPr id="11" name="Picture 10" descr="Qr code&#10;&#10;Description automatically generated">
-            <a:extLst>
-              <a:ext uri="{FF2B5EF4-FFF2-40B4-BE49-F238E27FC236}">
-                <a16:creationId xmlns:a16="http://schemas.microsoft.com/office/drawing/2014/main" id="{745137F5-7D9B-7863-8E4A-8A625B048E74}"/>
-              </a:ext>
-            </a:extLst>
-          </p:cNvPr>
-          <p:cNvPicPr>
-            <a:picLocks noChangeAspect="1"/>
-          </p:cNvPicPr>
-          <p:nvPr/>
-        </p:nvPicPr>
-        <p:blipFill>
-          <a:blip r:embed="rId6" cstate="print">
-            <a:extLst>
-              <a:ext uri="{28A0092B-C50C-407E-A947-70E740481C1C}">
-                <a14:useLocalDpi xmlns:a14="http://schemas.microsoft.com/office/drawing/2010/main" val="0"/>
-              </a:ext>
-            </a:extLst>
-          </a:blip>
-          <a:stretch>
-            <a:fillRect/>
-          </a:stretch>
-        </p:blipFill>
-        <p:spPr>
-          <a:xfrm>
-            <a:off x="533400" y="6819900"/>
-            <a:ext cx="2895600" cy="2895600"/>
-          </a:xfrm>
-          <a:prstGeom prst="rect">
-            <a:avLst/>
-          </a:prstGeom>
-        </p:spPr>
-      </p:pic>
-    </p:spTree>
-    <p:extLst>
-      <p:ext uri="{BB962C8B-B14F-4D97-AF65-F5344CB8AC3E}">
-        <p14:creationId xmlns:p14="http://schemas.microsoft.com/office/powerpoint/2010/main" val="3987180466"/>
-      </p:ext>
-    </p:extLst>
-  </p:cSld>
-  <p:clrMapOvr>
-    <a:masterClrMapping/>
-  </p:clrMapOvr>
-</p:sld>
-</file>
-
-<file path=ppt/slides/slide12.xml><?xml version="1.0" encoding="utf-8"?>
 <p:sld xmlns:a="http://schemas.openxmlformats.org/drawingml/2006/main" xmlns:r="http://schemas.openxmlformats.org/officeDocument/2006/relationships" xmlns:p="http://schemas.openxmlformats.org/presentationml/2006/main">
   <p:cSld>
     <p:bg>
@@ -6130,7 +5272,7 @@
 </p:sld>
 </file>
 
-<file path=ppt/slides/slide13.xml><?xml version="1.0" encoding="utf-8"?>
+<file path=ppt/slides/slide11.xml><?xml version="1.0" encoding="utf-8"?>
 <p:sld xmlns:a="http://schemas.openxmlformats.org/drawingml/2006/main" xmlns:r="http://schemas.openxmlformats.org/officeDocument/2006/relationships" xmlns:p="http://schemas.openxmlformats.org/presentationml/2006/main">
   <p:cSld>
     <p:spTree>
@@ -6354,7 +5496,7 @@
 </p:sld>
 </file>
 
-<file path=ppt/slides/slide14.xml><?xml version="1.0" encoding="utf-8"?>
+<file path=ppt/slides/slide12.xml><?xml version="1.0" encoding="utf-8"?>
 <p:sld xmlns:a="http://schemas.openxmlformats.org/drawingml/2006/main" xmlns:r="http://schemas.openxmlformats.org/officeDocument/2006/relationships" xmlns:p="http://schemas.openxmlformats.org/presentationml/2006/main">
   <p:cSld>
     <p:spTree>
@@ -6560,7 +5702,7 @@
 </p:sld>
 </file>
 
-<file path=ppt/slides/slide15.xml><?xml version="1.0" encoding="utf-8"?>
+<file path=ppt/slides/slide13.xml><?xml version="1.0" encoding="utf-8"?>
 <p:sld xmlns:a="http://schemas.openxmlformats.org/drawingml/2006/main" xmlns:r="http://schemas.openxmlformats.org/officeDocument/2006/relationships" xmlns:p="http://schemas.openxmlformats.org/presentationml/2006/main">
   <p:cSld>
     <p:spTree>
@@ -7916,7 +7058,7 @@
         <p:spPr>
           <a:xfrm>
             <a:off x="2112471" y="3337024"/>
-            <a:ext cx="6943162" cy="8371523"/>
+            <a:ext cx="6943162" cy="7355860"/>
           </a:xfrm>
           <a:prstGeom prst="rect">
             <a:avLst/>
@@ -7947,7 +7089,7 @@
                 <a:latin typeface="Gidole"/>
                 <a:hlinkClick r:id="rId4"/>
               </a:rPr>
-              <a:t>https://swiy.co/pq-pdq-zip</a:t>
+              <a:t>https://swiy.co/pp-pdq</a:t>
             </a:r>
             <a:r>
               <a:rPr lang="en-US" sz="8000" spc="30" dirty="0">
@@ -7958,9 +7100,6 @@
               </a:rPr>
               <a:t>  </a:t>
             </a:r>
-          </a:p>
-          <a:p>
-            <a:pPr lvl="1"/>
             <a:endParaRPr lang="en-US" sz="6600" spc="30" dirty="0">
               <a:solidFill>
                 <a:srgbClr val="000000"/>
@@ -7988,10 +7127,10 @@
       </p:sp>
       <p:pic>
         <p:nvPicPr>
-          <p:cNvPr id="12" name="Picture 11" descr="Shape&#10;&#10;Description automatically generated with low confidence">
+          <p:cNvPr id="13" name="Picture 12">
             <a:extLst>
               <a:ext uri="{FF2B5EF4-FFF2-40B4-BE49-F238E27FC236}">
-                <a16:creationId xmlns:a16="http://schemas.microsoft.com/office/drawing/2014/main" id="{8683169C-5C13-042C-F338-A104DC324D89}"/>
+                <a16:creationId xmlns:a16="http://schemas.microsoft.com/office/drawing/2014/main" id="{6B2F4417-7B71-9FF4-9BC7-5B5367456973}"/>
               </a:ext>
             </a:extLst>
           </p:cNvPr>
@@ -8001,21 +7140,15 @@
           <p:nvPr/>
         </p:nvPicPr>
         <p:blipFill>
-          <a:blip r:embed="rId5" cstate="print">
-            <a:extLst>
-              <a:ext uri="{28A0092B-C50C-407E-A947-70E740481C1C}">
-                <a14:useLocalDpi xmlns:a14="http://schemas.microsoft.com/office/drawing/2010/main" val="0"/>
-              </a:ext>
-            </a:extLst>
-          </a:blip>
+          <a:blip r:embed="rId5"/>
           <a:stretch>
             <a:fillRect/>
           </a:stretch>
         </p:blipFill>
         <p:spPr>
           <a:xfrm>
-            <a:off x="9529252" y="2476500"/>
-            <a:ext cx="3962400" cy="3962400"/>
+            <a:off x="10387650" y="2688959"/>
+            <a:ext cx="3653224" cy="3653224"/>
           </a:xfrm>
           <a:prstGeom prst="rect">
             <a:avLst/>
@@ -8210,11 +7343,54 @@
                 </a:solidFill>
                 <a:latin typeface="League Spartan Italics"/>
               </a:rPr>
-              <a:t>What the @%&amp;! is ETL?</a:t>
-            </a:r>
-          </a:p>
-        </p:txBody>
-      </p:sp>
+              <a:t>No more </a:t>
+            </a:r>
+            <a:r>
+              <a:rPr lang="en-US" sz="6500" b="1" spc="195" dirty="0" err="1">
+                <a:solidFill>
+                  <a:srgbClr val="F2F0F4"/>
+                </a:solidFill>
+                <a:latin typeface="League Spartan Italics"/>
+              </a:rPr>
+              <a:t>Frankentables</a:t>
+            </a:r>
+            <a:r>
+              <a:rPr lang="en-US" sz="6500" b="1" spc="195" dirty="0">
+                <a:solidFill>
+                  <a:srgbClr val="F2F0F4"/>
+                </a:solidFill>
+                <a:latin typeface="League Spartan Italics"/>
+              </a:rPr>
+              <a:t>!</a:t>
+            </a:r>
+          </a:p>
+        </p:txBody>
+      </p:sp>
+      <p:pic>
+        <p:nvPicPr>
+          <p:cNvPr id="8" name="Picture 8"/>
+          <p:cNvPicPr>
+            <a:picLocks noChangeAspect="1"/>
+          </p:cNvPicPr>
+          <p:nvPr/>
+        </p:nvPicPr>
+        <p:blipFill>
+          <a:blip r:embed="rId3"/>
+          <a:srcRect b="44190"/>
+          <a:stretch>
+            <a:fillRect/>
+          </a:stretch>
+        </p:blipFill>
+        <p:spPr>
+          <a:xfrm>
+            <a:off x="16095120" y="9265255"/>
+            <a:ext cx="2013122" cy="823680"/>
+          </a:xfrm>
+          <a:prstGeom prst="rect">
+            <a:avLst/>
+          </a:prstGeom>
+        </p:spPr>
+      </p:pic>
       <p:sp>
         <p:nvSpPr>
           <p:cNvPr id="9" name="TextBox 8">
@@ -8230,7 +7406,7 @@
         <p:spPr>
           <a:xfrm>
             <a:off x="228600" y="3848100"/>
-            <a:ext cx="8153400" cy="5632311"/>
+            <a:ext cx="11353800" cy="1200329"/>
           </a:xfrm>
           <a:prstGeom prst="rect">
             <a:avLst/>
@@ -8243,86 +7419,55 @@
           </a:bodyPr>
           <a:lstStyle/>
           <a:p>
+            <a:pPr marL="571500" indent="-571500">
+              <a:buFont typeface="Arial" panose="020B0604020202020204" pitchFamily="34" charset="0"/>
+              <a:buChar char="•"/>
+            </a:pPr>
             <a:r>
               <a:rPr lang="en-US" sz="3600" dirty="0">
                 <a:latin typeface="Gidole" panose="020B0604020202020204" charset="0"/>
               </a:rPr>
-              <a:t>“A properly designed ETL system extracts data from the source systems, enforces data quality and consistency standards, conforms data so that separate sources can be used together, and finally delivers data in a presentation-ready format so that application developers can build applications and end users can make decisions.”</a:t>
-            </a:r>
-          </a:p>
-          <a:p>
+              <a:t>File: </a:t>
+            </a:r>
+            <a:r>
+              <a:rPr lang="en-US" sz="3600" dirty="0">
+                <a:latin typeface="Roboto Mono" pitchFamily="2" charset="0"/>
+                <a:ea typeface="Roboto Mono" pitchFamily="2" charset="0"/>
+              </a:rPr>
+              <a:t>nycflights13-pre-pp.xlsx</a:t>
+            </a:r>
+          </a:p>
+          <a:p>
+            <a:pPr marL="571500" indent="-571500">
+              <a:buFont typeface="Arial" panose="020B0604020202020204" pitchFamily="34" charset="0"/>
+              <a:buChar char="•"/>
+            </a:pPr>
+            <a:r>
+              <a:rPr lang="en-US" sz="3600" dirty="0">
+                <a:latin typeface="Gidole" panose="02000503000000000000" pitchFamily="50" charset="0"/>
+                <a:ea typeface="Roboto Mono" pitchFamily="2" charset="0"/>
+              </a:rPr>
+              <a:t>What is a better way </a:t>
+            </a:r>
+            <a:r>
+              <a:rPr lang="en-US" sz="3600">
+                <a:latin typeface="Gidole" panose="02000503000000000000" pitchFamily="50" charset="0"/>
+                <a:ea typeface="Roboto Mono" pitchFamily="2" charset="0"/>
+              </a:rPr>
+              <a:t>of creating a table?</a:t>
+            </a:r>
             <a:endParaRPr lang="en-US" sz="3600" dirty="0">
               <a:latin typeface="Gidole" panose="020B0604020202020204" charset="0"/>
             </a:endParaRPr>
           </a:p>
-          <a:p>
-            <a:r>
-              <a:rPr lang="en-US" sz="3600" dirty="0">
-                <a:latin typeface="Gidole" panose="020B0604020202020204" charset="0"/>
-              </a:rPr>
-              <a:t>-- </a:t>
-            </a:r>
-            <a:r>
-              <a:rPr lang="en-US" sz="3600" dirty="0">
-                <a:latin typeface="Gidole" panose="020B0604020202020204" charset="0"/>
-                <a:hlinkClick r:id="rId3"/>
-              </a:rPr>
-              <a:t>(where else but) Wikipedia</a:t>
-            </a:r>
-            <a:endParaRPr lang="en-US" sz="3600" dirty="0">
-              <a:latin typeface="Gidole" panose="020B0604020202020204" charset="0"/>
-            </a:endParaRPr>
-          </a:p>
-        </p:txBody>
-      </p:sp>
-      <p:pic>
-        <p:nvPicPr>
-          <p:cNvPr id="1026" name="Picture 2" descr="Overhead Conveyor, Industry, Factory">
-            <a:extLst>
-              <a:ext uri="{FF2B5EF4-FFF2-40B4-BE49-F238E27FC236}">
-                <a16:creationId xmlns:a16="http://schemas.microsoft.com/office/drawing/2014/main" id="{FC495125-C83B-4358-B41D-F98A5D78A806}"/>
-              </a:ext>
-            </a:extLst>
-          </p:cNvPr>
-          <p:cNvPicPr>
-            <a:picLocks noChangeAspect="1" noChangeArrowheads="1"/>
-          </p:cNvPicPr>
-          <p:nvPr/>
-        </p:nvPicPr>
-        <p:blipFill>
-          <a:blip r:embed="rId4">
-            <a:extLst>
-              <a:ext uri="{28A0092B-C50C-407E-A947-70E740481C1C}">
-                <a14:useLocalDpi xmlns:a14="http://schemas.microsoft.com/office/drawing/2010/main" val="0"/>
-              </a:ext>
-            </a:extLst>
-          </a:blip>
-          <a:srcRect/>
-          <a:stretch>
-            <a:fillRect/>
-          </a:stretch>
-        </p:blipFill>
-        <p:spPr bwMode="auto">
-          <a:xfrm>
-            <a:off x="9940638" y="4184570"/>
-            <a:ext cx="7577556" cy="5051704"/>
-          </a:xfrm>
-          <a:prstGeom prst="rect">
-            <a:avLst/>
-          </a:prstGeom>
-          <a:noFill/>
-          <a:extLst>
-            <a:ext uri="{909E8E84-426E-40DD-AFC4-6F175D3DCCD1}">
-              <a14:hiddenFill xmlns:a14="http://schemas.microsoft.com/office/drawing/2010/main">
-                <a:solidFill>
-                  <a:srgbClr val="FFFFFF"/>
-                </a:solidFill>
-              </a14:hiddenFill>
-            </a:ext>
-          </a:extLst>
-        </p:spPr>
-      </p:pic>
+        </p:txBody>
+      </p:sp>
     </p:spTree>
+    <p:extLst>
+      <p:ext uri="{BB962C8B-B14F-4D97-AF65-F5344CB8AC3E}">
+        <p14:creationId xmlns:p14="http://schemas.microsoft.com/office/powerpoint/2010/main" val="3385359437"/>
+      </p:ext>
+    </p:extLst>
   </p:cSld>
   <p:clrMapOvr>
     <a:masterClrMapping/>
@@ -8347,115 +7492,9 @@
           <a:chExt cx="0" cy="0"/>
         </a:xfrm>
       </p:grpSpPr>
-      <p:grpSp>
-        <p:nvGrpSpPr>
-          <p:cNvPr id="2" name="Group 2"/>
-          <p:cNvGrpSpPr/>
-          <p:nvPr/>
-        </p:nvGrpSpPr>
-        <p:grpSpPr>
-          <a:xfrm>
-            <a:off x="0" y="52709"/>
-            <a:ext cx="3419237" cy="3413767"/>
-            <a:chOff x="0" y="0"/>
-            <a:chExt cx="6350000" cy="6339840"/>
-          </a:xfrm>
-        </p:grpSpPr>
-        <p:sp>
-          <p:nvSpPr>
-            <p:cNvPr id="3" name="Freeform 3"/>
-            <p:cNvSpPr/>
-            <p:nvPr/>
-          </p:nvSpPr>
-          <p:spPr>
-            <a:xfrm>
-              <a:off x="0" y="0"/>
-              <a:ext cx="6350000" cy="6339840"/>
-            </a:xfrm>
-            <a:custGeom>
-              <a:avLst/>
-              <a:gdLst/>
-              <a:ahLst/>
-              <a:cxnLst/>
-              <a:rect l="l" t="t" r="r" b="b"/>
-              <a:pathLst>
-                <a:path w="6350000" h="6339840">
-                  <a:moveTo>
-                    <a:pt x="6350000" y="6339840"/>
-                  </a:moveTo>
-                  <a:lnTo>
-                    <a:pt x="0" y="6339840"/>
-                  </a:lnTo>
-                  <a:lnTo>
-                    <a:pt x="0" y="0"/>
-                  </a:lnTo>
-                  <a:close/>
-                </a:path>
-              </a:pathLst>
-            </a:custGeom>
-            <a:solidFill>
-              <a:srgbClr val="F2F0F4">
-                <a:alpha val="84705"/>
-              </a:srgbClr>
-            </a:solidFill>
-          </p:spPr>
-        </p:sp>
-      </p:grpSp>
-      <p:grpSp>
-        <p:nvGrpSpPr>
-          <p:cNvPr id="4" name="Group 4"/>
-          <p:cNvGrpSpPr/>
-          <p:nvPr/>
-        </p:nvGrpSpPr>
-        <p:grpSpPr>
-          <a:xfrm rot="-10800000">
-            <a:off x="-2110659" y="-189185"/>
-            <a:ext cx="4221318" cy="3655661"/>
-            <a:chOff x="0" y="0"/>
-            <a:chExt cx="6350000" cy="5499100"/>
-          </a:xfrm>
-        </p:grpSpPr>
-        <p:sp>
-          <p:nvSpPr>
-            <p:cNvPr id="5" name="Freeform 5"/>
-            <p:cNvSpPr/>
-            <p:nvPr/>
-          </p:nvSpPr>
-          <p:spPr>
-            <a:xfrm>
-              <a:off x="0" y="0"/>
-              <a:ext cx="6350000" cy="5499100"/>
-            </a:xfrm>
-            <a:custGeom>
-              <a:avLst/>
-              <a:gdLst/>
-              <a:ahLst/>
-              <a:cxnLst/>
-              <a:rect l="l" t="t" r="r" b="b"/>
-              <a:pathLst>
-                <a:path w="6350000" h="5499100">
-                  <a:moveTo>
-                    <a:pt x="0" y="5499100"/>
-                  </a:moveTo>
-                  <a:lnTo>
-                    <a:pt x="3175000" y="0"/>
-                  </a:lnTo>
-                  <a:lnTo>
-                    <a:pt x="6350000" y="5499100"/>
-                  </a:lnTo>
-                  <a:close/>
-                </a:path>
-              </a:pathLst>
-            </a:custGeom>
-            <a:solidFill>
-              <a:srgbClr val="CF3338"/>
-            </a:solidFill>
-          </p:spPr>
-        </p:sp>
-      </p:grpSp>
       <p:pic>
         <p:nvPicPr>
-          <p:cNvPr id="6" name="Picture 6"/>
+          <p:cNvPr id="8" name="Picture 8"/>
           <p:cNvPicPr>
             <a:picLocks noChangeAspect="1"/>
           </p:cNvPicPr>
@@ -8463,6 +7502,78 @@
         </p:nvPicPr>
         <p:blipFill>
           <a:blip r:embed="rId3"/>
+          <a:srcRect/>
+          <a:stretch>
+            <a:fillRect/>
+          </a:stretch>
+        </p:blipFill>
+        <p:spPr>
+          <a:xfrm>
+            <a:off x="16459200" y="-99077"/>
+            <a:ext cx="2005783" cy="1470490"/>
+          </a:xfrm>
+          <a:prstGeom prst="rect">
+            <a:avLst/>
+          </a:prstGeom>
+        </p:spPr>
+      </p:pic>
+      <p:sp>
+        <p:nvSpPr>
+          <p:cNvPr id="9" name="TextBox 9"/>
+          <p:cNvSpPr txBox="1"/>
+          <p:nvPr/>
+        </p:nvSpPr>
+        <p:spPr>
+          <a:xfrm>
+            <a:off x="838200" y="617118"/>
+            <a:ext cx="15631206" cy="1209818"/>
+          </a:xfrm>
+          <a:prstGeom prst="rect">
+            <a:avLst/>
+          </a:prstGeom>
+        </p:spPr>
+        <p:txBody>
+          <a:bodyPr wrap="square" lIns="0" tIns="0" rIns="0" bIns="0" rtlCol="0" anchor="t">
+            <a:spAutoFit/>
+          </a:bodyPr>
+          <a:lstStyle/>
+          <a:p>
+            <a:pPr>
+              <a:lnSpc>
+                <a:spcPts val="10080"/>
+              </a:lnSpc>
+              <a:spcBef>
+                <a:spcPct val="0"/>
+              </a:spcBef>
+            </a:pPr>
+            <a:r>
+              <a:rPr lang="en-US" sz="7200" dirty="0">
+                <a:solidFill>
+                  <a:srgbClr val="000000"/>
+                </a:solidFill>
+                <a:latin typeface="Open Sans Extra Bold"/>
+              </a:rPr>
+              <a:t>QUESTIONS?</a:t>
+            </a:r>
+          </a:p>
+        </p:txBody>
+      </p:sp>
+      <p:pic>
+        <p:nvPicPr>
+          <p:cNvPr id="5" name="Picture 6">
+            <a:extLst>
+              <a:ext uri="{FF2B5EF4-FFF2-40B4-BE49-F238E27FC236}">
+                <a16:creationId xmlns:a16="http://schemas.microsoft.com/office/drawing/2014/main" id="{01C401A0-8EBC-47CA-B2DE-F204DE6EEF54}"/>
+              </a:ext>
+            </a:extLst>
+          </p:cNvPr>
+          <p:cNvPicPr>
+            <a:picLocks noChangeAspect="1"/>
+          </p:cNvPicPr>
+          <p:nvPr/>
+        </p:nvPicPr>
+        <p:blipFill>
+          <a:blip r:embed="rId4"/>
           <a:srcRect b="44190"/>
           <a:stretch>
             <a:fillRect/>
@@ -8478,488 +7589,10 @@
           </a:prstGeom>
         </p:spPr>
       </p:pic>
-      <p:grpSp>
-        <p:nvGrpSpPr>
-          <p:cNvPr id="16" name="Group 15">
-            <a:extLst>
-              <a:ext uri="{FF2B5EF4-FFF2-40B4-BE49-F238E27FC236}">
-                <a16:creationId xmlns:a16="http://schemas.microsoft.com/office/drawing/2014/main" id="{26AEE63F-9722-4141-8F62-7155CB624A5B}"/>
-              </a:ext>
-            </a:extLst>
-          </p:cNvPr>
-          <p:cNvGrpSpPr/>
-          <p:nvPr/>
-        </p:nvGrpSpPr>
-        <p:grpSpPr>
-          <a:xfrm>
-            <a:off x="907648" y="1638300"/>
-            <a:ext cx="4959752" cy="4645364"/>
-            <a:chOff x="907648" y="1638300"/>
-            <a:chExt cx="4959752" cy="4645364"/>
-          </a:xfrm>
-        </p:grpSpPr>
-        <p:sp>
-          <p:nvSpPr>
-            <p:cNvPr id="8" name="TextBox 7">
-              <a:extLst>
-                <a:ext uri="{FF2B5EF4-FFF2-40B4-BE49-F238E27FC236}">
-                  <a16:creationId xmlns:a16="http://schemas.microsoft.com/office/drawing/2014/main" id="{BEEF1475-D362-4861-BA9A-EC801FD42085}"/>
-                </a:ext>
-              </a:extLst>
-            </p:cNvPr>
-            <p:cNvSpPr txBox="1"/>
-            <p:nvPr/>
-          </p:nvSpPr>
-          <p:spPr>
-            <a:xfrm>
-              <a:off x="1295400" y="1638300"/>
-              <a:ext cx="4572000" cy="769441"/>
-            </a:xfrm>
-            <a:prstGeom prst="rect">
-              <a:avLst/>
-            </a:prstGeom>
-            <a:noFill/>
-          </p:spPr>
-          <p:txBody>
-            <a:bodyPr wrap="square" rtlCol="0">
-              <a:spAutoFit/>
-            </a:bodyPr>
-            <a:lstStyle/>
-            <a:p>
-              <a:pPr algn="ctr"/>
-              <a:r>
-                <a:rPr lang="en-US" sz="4400" b="1" dirty="0">
-                  <a:latin typeface="Gidole" panose="02000503000000000000" pitchFamily="50" charset="0"/>
-                </a:rPr>
-                <a:t>1. EXTRACT</a:t>
-              </a:r>
-            </a:p>
-          </p:txBody>
-        </p:sp>
-        <p:pic>
-          <p:nvPicPr>
-            <p:cNvPr id="9" name="Picture 8">
-              <a:extLst>
-                <a:ext uri="{FF2B5EF4-FFF2-40B4-BE49-F238E27FC236}">
-                  <a16:creationId xmlns:a16="http://schemas.microsoft.com/office/drawing/2014/main" id="{66E68092-9405-43F0-8AF2-01C9D22F89E0}"/>
-                </a:ext>
-              </a:extLst>
-            </p:cNvPr>
-            <p:cNvPicPr>
-              <a:picLocks noChangeAspect="1"/>
-            </p:cNvPicPr>
-            <p:nvPr/>
-          </p:nvPicPr>
-          <p:blipFill>
-            <a:blip r:embed="rId4"/>
-            <a:stretch>
-              <a:fillRect/>
-            </a:stretch>
-          </p:blipFill>
-          <p:spPr>
-            <a:xfrm>
-              <a:off x="907648" y="2794615"/>
-              <a:ext cx="2156143" cy="1120074"/>
-            </a:xfrm>
-            <a:prstGeom prst="rect">
-              <a:avLst/>
-            </a:prstGeom>
-          </p:spPr>
-        </p:pic>
-        <p:pic>
-          <p:nvPicPr>
-            <p:cNvPr id="2050" name="Picture 2" descr="Wordpress, Web, Design, Website, Cms, Logo, Blog">
-              <a:extLst>
-                <a:ext uri="{FF2B5EF4-FFF2-40B4-BE49-F238E27FC236}">
-                  <a16:creationId xmlns:a16="http://schemas.microsoft.com/office/drawing/2014/main" id="{07E1EB44-DBDD-4C47-8909-EC3C75BE44E0}"/>
-                </a:ext>
-              </a:extLst>
-            </p:cNvPr>
-            <p:cNvPicPr>
-              <a:picLocks noChangeAspect="1" noChangeArrowheads="1"/>
-            </p:cNvPicPr>
-            <p:nvPr/>
-          </p:nvPicPr>
-          <p:blipFill>
-            <a:blip r:embed="rId5" cstate="print">
-              <a:extLst>
-                <a:ext uri="{28A0092B-C50C-407E-A947-70E740481C1C}">
-                  <a14:useLocalDpi xmlns:a14="http://schemas.microsoft.com/office/drawing/2010/main" val="0"/>
-                </a:ext>
-              </a:extLst>
-            </a:blip>
-            <a:srcRect/>
-            <a:stretch>
-              <a:fillRect/>
-            </a:stretch>
-          </p:blipFill>
-          <p:spPr bwMode="auto">
-            <a:xfrm>
-              <a:off x="3412310" y="3222617"/>
-              <a:ext cx="2233568" cy="1191236"/>
-            </a:xfrm>
-            <a:prstGeom prst="rect">
-              <a:avLst/>
-            </a:prstGeom>
-            <a:noFill/>
-            <a:extLst>
-              <a:ext uri="{909E8E84-426E-40DD-AFC4-6F175D3DCCD1}">
-                <a14:hiddenFill xmlns:a14="http://schemas.microsoft.com/office/drawing/2010/main">
-                  <a:solidFill>
-                    <a:srgbClr val="FFFFFF"/>
-                  </a:solidFill>
-                </a14:hiddenFill>
-              </a:ext>
-            </a:extLst>
-          </p:spPr>
-        </p:pic>
-        <p:pic>
-          <p:nvPicPr>
-            <p:cNvPr id="2052" name="Picture 4" descr="Microsoft Excel - Wikipedia">
-              <a:extLst>
-                <a:ext uri="{FF2B5EF4-FFF2-40B4-BE49-F238E27FC236}">
-                  <a16:creationId xmlns:a16="http://schemas.microsoft.com/office/drawing/2014/main" id="{52AB72E9-F271-433D-B21F-B855CB0F4D2B}"/>
-                </a:ext>
-              </a:extLst>
-            </p:cNvPr>
-            <p:cNvPicPr>
-              <a:picLocks noChangeAspect="1" noChangeArrowheads="1"/>
-            </p:cNvPicPr>
-            <p:nvPr/>
-          </p:nvPicPr>
-          <p:blipFill>
-            <a:blip r:embed="rId6" cstate="print">
-              <a:extLst>
-                <a:ext uri="{28A0092B-C50C-407E-A947-70E740481C1C}">
-                  <a14:useLocalDpi xmlns:a14="http://schemas.microsoft.com/office/drawing/2010/main" val="0"/>
-                </a:ext>
-              </a:extLst>
-            </a:blip>
-            <a:srcRect/>
-            <a:stretch>
-              <a:fillRect/>
-            </a:stretch>
-          </p:blipFill>
-          <p:spPr bwMode="auto">
-            <a:xfrm>
-              <a:off x="1217041" y="4408144"/>
-              <a:ext cx="2016763" cy="1875520"/>
-            </a:xfrm>
-            <a:prstGeom prst="rect">
-              <a:avLst/>
-            </a:prstGeom>
-            <a:noFill/>
-            <a:extLst>
-              <a:ext uri="{909E8E84-426E-40DD-AFC4-6F175D3DCCD1}">
-                <a14:hiddenFill xmlns:a14="http://schemas.microsoft.com/office/drawing/2010/main">
-                  <a:solidFill>
-                    <a:srgbClr val="FFFFFF"/>
-                  </a:solidFill>
-                </a14:hiddenFill>
-              </a:ext>
-            </a:extLst>
-          </p:spPr>
-        </p:pic>
-      </p:grpSp>
-      <p:grpSp>
-        <p:nvGrpSpPr>
-          <p:cNvPr id="17" name="Group 16">
-            <a:extLst>
-              <a:ext uri="{FF2B5EF4-FFF2-40B4-BE49-F238E27FC236}">
-                <a16:creationId xmlns:a16="http://schemas.microsoft.com/office/drawing/2014/main" id="{55594C81-73FA-4556-83B0-1C0DC11CAD20}"/>
-              </a:ext>
-            </a:extLst>
-          </p:cNvPr>
-          <p:cNvGrpSpPr/>
-          <p:nvPr/>
-        </p:nvGrpSpPr>
-        <p:grpSpPr>
-          <a:xfrm>
-            <a:off x="6019799" y="1638299"/>
-            <a:ext cx="5729246" cy="5022604"/>
-            <a:chOff x="6019799" y="1638299"/>
-            <a:chExt cx="5729246" cy="5022604"/>
-          </a:xfrm>
-        </p:grpSpPr>
-        <p:sp>
-          <p:nvSpPr>
-            <p:cNvPr id="12" name="TextBox 11">
-              <a:extLst>
-                <a:ext uri="{FF2B5EF4-FFF2-40B4-BE49-F238E27FC236}">
-                  <a16:creationId xmlns:a16="http://schemas.microsoft.com/office/drawing/2014/main" id="{BA60B585-15E5-46DB-B3DE-577C0543BBB3}"/>
-                </a:ext>
-              </a:extLst>
-            </p:cNvPr>
-            <p:cNvSpPr txBox="1"/>
-            <p:nvPr/>
-          </p:nvSpPr>
-          <p:spPr>
-            <a:xfrm>
-              <a:off x="6329774" y="1638299"/>
-              <a:ext cx="4572000" cy="830997"/>
-            </a:xfrm>
-            <a:prstGeom prst="rect">
-              <a:avLst/>
-            </a:prstGeom>
-            <a:noFill/>
-          </p:spPr>
-          <p:txBody>
-            <a:bodyPr wrap="square" rtlCol="0">
-              <a:spAutoFit/>
-            </a:bodyPr>
-            <a:lstStyle/>
-            <a:p>
-              <a:pPr algn="ctr"/>
-              <a:r>
-                <a:rPr lang="en-US" sz="4800" b="1" dirty="0">
-                  <a:latin typeface="Gidole" panose="02000503000000000000" pitchFamily="50" charset="0"/>
-                </a:rPr>
-                <a:t>2. TRANSFORM</a:t>
-              </a:r>
-            </a:p>
-          </p:txBody>
-        </p:sp>
-        <p:pic>
-          <p:nvPicPr>
-            <p:cNvPr id="2054" name="Picture 6" descr="brown push broom on dust pan">
-              <a:extLst>
-                <a:ext uri="{FF2B5EF4-FFF2-40B4-BE49-F238E27FC236}">
-                  <a16:creationId xmlns:a16="http://schemas.microsoft.com/office/drawing/2014/main" id="{B8750ED0-0E88-4B2A-BCD9-4FCE5A6525A1}"/>
-                </a:ext>
-              </a:extLst>
-            </p:cNvPr>
-            <p:cNvPicPr>
-              <a:picLocks noChangeAspect="1" noChangeArrowheads="1"/>
-            </p:cNvPicPr>
-            <p:nvPr/>
-          </p:nvPicPr>
-          <p:blipFill>
-            <a:blip r:embed="rId7" cstate="print">
-              <a:extLst>
-                <a:ext uri="{28A0092B-C50C-407E-A947-70E740481C1C}">
-                  <a14:useLocalDpi xmlns:a14="http://schemas.microsoft.com/office/drawing/2010/main" val="0"/>
-                </a:ext>
-              </a:extLst>
-            </a:blip>
-            <a:srcRect/>
-            <a:stretch>
-              <a:fillRect/>
-            </a:stretch>
-          </p:blipFill>
-          <p:spPr bwMode="auto">
-            <a:xfrm>
-              <a:off x="6382206" y="2822553"/>
-              <a:ext cx="2233568" cy="1675176"/>
-            </a:xfrm>
-            <a:prstGeom prst="rect">
-              <a:avLst/>
-            </a:prstGeom>
-            <a:noFill/>
-            <a:extLst>
-              <a:ext uri="{909E8E84-426E-40DD-AFC4-6F175D3DCCD1}">
-                <a14:hiddenFill xmlns:a14="http://schemas.microsoft.com/office/drawing/2010/main">
-                  <a:solidFill>
-                    <a:srgbClr val="FFFFFF"/>
-                  </a:solidFill>
-                </a14:hiddenFill>
-              </a:ext>
-            </a:extLst>
-          </p:spPr>
-        </p:pic>
-        <p:pic>
-          <p:nvPicPr>
-            <p:cNvPr id="2056" name="Picture 8" descr="Tee, Tea Bags, Teas, Drink, Herbal Tea, Fruit Tea">
-              <a:extLst>
-                <a:ext uri="{FF2B5EF4-FFF2-40B4-BE49-F238E27FC236}">
-                  <a16:creationId xmlns:a16="http://schemas.microsoft.com/office/drawing/2014/main" id="{F355A25D-375B-450B-BB9B-D202A3C284FE}"/>
-                </a:ext>
-              </a:extLst>
-            </p:cNvPr>
-            <p:cNvPicPr>
-              <a:picLocks noChangeAspect="1" noChangeArrowheads="1"/>
-            </p:cNvPicPr>
-            <p:nvPr/>
-          </p:nvPicPr>
-          <p:blipFill>
-            <a:blip r:embed="rId8" cstate="print">
-              <a:extLst>
-                <a:ext uri="{28A0092B-C50C-407E-A947-70E740481C1C}">
-                  <a14:useLocalDpi xmlns:a14="http://schemas.microsoft.com/office/drawing/2010/main" val="0"/>
-                </a:ext>
-              </a:extLst>
-            </a:blip>
-            <a:srcRect/>
-            <a:stretch>
-              <a:fillRect/>
-            </a:stretch>
-          </p:blipFill>
-          <p:spPr bwMode="auto">
-            <a:xfrm>
-              <a:off x="9097808" y="3864697"/>
-              <a:ext cx="2651237" cy="1753683"/>
-            </a:xfrm>
-            <a:prstGeom prst="rect">
-              <a:avLst/>
-            </a:prstGeom>
-            <a:noFill/>
-            <a:extLst>
-              <a:ext uri="{909E8E84-426E-40DD-AFC4-6F175D3DCCD1}">
-                <a14:hiddenFill xmlns:a14="http://schemas.microsoft.com/office/drawing/2010/main">
-                  <a:solidFill>
-                    <a:srgbClr val="FFFFFF"/>
-                  </a:solidFill>
-                </a14:hiddenFill>
-              </a:ext>
-            </a:extLst>
-          </p:spPr>
-        </p:pic>
-        <p:pic>
-          <p:nvPicPr>
-            <p:cNvPr id="2058" name="Picture 10" descr="Construction, Worker, Welding, Welder, Industry, Metal">
-              <a:extLst>
-                <a:ext uri="{FF2B5EF4-FFF2-40B4-BE49-F238E27FC236}">
-                  <a16:creationId xmlns:a16="http://schemas.microsoft.com/office/drawing/2014/main" id="{18906C9B-12F8-4CD0-AF9E-ACD1165E839C}"/>
-                </a:ext>
-              </a:extLst>
-            </p:cNvPr>
-            <p:cNvPicPr>
-              <a:picLocks noChangeAspect="1" noChangeArrowheads="1"/>
-            </p:cNvPicPr>
-            <p:nvPr/>
-          </p:nvPicPr>
-          <p:blipFill>
-            <a:blip r:embed="rId9" cstate="print">
-              <a:extLst>
-                <a:ext uri="{28A0092B-C50C-407E-A947-70E740481C1C}">
-                  <a14:useLocalDpi xmlns:a14="http://schemas.microsoft.com/office/drawing/2010/main" val="0"/>
-                </a:ext>
-              </a:extLst>
-            </a:blip>
-            <a:srcRect/>
-            <a:stretch>
-              <a:fillRect/>
-            </a:stretch>
-          </p:blipFill>
-          <p:spPr bwMode="auto">
-            <a:xfrm>
-              <a:off x="6019799" y="4901696"/>
-              <a:ext cx="2651237" cy="1759207"/>
-            </a:xfrm>
-            <a:prstGeom prst="rect">
-              <a:avLst/>
-            </a:prstGeom>
-            <a:noFill/>
-            <a:extLst>
-              <a:ext uri="{909E8E84-426E-40DD-AFC4-6F175D3DCCD1}">
-                <a14:hiddenFill xmlns:a14="http://schemas.microsoft.com/office/drawing/2010/main">
-                  <a:solidFill>
-                    <a:srgbClr val="FFFFFF"/>
-                  </a:solidFill>
-                </a14:hiddenFill>
-              </a:ext>
-            </a:extLst>
-          </p:spPr>
-        </p:pic>
-      </p:grpSp>
-      <p:grpSp>
-        <p:nvGrpSpPr>
-          <p:cNvPr id="18" name="Group 17">
-            <a:extLst>
-              <a:ext uri="{FF2B5EF4-FFF2-40B4-BE49-F238E27FC236}">
-                <a16:creationId xmlns:a16="http://schemas.microsoft.com/office/drawing/2014/main" id="{0586C38D-6E7E-449E-A806-A86C75E7402D}"/>
-              </a:ext>
-            </a:extLst>
-          </p:cNvPr>
-          <p:cNvGrpSpPr/>
-          <p:nvPr/>
-        </p:nvGrpSpPr>
-        <p:grpSpPr>
-          <a:xfrm>
-            <a:off x="12385964" y="1638299"/>
-            <a:ext cx="5415806" cy="4656484"/>
-            <a:chOff x="12385964" y="1638299"/>
-            <a:chExt cx="5415806" cy="4656484"/>
-          </a:xfrm>
-        </p:grpSpPr>
-        <p:pic>
-          <p:nvPicPr>
-            <p:cNvPr id="11" name="Picture 10" descr="A close up of a persons hand&#10;&#10;Description automatically generated">
-              <a:extLst>
-                <a:ext uri="{FF2B5EF4-FFF2-40B4-BE49-F238E27FC236}">
-                  <a16:creationId xmlns:a16="http://schemas.microsoft.com/office/drawing/2014/main" id="{05D53DD3-A065-4697-AA14-208CD7BA8922}"/>
-                </a:ext>
-              </a:extLst>
-            </p:cNvPr>
-            <p:cNvPicPr>
-              <a:picLocks noChangeAspect="1"/>
-            </p:cNvPicPr>
-            <p:nvPr/>
-          </p:nvPicPr>
-          <p:blipFill>
-            <a:blip r:embed="rId10" cstate="print">
-              <a:extLst>
-                <a:ext uri="{28A0092B-C50C-407E-A947-70E740481C1C}">
-                  <a14:useLocalDpi xmlns:a14="http://schemas.microsoft.com/office/drawing/2010/main" val="0"/>
-                </a:ext>
-              </a:extLst>
-            </a:blip>
-            <a:stretch>
-              <a:fillRect/>
-            </a:stretch>
-          </p:blipFill>
-          <p:spPr>
-            <a:xfrm>
-              <a:off x="12573000" y="2822553"/>
-              <a:ext cx="5228770" cy="3472230"/>
-            </a:xfrm>
-            <a:prstGeom prst="rect">
-              <a:avLst/>
-            </a:prstGeom>
-          </p:spPr>
-        </p:pic>
-        <p:sp>
-          <p:nvSpPr>
-            <p:cNvPr id="21" name="TextBox 20">
-              <a:extLst>
-                <a:ext uri="{FF2B5EF4-FFF2-40B4-BE49-F238E27FC236}">
-                  <a16:creationId xmlns:a16="http://schemas.microsoft.com/office/drawing/2014/main" id="{98C42259-1842-4B28-865C-67D219A8528A}"/>
-                </a:ext>
-              </a:extLst>
-            </p:cNvPr>
-            <p:cNvSpPr txBox="1"/>
-            <p:nvPr/>
-          </p:nvSpPr>
-          <p:spPr>
-            <a:xfrm>
-              <a:off x="12385964" y="1638299"/>
-              <a:ext cx="4572000" cy="769441"/>
-            </a:xfrm>
-            <a:prstGeom prst="rect">
-              <a:avLst/>
-            </a:prstGeom>
-            <a:noFill/>
-          </p:spPr>
-          <p:txBody>
-            <a:bodyPr wrap="square" rtlCol="0">
-              <a:spAutoFit/>
-            </a:bodyPr>
-            <a:lstStyle/>
-            <a:p>
-              <a:pPr algn="ctr"/>
-              <a:r>
-                <a:rPr lang="en-US" sz="4400" b="1" dirty="0">
-                  <a:latin typeface="Gidole" panose="02000503000000000000" pitchFamily="50" charset="0"/>
-                </a:rPr>
-                <a:t>3. LOAD</a:t>
-              </a:r>
-            </a:p>
-          </p:txBody>
-        </p:sp>
-      </p:grpSp>
     </p:spTree>
     <p:extLst>
       <p:ext uri="{BB962C8B-B14F-4D97-AF65-F5344CB8AC3E}">
-        <p14:creationId xmlns:p14="http://schemas.microsoft.com/office/powerpoint/2010/main" val="2701514428"/>
+        <p14:creationId xmlns:p14="http://schemas.microsoft.com/office/powerpoint/2010/main" val="2269851195"/>
       </p:ext>
     </p:extLst>
   </p:cSld>
@@ -8986,169 +7619,6 @@
           <a:chExt cx="0" cy="0"/>
         </a:xfrm>
       </p:grpSpPr>
-      <p:sp>
-        <p:nvSpPr>
-          <p:cNvPr id="2" name="AutoShape 2"/>
-          <p:cNvSpPr/>
-          <p:nvPr/>
-        </p:nvSpPr>
-        <p:spPr>
-          <a:xfrm>
-            <a:off x="-225517" y="0"/>
-            <a:ext cx="18513517" cy="3466476"/>
-          </a:xfrm>
-          <a:prstGeom prst="rect">
-            <a:avLst/>
-          </a:prstGeom>
-          <a:solidFill>
-            <a:srgbClr val="3D3935"/>
-          </a:solidFill>
-        </p:spPr>
-      </p:sp>
-      <p:grpSp>
-        <p:nvGrpSpPr>
-          <p:cNvPr id="3" name="Group 3"/>
-          <p:cNvGrpSpPr/>
-          <p:nvPr/>
-        </p:nvGrpSpPr>
-        <p:grpSpPr>
-          <a:xfrm>
-            <a:off x="0" y="52709"/>
-            <a:ext cx="3419237" cy="3413767"/>
-            <a:chOff x="0" y="0"/>
-            <a:chExt cx="6350000" cy="6339840"/>
-          </a:xfrm>
-        </p:grpSpPr>
-        <p:sp>
-          <p:nvSpPr>
-            <p:cNvPr id="4" name="Freeform 4"/>
-            <p:cNvSpPr/>
-            <p:nvPr/>
-          </p:nvSpPr>
-          <p:spPr>
-            <a:xfrm>
-              <a:off x="0" y="0"/>
-              <a:ext cx="6350000" cy="6339840"/>
-            </a:xfrm>
-            <a:custGeom>
-              <a:avLst/>
-              <a:gdLst/>
-              <a:ahLst/>
-              <a:cxnLst/>
-              <a:rect l="l" t="t" r="r" b="b"/>
-              <a:pathLst>
-                <a:path w="6350000" h="6339840">
-                  <a:moveTo>
-                    <a:pt x="6350000" y="6339840"/>
-                  </a:moveTo>
-                  <a:lnTo>
-                    <a:pt x="0" y="6339840"/>
-                  </a:lnTo>
-                  <a:lnTo>
-                    <a:pt x="0" y="0"/>
-                  </a:lnTo>
-                  <a:close/>
-                </a:path>
-              </a:pathLst>
-            </a:custGeom>
-            <a:solidFill>
-              <a:srgbClr val="F2F0F4">
-                <a:alpha val="84705"/>
-              </a:srgbClr>
-            </a:solidFill>
-          </p:spPr>
-        </p:sp>
-      </p:grpSp>
-      <p:grpSp>
-        <p:nvGrpSpPr>
-          <p:cNvPr id="5" name="Group 5"/>
-          <p:cNvGrpSpPr/>
-          <p:nvPr/>
-        </p:nvGrpSpPr>
-        <p:grpSpPr>
-          <a:xfrm rot="-10800000">
-            <a:off x="-2110659" y="-189185"/>
-            <a:ext cx="4221318" cy="3655661"/>
-            <a:chOff x="0" y="0"/>
-            <a:chExt cx="6350000" cy="5499100"/>
-          </a:xfrm>
-        </p:grpSpPr>
-        <p:sp>
-          <p:nvSpPr>
-            <p:cNvPr id="6" name="Freeform 6"/>
-            <p:cNvSpPr/>
-            <p:nvPr/>
-          </p:nvSpPr>
-          <p:spPr>
-            <a:xfrm>
-              <a:off x="0" y="0"/>
-              <a:ext cx="6350000" cy="5499100"/>
-            </a:xfrm>
-            <a:custGeom>
-              <a:avLst/>
-              <a:gdLst/>
-              <a:ahLst/>
-              <a:cxnLst/>
-              <a:rect l="l" t="t" r="r" b="b"/>
-              <a:pathLst>
-                <a:path w="6350000" h="5499100">
-                  <a:moveTo>
-                    <a:pt x="0" y="5499100"/>
-                  </a:moveTo>
-                  <a:lnTo>
-                    <a:pt x="3175000" y="0"/>
-                  </a:lnTo>
-                  <a:lnTo>
-                    <a:pt x="6350000" y="5499100"/>
-                  </a:lnTo>
-                  <a:close/>
-                </a:path>
-              </a:pathLst>
-            </a:custGeom>
-            <a:solidFill>
-              <a:srgbClr val="CF3338"/>
-            </a:solidFill>
-          </p:spPr>
-        </p:sp>
-      </p:grpSp>
-      <p:sp>
-        <p:nvSpPr>
-          <p:cNvPr id="7" name="TextBox 7"/>
-          <p:cNvSpPr txBox="1"/>
-          <p:nvPr/>
-        </p:nvSpPr>
-        <p:spPr>
-          <a:xfrm>
-            <a:off x="2110659" y="435320"/>
-            <a:ext cx="15772737" cy="1095300"/>
-          </a:xfrm>
-          <a:prstGeom prst="rect">
-            <a:avLst/>
-          </a:prstGeom>
-        </p:spPr>
-        <p:txBody>
-          <a:bodyPr lIns="0" tIns="0" rIns="0" bIns="0" rtlCol="0" anchor="t">
-            <a:spAutoFit/>
-          </a:bodyPr>
-          <a:lstStyle/>
-          <a:p>
-            <a:pPr algn="r">
-              <a:lnSpc>
-                <a:spcPts val="9100"/>
-              </a:lnSpc>
-            </a:pPr>
-            <a:r>
-              <a:rPr lang="en-US" sz="6500" b="1" spc="195" dirty="0">
-                <a:solidFill>
-                  <a:srgbClr val="F2F0F4"/>
-                </a:solidFill>
-                <a:latin typeface="League Spartan Italics"/>
-              </a:rPr>
-              <a:t>What did we do before Power Query?</a:t>
-            </a:r>
-          </a:p>
-        </p:txBody>
-      </p:sp>
       <p:pic>
         <p:nvPicPr>
           <p:cNvPr id="8" name="Picture 8"/>
@@ -9159,6 +7629,78 @@
         </p:nvPicPr>
         <p:blipFill>
           <a:blip r:embed="rId3"/>
+          <a:srcRect/>
+          <a:stretch>
+            <a:fillRect/>
+          </a:stretch>
+        </p:blipFill>
+        <p:spPr>
+          <a:xfrm>
+            <a:off x="16459200" y="-99077"/>
+            <a:ext cx="2005783" cy="1470490"/>
+          </a:xfrm>
+          <a:prstGeom prst="rect">
+            <a:avLst/>
+          </a:prstGeom>
+        </p:spPr>
+      </p:pic>
+      <p:sp>
+        <p:nvSpPr>
+          <p:cNvPr id="9" name="TextBox 9"/>
+          <p:cNvSpPr txBox="1"/>
+          <p:nvPr/>
+        </p:nvSpPr>
+        <p:spPr>
+          <a:xfrm>
+            <a:off x="838200" y="617118"/>
+            <a:ext cx="15631206" cy="1209818"/>
+          </a:xfrm>
+          <a:prstGeom prst="rect">
+            <a:avLst/>
+          </a:prstGeom>
+        </p:spPr>
+        <p:txBody>
+          <a:bodyPr wrap="square" lIns="0" tIns="0" rIns="0" bIns="0" rtlCol="0" anchor="t">
+            <a:spAutoFit/>
+          </a:bodyPr>
+          <a:lstStyle/>
+          <a:p>
+            <a:pPr>
+              <a:lnSpc>
+                <a:spcPts val="10080"/>
+              </a:lnSpc>
+              <a:spcBef>
+                <a:spcPct val="0"/>
+              </a:spcBef>
+            </a:pPr>
+            <a:r>
+              <a:rPr lang="en-US" sz="7200" dirty="0">
+                <a:solidFill>
+                  <a:srgbClr val="000000"/>
+                </a:solidFill>
+                <a:latin typeface="Open Sans Extra Bold"/>
+              </a:rPr>
+              <a:t>DEMO: PROFILING DATA</a:t>
+            </a:r>
+          </a:p>
+        </p:txBody>
+      </p:sp>
+      <p:pic>
+        <p:nvPicPr>
+          <p:cNvPr id="5" name="Picture 6">
+            <a:extLst>
+              <a:ext uri="{FF2B5EF4-FFF2-40B4-BE49-F238E27FC236}">
+                <a16:creationId xmlns:a16="http://schemas.microsoft.com/office/drawing/2014/main" id="{01C401A0-8EBC-47CA-B2DE-F204DE6EEF54}"/>
+              </a:ext>
+            </a:extLst>
+          </p:cNvPr>
+          <p:cNvPicPr>
+            <a:picLocks noChangeAspect="1"/>
+          </p:cNvPicPr>
+          <p:nvPr/>
+        </p:nvPicPr>
+        <p:blipFill>
+          <a:blip r:embed="rId4"/>
           <a:srcRect b="44190"/>
           <a:stretch>
             <a:fillRect/>
@@ -9176,10 +7718,10 @@
       </p:pic>
       <p:sp>
         <p:nvSpPr>
-          <p:cNvPr id="9" name="TextBox 8">
+          <p:cNvPr id="2" name="TextBox 1">
             <a:extLst>
               <a:ext uri="{FF2B5EF4-FFF2-40B4-BE49-F238E27FC236}">
-                <a16:creationId xmlns:a16="http://schemas.microsoft.com/office/drawing/2014/main" id="{70F8E36B-5389-41E7-BBDB-BE061BE6D012}"/>
+                <a16:creationId xmlns:a16="http://schemas.microsoft.com/office/drawing/2014/main" id="{DA7E4D39-AF17-46FE-A0C7-071D1DD526E8}"/>
               </a:ext>
             </a:extLst>
           </p:cNvPr>
@@ -9188,8 +7730,8 @@
         </p:nvSpPr>
         <p:spPr>
           <a:xfrm>
-            <a:off x="228600" y="3848100"/>
-            <a:ext cx="11353800" cy="1754326"/>
+            <a:off x="857250" y="1943100"/>
+            <a:ext cx="12877800" cy="2554545"/>
           </a:xfrm>
           <a:prstGeom prst="rect">
             <a:avLst/>
@@ -9207,17 +7749,17 @@
               <a:buChar char="•"/>
             </a:pPr>
             <a:r>
-              <a:rPr lang="en-US" sz="3600" dirty="0">
-                <a:latin typeface="Gidole" panose="020B0604020202020204" charset="0"/>
+              <a:rPr lang="en-US" sz="4000" dirty="0">
+                <a:latin typeface="Gidole" panose="02000503000000000000" pitchFamily="50" charset="0"/>
               </a:rPr>
               <a:t>File: </a:t>
             </a:r>
             <a:r>
-              <a:rPr lang="en-US" sz="3600" dirty="0">
+              <a:rPr lang="en-US" sz="4000" dirty="0">
                 <a:latin typeface="Roboto Mono" pitchFamily="2" charset="0"/>
                 <a:ea typeface="Roboto Mono" pitchFamily="2" charset="0"/>
               </a:rPr>
-              <a:t>wholesale-customers.xlsx</a:t>
+              <a:t>star.xlsx</a:t>
             </a:r>
           </a:p>
           <a:p>
@@ -9226,11 +7768,11 @@
               <a:buChar char="•"/>
             </a:pPr>
             <a:r>
-              <a:rPr lang="en-US" sz="3600" dirty="0">
+              <a:rPr lang="en-US" sz="4000" dirty="0">
                 <a:latin typeface="Gidole" panose="02000503000000000000" pitchFamily="50" charset="0"/>
                 <a:ea typeface="Roboto Mono" pitchFamily="2" charset="0"/>
               </a:rPr>
-              <a:t>How would you make this data “PivotTable-ready?”</a:t>
+              <a:t>Load into Power Query</a:t>
             </a:r>
           </a:p>
           <a:p>
@@ -9238,16 +7780,33 @@
               <a:buFont typeface="Arial" panose="020B0604020202020204" pitchFamily="34" charset="0"/>
               <a:buChar char="•"/>
             </a:pPr>
-            <a:endParaRPr lang="en-US" sz="3600" dirty="0">
-              <a:latin typeface="Gidole" panose="020B0604020202020204" charset="0"/>
-            </a:endParaRPr>
+            <a:r>
+              <a:rPr lang="en-US" sz="4000" dirty="0">
+                <a:latin typeface="Gidole" panose="02000503000000000000" pitchFamily="50" charset="0"/>
+                <a:ea typeface="Roboto Mono" pitchFamily="2" charset="0"/>
+              </a:rPr>
+              <a:t>Explore via Data Preview</a:t>
+            </a:r>
+          </a:p>
+          <a:p>
+            <a:pPr marL="571500" indent="-571500">
+              <a:buFont typeface="Arial" panose="020B0604020202020204" pitchFamily="34" charset="0"/>
+              <a:buChar char="•"/>
+            </a:pPr>
+            <a:r>
+              <a:rPr lang="en-US" sz="4000" i="1" dirty="0">
+                <a:latin typeface="Gidole" panose="02000503000000000000" pitchFamily="50" charset="0"/>
+                <a:ea typeface="Roboto Mono" pitchFamily="2" charset="0"/>
+              </a:rPr>
+              <a:t>Refer to demo notes</a:t>
+            </a:r>
           </a:p>
         </p:txBody>
       </p:sp>
     </p:spTree>
     <p:extLst>
       <p:ext uri="{BB962C8B-B14F-4D97-AF65-F5344CB8AC3E}">
-        <p14:creationId xmlns:p14="http://schemas.microsoft.com/office/powerpoint/2010/main" val="3385359437"/>
+        <p14:creationId xmlns:p14="http://schemas.microsoft.com/office/powerpoint/2010/main" val="1901009749"/>
       </p:ext>
     </p:extLst>
   </p:cSld>
@@ -9335,7 +7894,7 @@
                 </a:solidFill>
                 <a:latin typeface="Open Sans Extra Bold"/>
               </a:rPr>
-              <a:t>QUESTIONS?</a:t>
+              <a:t>DEMO: MANIPULATING ROWS</a:t>
             </a:r>
           </a:p>
         </p:txBody>
@@ -9371,10 +7930,58 @@
           </a:prstGeom>
         </p:spPr>
       </p:pic>
+      <p:sp>
+        <p:nvSpPr>
+          <p:cNvPr id="2" name="TextBox 1">
+            <a:extLst>
+              <a:ext uri="{FF2B5EF4-FFF2-40B4-BE49-F238E27FC236}">
+                <a16:creationId xmlns:a16="http://schemas.microsoft.com/office/drawing/2014/main" id="{DA7E4D39-AF17-46FE-A0C7-071D1DD526E8}"/>
+              </a:ext>
+            </a:extLst>
+          </p:cNvPr>
+          <p:cNvSpPr txBox="1"/>
+          <p:nvPr/>
+        </p:nvSpPr>
+        <p:spPr>
+          <a:xfrm>
+            <a:off x="857250" y="1943100"/>
+            <a:ext cx="12877800" cy="707886"/>
+          </a:xfrm>
+          <a:prstGeom prst="rect">
+            <a:avLst/>
+          </a:prstGeom>
+          <a:noFill/>
+        </p:spPr>
+        <p:txBody>
+          <a:bodyPr wrap="square" rtlCol="0">
+            <a:spAutoFit/>
+          </a:bodyPr>
+          <a:lstStyle/>
+          <a:p>
+            <a:pPr marL="571500" indent="-571500">
+              <a:buFont typeface="Arial" panose="020B0604020202020204" pitchFamily="34" charset="0"/>
+              <a:buChar char="•"/>
+            </a:pPr>
+            <a:r>
+              <a:rPr lang="en-US" sz="4000" dirty="0">
+                <a:latin typeface="Gidole" panose="02000503000000000000" pitchFamily="50" charset="0"/>
+              </a:rPr>
+              <a:t>File: </a:t>
+            </a:r>
+            <a:r>
+              <a:rPr lang="en-US" sz="4000" dirty="0">
+                <a:latin typeface="Roboto Mono" pitchFamily="2" charset="0"/>
+                <a:ea typeface="Roboto Mono" pitchFamily="2" charset="0"/>
+              </a:rPr>
+              <a:t>office-rsvps.xlsx</a:t>
+            </a:r>
+          </a:p>
+        </p:txBody>
+      </p:sp>
     </p:spTree>
     <p:extLst>
       <p:ext uri="{BB962C8B-B14F-4D97-AF65-F5344CB8AC3E}">
-        <p14:creationId xmlns:p14="http://schemas.microsoft.com/office/powerpoint/2010/main" val="2269851195"/>
+        <p14:creationId xmlns:p14="http://schemas.microsoft.com/office/powerpoint/2010/main" val="737950228"/>
       </p:ext>
     </p:extLst>
   </p:cSld>
@@ -9401,16 +8008,189 @@
           <a:chExt cx="0" cy="0"/>
         </a:xfrm>
       </p:grpSpPr>
+      <p:sp>
+        <p:nvSpPr>
+          <p:cNvPr id="2" name="AutoShape 2"/>
+          <p:cNvSpPr/>
+          <p:nvPr/>
+        </p:nvSpPr>
+        <p:spPr>
+          <a:xfrm>
+            <a:off x="0" y="-56390"/>
+            <a:ext cx="10283741" cy="10399781"/>
+          </a:xfrm>
+          <a:prstGeom prst="rect">
+            <a:avLst/>
+          </a:prstGeom>
+          <a:solidFill>
+            <a:srgbClr val="CF3338"/>
+          </a:solidFill>
+        </p:spPr>
+      </p:sp>
+      <p:grpSp>
+        <p:nvGrpSpPr>
+          <p:cNvPr id="3" name="Group 3"/>
+          <p:cNvGrpSpPr/>
+          <p:nvPr/>
+        </p:nvGrpSpPr>
+        <p:grpSpPr>
+          <a:xfrm rot="5400000">
+            <a:off x="9957" y="-9957"/>
+            <a:ext cx="10263828" cy="10283741"/>
+            <a:chOff x="0" y="0"/>
+            <a:chExt cx="6350000" cy="6339840"/>
+          </a:xfrm>
+        </p:grpSpPr>
+        <p:sp>
+          <p:nvSpPr>
+            <p:cNvPr id="4" name="Freeform 4"/>
+            <p:cNvSpPr/>
+            <p:nvPr/>
+          </p:nvSpPr>
+          <p:spPr>
+            <a:xfrm>
+              <a:off x="0" y="0"/>
+              <a:ext cx="6350000" cy="6339840"/>
+            </a:xfrm>
+            <a:custGeom>
+              <a:avLst/>
+              <a:gdLst/>
+              <a:ahLst/>
+              <a:cxnLst/>
+              <a:rect l="l" t="t" r="r" b="b"/>
+              <a:pathLst>
+                <a:path w="6350000" h="6339840">
+                  <a:moveTo>
+                    <a:pt x="6350000" y="6339840"/>
+                  </a:moveTo>
+                  <a:lnTo>
+                    <a:pt x="0" y="6339840"/>
+                  </a:lnTo>
+                  <a:lnTo>
+                    <a:pt x="0" y="0"/>
+                  </a:lnTo>
+                  <a:close/>
+                </a:path>
+              </a:pathLst>
+            </a:custGeom>
+            <a:solidFill>
+              <a:srgbClr val="3D3935">
+                <a:alpha val="19607"/>
+              </a:srgbClr>
+            </a:solidFill>
+          </p:spPr>
+        </p:sp>
+      </p:grpSp>
+      <p:sp>
+        <p:nvSpPr>
+          <p:cNvPr id="5" name="TextBox 5"/>
+          <p:cNvSpPr txBox="1"/>
+          <p:nvPr/>
+        </p:nvSpPr>
+        <p:spPr>
+          <a:xfrm>
+            <a:off x="1329711" y="2960593"/>
+            <a:ext cx="7624318" cy="1690784"/>
+          </a:xfrm>
+          <a:prstGeom prst="rect">
+            <a:avLst/>
+          </a:prstGeom>
+        </p:spPr>
+        <p:txBody>
+          <a:bodyPr lIns="0" tIns="0" rIns="0" bIns="0" rtlCol="0" anchor="t">
+            <a:spAutoFit/>
+          </a:bodyPr>
+          <a:lstStyle/>
+          <a:p>
+            <a:pPr marL="457200" indent="-457200">
+              <a:lnSpc>
+                <a:spcPts val="4522"/>
+              </a:lnSpc>
+              <a:buFont typeface="Arial" panose="020B0604020202020204" pitchFamily="34" charset="0"/>
+              <a:buChar char="•"/>
+            </a:pPr>
+            <a:r>
+              <a:rPr lang="en-US" sz="3400" spc="340" dirty="0">
+                <a:solidFill>
+                  <a:schemeClr val="bg1"/>
+                </a:solidFill>
+                <a:latin typeface="Gidole"/>
+              </a:rPr>
+              <a:t>Learn more and connect at </a:t>
+            </a:r>
+            <a:r>
+              <a:rPr lang="en-US" sz="3400" spc="340" dirty="0">
+                <a:solidFill>
+                  <a:schemeClr val="bg1"/>
+                </a:solidFill>
+                <a:latin typeface="Gidole"/>
+                <a:hlinkClick r:id="rId3">
+                  <a:extLst>
+                    <a:ext uri="{A12FA001-AC4F-418D-AE19-62706E023703}">
+                      <ahyp:hlinkClr xmlns:ahyp="http://schemas.microsoft.com/office/drawing/2018/hyperlinkcolor" val="tx"/>
+                    </a:ext>
+                  </a:extLst>
+                </a:hlinkClick>
+              </a:rPr>
+              <a:t>https://social.stringfestanalytics.com/pq-workshops </a:t>
+            </a:r>
+            <a:endParaRPr lang="en-US" sz="3400" spc="340" dirty="0">
+              <a:solidFill>
+                <a:schemeClr val="bg1"/>
+              </a:solidFill>
+              <a:latin typeface="Gidole"/>
+            </a:endParaRPr>
+          </a:p>
+        </p:txBody>
+      </p:sp>
+      <p:sp>
+        <p:nvSpPr>
+          <p:cNvPr id="6" name="TextBox 6"/>
+          <p:cNvSpPr txBox="1"/>
+          <p:nvPr/>
+        </p:nvSpPr>
+        <p:spPr>
+          <a:xfrm rot="5400000">
+            <a:off x="15031804" y="6973654"/>
+            <a:ext cx="3734903" cy="834390"/>
+          </a:xfrm>
+          <a:prstGeom prst="rect">
+            <a:avLst/>
+          </a:prstGeom>
+        </p:spPr>
+        <p:txBody>
+          <a:bodyPr lIns="0" tIns="0" rIns="0" bIns="0" rtlCol="0" anchor="t">
+            <a:spAutoFit/>
+          </a:bodyPr>
+          <a:lstStyle/>
+          <a:p>
+            <a:pPr algn="r">
+              <a:lnSpc>
+                <a:spcPts val="3359"/>
+              </a:lnSpc>
+            </a:pPr>
+            <a:r>
+              <a:rPr lang="en-US" sz="2400" spc="192">
+                <a:solidFill>
+                  <a:srgbClr val="F2F0F4"/>
+                </a:solidFill>
+                <a:latin typeface="Gidole"/>
+              </a:rPr>
+              <a:t>Human Centered Design • MDLS 2020</a:t>
+            </a:r>
+          </a:p>
+        </p:txBody>
+      </p:sp>
       <p:pic>
         <p:nvPicPr>
-          <p:cNvPr id="8" name="Picture 8"/>
+          <p:cNvPr id="7" name="Picture 7"/>
           <p:cNvPicPr>
             <a:picLocks noChangeAspect="1"/>
           </p:cNvPicPr>
           <p:nvPr/>
         </p:nvPicPr>
         <p:blipFill>
-          <a:blip r:embed="rId3"/>
+          <a:blip r:embed="rId4"/>
           <a:srcRect/>
           <a:stretch>
             <a:fillRect/>
@@ -9418,7 +8198,7 @@
         </p:blipFill>
         <p:spPr>
           <a:xfrm>
-            <a:off x="16459200" y="-99077"/>
+            <a:off x="16100583" y="9258300"/>
             <a:ext cx="2005783" cy="1470490"/>
           </a:xfrm>
           <a:prstGeom prst="rect">
@@ -9434,45 +8214,45 @@
         </p:nvSpPr>
         <p:spPr>
           <a:xfrm>
-            <a:off x="838200" y="617118"/>
-            <a:ext cx="15631206" cy="1209818"/>
+            <a:off x="657572" y="942975"/>
+            <a:ext cx="8486428" cy="1485663"/>
           </a:xfrm>
           <a:prstGeom prst="rect">
             <a:avLst/>
           </a:prstGeom>
         </p:spPr>
         <p:txBody>
-          <a:bodyPr wrap="square" lIns="0" tIns="0" rIns="0" bIns="0" rtlCol="0" anchor="t">
+          <a:bodyPr lIns="0" tIns="0" rIns="0" bIns="0" rtlCol="0" anchor="t">
             <a:spAutoFit/>
           </a:bodyPr>
           <a:lstStyle/>
           <a:p>
             <a:pPr>
               <a:lnSpc>
-                <a:spcPts val="10080"/>
+                <a:spcPts val="5880"/>
               </a:lnSpc>
               <a:spcBef>
                 <a:spcPct val="0"/>
               </a:spcBef>
             </a:pPr>
             <a:r>
-              <a:rPr lang="en-US" sz="7200" dirty="0">
+              <a:rPr lang="en-US" sz="4200" dirty="0">
                 <a:solidFill>
-                  <a:srgbClr val="000000"/>
+                  <a:srgbClr val="FFFFFF"/>
                 </a:solidFill>
-                <a:latin typeface="Open Sans Extra Bold"/>
+                <a:latin typeface="League Spartan"/>
               </a:rPr>
-              <a:t>DEMO: PROFILING DATA</a:t>
+              <a:t>Power Query corporate training</a:t>
             </a:r>
           </a:p>
         </p:txBody>
       </p:sp>
       <p:pic>
         <p:nvPicPr>
-          <p:cNvPr id="5" name="Picture 6">
+          <p:cNvPr id="10" name="Picture 9" descr="Text&#10;&#10;Description automatically generated">
             <a:extLst>
               <a:ext uri="{FF2B5EF4-FFF2-40B4-BE49-F238E27FC236}">
-                <a16:creationId xmlns:a16="http://schemas.microsoft.com/office/drawing/2014/main" id="{01C401A0-8EBC-47CA-B2DE-F204DE6EEF54}"/>
+                <a16:creationId xmlns:a16="http://schemas.microsoft.com/office/drawing/2014/main" id="{E63B4FF6-BF88-4463-8657-7F5CDE66BB1D}"/>
               </a:ext>
             </a:extLst>
           </p:cNvPr>
@@ -9482,113 +8262,67 @@
           <p:nvPr/>
         </p:nvPicPr>
         <p:blipFill>
-          <a:blip r:embed="rId4"/>
-          <a:srcRect b="44190"/>
+          <a:blip r:embed="rId5" cstate="print">
+            <a:extLst>
+              <a:ext uri="{28A0092B-C50C-407E-A947-70E740481C1C}">
+                <a14:useLocalDpi xmlns:a14="http://schemas.microsoft.com/office/drawing/2010/main" val="0"/>
+              </a:ext>
+            </a:extLst>
+          </a:blip>
           <a:stretch>
             <a:fillRect/>
           </a:stretch>
         </p:blipFill>
         <p:spPr>
           <a:xfrm>
-            <a:off x="16095120" y="9265255"/>
-            <a:ext cx="2013122" cy="823680"/>
+            <a:off x="11094686" y="752926"/>
+            <a:ext cx="6336807" cy="8200574"/>
           </a:xfrm>
           <a:prstGeom prst="rect">
             <a:avLst/>
           </a:prstGeom>
         </p:spPr>
       </p:pic>
-      <p:sp>
-        <p:nvSpPr>
-          <p:cNvPr id="2" name="TextBox 1">
+      <p:pic>
+        <p:nvPicPr>
+          <p:cNvPr id="11" name="Picture 10" descr="Qr code&#10;&#10;Description automatically generated">
             <a:extLst>
               <a:ext uri="{FF2B5EF4-FFF2-40B4-BE49-F238E27FC236}">
-                <a16:creationId xmlns:a16="http://schemas.microsoft.com/office/drawing/2014/main" id="{DA7E4D39-AF17-46FE-A0C7-071D1DD526E8}"/>
+                <a16:creationId xmlns:a16="http://schemas.microsoft.com/office/drawing/2014/main" id="{745137F5-7D9B-7863-8E4A-8A625B048E74}"/>
               </a:ext>
             </a:extLst>
           </p:cNvPr>
-          <p:cNvSpPr txBox="1"/>
+          <p:cNvPicPr>
+            <a:picLocks noChangeAspect="1"/>
+          </p:cNvPicPr>
           <p:nvPr/>
-        </p:nvSpPr>
-        <p:spPr>
-          <a:xfrm>
-            <a:off x="857250" y="1943100"/>
-            <a:ext cx="12877800" cy="2554545"/>
+        </p:nvPicPr>
+        <p:blipFill>
+          <a:blip r:embed="rId6" cstate="print">
+            <a:extLst>
+              <a:ext uri="{28A0092B-C50C-407E-A947-70E740481C1C}">
+                <a14:useLocalDpi xmlns:a14="http://schemas.microsoft.com/office/drawing/2010/main" val="0"/>
+              </a:ext>
+            </a:extLst>
+          </a:blip>
+          <a:stretch>
+            <a:fillRect/>
+          </a:stretch>
+        </p:blipFill>
+        <p:spPr>
+          <a:xfrm>
+            <a:off x="533400" y="6819900"/>
+            <a:ext cx="2895600" cy="2895600"/>
           </a:xfrm>
           <a:prstGeom prst="rect">
             <a:avLst/>
           </a:prstGeom>
-          <a:noFill/>
-        </p:spPr>
-        <p:txBody>
-          <a:bodyPr wrap="square" rtlCol="0">
-            <a:spAutoFit/>
-          </a:bodyPr>
-          <a:lstStyle/>
-          <a:p>
-            <a:pPr marL="571500" indent="-571500">
-              <a:buFont typeface="Arial" panose="020B0604020202020204" pitchFamily="34" charset="0"/>
-              <a:buChar char="•"/>
-            </a:pPr>
-            <a:r>
-              <a:rPr lang="en-US" sz="4000" dirty="0">
-                <a:latin typeface="Gidole" panose="02000503000000000000" pitchFamily="50" charset="0"/>
-              </a:rPr>
-              <a:t>File: </a:t>
-            </a:r>
-            <a:r>
-              <a:rPr lang="en-US" sz="4000" dirty="0">
-                <a:latin typeface="Roboto Mono" pitchFamily="2" charset="0"/>
-                <a:ea typeface="Roboto Mono" pitchFamily="2" charset="0"/>
-              </a:rPr>
-              <a:t>star.xlsx</a:t>
-            </a:r>
-          </a:p>
-          <a:p>
-            <a:pPr marL="571500" indent="-571500">
-              <a:buFont typeface="Arial" panose="020B0604020202020204" pitchFamily="34" charset="0"/>
-              <a:buChar char="•"/>
-            </a:pPr>
-            <a:r>
-              <a:rPr lang="en-US" sz="4000" dirty="0">
-                <a:latin typeface="Gidole" panose="02000503000000000000" pitchFamily="50" charset="0"/>
-                <a:ea typeface="Roboto Mono" pitchFamily="2" charset="0"/>
-              </a:rPr>
-              <a:t>Load into Power Query</a:t>
-            </a:r>
-          </a:p>
-          <a:p>
-            <a:pPr marL="571500" indent="-571500">
-              <a:buFont typeface="Arial" panose="020B0604020202020204" pitchFamily="34" charset="0"/>
-              <a:buChar char="•"/>
-            </a:pPr>
-            <a:r>
-              <a:rPr lang="en-US" sz="4000" dirty="0">
-                <a:latin typeface="Gidole" panose="02000503000000000000" pitchFamily="50" charset="0"/>
-                <a:ea typeface="Roboto Mono" pitchFamily="2" charset="0"/>
-              </a:rPr>
-              <a:t>Explore via Data Preview</a:t>
-            </a:r>
-          </a:p>
-          <a:p>
-            <a:pPr marL="571500" indent="-571500">
-              <a:buFont typeface="Arial" panose="020B0604020202020204" pitchFamily="34" charset="0"/>
-              <a:buChar char="•"/>
-            </a:pPr>
-            <a:r>
-              <a:rPr lang="en-US" sz="4000" i="1" dirty="0">
-                <a:latin typeface="Gidole" panose="02000503000000000000" pitchFamily="50" charset="0"/>
-                <a:ea typeface="Roboto Mono" pitchFamily="2" charset="0"/>
-              </a:rPr>
-              <a:t>Refer to demo notes</a:t>
-            </a:r>
-          </a:p>
-        </p:txBody>
-      </p:sp>
+        </p:spPr>
+      </p:pic>
     </p:spTree>
     <p:extLst>
       <p:ext uri="{BB962C8B-B14F-4D97-AF65-F5344CB8AC3E}">
-        <p14:creationId xmlns:p14="http://schemas.microsoft.com/office/powerpoint/2010/main" val="1901009749"/>
+        <p14:creationId xmlns:p14="http://schemas.microsoft.com/office/powerpoint/2010/main" val="3987180466"/>
       </p:ext>
     </p:extLst>
   </p:cSld>

--- a/pp-pdq.pptx
+++ b/pp-pdq.pptx
@@ -5,7 +5,7 @@
     <p:sldMasterId id="2147483648" r:id="rId1"/>
   </p:sldMasterIdLst>
   <p:notesMasterIdLst>
-    <p:notesMasterId r:id="rId15"/>
+    <p:notesMasterId r:id="rId12"/>
   </p:notesMasterIdLst>
   <p:sldIdLst>
     <p:sldId id="256" r:id="rId2"/>
@@ -14,30 +14,30 @@
     <p:sldId id="348" r:id="rId5"/>
     <p:sldId id="282" r:id="rId6"/>
     <p:sldId id="365" r:id="rId7"/>
-    <p:sldId id="368" r:id="rId8"/>
-    <p:sldId id="371" r:id="rId9"/>
-    <p:sldId id="305" r:id="rId10"/>
-    <p:sldId id="390" r:id="rId11"/>
-    <p:sldId id="400" r:id="rId12"/>
-    <p:sldId id="404" r:id="rId13"/>
-    <p:sldId id="402" r:id="rId14"/>
+    <p:sldId id="405" r:id="rId8"/>
+    <p:sldId id="390" r:id="rId9"/>
+    <p:sldId id="400" r:id="rId10"/>
+    <p:sldId id="404" r:id="rId11"/>
   </p:sldIdLst>
   <p:sldSz cx="18288000" cy="10287000"/>
   <p:notesSz cx="6858000" cy="9144000"/>
   <p:embeddedFontLst>
     <p:embeddedFont>
       <p:font typeface="Calibri" panose="020F0502020204030204" pitchFamily="34" charset="0"/>
-      <p:regular r:id="rId16"/>
-      <p:bold r:id="rId17"/>
-      <p:italic r:id="rId18"/>
-      <p:boldItalic r:id="rId19"/>
+      <p:regular r:id="rId13"/>
+      <p:bold r:id="rId14"/>
+      <p:italic r:id="rId15"/>
+      <p:boldItalic r:id="rId16"/>
+    </p:embeddedFont>
+    <p:embeddedFont>
+      <p:font typeface="Consolas" panose="020B0609020204030204" pitchFamily="49" charset="0"/>
+      <p:regular r:id="rId17"/>
+      <p:bold r:id="rId18"/>
+      <p:italic r:id="rId19"/>
+      <p:boldItalic r:id="rId20"/>
     </p:embeddedFont>
     <p:embeddedFont>
       <p:font typeface="Gidole" panose="02000503000000000000" pitchFamily="2" charset="0"/>
-      <p:regular r:id="rId20"/>
-    </p:embeddedFont>
-    <p:embeddedFont>
-      <p:font typeface="League Spartan" panose="020B0604020202020204" charset="0"/>
       <p:regular r:id="rId21"/>
     </p:embeddedFont>
     <p:embeddedFont>
@@ -260,7 +260,7 @@
           <a:p>
             <a:fld id="{17A98A70-FA8C-4354-959C-C70678AC9BCF}" type="datetimeFigureOut">
               <a:rPr lang="en-US" smtClean="0"/>
-              <a:t>8/31/2022</a:t>
+              <a:t>9/24/2022</a:t>
             </a:fld>
             <a:endParaRPr lang="en-US"/>
           </a:p>
@@ -660,7 +660,7 @@
           <a:p>
             <a:r>
               <a:rPr lang="en-US" dirty="0"/>
-              <a:t>Thanks for coming! Feel free to contact me anytime, find me on LinkedIn, I also write frequently on this stuff so check out my website too. </a:t>
+              <a:t>Any questions on descriptive statistics? </a:t>
             </a:r>
           </a:p>
         </p:txBody>
@@ -691,274 +691,7 @@
     </p:spTree>
     <p:extLst>
       <p:ext uri="{BB962C8B-B14F-4D97-AF65-F5344CB8AC3E}">
-        <p14:creationId xmlns:p14="http://schemas.microsoft.com/office/powerpoint/2010/main" val="2404527324"/>
-      </p:ext>
-    </p:extLst>
-  </p:cSld>
-  <p:clrMapOvr>
-    <a:masterClrMapping/>
-  </p:clrMapOvr>
-</p:notes>
-</file>
-
-<file path=ppt/notesSlides/notesSlide11.xml><?xml version="1.0" encoding="utf-8"?>
-<p:notes xmlns:a="http://schemas.openxmlformats.org/drawingml/2006/main" xmlns:r="http://schemas.openxmlformats.org/officeDocument/2006/relationships" xmlns:p="http://schemas.openxmlformats.org/presentationml/2006/main">
-  <p:cSld>
-    <p:spTree>
-      <p:nvGrpSpPr>
-        <p:cNvPr id="1" name=""/>
-        <p:cNvGrpSpPr/>
-        <p:nvPr/>
-      </p:nvGrpSpPr>
-      <p:grpSpPr>
-        <a:xfrm>
-          <a:off x="0" y="0"/>
-          <a:ext cx="0" cy="0"/>
-          <a:chOff x="0" y="0"/>
-          <a:chExt cx="0" cy="0"/>
-        </a:xfrm>
-      </p:grpSpPr>
-      <p:sp>
-        <p:nvSpPr>
-          <p:cNvPr id="2" name="Slide Image Placeholder 1"/>
-          <p:cNvSpPr>
-            <a:spLocks noGrp="1" noRot="1" noChangeAspect="1"/>
-          </p:cNvSpPr>
-          <p:nvPr>
-            <p:ph type="sldImg"/>
-          </p:nvPr>
-        </p:nvSpPr>
-        <p:spPr/>
-      </p:sp>
-      <p:sp>
-        <p:nvSpPr>
-          <p:cNvPr id="3" name="Notes Placeholder 2"/>
-          <p:cNvSpPr>
-            <a:spLocks noGrp="1"/>
-          </p:cNvSpPr>
-          <p:nvPr>
-            <p:ph type="body" idx="1"/>
-          </p:nvPr>
-        </p:nvSpPr>
-        <p:spPr/>
-        <p:txBody>
-          <a:bodyPr/>
-          <a:lstStyle/>
-          <a:p>
-            <a:r>
-              <a:rPr lang="en-US" dirty="0"/>
-              <a:t>I’m a data analyst give me data on how I did</a:t>
-            </a:r>
-          </a:p>
-          <a:p>
-            <a:r>
-              <a:rPr lang="en-US" dirty="0"/>
-              <a:t>Testimonials also VERY helpful. </a:t>
-            </a:r>
-          </a:p>
-        </p:txBody>
-      </p:sp>
-      <p:sp>
-        <p:nvSpPr>
-          <p:cNvPr id="4" name="Slide Number Placeholder 3"/>
-          <p:cNvSpPr>
-            <a:spLocks noGrp="1"/>
-          </p:cNvSpPr>
-          <p:nvPr>
-            <p:ph type="sldNum" sz="quarter" idx="5"/>
-          </p:nvPr>
-        </p:nvSpPr>
-        <p:spPr/>
-        <p:txBody>
-          <a:bodyPr/>
-          <a:lstStyle/>
-          <a:p>
-            <a:fld id="{FFB500C5-13F7-48FC-8160-C29AECF6C602}" type="slidenum">
-              <a:rPr lang="en-US" smtClean="0"/>
-              <a:t>11</a:t>
-            </a:fld>
-            <a:endParaRPr lang="en-US"/>
-          </a:p>
-        </p:txBody>
-      </p:sp>
-    </p:spTree>
-    <p:extLst>
-      <p:ext uri="{BB962C8B-B14F-4D97-AF65-F5344CB8AC3E}">
-        <p14:creationId xmlns:p14="http://schemas.microsoft.com/office/powerpoint/2010/main" val="3125451817"/>
-      </p:ext>
-    </p:extLst>
-  </p:cSld>
-  <p:clrMapOvr>
-    <a:masterClrMapping/>
-  </p:clrMapOvr>
-</p:notes>
-</file>
-
-<file path=ppt/notesSlides/notesSlide12.xml><?xml version="1.0" encoding="utf-8"?>
-<p:notes xmlns:a="http://schemas.openxmlformats.org/drawingml/2006/main" xmlns:r="http://schemas.openxmlformats.org/officeDocument/2006/relationships" xmlns:p="http://schemas.openxmlformats.org/presentationml/2006/main">
-  <p:cSld>
-    <p:spTree>
-      <p:nvGrpSpPr>
-        <p:cNvPr id="1" name=""/>
-        <p:cNvGrpSpPr/>
-        <p:nvPr/>
-      </p:nvGrpSpPr>
-      <p:grpSpPr>
-        <a:xfrm>
-          <a:off x="0" y="0"/>
-          <a:ext cx="0" cy="0"/>
-          <a:chOff x="0" y="0"/>
-          <a:chExt cx="0" cy="0"/>
-        </a:xfrm>
-      </p:grpSpPr>
-      <p:sp>
-        <p:nvSpPr>
-          <p:cNvPr id="2" name="Slide Image Placeholder 1"/>
-          <p:cNvSpPr>
-            <a:spLocks noGrp="1" noRot="1" noChangeAspect="1"/>
-          </p:cNvSpPr>
-          <p:nvPr>
-            <p:ph type="sldImg"/>
-          </p:nvPr>
-        </p:nvSpPr>
-        <p:spPr/>
-      </p:sp>
-      <p:sp>
-        <p:nvSpPr>
-          <p:cNvPr id="3" name="Notes Placeholder 2"/>
-          <p:cNvSpPr>
-            <a:spLocks noGrp="1"/>
-          </p:cNvSpPr>
-          <p:nvPr>
-            <p:ph type="body" idx="1"/>
-          </p:nvPr>
-        </p:nvSpPr>
-        <p:spPr/>
-        <p:txBody>
-          <a:bodyPr/>
-          <a:lstStyle/>
-          <a:p>
-            <a:r>
-              <a:rPr lang="en-US" dirty="0"/>
-              <a:t>Any questions on descriptive statistics? </a:t>
-            </a:r>
-          </a:p>
-        </p:txBody>
-      </p:sp>
-      <p:sp>
-        <p:nvSpPr>
-          <p:cNvPr id="4" name="Slide Number Placeholder 3"/>
-          <p:cNvSpPr>
-            <a:spLocks noGrp="1"/>
-          </p:cNvSpPr>
-          <p:nvPr>
-            <p:ph type="sldNum" sz="quarter" idx="5"/>
-          </p:nvPr>
-        </p:nvSpPr>
-        <p:spPr/>
-        <p:txBody>
-          <a:bodyPr/>
-          <a:lstStyle/>
-          <a:p>
-            <a:fld id="{FFB500C5-13F7-48FC-8160-C29AECF6C602}" type="slidenum">
-              <a:rPr lang="en-US" smtClean="0"/>
-              <a:t>12</a:t>
-            </a:fld>
-            <a:endParaRPr lang="en-US"/>
-          </a:p>
-        </p:txBody>
-      </p:sp>
-    </p:spTree>
-    <p:extLst>
-      <p:ext uri="{BB962C8B-B14F-4D97-AF65-F5344CB8AC3E}">
         <p14:creationId xmlns:p14="http://schemas.microsoft.com/office/powerpoint/2010/main" val="746477125"/>
-      </p:ext>
-    </p:extLst>
-  </p:cSld>
-  <p:clrMapOvr>
-    <a:masterClrMapping/>
-  </p:clrMapOvr>
-</p:notes>
-</file>
-
-<file path=ppt/notesSlides/notesSlide13.xml><?xml version="1.0" encoding="utf-8"?>
-<p:notes xmlns:a="http://schemas.openxmlformats.org/drawingml/2006/main" xmlns:r="http://schemas.openxmlformats.org/officeDocument/2006/relationships" xmlns:p="http://schemas.openxmlformats.org/presentationml/2006/main">
-  <p:cSld>
-    <p:spTree>
-      <p:nvGrpSpPr>
-        <p:cNvPr id="1" name=""/>
-        <p:cNvGrpSpPr/>
-        <p:nvPr/>
-      </p:nvGrpSpPr>
-      <p:grpSpPr>
-        <a:xfrm>
-          <a:off x="0" y="0"/>
-          <a:ext cx="0" cy="0"/>
-          <a:chOff x="0" y="0"/>
-          <a:chExt cx="0" cy="0"/>
-        </a:xfrm>
-      </p:grpSpPr>
-      <p:sp>
-        <p:nvSpPr>
-          <p:cNvPr id="2" name="Slide Image Placeholder 1"/>
-          <p:cNvSpPr>
-            <a:spLocks noGrp="1" noRot="1" noChangeAspect="1"/>
-          </p:cNvSpPr>
-          <p:nvPr>
-            <p:ph type="sldImg"/>
-          </p:nvPr>
-        </p:nvSpPr>
-        <p:spPr/>
-      </p:sp>
-      <p:sp>
-        <p:nvSpPr>
-          <p:cNvPr id="3" name="Notes Placeholder 2"/>
-          <p:cNvSpPr>
-            <a:spLocks noGrp="1"/>
-          </p:cNvSpPr>
-          <p:nvPr>
-            <p:ph type="body" idx="1"/>
-          </p:nvPr>
-        </p:nvSpPr>
-        <p:spPr/>
-        <p:txBody>
-          <a:bodyPr/>
-          <a:lstStyle/>
-          <a:p>
-            <a:r>
-              <a:rPr lang="en-US" dirty="0"/>
-              <a:t>Any questions on descriptive statistics? </a:t>
-            </a:r>
-          </a:p>
-        </p:txBody>
-      </p:sp>
-      <p:sp>
-        <p:nvSpPr>
-          <p:cNvPr id="4" name="Slide Number Placeholder 3"/>
-          <p:cNvSpPr>
-            <a:spLocks noGrp="1"/>
-          </p:cNvSpPr>
-          <p:nvPr>
-            <p:ph type="sldNum" sz="quarter" idx="5"/>
-          </p:nvPr>
-        </p:nvSpPr>
-        <p:spPr/>
-        <p:txBody>
-          <a:bodyPr/>
-          <a:lstStyle/>
-          <a:p>
-            <a:fld id="{FFB500C5-13F7-48FC-8160-C29AECF6C602}" type="slidenum">
-              <a:rPr lang="en-US" smtClean="0"/>
-              <a:t>13</a:t>
-            </a:fld>
-            <a:endParaRPr lang="en-US"/>
-          </a:p>
-        </p:txBody>
-      </p:sp>
-    </p:spTree>
-    <p:extLst>
-      <p:ext uri="{BB962C8B-B14F-4D97-AF65-F5344CB8AC3E}">
-        <p14:creationId xmlns:p14="http://schemas.microsoft.com/office/powerpoint/2010/main" val="3885250660"/>
       </p:ext>
     </p:extLst>
   </p:cSld>
@@ -1465,10 +1198,7 @@
           <a:bodyPr/>
           <a:lstStyle/>
           <a:p>
-            <a:r>
-              <a:rPr lang="en-US" dirty="0"/>
-              <a:t>Now Power Query is more for data cleaning and transformation but of course we can’t clean unless we know what needs to be cleaned. So let’s look at some ways to do this. We will explore the data and see what we’re working with. </a:t>
-            </a:r>
+            <a:endParaRPr lang="en-US" dirty="0"/>
           </a:p>
         </p:txBody>
       </p:sp>
@@ -1498,7 +1228,7 @@
     </p:spTree>
     <p:extLst>
       <p:ext uri="{BB962C8B-B14F-4D97-AF65-F5344CB8AC3E}">
-        <p14:creationId xmlns:p14="http://schemas.microsoft.com/office/powerpoint/2010/main" val="3097664856"/>
+        <p14:creationId xmlns:p14="http://schemas.microsoft.com/office/powerpoint/2010/main" val="1907416994"/>
       </p:ext>
     </p:extLst>
   </p:cSld>
@@ -1554,21 +1284,7 @@
           <a:p>
             <a:r>
               <a:rPr lang="en-US" dirty="0"/>
-              <a:t>Let’s practice on this</a:t>
-            </a:r>
-          </a:p>
-          <a:p>
-            <a:r>
-              <a:rPr lang="en-US" dirty="0"/>
-              <a:t>Of course there is a LOT more you can do here, you can work on rows, multiple datasets </a:t>
-            </a:r>
-            <a:r>
-              <a:rPr lang="en-US" dirty="0" err="1"/>
-              <a:t>etc</a:t>
-            </a:r>
-            <a:r>
-              <a:rPr lang="en-US" dirty="0"/>
-              <a:t> but we’ll focus on the very beginning stuff here. </a:t>
+              <a:t>Thanks for coming! Feel free to contact me anytime, find me on LinkedIn, I also write frequently on this stuff so check out my website too. </a:t>
             </a:r>
           </a:p>
         </p:txBody>
@@ -1599,7 +1315,7 @@
     </p:spTree>
     <p:extLst>
       <p:ext uri="{BB962C8B-B14F-4D97-AF65-F5344CB8AC3E}">
-        <p14:creationId xmlns:p14="http://schemas.microsoft.com/office/powerpoint/2010/main" val="1531584346"/>
+        <p14:creationId xmlns:p14="http://schemas.microsoft.com/office/powerpoint/2010/main" val="2404527324"/>
       </p:ext>
     </p:extLst>
   </p:cSld>
@@ -1653,34 +1369,15 @@
           <a:bodyPr/>
           <a:lstStyle/>
           <a:p>
-            <a:pPr marL="0" marR="0" lvl="0" indent="0" algn="l" defTabSz="914400" rtl="0" eaLnBrk="1" fontAlgn="auto" latinLnBrk="0" hangingPunct="1">
-              <a:lnSpc>
-                <a:spcPct val="100000"/>
-              </a:lnSpc>
-              <a:spcBef>
-                <a:spcPts val="0"/>
-              </a:spcBef>
-              <a:spcAft>
-                <a:spcPts val="0"/>
-              </a:spcAft>
-              <a:buClrTx/>
-              <a:buSzTx/>
-              <a:buFontTx/>
-              <a:buNone/>
-              <a:tabLst/>
-              <a:defRPr/>
-            </a:pPr>
-            <a:r>
-              <a:rPr lang="en-US" sz="1200" kern="1200" dirty="0">
-                <a:solidFill>
-                  <a:schemeClr val="tx1"/>
-                </a:solidFill>
-                <a:effectLst/>
-                <a:latin typeface="+mn-lt"/>
-                <a:ea typeface="+mn-ea"/>
-                <a:cs typeface="+mn-cs"/>
-              </a:rPr>
-              <a:t>If you are looking to individually take a Power Query class I have a surprise here at the end… </a:t>
+            <a:r>
+              <a:rPr lang="en-US" dirty="0"/>
+              <a:t>I’m a data analyst give me data on how I did</a:t>
+            </a:r>
+          </a:p>
+          <a:p>
+            <a:r>
+              <a:rPr lang="en-US" dirty="0"/>
+              <a:t>Testimonials also VERY helpful. </a:t>
             </a:r>
           </a:p>
         </p:txBody>
@@ -1711,7 +1408,7 @@
     </p:spTree>
     <p:extLst>
       <p:ext uri="{BB962C8B-B14F-4D97-AF65-F5344CB8AC3E}">
-        <p14:creationId xmlns:p14="http://schemas.microsoft.com/office/powerpoint/2010/main" val="3644834246"/>
+        <p14:creationId xmlns:p14="http://schemas.microsoft.com/office/powerpoint/2010/main" val="3125451817"/>
       </p:ext>
     </p:extLst>
   </p:cSld>
@@ -1901,7 +1598,7 @@
             <a:fld id="{1D8BD707-D9CF-40AE-B4C6-C98DA3205C09}" type="datetimeFigureOut">
               <a:rPr lang="en-US" smtClean="0"/>
               <a:pPr/>
-              <a:t>8/31/2022</a:t>
+              <a:t>9/24/2022</a:t>
             </a:fld>
             <a:endParaRPr lang="en-US"/>
           </a:p>
@@ -2066,7 +1763,7 @@
             <a:fld id="{1D8BD707-D9CF-40AE-B4C6-C98DA3205C09}" type="datetimeFigureOut">
               <a:rPr lang="en-US" smtClean="0"/>
               <a:pPr/>
-              <a:t>8/31/2022</a:t>
+              <a:t>9/24/2022</a:t>
             </a:fld>
             <a:endParaRPr lang="en-US"/>
           </a:p>
@@ -2241,7 +1938,7 @@
             <a:fld id="{1D8BD707-D9CF-40AE-B4C6-C98DA3205C09}" type="datetimeFigureOut">
               <a:rPr lang="en-US" smtClean="0"/>
               <a:pPr/>
-              <a:t>8/31/2022</a:t>
+              <a:t>9/24/2022</a:t>
             </a:fld>
             <a:endParaRPr lang="en-US"/>
           </a:p>
@@ -2406,7 +2103,7 @@
             <a:fld id="{1D8BD707-D9CF-40AE-B4C6-C98DA3205C09}" type="datetimeFigureOut">
               <a:rPr lang="en-US" smtClean="0"/>
               <a:pPr/>
-              <a:t>8/31/2022</a:t>
+              <a:t>9/24/2022</a:t>
             </a:fld>
             <a:endParaRPr lang="en-US"/>
           </a:p>
@@ -2648,7 +2345,7 @@
             <a:fld id="{1D8BD707-D9CF-40AE-B4C6-C98DA3205C09}" type="datetimeFigureOut">
               <a:rPr lang="en-US" smtClean="0"/>
               <a:pPr/>
-              <a:t>8/31/2022</a:t>
+              <a:t>9/24/2022</a:t>
             </a:fld>
             <a:endParaRPr lang="en-US"/>
           </a:p>
@@ -2930,7 +2627,7 @@
             <a:fld id="{1D8BD707-D9CF-40AE-B4C6-C98DA3205C09}" type="datetimeFigureOut">
               <a:rPr lang="en-US" smtClean="0"/>
               <a:pPr/>
-              <a:t>8/31/2022</a:t>
+              <a:t>9/24/2022</a:t>
             </a:fld>
             <a:endParaRPr lang="en-US"/>
           </a:p>
@@ -3346,7 +3043,7 @@
             <a:fld id="{1D8BD707-D9CF-40AE-B4C6-C98DA3205C09}" type="datetimeFigureOut">
               <a:rPr lang="en-US" smtClean="0"/>
               <a:pPr/>
-              <a:t>8/31/2022</a:t>
+              <a:t>9/24/2022</a:t>
             </a:fld>
             <a:endParaRPr lang="en-US"/>
           </a:p>
@@ -3460,7 +3157,7 @@
             <a:fld id="{1D8BD707-D9CF-40AE-B4C6-C98DA3205C09}" type="datetimeFigureOut">
               <a:rPr lang="en-US" smtClean="0"/>
               <a:pPr/>
-              <a:t>8/31/2022</a:t>
+              <a:t>9/24/2022</a:t>
             </a:fld>
             <a:endParaRPr lang="en-US"/>
           </a:p>
@@ -3552,7 +3249,7 @@
             <a:fld id="{1D8BD707-D9CF-40AE-B4C6-C98DA3205C09}" type="datetimeFigureOut">
               <a:rPr lang="en-US" smtClean="0"/>
               <a:pPr/>
-              <a:t>8/31/2022</a:t>
+              <a:t>9/24/2022</a:t>
             </a:fld>
             <a:endParaRPr lang="en-US"/>
           </a:p>
@@ -3824,7 +3521,7 @@
             <a:fld id="{1D8BD707-D9CF-40AE-B4C6-C98DA3205C09}" type="datetimeFigureOut">
               <a:rPr lang="en-US" smtClean="0"/>
               <a:pPr/>
-              <a:t>8/31/2022</a:t>
+              <a:t>9/24/2022</a:t>
             </a:fld>
             <a:endParaRPr lang="en-US"/>
           </a:p>
@@ -4073,7 +3770,7 @@
             <a:fld id="{1D8BD707-D9CF-40AE-B4C6-C98DA3205C09}" type="datetimeFigureOut">
               <a:rPr lang="en-US" smtClean="0"/>
               <a:pPr/>
-              <a:t>8/31/2022</a:t>
+              <a:t>9/24/2022</a:t>
             </a:fld>
             <a:endParaRPr lang="en-US"/>
           </a:p>
@@ -4286,7 +3983,7 @@
             <a:fld id="{1D8BD707-D9CF-40AE-B4C6-C98DA3205C09}" type="datetimeFigureOut">
               <a:rPr lang="en-US" smtClean="0"/>
               <a:pPr/>
-              <a:t>8/31/2022</a:t>
+              <a:t>9/24/2022</a:t>
             </a:fld>
             <a:endParaRPr lang="en-US"/>
           </a:p>
@@ -4704,6 +4401,1936 @@
 <file path=ppt/slides/slide10.xml><?xml version="1.0" encoding="utf-8"?>
 <p:sld xmlns:a="http://schemas.openxmlformats.org/drawingml/2006/main" xmlns:r="http://schemas.openxmlformats.org/officeDocument/2006/relationships" xmlns:p="http://schemas.openxmlformats.org/presentationml/2006/main">
   <p:cSld>
+    <p:spTree>
+      <p:nvGrpSpPr>
+        <p:cNvPr id="1" name=""/>
+        <p:cNvGrpSpPr/>
+        <p:nvPr/>
+      </p:nvGrpSpPr>
+      <p:grpSpPr>
+        <a:xfrm>
+          <a:off x="0" y="0"/>
+          <a:ext cx="0" cy="0"/>
+          <a:chOff x="0" y="0"/>
+          <a:chExt cx="0" cy="0"/>
+        </a:xfrm>
+      </p:grpSpPr>
+      <p:pic>
+        <p:nvPicPr>
+          <p:cNvPr id="8" name="Picture 8"/>
+          <p:cNvPicPr>
+            <a:picLocks noChangeAspect="1"/>
+          </p:cNvPicPr>
+          <p:nvPr/>
+        </p:nvPicPr>
+        <p:blipFill>
+          <a:blip r:embed="rId3"/>
+          <a:srcRect/>
+          <a:stretch>
+            <a:fillRect/>
+          </a:stretch>
+        </p:blipFill>
+        <p:spPr>
+          <a:xfrm>
+            <a:off x="16459200" y="-99077"/>
+            <a:ext cx="2005783" cy="1470490"/>
+          </a:xfrm>
+          <a:prstGeom prst="rect">
+            <a:avLst/>
+          </a:prstGeom>
+        </p:spPr>
+      </p:pic>
+      <p:sp>
+        <p:nvSpPr>
+          <p:cNvPr id="9" name="TextBox 9"/>
+          <p:cNvSpPr txBox="1"/>
+          <p:nvPr/>
+        </p:nvSpPr>
+        <p:spPr>
+          <a:xfrm>
+            <a:off x="838200" y="617118"/>
+            <a:ext cx="15631206" cy="1209818"/>
+          </a:xfrm>
+          <a:prstGeom prst="rect">
+            <a:avLst/>
+          </a:prstGeom>
+        </p:spPr>
+        <p:txBody>
+          <a:bodyPr wrap="square" lIns="0" tIns="0" rIns="0" bIns="0" rtlCol="0" anchor="t">
+            <a:spAutoFit/>
+          </a:bodyPr>
+          <a:lstStyle/>
+          <a:p>
+            <a:pPr>
+              <a:lnSpc>
+                <a:spcPts val="10080"/>
+              </a:lnSpc>
+              <a:spcBef>
+                <a:spcPct val="0"/>
+              </a:spcBef>
+            </a:pPr>
+            <a:r>
+              <a:rPr lang="en-US" sz="7200" dirty="0">
+                <a:solidFill>
+                  <a:srgbClr val="000000"/>
+                </a:solidFill>
+                <a:latin typeface="Open Sans Extra Bold"/>
+              </a:rPr>
+              <a:t>FINAL QUESTIONS?</a:t>
+            </a:r>
+          </a:p>
+        </p:txBody>
+      </p:sp>
+      <p:pic>
+        <p:nvPicPr>
+          <p:cNvPr id="5" name="Picture 6">
+            <a:extLst>
+              <a:ext uri="{FF2B5EF4-FFF2-40B4-BE49-F238E27FC236}">
+                <a16:creationId xmlns:a16="http://schemas.microsoft.com/office/drawing/2014/main" id="{01C401A0-8EBC-47CA-B2DE-F204DE6EEF54}"/>
+              </a:ext>
+            </a:extLst>
+          </p:cNvPr>
+          <p:cNvPicPr>
+            <a:picLocks noChangeAspect="1"/>
+          </p:cNvPicPr>
+          <p:nvPr/>
+        </p:nvPicPr>
+        <p:blipFill>
+          <a:blip r:embed="rId4"/>
+          <a:srcRect b="44190"/>
+          <a:stretch>
+            <a:fillRect/>
+          </a:stretch>
+        </p:blipFill>
+        <p:spPr>
+          <a:xfrm>
+            <a:off x="16095120" y="9265255"/>
+            <a:ext cx="2013122" cy="823680"/>
+          </a:xfrm>
+          <a:prstGeom prst="rect">
+            <a:avLst/>
+          </a:prstGeom>
+        </p:spPr>
+      </p:pic>
+      <p:sp>
+        <p:nvSpPr>
+          <p:cNvPr id="6" name="TextBox 5">
+            <a:extLst>
+              <a:ext uri="{FF2B5EF4-FFF2-40B4-BE49-F238E27FC236}">
+                <a16:creationId xmlns:a16="http://schemas.microsoft.com/office/drawing/2014/main" id="{B72B56F1-579F-4CEC-BF86-0455EEB5C6F1}"/>
+              </a:ext>
+            </a:extLst>
+          </p:cNvPr>
+          <p:cNvSpPr txBox="1"/>
+          <p:nvPr/>
+        </p:nvSpPr>
+        <p:spPr>
+          <a:xfrm>
+            <a:off x="857250" y="1943100"/>
+            <a:ext cx="12877800" cy="3785652"/>
+          </a:xfrm>
+          <a:prstGeom prst="rect">
+            <a:avLst/>
+          </a:prstGeom>
+          <a:noFill/>
+        </p:spPr>
+        <p:txBody>
+          <a:bodyPr wrap="square" rtlCol="0">
+            <a:spAutoFit/>
+          </a:bodyPr>
+          <a:lstStyle/>
+          <a:p>
+            <a:r>
+              <a:rPr lang="en-US" sz="4000" dirty="0">
+                <a:latin typeface="Gidole" panose="02000503000000000000" pitchFamily="2" charset="0"/>
+                <a:ea typeface="Roboto Mono" pitchFamily="2" charset="0"/>
+              </a:rPr>
+              <a:t>Thanks for joining! </a:t>
+            </a:r>
+          </a:p>
+          <a:p>
+            <a:endParaRPr lang="en-US" sz="4000" dirty="0">
+              <a:latin typeface="Gidole" panose="02000503000000000000" pitchFamily="2" charset="0"/>
+              <a:ea typeface="Roboto Mono" pitchFamily="2" charset="0"/>
+            </a:endParaRPr>
+          </a:p>
+          <a:p>
+            <a:r>
+              <a:rPr lang="en-US" sz="4000" dirty="0">
+                <a:latin typeface="Gidole" panose="02000503000000000000" pitchFamily="2" charset="0"/>
+                <a:ea typeface="Roboto Mono" pitchFamily="2" charset="0"/>
+              </a:rPr>
+              <a:t>A recap email with recording, survey and more will be coming…</a:t>
+            </a:r>
+          </a:p>
+          <a:p>
+            <a:endParaRPr lang="en-US" sz="4000" dirty="0">
+              <a:latin typeface="Gidole" panose="02000503000000000000" pitchFamily="2" charset="0"/>
+              <a:ea typeface="Roboto Mono" pitchFamily="2" charset="0"/>
+            </a:endParaRPr>
+          </a:p>
+          <a:p>
+            <a:r>
+              <a:rPr lang="en-US" sz="4000" dirty="0">
+                <a:latin typeface="Gidole" panose="02000503000000000000" pitchFamily="2" charset="0"/>
+                <a:ea typeface="Roboto Mono" pitchFamily="2" charset="0"/>
+              </a:rPr>
+              <a:t>The recording stays up </a:t>
+            </a:r>
+            <a:r>
+              <a:rPr lang="en-US" sz="4000">
+                <a:latin typeface="Gidole" panose="02000503000000000000" pitchFamily="2" charset="0"/>
+                <a:ea typeface="Roboto Mono" pitchFamily="2" charset="0"/>
+              </a:rPr>
+              <a:t>for seven days!</a:t>
+            </a:r>
+            <a:endParaRPr lang="en-US" sz="4000" dirty="0">
+              <a:latin typeface="Gidole" panose="02000503000000000000" pitchFamily="2" charset="0"/>
+              <a:ea typeface="Roboto Mono" pitchFamily="2" charset="0"/>
+            </a:endParaRPr>
+          </a:p>
+        </p:txBody>
+      </p:sp>
+    </p:spTree>
+    <p:extLst>
+      <p:ext uri="{BB962C8B-B14F-4D97-AF65-F5344CB8AC3E}">
+        <p14:creationId xmlns:p14="http://schemas.microsoft.com/office/powerpoint/2010/main" val="956393270"/>
+      </p:ext>
+    </p:extLst>
+  </p:cSld>
+  <p:clrMapOvr>
+    <a:masterClrMapping/>
+  </p:clrMapOvr>
+</p:sld>
+</file>
+
+<file path=ppt/slides/slide2.xml><?xml version="1.0" encoding="utf-8"?>
+<p:sld xmlns:a="http://schemas.openxmlformats.org/drawingml/2006/main" xmlns:r="http://schemas.openxmlformats.org/officeDocument/2006/relationships" xmlns:p="http://schemas.openxmlformats.org/presentationml/2006/main">
+  <p:cSld>
+    <p:spTree>
+      <p:nvGrpSpPr>
+        <p:cNvPr id="1" name=""/>
+        <p:cNvGrpSpPr/>
+        <p:nvPr/>
+      </p:nvGrpSpPr>
+      <p:grpSpPr>
+        <a:xfrm>
+          <a:off x="0" y="0"/>
+          <a:ext cx="0" cy="0"/>
+          <a:chOff x="0" y="0"/>
+          <a:chExt cx="0" cy="0"/>
+        </a:xfrm>
+      </p:grpSpPr>
+      <p:grpSp>
+        <p:nvGrpSpPr>
+          <p:cNvPr id="2" name="Group 2"/>
+          <p:cNvGrpSpPr/>
+          <p:nvPr/>
+        </p:nvGrpSpPr>
+        <p:grpSpPr>
+          <a:xfrm rot="-5400000">
+            <a:off x="10728361" y="2727361"/>
+            <a:ext cx="7565692" cy="7553587"/>
+            <a:chOff x="0" y="0"/>
+            <a:chExt cx="6350000" cy="6339840"/>
+          </a:xfrm>
+        </p:grpSpPr>
+        <p:sp>
+          <p:nvSpPr>
+            <p:cNvPr id="3" name="Freeform 3"/>
+            <p:cNvSpPr/>
+            <p:nvPr/>
+          </p:nvSpPr>
+          <p:spPr>
+            <a:xfrm>
+              <a:off x="0" y="0"/>
+              <a:ext cx="6350000" cy="6339840"/>
+            </a:xfrm>
+            <a:custGeom>
+              <a:avLst/>
+              <a:gdLst/>
+              <a:ahLst/>
+              <a:cxnLst/>
+              <a:rect l="l" t="t" r="r" b="b"/>
+              <a:pathLst>
+                <a:path w="6350000" h="6339840">
+                  <a:moveTo>
+                    <a:pt x="6350000" y="6339840"/>
+                  </a:moveTo>
+                  <a:lnTo>
+                    <a:pt x="0" y="6339840"/>
+                  </a:lnTo>
+                  <a:lnTo>
+                    <a:pt x="0" y="0"/>
+                  </a:lnTo>
+                  <a:close/>
+                </a:path>
+              </a:pathLst>
+            </a:custGeom>
+            <a:solidFill>
+              <a:srgbClr val="CF3338"/>
+            </a:solidFill>
+          </p:spPr>
+        </p:sp>
+      </p:grpSp>
+      <p:grpSp>
+        <p:nvGrpSpPr>
+          <p:cNvPr id="4" name="Group 4"/>
+          <p:cNvGrpSpPr/>
+          <p:nvPr/>
+        </p:nvGrpSpPr>
+        <p:grpSpPr>
+          <a:xfrm rot="-10800000">
+            <a:off x="15566406" y="5573199"/>
+            <a:ext cx="5443189" cy="4713801"/>
+            <a:chOff x="0" y="0"/>
+            <a:chExt cx="6350000" cy="5499100"/>
+          </a:xfrm>
+        </p:grpSpPr>
+        <p:sp>
+          <p:nvSpPr>
+            <p:cNvPr id="5" name="Freeform 5"/>
+            <p:cNvSpPr/>
+            <p:nvPr/>
+          </p:nvSpPr>
+          <p:spPr>
+            <a:xfrm>
+              <a:off x="0" y="0"/>
+              <a:ext cx="6350000" cy="5499100"/>
+            </a:xfrm>
+            <a:custGeom>
+              <a:avLst/>
+              <a:gdLst/>
+              <a:ahLst/>
+              <a:cxnLst/>
+              <a:rect l="l" t="t" r="r" b="b"/>
+              <a:pathLst>
+                <a:path w="6350000" h="5499100">
+                  <a:moveTo>
+                    <a:pt x="0" y="5499100"/>
+                  </a:moveTo>
+                  <a:lnTo>
+                    <a:pt x="3175000" y="0"/>
+                  </a:lnTo>
+                  <a:lnTo>
+                    <a:pt x="6350000" y="5499100"/>
+                  </a:lnTo>
+                  <a:close/>
+                </a:path>
+              </a:pathLst>
+            </a:custGeom>
+            <a:solidFill>
+              <a:srgbClr val="3D3935"/>
+            </a:solidFill>
+          </p:spPr>
+        </p:sp>
+      </p:grpSp>
+      <p:sp>
+        <p:nvSpPr>
+          <p:cNvPr id="6" name="AutoShape 6"/>
+          <p:cNvSpPr/>
+          <p:nvPr/>
+        </p:nvSpPr>
+        <p:spPr>
+          <a:xfrm>
+            <a:off x="9144000" y="2143604"/>
+            <a:ext cx="9466400" cy="56192"/>
+          </a:xfrm>
+          <a:prstGeom prst="rect">
+            <a:avLst/>
+          </a:prstGeom>
+          <a:solidFill>
+            <a:srgbClr val="000000"/>
+          </a:solidFill>
+        </p:spPr>
+      </p:sp>
+      <p:pic>
+        <p:nvPicPr>
+          <p:cNvPr id="7" name="Picture 7"/>
+          <p:cNvPicPr>
+            <a:picLocks noChangeAspect="1"/>
+          </p:cNvPicPr>
+          <p:nvPr/>
+        </p:nvPicPr>
+        <p:blipFill>
+          <a:blip r:embed="rId3"/>
+          <a:srcRect/>
+          <a:stretch>
+            <a:fillRect/>
+          </a:stretch>
+        </p:blipFill>
+        <p:spPr>
+          <a:xfrm>
+            <a:off x="16100583" y="9258300"/>
+            <a:ext cx="2005783" cy="1470490"/>
+          </a:xfrm>
+          <a:prstGeom prst="rect">
+            <a:avLst/>
+          </a:prstGeom>
+        </p:spPr>
+      </p:pic>
+      <p:sp>
+        <p:nvSpPr>
+          <p:cNvPr id="8" name="TextBox 8"/>
+          <p:cNvSpPr txBox="1"/>
+          <p:nvPr/>
+        </p:nvSpPr>
+        <p:spPr>
+          <a:xfrm>
+            <a:off x="1028700" y="1028700"/>
+            <a:ext cx="9105900" cy="1154162"/>
+          </a:xfrm>
+          <a:prstGeom prst="rect">
+            <a:avLst/>
+          </a:prstGeom>
+        </p:spPr>
+        <p:txBody>
+          <a:bodyPr wrap="square" lIns="0" tIns="0" rIns="0" bIns="0" rtlCol="0" anchor="t">
+            <a:spAutoFit/>
+          </a:bodyPr>
+          <a:lstStyle/>
+          <a:p>
+            <a:pPr>
+              <a:lnSpc>
+                <a:spcPts val="9000"/>
+              </a:lnSpc>
+            </a:pPr>
+            <a:r>
+              <a:rPr lang="en-US" sz="7500" spc="375" dirty="0">
+                <a:solidFill>
+                  <a:srgbClr val="000000"/>
+                </a:solidFill>
+                <a:latin typeface="League Spartan Bold"/>
+              </a:rPr>
+              <a:t>HI, I’M GEORGE</a:t>
+            </a:r>
+          </a:p>
+        </p:txBody>
+      </p:sp>
+      <p:sp>
+        <p:nvSpPr>
+          <p:cNvPr id="9" name="TextBox 9"/>
+          <p:cNvSpPr txBox="1"/>
+          <p:nvPr/>
+        </p:nvSpPr>
+        <p:spPr>
+          <a:xfrm rot="-5400000">
+            <a:off x="-436430" y="7232974"/>
+            <a:ext cx="3650350" cy="400302"/>
+          </a:xfrm>
+          <a:prstGeom prst="rect">
+            <a:avLst/>
+          </a:prstGeom>
+        </p:spPr>
+        <p:txBody>
+          <a:bodyPr lIns="0" tIns="0" rIns="0" bIns="0" rtlCol="0" anchor="t">
+            <a:spAutoFit/>
+          </a:bodyPr>
+          <a:lstStyle/>
+          <a:p>
+            <a:pPr>
+              <a:lnSpc>
+                <a:spcPts val="3359"/>
+              </a:lnSpc>
+            </a:pPr>
+            <a:r>
+              <a:rPr lang="en-US" sz="2400" spc="192" dirty="0">
+                <a:solidFill>
+                  <a:srgbClr val="000000"/>
+                </a:solidFill>
+                <a:latin typeface="Gidole"/>
+              </a:rPr>
+              <a:t>Power Query PDQ!</a:t>
+            </a:r>
+          </a:p>
+        </p:txBody>
+      </p:sp>
+      <p:pic>
+        <p:nvPicPr>
+          <p:cNvPr id="1026" name="Picture 2" descr="Stringfest Analytics main logo">
+            <a:extLst>
+              <a:ext uri="{FF2B5EF4-FFF2-40B4-BE49-F238E27FC236}">
+                <a16:creationId xmlns:a16="http://schemas.microsoft.com/office/drawing/2014/main" id="{91E3DBD0-9F19-4DA0-9F7B-706217532F3D}"/>
+              </a:ext>
+            </a:extLst>
+          </p:cNvPr>
+          <p:cNvPicPr>
+            <a:picLocks noChangeAspect="1" noChangeArrowheads="1"/>
+          </p:cNvPicPr>
+          <p:nvPr/>
+        </p:nvPicPr>
+        <p:blipFill>
+          <a:blip r:embed="rId4">
+            <a:extLst>
+              <a:ext uri="{28A0092B-C50C-407E-A947-70E740481C1C}">
+                <a14:useLocalDpi xmlns:a14="http://schemas.microsoft.com/office/drawing/2010/main" val="0"/>
+              </a:ext>
+            </a:extLst>
+          </a:blip>
+          <a:srcRect/>
+          <a:stretch>
+            <a:fillRect/>
+          </a:stretch>
+        </p:blipFill>
+        <p:spPr bwMode="auto">
+          <a:xfrm>
+            <a:off x="5581650" y="6302842"/>
+            <a:ext cx="5733655" cy="4205054"/>
+          </a:xfrm>
+          <a:prstGeom prst="rect">
+            <a:avLst/>
+          </a:prstGeom>
+          <a:noFill/>
+          <a:extLst>
+            <a:ext uri="{909E8E84-426E-40DD-AFC4-6F175D3DCCD1}">
+              <a14:hiddenFill xmlns:a14="http://schemas.microsoft.com/office/drawing/2010/main">
+                <a:solidFill>
+                  <a:srgbClr val="FFFFFF"/>
+                </a:solidFill>
+              </a14:hiddenFill>
+            </a:ext>
+          </a:extLst>
+        </p:spPr>
+      </p:pic>
+      <p:pic>
+        <p:nvPicPr>
+          <p:cNvPr id="1028" name="Picture 4" descr="Advancing into Analytics Cover Image">
+            <a:extLst>
+              <a:ext uri="{FF2B5EF4-FFF2-40B4-BE49-F238E27FC236}">
+                <a16:creationId xmlns:a16="http://schemas.microsoft.com/office/drawing/2014/main" id="{4CA8B8A9-7FAE-4585-84F4-FB5AE1188654}"/>
+              </a:ext>
+            </a:extLst>
+          </p:cNvPr>
+          <p:cNvPicPr>
+            <a:picLocks noChangeAspect="1" noChangeArrowheads="1"/>
+          </p:cNvPicPr>
+          <p:nvPr/>
+        </p:nvPicPr>
+        <p:blipFill>
+          <a:blip r:embed="rId5" cstate="print">
+            <a:extLst>
+              <a:ext uri="{28A0092B-C50C-407E-A947-70E740481C1C}">
+                <a14:useLocalDpi xmlns:a14="http://schemas.microsoft.com/office/drawing/2010/main" val="0"/>
+              </a:ext>
+            </a:extLst>
+          </a:blip>
+          <a:srcRect/>
+          <a:stretch>
+            <a:fillRect/>
+          </a:stretch>
+        </p:blipFill>
+        <p:spPr bwMode="auto">
+          <a:xfrm>
+            <a:off x="10697860" y="2721308"/>
+            <a:ext cx="3010084" cy="3931538"/>
+          </a:xfrm>
+          <a:prstGeom prst="rect">
+            <a:avLst/>
+          </a:prstGeom>
+          <a:noFill/>
+          <a:extLst>
+            <a:ext uri="{909E8E84-426E-40DD-AFC4-6F175D3DCCD1}">
+              <a14:hiddenFill xmlns:a14="http://schemas.microsoft.com/office/drawing/2010/main">
+                <a:solidFill>
+                  <a:srgbClr val="FFFFFF"/>
+                </a:solidFill>
+              </a14:hiddenFill>
+            </a:ext>
+          </a:extLst>
+        </p:spPr>
+      </p:pic>
+      <p:pic>
+        <p:nvPicPr>
+          <p:cNvPr id="1030" name="Picture 6" descr="Free photos of Cleveland">
+            <a:extLst>
+              <a:ext uri="{FF2B5EF4-FFF2-40B4-BE49-F238E27FC236}">
+                <a16:creationId xmlns:a16="http://schemas.microsoft.com/office/drawing/2014/main" id="{84DDC70F-AE5C-4A4D-B6B2-116E4B5D0A8D}"/>
+              </a:ext>
+            </a:extLst>
+          </p:cNvPr>
+          <p:cNvPicPr>
+            <a:picLocks noChangeAspect="1" noChangeArrowheads="1"/>
+          </p:cNvPicPr>
+          <p:nvPr/>
+        </p:nvPicPr>
+        <p:blipFill>
+          <a:blip r:embed="rId6">
+            <a:extLst>
+              <a:ext uri="{28A0092B-C50C-407E-A947-70E740481C1C}">
+                <a14:useLocalDpi xmlns:a14="http://schemas.microsoft.com/office/drawing/2010/main" val="0"/>
+              </a:ext>
+            </a:extLst>
+          </a:blip>
+          <a:srcRect/>
+          <a:stretch>
+            <a:fillRect/>
+          </a:stretch>
+        </p:blipFill>
+        <p:spPr bwMode="auto">
+          <a:xfrm>
+            <a:off x="3003330" y="2850156"/>
+            <a:ext cx="5673334" cy="3776313"/>
+          </a:xfrm>
+          <a:prstGeom prst="rect">
+            <a:avLst/>
+          </a:prstGeom>
+          <a:noFill/>
+          <a:extLst>
+            <a:ext uri="{909E8E84-426E-40DD-AFC4-6F175D3DCCD1}">
+              <a14:hiddenFill xmlns:a14="http://schemas.microsoft.com/office/drawing/2010/main">
+                <a:solidFill>
+                  <a:srgbClr val="FFFFFF"/>
+                </a:solidFill>
+              </a14:hiddenFill>
+            </a:ext>
+          </a:extLst>
+        </p:spPr>
+      </p:pic>
+    </p:spTree>
+  </p:cSld>
+  <p:clrMapOvr>
+    <a:masterClrMapping/>
+  </p:clrMapOvr>
+</p:sld>
+</file>
+
+<file path=ppt/slides/slide3.xml><?xml version="1.0" encoding="utf-8"?>
+<p:sld xmlns:a="http://schemas.openxmlformats.org/drawingml/2006/main" xmlns:r="http://schemas.openxmlformats.org/officeDocument/2006/relationships" xmlns:p="http://schemas.openxmlformats.org/presentationml/2006/main">
+  <p:cSld>
+    <p:spTree>
+      <p:nvGrpSpPr>
+        <p:cNvPr id="1" name=""/>
+        <p:cNvGrpSpPr/>
+        <p:nvPr/>
+      </p:nvGrpSpPr>
+      <p:grpSpPr>
+        <a:xfrm>
+          <a:off x="0" y="0"/>
+          <a:ext cx="0" cy="0"/>
+          <a:chOff x="0" y="0"/>
+          <a:chExt cx="0" cy="0"/>
+        </a:xfrm>
+      </p:grpSpPr>
+      <p:grpSp>
+        <p:nvGrpSpPr>
+          <p:cNvPr id="2" name="Group 2"/>
+          <p:cNvGrpSpPr/>
+          <p:nvPr/>
+        </p:nvGrpSpPr>
+        <p:grpSpPr>
+          <a:xfrm rot="-5400000">
+            <a:off x="10728361" y="2727361"/>
+            <a:ext cx="7565692" cy="7553587"/>
+            <a:chOff x="0" y="0"/>
+            <a:chExt cx="6350000" cy="6339840"/>
+          </a:xfrm>
+        </p:grpSpPr>
+        <p:sp>
+          <p:nvSpPr>
+            <p:cNvPr id="3" name="Freeform 3"/>
+            <p:cNvSpPr/>
+            <p:nvPr/>
+          </p:nvSpPr>
+          <p:spPr>
+            <a:xfrm>
+              <a:off x="0" y="0"/>
+              <a:ext cx="6350000" cy="6339840"/>
+            </a:xfrm>
+            <a:custGeom>
+              <a:avLst/>
+              <a:gdLst/>
+              <a:ahLst/>
+              <a:cxnLst/>
+              <a:rect l="l" t="t" r="r" b="b"/>
+              <a:pathLst>
+                <a:path w="6350000" h="6339840">
+                  <a:moveTo>
+                    <a:pt x="6350000" y="6339840"/>
+                  </a:moveTo>
+                  <a:lnTo>
+                    <a:pt x="0" y="6339840"/>
+                  </a:lnTo>
+                  <a:lnTo>
+                    <a:pt x="0" y="0"/>
+                  </a:lnTo>
+                  <a:close/>
+                </a:path>
+              </a:pathLst>
+            </a:custGeom>
+            <a:solidFill>
+              <a:srgbClr val="CF3338"/>
+            </a:solidFill>
+          </p:spPr>
+        </p:sp>
+      </p:grpSp>
+      <p:grpSp>
+        <p:nvGrpSpPr>
+          <p:cNvPr id="4" name="Group 4"/>
+          <p:cNvGrpSpPr/>
+          <p:nvPr/>
+        </p:nvGrpSpPr>
+        <p:grpSpPr>
+          <a:xfrm rot="-10800000">
+            <a:off x="15566406" y="5573199"/>
+            <a:ext cx="5443189" cy="4713801"/>
+            <a:chOff x="0" y="0"/>
+            <a:chExt cx="6350000" cy="5499100"/>
+          </a:xfrm>
+        </p:grpSpPr>
+        <p:sp>
+          <p:nvSpPr>
+            <p:cNvPr id="5" name="Freeform 5"/>
+            <p:cNvSpPr/>
+            <p:nvPr/>
+          </p:nvSpPr>
+          <p:spPr>
+            <a:xfrm>
+              <a:off x="0" y="0"/>
+              <a:ext cx="6350000" cy="5499100"/>
+            </a:xfrm>
+            <a:custGeom>
+              <a:avLst/>
+              <a:gdLst/>
+              <a:ahLst/>
+              <a:cxnLst/>
+              <a:rect l="l" t="t" r="r" b="b"/>
+              <a:pathLst>
+                <a:path w="6350000" h="5499100">
+                  <a:moveTo>
+                    <a:pt x="0" y="5499100"/>
+                  </a:moveTo>
+                  <a:lnTo>
+                    <a:pt x="3175000" y="0"/>
+                  </a:lnTo>
+                  <a:lnTo>
+                    <a:pt x="6350000" y="5499100"/>
+                  </a:lnTo>
+                  <a:close/>
+                </a:path>
+              </a:pathLst>
+            </a:custGeom>
+            <a:solidFill>
+              <a:srgbClr val="3D3935"/>
+            </a:solidFill>
+          </p:spPr>
+        </p:sp>
+      </p:grpSp>
+      <p:sp>
+        <p:nvSpPr>
+          <p:cNvPr id="6" name="AutoShape 6"/>
+          <p:cNvSpPr/>
+          <p:nvPr/>
+        </p:nvSpPr>
+        <p:spPr>
+          <a:xfrm>
+            <a:off x="9144000" y="2143604"/>
+            <a:ext cx="9466400" cy="56192"/>
+          </a:xfrm>
+          <a:prstGeom prst="rect">
+            <a:avLst/>
+          </a:prstGeom>
+          <a:solidFill>
+            <a:srgbClr val="000000"/>
+          </a:solidFill>
+        </p:spPr>
+      </p:sp>
+      <p:pic>
+        <p:nvPicPr>
+          <p:cNvPr id="7" name="Picture 7"/>
+          <p:cNvPicPr>
+            <a:picLocks noChangeAspect="1"/>
+          </p:cNvPicPr>
+          <p:nvPr/>
+        </p:nvPicPr>
+        <p:blipFill>
+          <a:blip r:embed="rId3"/>
+          <a:srcRect/>
+          <a:stretch>
+            <a:fillRect/>
+          </a:stretch>
+        </p:blipFill>
+        <p:spPr>
+          <a:xfrm>
+            <a:off x="16100583" y="9258300"/>
+            <a:ext cx="2005783" cy="1470490"/>
+          </a:xfrm>
+          <a:prstGeom prst="rect">
+            <a:avLst/>
+          </a:prstGeom>
+        </p:spPr>
+      </p:pic>
+      <p:sp>
+        <p:nvSpPr>
+          <p:cNvPr id="8" name="TextBox 8"/>
+          <p:cNvSpPr txBox="1"/>
+          <p:nvPr/>
+        </p:nvSpPr>
+        <p:spPr>
+          <a:xfrm>
+            <a:off x="1028700" y="1028700"/>
+            <a:ext cx="7567947" cy="1154162"/>
+          </a:xfrm>
+          <a:prstGeom prst="rect">
+            <a:avLst/>
+          </a:prstGeom>
+        </p:spPr>
+        <p:txBody>
+          <a:bodyPr lIns="0" tIns="0" rIns="0" bIns="0" rtlCol="0" anchor="t">
+            <a:spAutoFit/>
+          </a:bodyPr>
+          <a:lstStyle/>
+          <a:p>
+            <a:pPr>
+              <a:lnSpc>
+                <a:spcPts val="9000"/>
+              </a:lnSpc>
+            </a:pPr>
+            <a:r>
+              <a:rPr lang="en-US" sz="7500" spc="375" dirty="0">
+                <a:solidFill>
+                  <a:srgbClr val="000000"/>
+                </a:solidFill>
+                <a:latin typeface="League Spartan Bold"/>
+              </a:rPr>
+              <a:t>OBJECTIVES</a:t>
+            </a:r>
+          </a:p>
+        </p:txBody>
+      </p:sp>
+      <p:sp>
+        <p:nvSpPr>
+          <p:cNvPr id="9" name="TextBox 9"/>
+          <p:cNvSpPr txBox="1"/>
+          <p:nvPr/>
+        </p:nvSpPr>
+        <p:spPr>
+          <a:xfrm rot="-5400000">
+            <a:off x="-436430" y="7232974"/>
+            <a:ext cx="3650350" cy="400302"/>
+          </a:xfrm>
+          <a:prstGeom prst="rect">
+            <a:avLst/>
+          </a:prstGeom>
+        </p:spPr>
+        <p:txBody>
+          <a:bodyPr lIns="0" tIns="0" rIns="0" bIns="0" rtlCol="0" anchor="t">
+            <a:spAutoFit/>
+          </a:bodyPr>
+          <a:lstStyle/>
+          <a:p>
+            <a:pPr>
+              <a:lnSpc>
+                <a:spcPts val="3359"/>
+              </a:lnSpc>
+            </a:pPr>
+            <a:r>
+              <a:rPr lang="en-US" sz="2400" spc="192" dirty="0">
+                <a:solidFill>
+                  <a:srgbClr val="000000"/>
+                </a:solidFill>
+                <a:latin typeface="Gidole"/>
+              </a:rPr>
+              <a:t>Power Pivot PDQ!</a:t>
+            </a:r>
+          </a:p>
+        </p:txBody>
+      </p:sp>
+      <p:sp>
+        <p:nvSpPr>
+          <p:cNvPr id="10" name="TextBox 10"/>
+          <p:cNvSpPr txBox="1"/>
+          <p:nvPr/>
+        </p:nvSpPr>
+        <p:spPr>
+          <a:xfrm>
+            <a:off x="2819400" y="2400300"/>
+            <a:ext cx="9243139" cy="2893677"/>
+          </a:xfrm>
+          <a:prstGeom prst="rect">
+            <a:avLst/>
+          </a:prstGeom>
+        </p:spPr>
+        <p:txBody>
+          <a:bodyPr wrap="square" lIns="0" tIns="0" rIns="0" bIns="0" rtlCol="0" anchor="t">
+            <a:spAutoFit/>
+          </a:bodyPr>
+          <a:lstStyle/>
+          <a:p>
+            <a:pPr marL="457200" indent="-457200">
+              <a:lnSpc>
+                <a:spcPts val="3750"/>
+              </a:lnSpc>
+              <a:buFont typeface="Arial" panose="020B0604020202020204" pitchFamily="34" charset="0"/>
+              <a:buChar char="•"/>
+            </a:pPr>
+            <a:r>
+              <a:rPr lang="en-US" sz="3000" spc="30" dirty="0">
+                <a:solidFill>
+                  <a:srgbClr val="000000"/>
+                </a:solidFill>
+                <a:latin typeface="Gidole"/>
+              </a:rPr>
+              <a:t>Importing and viewing data sources via Power Query</a:t>
+            </a:r>
+          </a:p>
+          <a:p>
+            <a:pPr marL="457200" indent="-457200">
+              <a:lnSpc>
+                <a:spcPts val="3750"/>
+              </a:lnSpc>
+              <a:buFont typeface="Arial" panose="020B0604020202020204" pitchFamily="34" charset="0"/>
+              <a:buChar char="•"/>
+            </a:pPr>
+            <a:endParaRPr lang="en-US" sz="3000" spc="30" dirty="0">
+              <a:solidFill>
+                <a:srgbClr val="000000"/>
+              </a:solidFill>
+              <a:latin typeface="Gidole"/>
+            </a:endParaRPr>
+          </a:p>
+          <a:p>
+            <a:pPr marL="457200" indent="-457200">
+              <a:lnSpc>
+                <a:spcPts val="3750"/>
+              </a:lnSpc>
+              <a:buFont typeface="Arial" panose="020B0604020202020204" pitchFamily="34" charset="0"/>
+              <a:buChar char="•"/>
+            </a:pPr>
+            <a:r>
+              <a:rPr lang="en-US" sz="3000" spc="30" dirty="0">
+                <a:solidFill>
+                  <a:srgbClr val="000000"/>
+                </a:solidFill>
+                <a:latin typeface="Gidole"/>
+              </a:rPr>
+              <a:t>Creating relationships and defining measures in the data model</a:t>
+            </a:r>
+          </a:p>
+          <a:p>
+            <a:pPr marL="457200" indent="-457200">
+              <a:lnSpc>
+                <a:spcPts val="3750"/>
+              </a:lnSpc>
+              <a:buFont typeface="Arial" panose="020B0604020202020204" pitchFamily="34" charset="0"/>
+              <a:buChar char="•"/>
+            </a:pPr>
+            <a:endParaRPr lang="en-US" sz="3000" spc="30" dirty="0">
+              <a:solidFill>
+                <a:srgbClr val="000000"/>
+              </a:solidFill>
+              <a:latin typeface="Gidole"/>
+            </a:endParaRPr>
+          </a:p>
+          <a:p>
+            <a:pPr marL="457200" indent="-457200">
+              <a:lnSpc>
+                <a:spcPts val="3750"/>
+              </a:lnSpc>
+              <a:buFont typeface="Arial" panose="020B0604020202020204" pitchFamily="34" charset="0"/>
+              <a:buChar char="•"/>
+            </a:pPr>
+            <a:r>
+              <a:rPr lang="en-US" sz="3000" spc="30" dirty="0">
+                <a:solidFill>
+                  <a:srgbClr val="000000"/>
+                </a:solidFill>
+                <a:latin typeface="Gidole"/>
+              </a:rPr>
+              <a:t>Analyzing trends with time intelligence functions</a:t>
+            </a:r>
+          </a:p>
+        </p:txBody>
+      </p:sp>
+    </p:spTree>
+    <p:extLst>
+      <p:ext uri="{BB962C8B-B14F-4D97-AF65-F5344CB8AC3E}">
+        <p14:creationId xmlns:p14="http://schemas.microsoft.com/office/powerpoint/2010/main" val="3353069847"/>
+      </p:ext>
+    </p:extLst>
+  </p:cSld>
+  <p:clrMapOvr>
+    <a:masterClrMapping/>
+  </p:clrMapOvr>
+</p:sld>
+</file>
+
+<file path=ppt/slides/slide4.xml><?xml version="1.0" encoding="utf-8"?>
+<p:sld xmlns:a="http://schemas.openxmlformats.org/drawingml/2006/main" xmlns:r="http://schemas.openxmlformats.org/officeDocument/2006/relationships" xmlns:p="http://schemas.openxmlformats.org/presentationml/2006/main">
+  <p:cSld>
+    <p:spTree>
+      <p:nvGrpSpPr>
+        <p:cNvPr id="1" name=""/>
+        <p:cNvGrpSpPr/>
+        <p:nvPr/>
+      </p:nvGrpSpPr>
+      <p:grpSpPr>
+        <a:xfrm>
+          <a:off x="0" y="0"/>
+          <a:ext cx="0" cy="0"/>
+          <a:chOff x="0" y="0"/>
+          <a:chExt cx="0" cy="0"/>
+        </a:xfrm>
+      </p:grpSpPr>
+      <p:grpSp>
+        <p:nvGrpSpPr>
+          <p:cNvPr id="2" name="Group 2"/>
+          <p:cNvGrpSpPr/>
+          <p:nvPr/>
+        </p:nvGrpSpPr>
+        <p:grpSpPr>
+          <a:xfrm rot="-5400000">
+            <a:off x="10728361" y="2727361"/>
+            <a:ext cx="7565692" cy="7553587"/>
+            <a:chOff x="0" y="0"/>
+            <a:chExt cx="6350000" cy="6339840"/>
+          </a:xfrm>
+        </p:grpSpPr>
+        <p:sp>
+          <p:nvSpPr>
+            <p:cNvPr id="3" name="Freeform 3"/>
+            <p:cNvSpPr/>
+            <p:nvPr/>
+          </p:nvSpPr>
+          <p:spPr>
+            <a:xfrm>
+              <a:off x="0" y="0"/>
+              <a:ext cx="6350000" cy="6339840"/>
+            </a:xfrm>
+            <a:custGeom>
+              <a:avLst/>
+              <a:gdLst/>
+              <a:ahLst/>
+              <a:cxnLst/>
+              <a:rect l="l" t="t" r="r" b="b"/>
+              <a:pathLst>
+                <a:path w="6350000" h="6339840">
+                  <a:moveTo>
+                    <a:pt x="6350000" y="6339840"/>
+                  </a:moveTo>
+                  <a:lnTo>
+                    <a:pt x="0" y="6339840"/>
+                  </a:lnTo>
+                  <a:lnTo>
+                    <a:pt x="0" y="0"/>
+                  </a:lnTo>
+                  <a:close/>
+                </a:path>
+              </a:pathLst>
+            </a:custGeom>
+            <a:solidFill>
+              <a:srgbClr val="CF3338"/>
+            </a:solidFill>
+          </p:spPr>
+        </p:sp>
+      </p:grpSp>
+      <p:grpSp>
+        <p:nvGrpSpPr>
+          <p:cNvPr id="4" name="Group 4"/>
+          <p:cNvGrpSpPr/>
+          <p:nvPr/>
+        </p:nvGrpSpPr>
+        <p:grpSpPr>
+          <a:xfrm rot="-10800000">
+            <a:off x="15566406" y="5573199"/>
+            <a:ext cx="5443189" cy="4713801"/>
+            <a:chOff x="0" y="0"/>
+            <a:chExt cx="6350000" cy="5499100"/>
+          </a:xfrm>
+        </p:grpSpPr>
+        <p:sp>
+          <p:nvSpPr>
+            <p:cNvPr id="5" name="Freeform 5"/>
+            <p:cNvSpPr/>
+            <p:nvPr/>
+          </p:nvSpPr>
+          <p:spPr>
+            <a:xfrm>
+              <a:off x="0" y="0"/>
+              <a:ext cx="6350000" cy="5499100"/>
+            </a:xfrm>
+            <a:custGeom>
+              <a:avLst/>
+              <a:gdLst/>
+              <a:ahLst/>
+              <a:cxnLst/>
+              <a:rect l="l" t="t" r="r" b="b"/>
+              <a:pathLst>
+                <a:path w="6350000" h="5499100">
+                  <a:moveTo>
+                    <a:pt x="0" y="5499100"/>
+                  </a:moveTo>
+                  <a:lnTo>
+                    <a:pt x="3175000" y="0"/>
+                  </a:lnTo>
+                  <a:lnTo>
+                    <a:pt x="6350000" y="5499100"/>
+                  </a:lnTo>
+                  <a:close/>
+                </a:path>
+              </a:pathLst>
+            </a:custGeom>
+            <a:solidFill>
+              <a:srgbClr val="3D3935"/>
+            </a:solidFill>
+          </p:spPr>
+        </p:sp>
+      </p:grpSp>
+      <p:sp>
+        <p:nvSpPr>
+          <p:cNvPr id="6" name="AutoShape 6"/>
+          <p:cNvSpPr/>
+          <p:nvPr/>
+        </p:nvSpPr>
+        <p:spPr>
+          <a:xfrm>
+            <a:off x="9144000" y="2143604"/>
+            <a:ext cx="9466400" cy="56192"/>
+          </a:xfrm>
+          <a:prstGeom prst="rect">
+            <a:avLst/>
+          </a:prstGeom>
+          <a:solidFill>
+            <a:srgbClr val="000000"/>
+          </a:solidFill>
+        </p:spPr>
+      </p:sp>
+      <p:pic>
+        <p:nvPicPr>
+          <p:cNvPr id="7" name="Picture 7"/>
+          <p:cNvPicPr>
+            <a:picLocks noChangeAspect="1"/>
+          </p:cNvPicPr>
+          <p:nvPr/>
+        </p:nvPicPr>
+        <p:blipFill>
+          <a:blip r:embed="rId3"/>
+          <a:srcRect/>
+          <a:stretch>
+            <a:fillRect/>
+          </a:stretch>
+        </p:blipFill>
+        <p:spPr>
+          <a:xfrm>
+            <a:off x="16100583" y="9258300"/>
+            <a:ext cx="2005783" cy="1470490"/>
+          </a:xfrm>
+          <a:prstGeom prst="rect">
+            <a:avLst/>
+          </a:prstGeom>
+        </p:spPr>
+      </p:pic>
+      <p:sp>
+        <p:nvSpPr>
+          <p:cNvPr id="8" name="TextBox 8"/>
+          <p:cNvSpPr txBox="1"/>
+          <p:nvPr/>
+        </p:nvSpPr>
+        <p:spPr>
+          <a:xfrm>
+            <a:off x="1028700" y="1028700"/>
+            <a:ext cx="7567947" cy="2308324"/>
+          </a:xfrm>
+          <a:prstGeom prst="rect">
+            <a:avLst/>
+          </a:prstGeom>
+        </p:spPr>
+        <p:txBody>
+          <a:bodyPr lIns="0" tIns="0" rIns="0" bIns="0" rtlCol="0" anchor="t">
+            <a:spAutoFit/>
+          </a:bodyPr>
+          <a:lstStyle/>
+          <a:p>
+            <a:pPr>
+              <a:lnSpc>
+                <a:spcPts val="9000"/>
+              </a:lnSpc>
+            </a:pPr>
+            <a:r>
+              <a:rPr lang="en-US" sz="7500" spc="375" dirty="0">
+                <a:solidFill>
+                  <a:srgbClr val="000000"/>
+                </a:solidFill>
+                <a:latin typeface="League Spartan Bold"/>
+              </a:rPr>
+              <a:t>FOLLOWING ALONG</a:t>
+            </a:r>
+          </a:p>
+        </p:txBody>
+      </p:sp>
+      <p:sp>
+        <p:nvSpPr>
+          <p:cNvPr id="9" name="TextBox 9"/>
+          <p:cNvSpPr txBox="1"/>
+          <p:nvPr/>
+        </p:nvSpPr>
+        <p:spPr>
+          <a:xfrm rot="-5400000">
+            <a:off x="-1091624" y="7232974"/>
+            <a:ext cx="3650350" cy="400302"/>
+          </a:xfrm>
+          <a:prstGeom prst="rect">
+            <a:avLst/>
+          </a:prstGeom>
+        </p:spPr>
+        <p:txBody>
+          <a:bodyPr lIns="0" tIns="0" rIns="0" bIns="0" rtlCol="0" anchor="t">
+            <a:spAutoFit/>
+          </a:bodyPr>
+          <a:lstStyle/>
+          <a:p>
+            <a:pPr>
+              <a:lnSpc>
+                <a:spcPts val="3359"/>
+              </a:lnSpc>
+            </a:pPr>
+            <a:r>
+              <a:rPr lang="en-US" sz="2400" spc="192" dirty="0">
+                <a:solidFill>
+                  <a:srgbClr val="000000"/>
+                </a:solidFill>
+                <a:latin typeface="Gidole"/>
+              </a:rPr>
+              <a:t>Power Pivot PDQ!</a:t>
+            </a:r>
+          </a:p>
+        </p:txBody>
+      </p:sp>
+      <p:sp>
+        <p:nvSpPr>
+          <p:cNvPr id="10" name="TextBox 10"/>
+          <p:cNvSpPr txBox="1"/>
+          <p:nvPr/>
+        </p:nvSpPr>
+        <p:spPr>
+          <a:xfrm>
+            <a:off x="2112471" y="3337024"/>
+            <a:ext cx="6943162" cy="7355860"/>
+          </a:xfrm>
+          <a:prstGeom prst="rect">
+            <a:avLst/>
+          </a:prstGeom>
+        </p:spPr>
+        <p:txBody>
+          <a:bodyPr wrap="square" lIns="0" tIns="0" rIns="0" bIns="0" rtlCol="0" anchor="t">
+            <a:spAutoFit/>
+          </a:bodyPr>
+          <a:lstStyle/>
+          <a:p>
+            <a:r>
+              <a:rPr lang="en-US" sz="6600" spc="30" dirty="0">
+                <a:solidFill>
+                  <a:srgbClr val="000000"/>
+                </a:solidFill>
+                <a:latin typeface="Gidole"/>
+              </a:rPr>
+              <a:t>Download resources with link or QR code:</a:t>
+            </a:r>
+          </a:p>
+          <a:p>
+            <a:r>
+              <a:rPr lang="en-US" sz="8000" spc="30" dirty="0">
+                <a:solidFill>
+                  <a:srgbClr val="000000"/>
+                </a:solidFill>
+                <a:latin typeface="Gidole"/>
+                <a:hlinkClick r:id="rId4"/>
+              </a:rPr>
+              <a:t>https://swiy.co/pp-pdq</a:t>
+            </a:r>
+            <a:r>
+              <a:rPr lang="en-US" sz="8000" spc="30" dirty="0">
+                <a:solidFill>
+                  <a:srgbClr val="000000"/>
+                </a:solidFill>
+                <a:latin typeface="Gidole"/>
+              </a:rPr>
+              <a:t>  </a:t>
+            </a:r>
+            <a:endParaRPr lang="en-US" sz="6600" spc="30" dirty="0">
+              <a:solidFill>
+                <a:srgbClr val="000000"/>
+              </a:solidFill>
+              <a:latin typeface="Gidole"/>
+            </a:endParaRPr>
+          </a:p>
+          <a:p>
+            <a:endParaRPr lang="en-US" sz="6000" spc="30" dirty="0">
+              <a:solidFill>
+                <a:srgbClr val="000000"/>
+              </a:solidFill>
+              <a:latin typeface="Gidole"/>
+            </a:endParaRPr>
+          </a:p>
+          <a:p>
+            <a:endParaRPr lang="en-US" sz="6000" spc="30" dirty="0">
+              <a:solidFill>
+                <a:srgbClr val="000000"/>
+              </a:solidFill>
+              <a:latin typeface="Gidole"/>
+            </a:endParaRPr>
+          </a:p>
+        </p:txBody>
+      </p:sp>
+      <p:pic>
+        <p:nvPicPr>
+          <p:cNvPr id="13" name="Picture 12">
+            <a:extLst>
+              <a:ext uri="{FF2B5EF4-FFF2-40B4-BE49-F238E27FC236}">
+                <a16:creationId xmlns:a16="http://schemas.microsoft.com/office/drawing/2014/main" id="{6B2F4417-7B71-9FF4-9BC7-5B5367456973}"/>
+              </a:ext>
+            </a:extLst>
+          </p:cNvPr>
+          <p:cNvPicPr>
+            <a:picLocks noChangeAspect="1"/>
+          </p:cNvPicPr>
+          <p:nvPr/>
+        </p:nvPicPr>
+        <p:blipFill>
+          <a:blip r:embed="rId5"/>
+          <a:stretch>
+            <a:fillRect/>
+          </a:stretch>
+        </p:blipFill>
+        <p:spPr>
+          <a:xfrm>
+            <a:off x="10387650" y="2688959"/>
+            <a:ext cx="3653224" cy="3653224"/>
+          </a:xfrm>
+          <a:prstGeom prst="rect">
+            <a:avLst/>
+          </a:prstGeom>
+        </p:spPr>
+      </p:pic>
+    </p:spTree>
+    <p:extLst>
+      <p:ext uri="{BB962C8B-B14F-4D97-AF65-F5344CB8AC3E}">
+        <p14:creationId xmlns:p14="http://schemas.microsoft.com/office/powerpoint/2010/main" val="3926009965"/>
+      </p:ext>
+    </p:extLst>
+  </p:cSld>
+  <p:clrMapOvr>
+    <a:masterClrMapping/>
+  </p:clrMapOvr>
+</p:sld>
+</file>
+
+<file path=ppt/slides/slide5.xml><?xml version="1.0" encoding="utf-8"?>
+<p:sld xmlns:a="http://schemas.openxmlformats.org/drawingml/2006/main" xmlns:r="http://schemas.openxmlformats.org/officeDocument/2006/relationships" xmlns:p="http://schemas.openxmlformats.org/presentationml/2006/main">
+  <p:cSld>
+    <p:spTree>
+      <p:nvGrpSpPr>
+        <p:cNvPr id="1" name=""/>
+        <p:cNvGrpSpPr/>
+        <p:nvPr/>
+      </p:nvGrpSpPr>
+      <p:grpSpPr>
+        <a:xfrm>
+          <a:off x="0" y="0"/>
+          <a:ext cx="0" cy="0"/>
+          <a:chOff x="0" y="0"/>
+          <a:chExt cx="0" cy="0"/>
+        </a:xfrm>
+      </p:grpSpPr>
+      <p:sp>
+        <p:nvSpPr>
+          <p:cNvPr id="2" name="AutoShape 2"/>
+          <p:cNvSpPr/>
+          <p:nvPr/>
+        </p:nvSpPr>
+        <p:spPr>
+          <a:xfrm>
+            <a:off x="-225517" y="0"/>
+            <a:ext cx="18513517" cy="3466476"/>
+          </a:xfrm>
+          <a:prstGeom prst="rect">
+            <a:avLst/>
+          </a:prstGeom>
+          <a:solidFill>
+            <a:srgbClr val="3D3935"/>
+          </a:solidFill>
+        </p:spPr>
+      </p:sp>
+      <p:grpSp>
+        <p:nvGrpSpPr>
+          <p:cNvPr id="3" name="Group 3"/>
+          <p:cNvGrpSpPr/>
+          <p:nvPr/>
+        </p:nvGrpSpPr>
+        <p:grpSpPr>
+          <a:xfrm>
+            <a:off x="0" y="52709"/>
+            <a:ext cx="3419237" cy="3413767"/>
+            <a:chOff x="0" y="0"/>
+            <a:chExt cx="6350000" cy="6339840"/>
+          </a:xfrm>
+        </p:grpSpPr>
+        <p:sp>
+          <p:nvSpPr>
+            <p:cNvPr id="4" name="Freeform 4"/>
+            <p:cNvSpPr/>
+            <p:nvPr/>
+          </p:nvSpPr>
+          <p:spPr>
+            <a:xfrm>
+              <a:off x="0" y="0"/>
+              <a:ext cx="6350000" cy="6339840"/>
+            </a:xfrm>
+            <a:custGeom>
+              <a:avLst/>
+              <a:gdLst/>
+              <a:ahLst/>
+              <a:cxnLst/>
+              <a:rect l="l" t="t" r="r" b="b"/>
+              <a:pathLst>
+                <a:path w="6350000" h="6339840">
+                  <a:moveTo>
+                    <a:pt x="6350000" y="6339840"/>
+                  </a:moveTo>
+                  <a:lnTo>
+                    <a:pt x="0" y="6339840"/>
+                  </a:lnTo>
+                  <a:lnTo>
+                    <a:pt x="0" y="0"/>
+                  </a:lnTo>
+                  <a:close/>
+                </a:path>
+              </a:pathLst>
+            </a:custGeom>
+            <a:solidFill>
+              <a:srgbClr val="F2F0F4">
+                <a:alpha val="84705"/>
+              </a:srgbClr>
+            </a:solidFill>
+          </p:spPr>
+        </p:sp>
+      </p:grpSp>
+      <p:grpSp>
+        <p:nvGrpSpPr>
+          <p:cNvPr id="5" name="Group 5"/>
+          <p:cNvGrpSpPr/>
+          <p:nvPr/>
+        </p:nvGrpSpPr>
+        <p:grpSpPr>
+          <a:xfrm rot="-10800000">
+            <a:off x="-2110659" y="-189185"/>
+            <a:ext cx="4221318" cy="3655661"/>
+            <a:chOff x="0" y="0"/>
+            <a:chExt cx="6350000" cy="5499100"/>
+          </a:xfrm>
+        </p:grpSpPr>
+        <p:sp>
+          <p:nvSpPr>
+            <p:cNvPr id="6" name="Freeform 6"/>
+            <p:cNvSpPr/>
+            <p:nvPr/>
+          </p:nvSpPr>
+          <p:spPr>
+            <a:xfrm>
+              <a:off x="0" y="0"/>
+              <a:ext cx="6350000" cy="5499100"/>
+            </a:xfrm>
+            <a:custGeom>
+              <a:avLst/>
+              <a:gdLst/>
+              <a:ahLst/>
+              <a:cxnLst/>
+              <a:rect l="l" t="t" r="r" b="b"/>
+              <a:pathLst>
+                <a:path w="6350000" h="5499100">
+                  <a:moveTo>
+                    <a:pt x="0" y="5499100"/>
+                  </a:moveTo>
+                  <a:lnTo>
+                    <a:pt x="3175000" y="0"/>
+                  </a:lnTo>
+                  <a:lnTo>
+                    <a:pt x="6350000" y="5499100"/>
+                  </a:lnTo>
+                  <a:close/>
+                </a:path>
+              </a:pathLst>
+            </a:custGeom>
+            <a:solidFill>
+              <a:srgbClr val="CF3338"/>
+            </a:solidFill>
+          </p:spPr>
+        </p:sp>
+      </p:grpSp>
+      <p:sp>
+        <p:nvSpPr>
+          <p:cNvPr id="7" name="TextBox 7"/>
+          <p:cNvSpPr txBox="1"/>
+          <p:nvPr/>
+        </p:nvSpPr>
+        <p:spPr>
+          <a:xfrm>
+            <a:off x="2110659" y="435320"/>
+            <a:ext cx="15772737" cy="1095300"/>
+          </a:xfrm>
+          <a:prstGeom prst="rect">
+            <a:avLst/>
+          </a:prstGeom>
+        </p:spPr>
+        <p:txBody>
+          <a:bodyPr lIns="0" tIns="0" rIns="0" bIns="0" rtlCol="0" anchor="t">
+            <a:spAutoFit/>
+          </a:bodyPr>
+          <a:lstStyle/>
+          <a:p>
+            <a:pPr algn="r">
+              <a:lnSpc>
+                <a:spcPts val="9100"/>
+              </a:lnSpc>
+            </a:pPr>
+            <a:r>
+              <a:rPr lang="en-US" sz="6500" b="1" spc="195" dirty="0">
+                <a:solidFill>
+                  <a:srgbClr val="F2F0F4"/>
+                </a:solidFill>
+                <a:latin typeface="League Spartan Italics"/>
+              </a:rPr>
+              <a:t>No more </a:t>
+            </a:r>
+            <a:r>
+              <a:rPr lang="en-US" sz="6500" b="1" spc="195" dirty="0" err="1">
+                <a:solidFill>
+                  <a:srgbClr val="F2F0F4"/>
+                </a:solidFill>
+                <a:latin typeface="League Spartan Italics"/>
+              </a:rPr>
+              <a:t>Frankentables</a:t>
+            </a:r>
+            <a:r>
+              <a:rPr lang="en-US" sz="6500" b="1" spc="195" dirty="0">
+                <a:solidFill>
+                  <a:srgbClr val="F2F0F4"/>
+                </a:solidFill>
+                <a:latin typeface="League Spartan Italics"/>
+              </a:rPr>
+              <a:t>!</a:t>
+            </a:r>
+          </a:p>
+        </p:txBody>
+      </p:sp>
+      <p:pic>
+        <p:nvPicPr>
+          <p:cNvPr id="8" name="Picture 8"/>
+          <p:cNvPicPr>
+            <a:picLocks noChangeAspect="1"/>
+          </p:cNvPicPr>
+          <p:nvPr/>
+        </p:nvPicPr>
+        <p:blipFill>
+          <a:blip r:embed="rId3"/>
+          <a:srcRect b="44190"/>
+          <a:stretch>
+            <a:fillRect/>
+          </a:stretch>
+        </p:blipFill>
+        <p:spPr>
+          <a:xfrm>
+            <a:off x="16095120" y="9265255"/>
+            <a:ext cx="2013122" cy="823680"/>
+          </a:xfrm>
+          <a:prstGeom prst="rect">
+            <a:avLst/>
+          </a:prstGeom>
+        </p:spPr>
+      </p:pic>
+      <p:sp>
+        <p:nvSpPr>
+          <p:cNvPr id="9" name="TextBox 8">
+            <a:extLst>
+              <a:ext uri="{FF2B5EF4-FFF2-40B4-BE49-F238E27FC236}">
+                <a16:creationId xmlns:a16="http://schemas.microsoft.com/office/drawing/2014/main" id="{70F8E36B-5389-41E7-BBDB-BE061BE6D012}"/>
+              </a:ext>
+            </a:extLst>
+          </p:cNvPr>
+          <p:cNvSpPr txBox="1"/>
+          <p:nvPr/>
+        </p:nvSpPr>
+        <p:spPr>
+          <a:xfrm>
+            <a:off x="228600" y="3848100"/>
+            <a:ext cx="11353800" cy="3970318"/>
+          </a:xfrm>
+          <a:prstGeom prst="rect">
+            <a:avLst/>
+          </a:prstGeom>
+          <a:noFill/>
+        </p:spPr>
+        <p:txBody>
+          <a:bodyPr wrap="square" rtlCol="0">
+            <a:spAutoFit/>
+          </a:bodyPr>
+          <a:lstStyle/>
+          <a:p>
+            <a:pPr marL="571500" indent="-571500">
+              <a:buFont typeface="Arial" panose="020B0604020202020204" pitchFamily="34" charset="0"/>
+              <a:buChar char="•"/>
+            </a:pPr>
+            <a:r>
+              <a:rPr lang="en-US" sz="3600" dirty="0">
+                <a:latin typeface="Gidole" panose="020B0604020202020204" charset="0"/>
+              </a:rPr>
+              <a:t>Files: </a:t>
+            </a:r>
+            <a:r>
+              <a:rPr lang="en-US" sz="3600" dirty="0">
+                <a:latin typeface="Roboto Mono" pitchFamily="2" charset="0"/>
+                <a:ea typeface="Roboto Mono" pitchFamily="2" charset="0"/>
+              </a:rPr>
+              <a:t>data</a:t>
+            </a:r>
+            <a:r>
+              <a:rPr lang="en-US" sz="3600" dirty="0">
+                <a:latin typeface="Gidole" panose="02000503000000000000" pitchFamily="2" charset="0"/>
+                <a:ea typeface="Roboto Mono" pitchFamily="2" charset="0"/>
+              </a:rPr>
+              <a:t> folder</a:t>
+            </a:r>
+          </a:p>
+          <a:p>
+            <a:pPr marL="571500" indent="-571500">
+              <a:buFont typeface="Arial" panose="020B0604020202020204" pitchFamily="34" charset="0"/>
+              <a:buChar char="•"/>
+            </a:pPr>
+            <a:r>
+              <a:rPr lang="en-US" sz="3600" dirty="0">
+                <a:latin typeface="Gidole" panose="02000503000000000000" pitchFamily="50" charset="0"/>
+                <a:ea typeface="Roboto Mono" pitchFamily="2" charset="0"/>
+              </a:rPr>
+              <a:t>What is the right way to analyze this data if we want to find total sales by person? </a:t>
+            </a:r>
+          </a:p>
+          <a:p>
+            <a:pPr marL="571500" indent="-571500">
+              <a:buFont typeface="Arial" panose="020B0604020202020204" pitchFamily="34" charset="0"/>
+              <a:buChar char="•"/>
+            </a:pPr>
+            <a:endParaRPr lang="en-US" sz="3600" dirty="0">
+              <a:latin typeface="Gidole" panose="02000503000000000000" pitchFamily="50" charset="0"/>
+              <a:ea typeface="Roboto Mono" pitchFamily="2" charset="0"/>
+            </a:endParaRPr>
+          </a:p>
+          <a:p>
+            <a:pPr marL="571500" indent="-571500">
+              <a:buFont typeface="Arial" panose="020B0604020202020204" pitchFamily="34" charset="0"/>
+              <a:buChar char="•"/>
+            </a:pPr>
+            <a:endParaRPr lang="en-US" sz="3600" dirty="0">
+              <a:latin typeface="Gidole" panose="02000503000000000000" pitchFamily="50" charset="0"/>
+              <a:ea typeface="Roboto Mono" pitchFamily="2" charset="0"/>
+            </a:endParaRPr>
+          </a:p>
+          <a:p>
+            <a:pPr marL="571500" indent="-571500">
+              <a:buFont typeface="Arial" panose="020B0604020202020204" pitchFamily="34" charset="0"/>
+              <a:buChar char="•"/>
+            </a:pPr>
+            <a:r>
+              <a:rPr lang="en-US" sz="3600" dirty="0">
+                <a:latin typeface="Gidole" panose="020B0604020202020204" charset="0"/>
+              </a:rPr>
+              <a:t>Open a blank workbook to start…</a:t>
+            </a:r>
+          </a:p>
+          <a:p>
+            <a:pPr marL="571500" indent="-571500">
+              <a:buFont typeface="Arial" panose="020B0604020202020204" pitchFamily="34" charset="0"/>
+              <a:buChar char="•"/>
+            </a:pPr>
+            <a:r>
+              <a:rPr lang="en-US" sz="3600" dirty="0">
+                <a:latin typeface="Gidole" panose="020B0604020202020204" charset="0"/>
+              </a:rPr>
+              <a:t>Final workbook: </a:t>
+            </a:r>
+            <a:r>
+              <a:rPr lang="en-US" sz="3600" dirty="0">
+                <a:latin typeface="Consolas" panose="020B0609020204030204" pitchFamily="49" charset="0"/>
+              </a:rPr>
+              <a:t>superstore-data-model.xlsx</a:t>
+            </a:r>
+          </a:p>
+        </p:txBody>
+      </p:sp>
+    </p:spTree>
+    <p:extLst>
+      <p:ext uri="{BB962C8B-B14F-4D97-AF65-F5344CB8AC3E}">
+        <p14:creationId xmlns:p14="http://schemas.microsoft.com/office/powerpoint/2010/main" val="3385359437"/>
+      </p:ext>
+    </p:extLst>
+  </p:cSld>
+  <p:clrMapOvr>
+    <a:masterClrMapping/>
+  </p:clrMapOvr>
+</p:sld>
+</file>
+
+<file path=ppt/slides/slide6.xml><?xml version="1.0" encoding="utf-8"?>
+<p:sld xmlns:a="http://schemas.openxmlformats.org/drawingml/2006/main" xmlns:r="http://schemas.openxmlformats.org/officeDocument/2006/relationships" xmlns:p="http://schemas.openxmlformats.org/presentationml/2006/main">
+  <p:cSld>
+    <p:spTree>
+      <p:nvGrpSpPr>
+        <p:cNvPr id="1" name=""/>
+        <p:cNvGrpSpPr/>
+        <p:nvPr/>
+      </p:nvGrpSpPr>
+      <p:grpSpPr>
+        <a:xfrm>
+          <a:off x="0" y="0"/>
+          <a:ext cx="0" cy="0"/>
+          <a:chOff x="0" y="0"/>
+          <a:chExt cx="0" cy="0"/>
+        </a:xfrm>
+      </p:grpSpPr>
+      <p:pic>
+        <p:nvPicPr>
+          <p:cNvPr id="8" name="Picture 8"/>
+          <p:cNvPicPr>
+            <a:picLocks noChangeAspect="1"/>
+          </p:cNvPicPr>
+          <p:nvPr/>
+        </p:nvPicPr>
+        <p:blipFill>
+          <a:blip r:embed="rId3"/>
+          <a:srcRect/>
+          <a:stretch>
+            <a:fillRect/>
+          </a:stretch>
+        </p:blipFill>
+        <p:spPr>
+          <a:xfrm>
+            <a:off x="16459200" y="-99077"/>
+            <a:ext cx="2005783" cy="1470490"/>
+          </a:xfrm>
+          <a:prstGeom prst="rect">
+            <a:avLst/>
+          </a:prstGeom>
+        </p:spPr>
+      </p:pic>
+      <p:pic>
+        <p:nvPicPr>
+          <p:cNvPr id="5" name="Picture 6">
+            <a:extLst>
+              <a:ext uri="{FF2B5EF4-FFF2-40B4-BE49-F238E27FC236}">
+                <a16:creationId xmlns:a16="http://schemas.microsoft.com/office/drawing/2014/main" id="{01C401A0-8EBC-47CA-B2DE-F204DE6EEF54}"/>
+              </a:ext>
+            </a:extLst>
+          </p:cNvPr>
+          <p:cNvPicPr>
+            <a:picLocks noChangeAspect="1"/>
+          </p:cNvPicPr>
+          <p:nvPr/>
+        </p:nvPicPr>
+        <p:blipFill>
+          <a:blip r:embed="rId4"/>
+          <a:srcRect b="44190"/>
+          <a:stretch>
+            <a:fillRect/>
+          </a:stretch>
+        </p:blipFill>
+        <p:spPr>
+          <a:xfrm>
+            <a:off x="16095120" y="9265255"/>
+            <a:ext cx="2013122" cy="823680"/>
+          </a:xfrm>
+          <a:prstGeom prst="rect">
+            <a:avLst/>
+          </a:prstGeom>
+        </p:spPr>
+      </p:pic>
+      <p:pic>
+        <p:nvPicPr>
+          <p:cNvPr id="1026" name="Picture 2">
+            <a:extLst>
+              <a:ext uri="{FF2B5EF4-FFF2-40B4-BE49-F238E27FC236}">
+                <a16:creationId xmlns:a16="http://schemas.microsoft.com/office/drawing/2014/main" id="{E6212744-6B0F-8A8C-557B-8B9F96F53484}"/>
+              </a:ext>
+            </a:extLst>
+          </p:cNvPr>
+          <p:cNvPicPr>
+            <a:picLocks noChangeAspect="1" noChangeArrowheads="1"/>
+          </p:cNvPicPr>
+          <p:nvPr/>
+        </p:nvPicPr>
+        <p:blipFill>
+          <a:blip r:embed="rId5">
+            <a:extLst>
+              <a:ext uri="{28A0092B-C50C-407E-A947-70E740481C1C}">
+                <a14:useLocalDpi xmlns:a14="http://schemas.microsoft.com/office/drawing/2010/main" val="0"/>
+              </a:ext>
+            </a:extLst>
+          </a:blip>
+          <a:srcRect/>
+          <a:stretch>
+            <a:fillRect/>
+          </a:stretch>
+        </p:blipFill>
+        <p:spPr bwMode="auto">
+          <a:xfrm>
+            <a:off x="7189" y="0"/>
+            <a:ext cx="18288000" cy="10287000"/>
+          </a:xfrm>
+          <a:prstGeom prst="rect">
+            <a:avLst/>
+          </a:prstGeom>
+          <a:noFill/>
+          <a:extLst>
+            <a:ext uri="{909E8E84-426E-40DD-AFC4-6F175D3DCCD1}">
+              <a14:hiddenFill xmlns:a14="http://schemas.microsoft.com/office/drawing/2010/main">
+                <a:solidFill>
+                  <a:srgbClr val="FFFFFF"/>
+                </a:solidFill>
+              </a14:hiddenFill>
+            </a:ext>
+          </a:extLst>
+        </p:spPr>
+      </p:pic>
+    </p:spTree>
+    <p:extLst>
+      <p:ext uri="{BB962C8B-B14F-4D97-AF65-F5344CB8AC3E}">
+        <p14:creationId xmlns:p14="http://schemas.microsoft.com/office/powerpoint/2010/main" val="2269851195"/>
+      </p:ext>
+    </p:extLst>
+  </p:cSld>
+  <p:clrMapOvr>
+    <a:masterClrMapping/>
+  </p:clrMapOvr>
+</p:sld>
+</file>
+
+<file path=ppt/slides/slide7.xml><?xml version="1.0" encoding="utf-8"?>
+<p:sld xmlns:a="http://schemas.openxmlformats.org/drawingml/2006/main" xmlns:r="http://schemas.openxmlformats.org/officeDocument/2006/relationships" xmlns:p="http://schemas.openxmlformats.org/presentationml/2006/main">
+  <p:cSld>
+    <p:spTree>
+      <p:nvGrpSpPr>
+        <p:cNvPr id="1" name=""/>
+        <p:cNvGrpSpPr/>
+        <p:nvPr/>
+      </p:nvGrpSpPr>
+      <p:grpSpPr>
+        <a:xfrm>
+          <a:off x="0" y="0"/>
+          <a:ext cx="0" cy="0"/>
+          <a:chOff x="0" y="0"/>
+          <a:chExt cx="0" cy="0"/>
+        </a:xfrm>
+      </p:grpSpPr>
+      <p:pic>
+        <p:nvPicPr>
+          <p:cNvPr id="8" name="Picture 8"/>
+          <p:cNvPicPr>
+            <a:picLocks noChangeAspect="1"/>
+          </p:cNvPicPr>
+          <p:nvPr/>
+        </p:nvPicPr>
+        <p:blipFill>
+          <a:blip r:embed="rId3"/>
+          <a:srcRect/>
+          <a:stretch>
+            <a:fillRect/>
+          </a:stretch>
+        </p:blipFill>
+        <p:spPr>
+          <a:xfrm>
+            <a:off x="16459200" y="-99077"/>
+            <a:ext cx="2005783" cy="1470490"/>
+          </a:xfrm>
+          <a:prstGeom prst="rect">
+            <a:avLst/>
+          </a:prstGeom>
+        </p:spPr>
+      </p:pic>
+      <p:sp>
+        <p:nvSpPr>
+          <p:cNvPr id="9" name="TextBox 9"/>
+          <p:cNvSpPr txBox="1"/>
+          <p:nvPr/>
+        </p:nvSpPr>
+        <p:spPr>
+          <a:xfrm>
+            <a:off x="838200" y="617118"/>
+            <a:ext cx="15631206" cy="1209818"/>
+          </a:xfrm>
+          <a:prstGeom prst="rect">
+            <a:avLst/>
+          </a:prstGeom>
+        </p:spPr>
+        <p:txBody>
+          <a:bodyPr wrap="square" lIns="0" tIns="0" rIns="0" bIns="0" rtlCol="0" anchor="t">
+            <a:spAutoFit/>
+          </a:bodyPr>
+          <a:lstStyle/>
+          <a:p>
+            <a:pPr>
+              <a:lnSpc>
+                <a:spcPts val="10080"/>
+              </a:lnSpc>
+              <a:spcBef>
+                <a:spcPct val="0"/>
+              </a:spcBef>
+            </a:pPr>
+            <a:r>
+              <a:rPr lang="en-US" sz="7200" dirty="0">
+                <a:solidFill>
+                  <a:srgbClr val="000000"/>
+                </a:solidFill>
+                <a:latin typeface="Open Sans Extra Bold"/>
+              </a:rPr>
+              <a:t>QUESTIONS?</a:t>
+            </a:r>
+          </a:p>
+        </p:txBody>
+      </p:sp>
+      <p:pic>
+        <p:nvPicPr>
+          <p:cNvPr id="5" name="Picture 6">
+            <a:extLst>
+              <a:ext uri="{FF2B5EF4-FFF2-40B4-BE49-F238E27FC236}">
+                <a16:creationId xmlns:a16="http://schemas.microsoft.com/office/drawing/2014/main" id="{01C401A0-8EBC-47CA-B2DE-F204DE6EEF54}"/>
+              </a:ext>
+            </a:extLst>
+          </p:cNvPr>
+          <p:cNvPicPr>
+            <a:picLocks noChangeAspect="1"/>
+          </p:cNvPicPr>
+          <p:nvPr/>
+        </p:nvPicPr>
+        <p:blipFill>
+          <a:blip r:embed="rId4"/>
+          <a:srcRect b="44190"/>
+          <a:stretch>
+            <a:fillRect/>
+          </a:stretch>
+        </p:blipFill>
+        <p:spPr>
+          <a:xfrm>
+            <a:off x="16095120" y="9265255"/>
+            <a:ext cx="2013122" cy="823680"/>
+          </a:xfrm>
+          <a:prstGeom prst="rect">
+            <a:avLst/>
+          </a:prstGeom>
+        </p:spPr>
+      </p:pic>
+    </p:spTree>
+    <p:extLst>
+      <p:ext uri="{BB962C8B-B14F-4D97-AF65-F5344CB8AC3E}">
+        <p14:creationId xmlns:p14="http://schemas.microsoft.com/office/powerpoint/2010/main" val="3100123087"/>
+      </p:ext>
+    </p:extLst>
+  </p:cSld>
+  <p:clrMapOvr>
+    <a:masterClrMapping/>
+  </p:clrMapOvr>
+</p:sld>
+</file>
+
+<file path=ppt/slides/slide8.xml><?xml version="1.0" encoding="utf-8"?>
+<p:sld xmlns:a="http://schemas.openxmlformats.org/drawingml/2006/main" xmlns:r="http://schemas.openxmlformats.org/officeDocument/2006/relationships" xmlns:p="http://schemas.openxmlformats.org/presentationml/2006/main">
+  <p:cSld>
     <p:bg>
       <p:bgPr>
         <a:solidFill>
@@ -5272,7 +6899,7 @@
 </p:sld>
 </file>
 
-<file path=ppt/slides/slide11.xml><?xml version="1.0" encoding="utf-8"?>
+<file path=ppt/slides/slide9.xml><?xml version="1.0" encoding="utf-8"?>
 <p:sld xmlns:a="http://schemas.openxmlformats.org/drawingml/2006/main" xmlns:r="http://schemas.openxmlformats.org/officeDocument/2006/relationships" xmlns:p="http://schemas.openxmlformats.org/presentationml/2006/main">
   <p:cSld>
     <p:spTree>
@@ -5487,2842 +7114,6 @@
     <p:extLst>
       <p:ext uri="{BB962C8B-B14F-4D97-AF65-F5344CB8AC3E}">
         <p14:creationId xmlns:p14="http://schemas.microsoft.com/office/powerpoint/2010/main" val="3032095955"/>
-      </p:ext>
-    </p:extLst>
-  </p:cSld>
-  <p:clrMapOvr>
-    <a:masterClrMapping/>
-  </p:clrMapOvr>
-</p:sld>
-</file>
-
-<file path=ppt/slides/slide12.xml><?xml version="1.0" encoding="utf-8"?>
-<p:sld xmlns:a="http://schemas.openxmlformats.org/drawingml/2006/main" xmlns:r="http://schemas.openxmlformats.org/officeDocument/2006/relationships" xmlns:p="http://schemas.openxmlformats.org/presentationml/2006/main">
-  <p:cSld>
-    <p:spTree>
-      <p:nvGrpSpPr>
-        <p:cNvPr id="1" name=""/>
-        <p:cNvGrpSpPr/>
-        <p:nvPr/>
-      </p:nvGrpSpPr>
-      <p:grpSpPr>
-        <a:xfrm>
-          <a:off x="0" y="0"/>
-          <a:ext cx="0" cy="0"/>
-          <a:chOff x="0" y="0"/>
-          <a:chExt cx="0" cy="0"/>
-        </a:xfrm>
-      </p:grpSpPr>
-      <p:pic>
-        <p:nvPicPr>
-          <p:cNvPr id="8" name="Picture 8"/>
-          <p:cNvPicPr>
-            <a:picLocks noChangeAspect="1"/>
-          </p:cNvPicPr>
-          <p:nvPr/>
-        </p:nvPicPr>
-        <p:blipFill>
-          <a:blip r:embed="rId3"/>
-          <a:srcRect/>
-          <a:stretch>
-            <a:fillRect/>
-          </a:stretch>
-        </p:blipFill>
-        <p:spPr>
-          <a:xfrm>
-            <a:off x="16459200" y="-99077"/>
-            <a:ext cx="2005783" cy="1470490"/>
-          </a:xfrm>
-          <a:prstGeom prst="rect">
-            <a:avLst/>
-          </a:prstGeom>
-        </p:spPr>
-      </p:pic>
-      <p:sp>
-        <p:nvSpPr>
-          <p:cNvPr id="9" name="TextBox 9"/>
-          <p:cNvSpPr txBox="1"/>
-          <p:nvPr/>
-        </p:nvSpPr>
-        <p:spPr>
-          <a:xfrm>
-            <a:off x="838200" y="617118"/>
-            <a:ext cx="15631206" cy="1209818"/>
-          </a:xfrm>
-          <a:prstGeom prst="rect">
-            <a:avLst/>
-          </a:prstGeom>
-        </p:spPr>
-        <p:txBody>
-          <a:bodyPr wrap="square" lIns="0" tIns="0" rIns="0" bIns="0" rtlCol="0" anchor="t">
-            <a:spAutoFit/>
-          </a:bodyPr>
-          <a:lstStyle/>
-          <a:p>
-            <a:pPr>
-              <a:lnSpc>
-                <a:spcPts val="10080"/>
-              </a:lnSpc>
-              <a:spcBef>
-                <a:spcPct val="0"/>
-              </a:spcBef>
-            </a:pPr>
-            <a:r>
-              <a:rPr lang="en-US" sz="7200" dirty="0">
-                <a:solidFill>
-                  <a:srgbClr val="000000"/>
-                </a:solidFill>
-                <a:latin typeface="Open Sans Extra Bold"/>
-              </a:rPr>
-              <a:t>FINAL QUESTIONS?</a:t>
-            </a:r>
-          </a:p>
-        </p:txBody>
-      </p:sp>
-      <p:pic>
-        <p:nvPicPr>
-          <p:cNvPr id="5" name="Picture 6">
-            <a:extLst>
-              <a:ext uri="{FF2B5EF4-FFF2-40B4-BE49-F238E27FC236}">
-                <a16:creationId xmlns:a16="http://schemas.microsoft.com/office/drawing/2014/main" id="{01C401A0-8EBC-47CA-B2DE-F204DE6EEF54}"/>
-              </a:ext>
-            </a:extLst>
-          </p:cNvPr>
-          <p:cNvPicPr>
-            <a:picLocks noChangeAspect="1"/>
-          </p:cNvPicPr>
-          <p:nvPr/>
-        </p:nvPicPr>
-        <p:blipFill>
-          <a:blip r:embed="rId4"/>
-          <a:srcRect b="44190"/>
-          <a:stretch>
-            <a:fillRect/>
-          </a:stretch>
-        </p:blipFill>
-        <p:spPr>
-          <a:xfrm>
-            <a:off x="16095120" y="9265255"/>
-            <a:ext cx="2013122" cy="823680"/>
-          </a:xfrm>
-          <a:prstGeom prst="rect">
-            <a:avLst/>
-          </a:prstGeom>
-        </p:spPr>
-      </p:pic>
-      <p:sp>
-        <p:nvSpPr>
-          <p:cNvPr id="6" name="TextBox 5">
-            <a:extLst>
-              <a:ext uri="{FF2B5EF4-FFF2-40B4-BE49-F238E27FC236}">
-                <a16:creationId xmlns:a16="http://schemas.microsoft.com/office/drawing/2014/main" id="{B72B56F1-579F-4CEC-BF86-0455EEB5C6F1}"/>
-              </a:ext>
-            </a:extLst>
-          </p:cNvPr>
-          <p:cNvSpPr txBox="1"/>
-          <p:nvPr/>
-        </p:nvSpPr>
-        <p:spPr>
-          <a:xfrm>
-            <a:off x="857250" y="1943100"/>
-            <a:ext cx="12877800" cy="3785652"/>
-          </a:xfrm>
-          <a:prstGeom prst="rect">
-            <a:avLst/>
-          </a:prstGeom>
-          <a:noFill/>
-        </p:spPr>
-        <p:txBody>
-          <a:bodyPr wrap="square" rtlCol="0">
-            <a:spAutoFit/>
-          </a:bodyPr>
-          <a:lstStyle/>
-          <a:p>
-            <a:r>
-              <a:rPr lang="en-US" sz="4000" dirty="0">
-                <a:latin typeface="Gidole" panose="02000503000000000000" pitchFamily="2" charset="0"/>
-                <a:ea typeface="Roboto Mono" pitchFamily="2" charset="0"/>
-              </a:rPr>
-              <a:t>Thanks for joining! </a:t>
-            </a:r>
-          </a:p>
-          <a:p>
-            <a:endParaRPr lang="en-US" sz="4000" dirty="0">
-              <a:latin typeface="Gidole" panose="02000503000000000000" pitchFamily="2" charset="0"/>
-              <a:ea typeface="Roboto Mono" pitchFamily="2" charset="0"/>
-            </a:endParaRPr>
-          </a:p>
-          <a:p>
-            <a:r>
-              <a:rPr lang="en-US" sz="4000" dirty="0">
-                <a:latin typeface="Gidole" panose="02000503000000000000" pitchFamily="2" charset="0"/>
-                <a:ea typeface="Roboto Mono" pitchFamily="2" charset="0"/>
-              </a:rPr>
-              <a:t>A recap email with recording, survey and more will be coming…</a:t>
-            </a:r>
-          </a:p>
-          <a:p>
-            <a:endParaRPr lang="en-US" sz="4000" dirty="0">
-              <a:latin typeface="Gidole" panose="02000503000000000000" pitchFamily="2" charset="0"/>
-              <a:ea typeface="Roboto Mono" pitchFamily="2" charset="0"/>
-            </a:endParaRPr>
-          </a:p>
-          <a:p>
-            <a:r>
-              <a:rPr lang="en-US" sz="4000" dirty="0">
-                <a:latin typeface="Gidole" panose="02000503000000000000" pitchFamily="2" charset="0"/>
-                <a:ea typeface="Roboto Mono" pitchFamily="2" charset="0"/>
-              </a:rPr>
-              <a:t>The recording stays up </a:t>
-            </a:r>
-            <a:r>
-              <a:rPr lang="en-US" sz="4000">
-                <a:latin typeface="Gidole" panose="02000503000000000000" pitchFamily="2" charset="0"/>
-                <a:ea typeface="Roboto Mono" pitchFamily="2" charset="0"/>
-              </a:rPr>
-              <a:t>for seven days!</a:t>
-            </a:r>
-            <a:endParaRPr lang="en-US" sz="4000" dirty="0">
-              <a:latin typeface="Gidole" panose="02000503000000000000" pitchFamily="2" charset="0"/>
-              <a:ea typeface="Roboto Mono" pitchFamily="2" charset="0"/>
-            </a:endParaRPr>
-          </a:p>
-        </p:txBody>
-      </p:sp>
-    </p:spTree>
-    <p:extLst>
-      <p:ext uri="{BB962C8B-B14F-4D97-AF65-F5344CB8AC3E}">
-        <p14:creationId xmlns:p14="http://schemas.microsoft.com/office/powerpoint/2010/main" val="956393270"/>
-      </p:ext>
-    </p:extLst>
-  </p:cSld>
-  <p:clrMapOvr>
-    <a:masterClrMapping/>
-  </p:clrMapOvr>
-</p:sld>
-</file>
-
-<file path=ppt/slides/slide13.xml><?xml version="1.0" encoding="utf-8"?>
-<p:sld xmlns:a="http://schemas.openxmlformats.org/drawingml/2006/main" xmlns:r="http://schemas.openxmlformats.org/officeDocument/2006/relationships" xmlns:p="http://schemas.openxmlformats.org/presentationml/2006/main">
-  <p:cSld>
-    <p:spTree>
-      <p:nvGrpSpPr>
-        <p:cNvPr id="1" name=""/>
-        <p:cNvGrpSpPr/>
-        <p:nvPr/>
-      </p:nvGrpSpPr>
-      <p:grpSpPr>
-        <a:xfrm>
-          <a:off x="0" y="0"/>
-          <a:ext cx="0" cy="0"/>
-          <a:chOff x="0" y="0"/>
-          <a:chExt cx="0" cy="0"/>
-        </a:xfrm>
-      </p:grpSpPr>
-      <p:pic>
-        <p:nvPicPr>
-          <p:cNvPr id="8" name="Picture 8"/>
-          <p:cNvPicPr>
-            <a:picLocks noChangeAspect="1"/>
-          </p:cNvPicPr>
-          <p:nvPr/>
-        </p:nvPicPr>
-        <p:blipFill>
-          <a:blip r:embed="rId3"/>
-          <a:srcRect/>
-          <a:stretch>
-            <a:fillRect/>
-          </a:stretch>
-        </p:blipFill>
-        <p:spPr>
-          <a:xfrm>
-            <a:off x="16459200" y="-99077"/>
-            <a:ext cx="2005783" cy="1470490"/>
-          </a:xfrm>
-          <a:prstGeom prst="rect">
-            <a:avLst/>
-          </a:prstGeom>
-        </p:spPr>
-      </p:pic>
-      <p:sp>
-        <p:nvSpPr>
-          <p:cNvPr id="9" name="TextBox 9"/>
-          <p:cNvSpPr txBox="1"/>
-          <p:nvPr/>
-        </p:nvSpPr>
-        <p:spPr>
-          <a:xfrm>
-            <a:off x="838200" y="617118"/>
-            <a:ext cx="15631206" cy="1209818"/>
-          </a:xfrm>
-          <a:prstGeom prst="rect">
-            <a:avLst/>
-          </a:prstGeom>
-        </p:spPr>
-        <p:txBody>
-          <a:bodyPr wrap="square" lIns="0" tIns="0" rIns="0" bIns="0" rtlCol="0" anchor="t">
-            <a:spAutoFit/>
-          </a:bodyPr>
-          <a:lstStyle/>
-          <a:p>
-            <a:pPr>
-              <a:lnSpc>
-                <a:spcPts val="10080"/>
-              </a:lnSpc>
-              <a:spcBef>
-                <a:spcPct val="0"/>
-              </a:spcBef>
-            </a:pPr>
-            <a:r>
-              <a:rPr lang="en-US" sz="7200" dirty="0">
-                <a:solidFill>
-                  <a:srgbClr val="000000"/>
-                </a:solidFill>
-                <a:latin typeface="Open Sans Extra Bold"/>
-              </a:rPr>
-              <a:t>BUT WAIT THERE’S MORE</a:t>
-            </a:r>
-          </a:p>
-        </p:txBody>
-      </p:sp>
-      <p:pic>
-        <p:nvPicPr>
-          <p:cNvPr id="5" name="Picture 6">
-            <a:extLst>
-              <a:ext uri="{FF2B5EF4-FFF2-40B4-BE49-F238E27FC236}">
-                <a16:creationId xmlns:a16="http://schemas.microsoft.com/office/drawing/2014/main" id="{01C401A0-8EBC-47CA-B2DE-F204DE6EEF54}"/>
-              </a:ext>
-            </a:extLst>
-          </p:cNvPr>
-          <p:cNvPicPr>
-            <a:picLocks noChangeAspect="1"/>
-          </p:cNvPicPr>
-          <p:nvPr/>
-        </p:nvPicPr>
-        <p:blipFill>
-          <a:blip r:embed="rId4"/>
-          <a:srcRect b="44190"/>
-          <a:stretch>
-            <a:fillRect/>
-          </a:stretch>
-        </p:blipFill>
-        <p:spPr>
-          <a:xfrm>
-            <a:off x="16095120" y="9265255"/>
-            <a:ext cx="2013122" cy="823680"/>
-          </a:xfrm>
-          <a:prstGeom prst="rect">
-            <a:avLst/>
-          </a:prstGeom>
-        </p:spPr>
-      </p:pic>
-      <p:sp>
-        <p:nvSpPr>
-          <p:cNvPr id="6" name="TextBox 5">
-            <a:extLst>
-              <a:ext uri="{FF2B5EF4-FFF2-40B4-BE49-F238E27FC236}">
-                <a16:creationId xmlns:a16="http://schemas.microsoft.com/office/drawing/2014/main" id="{B72B56F1-579F-4CEC-BF86-0455EEB5C6F1}"/>
-              </a:ext>
-            </a:extLst>
-          </p:cNvPr>
-          <p:cNvSpPr txBox="1"/>
-          <p:nvPr/>
-        </p:nvSpPr>
-        <p:spPr>
-          <a:xfrm>
-            <a:off x="857250" y="1943100"/>
-            <a:ext cx="12877800" cy="3046988"/>
-          </a:xfrm>
-          <a:prstGeom prst="rect">
-            <a:avLst/>
-          </a:prstGeom>
-          <a:noFill/>
-        </p:spPr>
-        <p:txBody>
-          <a:bodyPr wrap="square" rtlCol="0">
-            <a:spAutoFit/>
-          </a:bodyPr>
-          <a:lstStyle/>
-          <a:p>
-            <a:r>
-              <a:rPr lang="en-US" sz="4400" dirty="0">
-                <a:latin typeface="Gidole" panose="02000503000000000000" pitchFamily="2" charset="0"/>
-                <a:ea typeface="Roboto Mono" pitchFamily="2" charset="0"/>
-              </a:rPr>
-              <a:t>50% OFF MY POWER QUERY COURSE THIS WEEK</a:t>
-            </a:r>
-          </a:p>
-          <a:p>
-            <a:r>
-              <a:rPr lang="en-US" sz="4800" b="1" dirty="0">
-                <a:latin typeface="Gidole" panose="02000503000000000000" pitchFamily="2" charset="0"/>
-                <a:ea typeface="Roboto Mono" pitchFamily="2" charset="0"/>
-              </a:rPr>
-              <a:t>PROMOCODE NOHARDCODES</a:t>
-            </a:r>
-          </a:p>
-          <a:p>
-            <a:endParaRPr lang="en-US" sz="4000" dirty="0">
-              <a:latin typeface="Gidole" panose="02000503000000000000" pitchFamily="2" charset="0"/>
-              <a:ea typeface="Roboto Mono" pitchFamily="2" charset="0"/>
-            </a:endParaRPr>
-          </a:p>
-          <a:p>
-            <a:r>
-              <a:rPr lang="en-US" sz="6000" dirty="0">
-                <a:latin typeface="Gidole" panose="02000503000000000000" pitchFamily="2" charset="0"/>
-                <a:ea typeface="Roboto Mono" pitchFamily="2" charset="0"/>
-                <a:hlinkClick r:id="rId5"/>
-              </a:rPr>
-              <a:t>https://swiy.co/learn-pq</a:t>
-            </a:r>
-            <a:r>
-              <a:rPr lang="en-US" sz="6000" dirty="0">
-                <a:latin typeface="Gidole" panose="02000503000000000000" pitchFamily="2" charset="0"/>
-                <a:ea typeface="Roboto Mono" pitchFamily="2" charset="0"/>
-              </a:rPr>
-              <a:t> </a:t>
-            </a:r>
-          </a:p>
-        </p:txBody>
-      </p:sp>
-      <p:pic>
-        <p:nvPicPr>
-          <p:cNvPr id="1026" name="Picture 2">
-            <a:extLst>
-              <a:ext uri="{FF2B5EF4-FFF2-40B4-BE49-F238E27FC236}">
-                <a16:creationId xmlns:a16="http://schemas.microsoft.com/office/drawing/2014/main" id="{B2C410DE-B01C-44C6-A709-1F75782D035B}"/>
-              </a:ext>
-            </a:extLst>
-          </p:cNvPr>
-          <p:cNvPicPr>
-            <a:picLocks noChangeAspect="1" noChangeArrowheads="1"/>
-          </p:cNvPicPr>
-          <p:nvPr/>
-        </p:nvPicPr>
-        <p:blipFill>
-          <a:blip r:embed="rId6">
-            <a:extLst>
-              <a:ext uri="{28A0092B-C50C-407E-A947-70E740481C1C}">
-                <a14:useLocalDpi xmlns:a14="http://schemas.microsoft.com/office/drawing/2010/main" val="0"/>
-              </a:ext>
-            </a:extLst>
-          </a:blip>
-          <a:srcRect/>
-          <a:stretch>
-            <a:fillRect/>
-          </a:stretch>
-        </p:blipFill>
-        <p:spPr bwMode="auto">
-          <a:xfrm>
-            <a:off x="9372600" y="5106252"/>
-            <a:ext cx="8546691" cy="4807514"/>
-          </a:xfrm>
-          <a:prstGeom prst="rect">
-            <a:avLst/>
-          </a:prstGeom>
-          <a:noFill/>
-          <a:extLst>
-            <a:ext uri="{909E8E84-426E-40DD-AFC4-6F175D3DCCD1}">
-              <a14:hiddenFill xmlns:a14="http://schemas.microsoft.com/office/drawing/2010/main">
-                <a:solidFill>
-                  <a:srgbClr val="FFFFFF"/>
-                </a:solidFill>
-              </a14:hiddenFill>
-            </a:ext>
-          </a:extLst>
-        </p:spPr>
-      </p:pic>
-      <p:pic>
-        <p:nvPicPr>
-          <p:cNvPr id="4" name="Picture 3" descr="Shape&#10;&#10;Description automatically generated with low confidence">
-            <a:extLst>
-              <a:ext uri="{FF2B5EF4-FFF2-40B4-BE49-F238E27FC236}">
-                <a16:creationId xmlns:a16="http://schemas.microsoft.com/office/drawing/2014/main" id="{D73CBB4E-5DFC-455A-821A-20E365597395}"/>
-              </a:ext>
-            </a:extLst>
-          </p:cNvPr>
-          <p:cNvPicPr>
-            <a:picLocks noChangeAspect="1"/>
-          </p:cNvPicPr>
-          <p:nvPr/>
-        </p:nvPicPr>
-        <p:blipFill>
-          <a:blip r:embed="rId7" cstate="print">
-            <a:extLst>
-              <a:ext uri="{28A0092B-C50C-407E-A947-70E740481C1C}">
-                <a14:useLocalDpi xmlns:a14="http://schemas.microsoft.com/office/drawing/2010/main" val="0"/>
-              </a:ext>
-            </a:extLst>
-          </a:blip>
-          <a:stretch>
-            <a:fillRect/>
-          </a:stretch>
-        </p:blipFill>
-        <p:spPr>
-          <a:xfrm>
-            <a:off x="1143000" y="5448300"/>
-            <a:ext cx="3962400" cy="3962400"/>
-          </a:xfrm>
-          <a:prstGeom prst="rect">
-            <a:avLst/>
-          </a:prstGeom>
-        </p:spPr>
-      </p:pic>
-    </p:spTree>
-    <p:extLst>
-      <p:ext uri="{BB962C8B-B14F-4D97-AF65-F5344CB8AC3E}">
-        <p14:creationId xmlns:p14="http://schemas.microsoft.com/office/powerpoint/2010/main" val="685776287"/>
-      </p:ext>
-    </p:extLst>
-  </p:cSld>
-  <p:clrMapOvr>
-    <a:masterClrMapping/>
-  </p:clrMapOvr>
-</p:sld>
-</file>
-
-<file path=ppt/slides/slide2.xml><?xml version="1.0" encoding="utf-8"?>
-<p:sld xmlns:a="http://schemas.openxmlformats.org/drawingml/2006/main" xmlns:r="http://schemas.openxmlformats.org/officeDocument/2006/relationships" xmlns:p="http://schemas.openxmlformats.org/presentationml/2006/main">
-  <p:cSld>
-    <p:spTree>
-      <p:nvGrpSpPr>
-        <p:cNvPr id="1" name=""/>
-        <p:cNvGrpSpPr/>
-        <p:nvPr/>
-      </p:nvGrpSpPr>
-      <p:grpSpPr>
-        <a:xfrm>
-          <a:off x="0" y="0"/>
-          <a:ext cx="0" cy="0"/>
-          <a:chOff x="0" y="0"/>
-          <a:chExt cx="0" cy="0"/>
-        </a:xfrm>
-      </p:grpSpPr>
-      <p:grpSp>
-        <p:nvGrpSpPr>
-          <p:cNvPr id="2" name="Group 2"/>
-          <p:cNvGrpSpPr/>
-          <p:nvPr/>
-        </p:nvGrpSpPr>
-        <p:grpSpPr>
-          <a:xfrm rot="-5400000">
-            <a:off x="10728361" y="2727361"/>
-            <a:ext cx="7565692" cy="7553587"/>
-            <a:chOff x="0" y="0"/>
-            <a:chExt cx="6350000" cy="6339840"/>
-          </a:xfrm>
-        </p:grpSpPr>
-        <p:sp>
-          <p:nvSpPr>
-            <p:cNvPr id="3" name="Freeform 3"/>
-            <p:cNvSpPr/>
-            <p:nvPr/>
-          </p:nvSpPr>
-          <p:spPr>
-            <a:xfrm>
-              <a:off x="0" y="0"/>
-              <a:ext cx="6350000" cy="6339840"/>
-            </a:xfrm>
-            <a:custGeom>
-              <a:avLst/>
-              <a:gdLst/>
-              <a:ahLst/>
-              <a:cxnLst/>
-              <a:rect l="l" t="t" r="r" b="b"/>
-              <a:pathLst>
-                <a:path w="6350000" h="6339840">
-                  <a:moveTo>
-                    <a:pt x="6350000" y="6339840"/>
-                  </a:moveTo>
-                  <a:lnTo>
-                    <a:pt x="0" y="6339840"/>
-                  </a:lnTo>
-                  <a:lnTo>
-                    <a:pt x="0" y="0"/>
-                  </a:lnTo>
-                  <a:close/>
-                </a:path>
-              </a:pathLst>
-            </a:custGeom>
-            <a:solidFill>
-              <a:srgbClr val="CF3338"/>
-            </a:solidFill>
-          </p:spPr>
-        </p:sp>
-      </p:grpSp>
-      <p:grpSp>
-        <p:nvGrpSpPr>
-          <p:cNvPr id="4" name="Group 4"/>
-          <p:cNvGrpSpPr/>
-          <p:nvPr/>
-        </p:nvGrpSpPr>
-        <p:grpSpPr>
-          <a:xfrm rot="-10800000">
-            <a:off x="15566406" y="5573199"/>
-            <a:ext cx="5443189" cy="4713801"/>
-            <a:chOff x="0" y="0"/>
-            <a:chExt cx="6350000" cy="5499100"/>
-          </a:xfrm>
-        </p:grpSpPr>
-        <p:sp>
-          <p:nvSpPr>
-            <p:cNvPr id="5" name="Freeform 5"/>
-            <p:cNvSpPr/>
-            <p:nvPr/>
-          </p:nvSpPr>
-          <p:spPr>
-            <a:xfrm>
-              <a:off x="0" y="0"/>
-              <a:ext cx="6350000" cy="5499100"/>
-            </a:xfrm>
-            <a:custGeom>
-              <a:avLst/>
-              <a:gdLst/>
-              <a:ahLst/>
-              <a:cxnLst/>
-              <a:rect l="l" t="t" r="r" b="b"/>
-              <a:pathLst>
-                <a:path w="6350000" h="5499100">
-                  <a:moveTo>
-                    <a:pt x="0" y="5499100"/>
-                  </a:moveTo>
-                  <a:lnTo>
-                    <a:pt x="3175000" y="0"/>
-                  </a:lnTo>
-                  <a:lnTo>
-                    <a:pt x="6350000" y="5499100"/>
-                  </a:lnTo>
-                  <a:close/>
-                </a:path>
-              </a:pathLst>
-            </a:custGeom>
-            <a:solidFill>
-              <a:srgbClr val="3D3935"/>
-            </a:solidFill>
-          </p:spPr>
-        </p:sp>
-      </p:grpSp>
-      <p:sp>
-        <p:nvSpPr>
-          <p:cNvPr id="6" name="AutoShape 6"/>
-          <p:cNvSpPr/>
-          <p:nvPr/>
-        </p:nvSpPr>
-        <p:spPr>
-          <a:xfrm>
-            <a:off x="9144000" y="2143604"/>
-            <a:ext cx="9466400" cy="56192"/>
-          </a:xfrm>
-          <a:prstGeom prst="rect">
-            <a:avLst/>
-          </a:prstGeom>
-          <a:solidFill>
-            <a:srgbClr val="000000"/>
-          </a:solidFill>
-        </p:spPr>
-      </p:sp>
-      <p:pic>
-        <p:nvPicPr>
-          <p:cNvPr id="7" name="Picture 7"/>
-          <p:cNvPicPr>
-            <a:picLocks noChangeAspect="1"/>
-          </p:cNvPicPr>
-          <p:nvPr/>
-        </p:nvPicPr>
-        <p:blipFill>
-          <a:blip r:embed="rId3"/>
-          <a:srcRect/>
-          <a:stretch>
-            <a:fillRect/>
-          </a:stretch>
-        </p:blipFill>
-        <p:spPr>
-          <a:xfrm>
-            <a:off x="16100583" y="9258300"/>
-            <a:ext cx="2005783" cy="1470490"/>
-          </a:xfrm>
-          <a:prstGeom prst="rect">
-            <a:avLst/>
-          </a:prstGeom>
-        </p:spPr>
-      </p:pic>
-      <p:sp>
-        <p:nvSpPr>
-          <p:cNvPr id="8" name="TextBox 8"/>
-          <p:cNvSpPr txBox="1"/>
-          <p:nvPr/>
-        </p:nvSpPr>
-        <p:spPr>
-          <a:xfrm>
-            <a:off x="1028700" y="1028700"/>
-            <a:ext cx="9105900" cy="1154162"/>
-          </a:xfrm>
-          <a:prstGeom prst="rect">
-            <a:avLst/>
-          </a:prstGeom>
-        </p:spPr>
-        <p:txBody>
-          <a:bodyPr wrap="square" lIns="0" tIns="0" rIns="0" bIns="0" rtlCol="0" anchor="t">
-            <a:spAutoFit/>
-          </a:bodyPr>
-          <a:lstStyle/>
-          <a:p>
-            <a:pPr>
-              <a:lnSpc>
-                <a:spcPts val="9000"/>
-              </a:lnSpc>
-            </a:pPr>
-            <a:r>
-              <a:rPr lang="en-US" sz="7500" spc="375" dirty="0">
-                <a:solidFill>
-                  <a:srgbClr val="000000"/>
-                </a:solidFill>
-                <a:latin typeface="League Spartan Bold"/>
-              </a:rPr>
-              <a:t>HI, I’M GEORGE</a:t>
-            </a:r>
-          </a:p>
-        </p:txBody>
-      </p:sp>
-      <p:sp>
-        <p:nvSpPr>
-          <p:cNvPr id="9" name="TextBox 9"/>
-          <p:cNvSpPr txBox="1"/>
-          <p:nvPr/>
-        </p:nvSpPr>
-        <p:spPr>
-          <a:xfrm rot="-5400000">
-            <a:off x="-436430" y="7232974"/>
-            <a:ext cx="3650350" cy="400302"/>
-          </a:xfrm>
-          <a:prstGeom prst="rect">
-            <a:avLst/>
-          </a:prstGeom>
-        </p:spPr>
-        <p:txBody>
-          <a:bodyPr lIns="0" tIns="0" rIns="0" bIns="0" rtlCol="0" anchor="t">
-            <a:spAutoFit/>
-          </a:bodyPr>
-          <a:lstStyle/>
-          <a:p>
-            <a:pPr>
-              <a:lnSpc>
-                <a:spcPts val="3359"/>
-              </a:lnSpc>
-            </a:pPr>
-            <a:r>
-              <a:rPr lang="en-US" sz="2400" spc="192" dirty="0">
-                <a:solidFill>
-                  <a:srgbClr val="000000"/>
-                </a:solidFill>
-                <a:latin typeface="Gidole"/>
-              </a:rPr>
-              <a:t>Power Query PDQ!</a:t>
-            </a:r>
-          </a:p>
-        </p:txBody>
-      </p:sp>
-      <p:pic>
-        <p:nvPicPr>
-          <p:cNvPr id="1026" name="Picture 2" descr="Stringfest Analytics main logo">
-            <a:extLst>
-              <a:ext uri="{FF2B5EF4-FFF2-40B4-BE49-F238E27FC236}">
-                <a16:creationId xmlns:a16="http://schemas.microsoft.com/office/drawing/2014/main" id="{91E3DBD0-9F19-4DA0-9F7B-706217532F3D}"/>
-              </a:ext>
-            </a:extLst>
-          </p:cNvPr>
-          <p:cNvPicPr>
-            <a:picLocks noChangeAspect="1" noChangeArrowheads="1"/>
-          </p:cNvPicPr>
-          <p:nvPr/>
-        </p:nvPicPr>
-        <p:blipFill>
-          <a:blip r:embed="rId4">
-            <a:extLst>
-              <a:ext uri="{28A0092B-C50C-407E-A947-70E740481C1C}">
-                <a14:useLocalDpi xmlns:a14="http://schemas.microsoft.com/office/drawing/2010/main" val="0"/>
-              </a:ext>
-            </a:extLst>
-          </a:blip>
-          <a:srcRect/>
-          <a:stretch>
-            <a:fillRect/>
-          </a:stretch>
-        </p:blipFill>
-        <p:spPr bwMode="auto">
-          <a:xfrm>
-            <a:off x="5581650" y="6302842"/>
-            <a:ext cx="5733655" cy="4205054"/>
-          </a:xfrm>
-          <a:prstGeom prst="rect">
-            <a:avLst/>
-          </a:prstGeom>
-          <a:noFill/>
-          <a:extLst>
-            <a:ext uri="{909E8E84-426E-40DD-AFC4-6F175D3DCCD1}">
-              <a14:hiddenFill xmlns:a14="http://schemas.microsoft.com/office/drawing/2010/main">
-                <a:solidFill>
-                  <a:srgbClr val="FFFFFF"/>
-                </a:solidFill>
-              </a14:hiddenFill>
-            </a:ext>
-          </a:extLst>
-        </p:spPr>
-      </p:pic>
-      <p:pic>
-        <p:nvPicPr>
-          <p:cNvPr id="1028" name="Picture 4" descr="Advancing into Analytics Cover Image">
-            <a:extLst>
-              <a:ext uri="{FF2B5EF4-FFF2-40B4-BE49-F238E27FC236}">
-                <a16:creationId xmlns:a16="http://schemas.microsoft.com/office/drawing/2014/main" id="{4CA8B8A9-7FAE-4585-84F4-FB5AE1188654}"/>
-              </a:ext>
-            </a:extLst>
-          </p:cNvPr>
-          <p:cNvPicPr>
-            <a:picLocks noChangeAspect="1" noChangeArrowheads="1"/>
-          </p:cNvPicPr>
-          <p:nvPr/>
-        </p:nvPicPr>
-        <p:blipFill>
-          <a:blip r:embed="rId5" cstate="print">
-            <a:extLst>
-              <a:ext uri="{28A0092B-C50C-407E-A947-70E740481C1C}">
-                <a14:useLocalDpi xmlns:a14="http://schemas.microsoft.com/office/drawing/2010/main" val="0"/>
-              </a:ext>
-            </a:extLst>
-          </a:blip>
-          <a:srcRect/>
-          <a:stretch>
-            <a:fillRect/>
-          </a:stretch>
-        </p:blipFill>
-        <p:spPr bwMode="auto">
-          <a:xfrm>
-            <a:off x="10697860" y="2721308"/>
-            <a:ext cx="3010084" cy="3931538"/>
-          </a:xfrm>
-          <a:prstGeom prst="rect">
-            <a:avLst/>
-          </a:prstGeom>
-          <a:noFill/>
-          <a:extLst>
-            <a:ext uri="{909E8E84-426E-40DD-AFC4-6F175D3DCCD1}">
-              <a14:hiddenFill xmlns:a14="http://schemas.microsoft.com/office/drawing/2010/main">
-                <a:solidFill>
-                  <a:srgbClr val="FFFFFF"/>
-                </a:solidFill>
-              </a14:hiddenFill>
-            </a:ext>
-          </a:extLst>
-        </p:spPr>
-      </p:pic>
-      <p:pic>
-        <p:nvPicPr>
-          <p:cNvPr id="1030" name="Picture 6" descr="Free photos of Cleveland">
-            <a:extLst>
-              <a:ext uri="{FF2B5EF4-FFF2-40B4-BE49-F238E27FC236}">
-                <a16:creationId xmlns:a16="http://schemas.microsoft.com/office/drawing/2014/main" id="{84DDC70F-AE5C-4A4D-B6B2-116E4B5D0A8D}"/>
-              </a:ext>
-            </a:extLst>
-          </p:cNvPr>
-          <p:cNvPicPr>
-            <a:picLocks noChangeAspect="1" noChangeArrowheads="1"/>
-          </p:cNvPicPr>
-          <p:nvPr/>
-        </p:nvPicPr>
-        <p:blipFill>
-          <a:blip r:embed="rId6">
-            <a:extLst>
-              <a:ext uri="{28A0092B-C50C-407E-A947-70E740481C1C}">
-                <a14:useLocalDpi xmlns:a14="http://schemas.microsoft.com/office/drawing/2010/main" val="0"/>
-              </a:ext>
-            </a:extLst>
-          </a:blip>
-          <a:srcRect/>
-          <a:stretch>
-            <a:fillRect/>
-          </a:stretch>
-        </p:blipFill>
-        <p:spPr bwMode="auto">
-          <a:xfrm>
-            <a:off x="3003330" y="2850156"/>
-            <a:ext cx="5673334" cy="3776313"/>
-          </a:xfrm>
-          <a:prstGeom prst="rect">
-            <a:avLst/>
-          </a:prstGeom>
-          <a:noFill/>
-          <a:extLst>
-            <a:ext uri="{909E8E84-426E-40DD-AFC4-6F175D3DCCD1}">
-              <a14:hiddenFill xmlns:a14="http://schemas.microsoft.com/office/drawing/2010/main">
-                <a:solidFill>
-                  <a:srgbClr val="FFFFFF"/>
-                </a:solidFill>
-              </a14:hiddenFill>
-            </a:ext>
-          </a:extLst>
-        </p:spPr>
-      </p:pic>
-    </p:spTree>
-  </p:cSld>
-  <p:clrMapOvr>
-    <a:masterClrMapping/>
-  </p:clrMapOvr>
-</p:sld>
-</file>
-
-<file path=ppt/slides/slide3.xml><?xml version="1.0" encoding="utf-8"?>
-<p:sld xmlns:a="http://schemas.openxmlformats.org/drawingml/2006/main" xmlns:r="http://schemas.openxmlformats.org/officeDocument/2006/relationships" xmlns:p="http://schemas.openxmlformats.org/presentationml/2006/main">
-  <p:cSld>
-    <p:spTree>
-      <p:nvGrpSpPr>
-        <p:cNvPr id="1" name=""/>
-        <p:cNvGrpSpPr/>
-        <p:nvPr/>
-      </p:nvGrpSpPr>
-      <p:grpSpPr>
-        <a:xfrm>
-          <a:off x="0" y="0"/>
-          <a:ext cx="0" cy="0"/>
-          <a:chOff x="0" y="0"/>
-          <a:chExt cx="0" cy="0"/>
-        </a:xfrm>
-      </p:grpSpPr>
-      <p:grpSp>
-        <p:nvGrpSpPr>
-          <p:cNvPr id="2" name="Group 2"/>
-          <p:cNvGrpSpPr/>
-          <p:nvPr/>
-        </p:nvGrpSpPr>
-        <p:grpSpPr>
-          <a:xfrm rot="-5400000">
-            <a:off x="10728361" y="2727361"/>
-            <a:ext cx="7565692" cy="7553587"/>
-            <a:chOff x="0" y="0"/>
-            <a:chExt cx="6350000" cy="6339840"/>
-          </a:xfrm>
-        </p:grpSpPr>
-        <p:sp>
-          <p:nvSpPr>
-            <p:cNvPr id="3" name="Freeform 3"/>
-            <p:cNvSpPr/>
-            <p:nvPr/>
-          </p:nvSpPr>
-          <p:spPr>
-            <a:xfrm>
-              <a:off x="0" y="0"/>
-              <a:ext cx="6350000" cy="6339840"/>
-            </a:xfrm>
-            <a:custGeom>
-              <a:avLst/>
-              <a:gdLst/>
-              <a:ahLst/>
-              <a:cxnLst/>
-              <a:rect l="l" t="t" r="r" b="b"/>
-              <a:pathLst>
-                <a:path w="6350000" h="6339840">
-                  <a:moveTo>
-                    <a:pt x="6350000" y="6339840"/>
-                  </a:moveTo>
-                  <a:lnTo>
-                    <a:pt x="0" y="6339840"/>
-                  </a:lnTo>
-                  <a:lnTo>
-                    <a:pt x="0" y="0"/>
-                  </a:lnTo>
-                  <a:close/>
-                </a:path>
-              </a:pathLst>
-            </a:custGeom>
-            <a:solidFill>
-              <a:srgbClr val="CF3338"/>
-            </a:solidFill>
-          </p:spPr>
-        </p:sp>
-      </p:grpSp>
-      <p:grpSp>
-        <p:nvGrpSpPr>
-          <p:cNvPr id="4" name="Group 4"/>
-          <p:cNvGrpSpPr/>
-          <p:nvPr/>
-        </p:nvGrpSpPr>
-        <p:grpSpPr>
-          <a:xfrm rot="-10800000">
-            <a:off x="15566406" y="5573199"/>
-            <a:ext cx="5443189" cy="4713801"/>
-            <a:chOff x="0" y="0"/>
-            <a:chExt cx="6350000" cy="5499100"/>
-          </a:xfrm>
-        </p:grpSpPr>
-        <p:sp>
-          <p:nvSpPr>
-            <p:cNvPr id="5" name="Freeform 5"/>
-            <p:cNvSpPr/>
-            <p:nvPr/>
-          </p:nvSpPr>
-          <p:spPr>
-            <a:xfrm>
-              <a:off x="0" y="0"/>
-              <a:ext cx="6350000" cy="5499100"/>
-            </a:xfrm>
-            <a:custGeom>
-              <a:avLst/>
-              <a:gdLst/>
-              <a:ahLst/>
-              <a:cxnLst/>
-              <a:rect l="l" t="t" r="r" b="b"/>
-              <a:pathLst>
-                <a:path w="6350000" h="5499100">
-                  <a:moveTo>
-                    <a:pt x="0" y="5499100"/>
-                  </a:moveTo>
-                  <a:lnTo>
-                    <a:pt x="3175000" y="0"/>
-                  </a:lnTo>
-                  <a:lnTo>
-                    <a:pt x="6350000" y="5499100"/>
-                  </a:lnTo>
-                  <a:close/>
-                </a:path>
-              </a:pathLst>
-            </a:custGeom>
-            <a:solidFill>
-              <a:srgbClr val="3D3935"/>
-            </a:solidFill>
-          </p:spPr>
-        </p:sp>
-      </p:grpSp>
-      <p:sp>
-        <p:nvSpPr>
-          <p:cNvPr id="6" name="AutoShape 6"/>
-          <p:cNvSpPr/>
-          <p:nvPr/>
-        </p:nvSpPr>
-        <p:spPr>
-          <a:xfrm>
-            <a:off x="9144000" y="2143604"/>
-            <a:ext cx="9466400" cy="56192"/>
-          </a:xfrm>
-          <a:prstGeom prst="rect">
-            <a:avLst/>
-          </a:prstGeom>
-          <a:solidFill>
-            <a:srgbClr val="000000"/>
-          </a:solidFill>
-        </p:spPr>
-      </p:sp>
-      <p:pic>
-        <p:nvPicPr>
-          <p:cNvPr id="7" name="Picture 7"/>
-          <p:cNvPicPr>
-            <a:picLocks noChangeAspect="1"/>
-          </p:cNvPicPr>
-          <p:nvPr/>
-        </p:nvPicPr>
-        <p:blipFill>
-          <a:blip r:embed="rId3"/>
-          <a:srcRect/>
-          <a:stretch>
-            <a:fillRect/>
-          </a:stretch>
-        </p:blipFill>
-        <p:spPr>
-          <a:xfrm>
-            <a:off x="16100583" y="9258300"/>
-            <a:ext cx="2005783" cy="1470490"/>
-          </a:xfrm>
-          <a:prstGeom prst="rect">
-            <a:avLst/>
-          </a:prstGeom>
-        </p:spPr>
-      </p:pic>
-      <p:sp>
-        <p:nvSpPr>
-          <p:cNvPr id="8" name="TextBox 8"/>
-          <p:cNvSpPr txBox="1"/>
-          <p:nvPr/>
-        </p:nvSpPr>
-        <p:spPr>
-          <a:xfrm>
-            <a:off x="1028700" y="1028700"/>
-            <a:ext cx="7567947" cy="1154162"/>
-          </a:xfrm>
-          <a:prstGeom prst="rect">
-            <a:avLst/>
-          </a:prstGeom>
-        </p:spPr>
-        <p:txBody>
-          <a:bodyPr lIns="0" tIns="0" rIns="0" bIns="0" rtlCol="0" anchor="t">
-            <a:spAutoFit/>
-          </a:bodyPr>
-          <a:lstStyle/>
-          <a:p>
-            <a:pPr>
-              <a:lnSpc>
-                <a:spcPts val="9000"/>
-              </a:lnSpc>
-            </a:pPr>
-            <a:r>
-              <a:rPr lang="en-US" sz="7500" spc="375" dirty="0">
-                <a:solidFill>
-                  <a:srgbClr val="000000"/>
-                </a:solidFill>
-                <a:latin typeface="League Spartan Bold"/>
-              </a:rPr>
-              <a:t>OBJECTIVES</a:t>
-            </a:r>
-          </a:p>
-        </p:txBody>
-      </p:sp>
-      <p:sp>
-        <p:nvSpPr>
-          <p:cNvPr id="9" name="TextBox 9"/>
-          <p:cNvSpPr txBox="1"/>
-          <p:nvPr/>
-        </p:nvSpPr>
-        <p:spPr>
-          <a:xfrm rot="-5400000">
-            <a:off x="-436430" y="7232974"/>
-            <a:ext cx="3650350" cy="400302"/>
-          </a:xfrm>
-          <a:prstGeom prst="rect">
-            <a:avLst/>
-          </a:prstGeom>
-        </p:spPr>
-        <p:txBody>
-          <a:bodyPr lIns="0" tIns="0" rIns="0" bIns="0" rtlCol="0" anchor="t">
-            <a:spAutoFit/>
-          </a:bodyPr>
-          <a:lstStyle/>
-          <a:p>
-            <a:pPr>
-              <a:lnSpc>
-                <a:spcPts val="3359"/>
-              </a:lnSpc>
-            </a:pPr>
-            <a:r>
-              <a:rPr lang="en-US" sz="2400" spc="192" dirty="0">
-                <a:solidFill>
-                  <a:srgbClr val="000000"/>
-                </a:solidFill>
-                <a:latin typeface="Gidole"/>
-              </a:rPr>
-              <a:t>Power Query PDQ!</a:t>
-            </a:r>
-          </a:p>
-        </p:txBody>
-      </p:sp>
-      <p:sp>
-        <p:nvSpPr>
-          <p:cNvPr id="10" name="TextBox 10"/>
-          <p:cNvSpPr txBox="1"/>
-          <p:nvPr/>
-        </p:nvSpPr>
-        <p:spPr>
-          <a:xfrm>
-            <a:off x="2819400" y="2400300"/>
-            <a:ext cx="9243139" cy="7279493"/>
-          </a:xfrm>
-          <a:prstGeom prst="rect">
-            <a:avLst/>
-          </a:prstGeom>
-        </p:spPr>
-        <p:txBody>
-          <a:bodyPr wrap="square" lIns="0" tIns="0" rIns="0" bIns="0" rtlCol="0" anchor="t">
-            <a:spAutoFit/>
-          </a:bodyPr>
-          <a:lstStyle/>
-          <a:p>
-            <a:pPr marL="457200" indent="-457200">
-              <a:lnSpc>
-                <a:spcPts val="3750"/>
-              </a:lnSpc>
-              <a:buFont typeface="Arial" panose="020B0604020202020204" pitchFamily="34" charset="0"/>
-              <a:buChar char="•"/>
-            </a:pPr>
-            <a:r>
-              <a:rPr lang="en-US" sz="3000" spc="30" dirty="0">
-                <a:solidFill>
-                  <a:srgbClr val="000000"/>
-                </a:solidFill>
-                <a:latin typeface="Gidole"/>
-              </a:rPr>
-              <a:t>How tables serve as the "missing link" between Excel and Power Query</a:t>
-            </a:r>
-            <a:br>
-              <a:rPr lang="en-US" sz="3000" spc="30" dirty="0">
-                <a:solidFill>
-                  <a:srgbClr val="000000"/>
-                </a:solidFill>
-                <a:latin typeface="Gidole"/>
-              </a:rPr>
-            </a:br>
-            <a:endParaRPr lang="en-US" sz="3000" spc="30" dirty="0">
-              <a:solidFill>
-                <a:srgbClr val="000000"/>
-              </a:solidFill>
-              <a:latin typeface="Gidole"/>
-            </a:endParaRPr>
-          </a:p>
-          <a:p>
-            <a:pPr marL="457200" indent="-457200">
-              <a:lnSpc>
-                <a:spcPts val="3750"/>
-              </a:lnSpc>
-              <a:buFont typeface="Arial" panose="020B0604020202020204" pitchFamily="34" charset="0"/>
-              <a:buChar char="•"/>
-            </a:pPr>
-            <a:r>
-              <a:rPr lang="en-US" sz="3000" spc="30" dirty="0">
-                <a:solidFill>
-                  <a:srgbClr val="000000"/>
-                </a:solidFill>
-                <a:latin typeface="Gidole"/>
-              </a:rPr>
-              <a:t>How Power Query serves as an "extract, transform, load" tool</a:t>
-            </a:r>
-            <a:br>
-              <a:rPr lang="en-US" sz="3000" spc="30" dirty="0">
-                <a:solidFill>
-                  <a:srgbClr val="000000"/>
-                </a:solidFill>
-                <a:latin typeface="Gidole"/>
-              </a:rPr>
-            </a:br>
-            <a:endParaRPr lang="en-US" sz="3000" spc="30" dirty="0">
-              <a:solidFill>
-                <a:srgbClr val="000000"/>
-              </a:solidFill>
-              <a:latin typeface="Gidole"/>
-            </a:endParaRPr>
-          </a:p>
-          <a:p>
-            <a:pPr marL="457200" indent="-457200">
-              <a:lnSpc>
-                <a:spcPts val="3750"/>
-              </a:lnSpc>
-              <a:buFont typeface="Arial" panose="020B0604020202020204" pitchFamily="34" charset="0"/>
-              <a:buChar char="•"/>
-            </a:pPr>
-            <a:r>
-              <a:rPr lang="en-US" sz="3000" spc="30" dirty="0">
-                <a:solidFill>
-                  <a:srgbClr val="000000"/>
-                </a:solidFill>
-                <a:latin typeface="Gidole"/>
-              </a:rPr>
-              <a:t>How to load your first data sources into Power Query... including how to find the menu for this (not so easy!)</a:t>
-            </a:r>
-            <a:br>
-              <a:rPr lang="en-US" sz="3000" spc="30" dirty="0">
-                <a:solidFill>
-                  <a:srgbClr val="000000"/>
-                </a:solidFill>
-                <a:latin typeface="Gidole"/>
-              </a:rPr>
-            </a:br>
-            <a:endParaRPr lang="en-US" sz="3000" spc="30" dirty="0">
-              <a:solidFill>
-                <a:srgbClr val="000000"/>
-              </a:solidFill>
-              <a:latin typeface="Gidole"/>
-            </a:endParaRPr>
-          </a:p>
-          <a:p>
-            <a:pPr marL="457200" indent="-457200">
-              <a:lnSpc>
-                <a:spcPts val="3750"/>
-              </a:lnSpc>
-              <a:buFont typeface="Arial" panose="020B0604020202020204" pitchFamily="34" charset="0"/>
-              <a:buChar char="•"/>
-            </a:pPr>
-            <a:r>
-              <a:rPr lang="en-US" sz="3000" spc="30" dirty="0">
-                <a:solidFill>
-                  <a:srgbClr val="000000"/>
-                </a:solidFill>
-                <a:latin typeface="Gidole"/>
-              </a:rPr>
-              <a:t>How to explore and profile your data right from Power Query</a:t>
-            </a:r>
-          </a:p>
-          <a:p>
-            <a:pPr marL="457200" indent="-457200">
-              <a:lnSpc>
-                <a:spcPts val="3750"/>
-              </a:lnSpc>
-              <a:buFont typeface="Arial" panose="020B0604020202020204" pitchFamily="34" charset="0"/>
-              <a:buChar char="•"/>
-            </a:pPr>
-            <a:endParaRPr lang="en-US" sz="3000" spc="30" dirty="0">
-              <a:solidFill>
-                <a:srgbClr val="000000"/>
-              </a:solidFill>
-              <a:latin typeface="Gidole"/>
-            </a:endParaRPr>
-          </a:p>
-          <a:p>
-            <a:pPr marL="457200" indent="-457200">
-              <a:lnSpc>
-                <a:spcPts val="3750"/>
-              </a:lnSpc>
-              <a:buFont typeface="Arial" panose="020B0604020202020204" pitchFamily="34" charset="0"/>
-              <a:buChar char="•"/>
-            </a:pPr>
-            <a:r>
-              <a:rPr lang="en-US" sz="3000" spc="30" dirty="0">
-                <a:solidFill>
-                  <a:srgbClr val="000000"/>
-                </a:solidFill>
-                <a:latin typeface="Gidole"/>
-              </a:rPr>
-              <a:t>How to perform repeatable data cleaning operations... no code or formulas required.</a:t>
-            </a:r>
-          </a:p>
-          <a:p>
-            <a:pPr>
-              <a:lnSpc>
-                <a:spcPts val="3750"/>
-              </a:lnSpc>
-            </a:pPr>
-            <a:endParaRPr lang="en-US" sz="3000" spc="30" dirty="0">
-              <a:solidFill>
-                <a:srgbClr val="000000"/>
-              </a:solidFill>
-              <a:latin typeface="Gidole"/>
-            </a:endParaRPr>
-          </a:p>
-        </p:txBody>
-      </p:sp>
-    </p:spTree>
-    <p:extLst>
-      <p:ext uri="{BB962C8B-B14F-4D97-AF65-F5344CB8AC3E}">
-        <p14:creationId xmlns:p14="http://schemas.microsoft.com/office/powerpoint/2010/main" val="3353069847"/>
-      </p:ext>
-    </p:extLst>
-  </p:cSld>
-  <p:clrMapOvr>
-    <a:masterClrMapping/>
-  </p:clrMapOvr>
-</p:sld>
-</file>
-
-<file path=ppt/slides/slide4.xml><?xml version="1.0" encoding="utf-8"?>
-<p:sld xmlns:a="http://schemas.openxmlformats.org/drawingml/2006/main" xmlns:r="http://schemas.openxmlformats.org/officeDocument/2006/relationships" xmlns:p="http://schemas.openxmlformats.org/presentationml/2006/main">
-  <p:cSld>
-    <p:spTree>
-      <p:nvGrpSpPr>
-        <p:cNvPr id="1" name=""/>
-        <p:cNvGrpSpPr/>
-        <p:nvPr/>
-      </p:nvGrpSpPr>
-      <p:grpSpPr>
-        <a:xfrm>
-          <a:off x="0" y="0"/>
-          <a:ext cx="0" cy="0"/>
-          <a:chOff x="0" y="0"/>
-          <a:chExt cx="0" cy="0"/>
-        </a:xfrm>
-      </p:grpSpPr>
-      <p:grpSp>
-        <p:nvGrpSpPr>
-          <p:cNvPr id="2" name="Group 2"/>
-          <p:cNvGrpSpPr/>
-          <p:nvPr/>
-        </p:nvGrpSpPr>
-        <p:grpSpPr>
-          <a:xfrm rot="-5400000">
-            <a:off x="10728361" y="2727361"/>
-            <a:ext cx="7565692" cy="7553587"/>
-            <a:chOff x="0" y="0"/>
-            <a:chExt cx="6350000" cy="6339840"/>
-          </a:xfrm>
-        </p:grpSpPr>
-        <p:sp>
-          <p:nvSpPr>
-            <p:cNvPr id="3" name="Freeform 3"/>
-            <p:cNvSpPr/>
-            <p:nvPr/>
-          </p:nvSpPr>
-          <p:spPr>
-            <a:xfrm>
-              <a:off x="0" y="0"/>
-              <a:ext cx="6350000" cy="6339840"/>
-            </a:xfrm>
-            <a:custGeom>
-              <a:avLst/>
-              <a:gdLst/>
-              <a:ahLst/>
-              <a:cxnLst/>
-              <a:rect l="l" t="t" r="r" b="b"/>
-              <a:pathLst>
-                <a:path w="6350000" h="6339840">
-                  <a:moveTo>
-                    <a:pt x="6350000" y="6339840"/>
-                  </a:moveTo>
-                  <a:lnTo>
-                    <a:pt x="0" y="6339840"/>
-                  </a:lnTo>
-                  <a:lnTo>
-                    <a:pt x="0" y="0"/>
-                  </a:lnTo>
-                  <a:close/>
-                </a:path>
-              </a:pathLst>
-            </a:custGeom>
-            <a:solidFill>
-              <a:srgbClr val="CF3338"/>
-            </a:solidFill>
-          </p:spPr>
-        </p:sp>
-      </p:grpSp>
-      <p:grpSp>
-        <p:nvGrpSpPr>
-          <p:cNvPr id="4" name="Group 4"/>
-          <p:cNvGrpSpPr/>
-          <p:nvPr/>
-        </p:nvGrpSpPr>
-        <p:grpSpPr>
-          <a:xfrm rot="-10800000">
-            <a:off x="15566406" y="5573199"/>
-            <a:ext cx="5443189" cy="4713801"/>
-            <a:chOff x="0" y="0"/>
-            <a:chExt cx="6350000" cy="5499100"/>
-          </a:xfrm>
-        </p:grpSpPr>
-        <p:sp>
-          <p:nvSpPr>
-            <p:cNvPr id="5" name="Freeform 5"/>
-            <p:cNvSpPr/>
-            <p:nvPr/>
-          </p:nvSpPr>
-          <p:spPr>
-            <a:xfrm>
-              <a:off x="0" y="0"/>
-              <a:ext cx="6350000" cy="5499100"/>
-            </a:xfrm>
-            <a:custGeom>
-              <a:avLst/>
-              <a:gdLst/>
-              <a:ahLst/>
-              <a:cxnLst/>
-              <a:rect l="l" t="t" r="r" b="b"/>
-              <a:pathLst>
-                <a:path w="6350000" h="5499100">
-                  <a:moveTo>
-                    <a:pt x="0" y="5499100"/>
-                  </a:moveTo>
-                  <a:lnTo>
-                    <a:pt x="3175000" y="0"/>
-                  </a:lnTo>
-                  <a:lnTo>
-                    <a:pt x="6350000" y="5499100"/>
-                  </a:lnTo>
-                  <a:close/>
-                </a:path>
-              </a:pathLst>
-            </a:custGeom>
-            <a:solidFill>
-              <a:srgbClr val="3D3935"/>
-            </a:solidFill>
-          </p:spPr>
-        </p:sp>
-      </p:grpSp>
-      <p:sp>
-        <p:nvSpPr>
-          <p:cNvPr id="6" name="AutoShape 6"/>
-          <p:cNvSpPr/>
-          <p:nvPr/>
-        </p:nvSpPr>
-        <p:spPr>
-          <a:xfrm>
-            <a:off x="9144000" y="2143604"/>
-            <a:ext cx="9466400" cy="56192"/>
-          </a:xfrm>
-          <a:prstGeom prst="rect">
-            <a:avLst/>
-          </a:prstGeom>
-          <a:solidFill>
-            <a:srgbClr val="000000"/>
-          </a:solidFill>
-        </p:spPr>
-      </p:sp>
-      <p:pic>
-        <p:nvPicPr>
-          <p:cNvPr id="7" name="Picture 7"/>
-          <p:cNvPicPr>
-            <a:picLocks noChangeAspect="1"/>
-          </p:cNvPicPr>
-          <p:nvPr/>
-        </p:nvPicPr>
-        <p:blipFill>
-          <a:blip r:embed="rId3"/>
-          <a:srcRect/>
-          <a:stretch>
-            <a:fillRect/>
-          </a:stretch>
-        </p:blipFill>
-        <p:spPr>
-          <a:xfrm>
-            <a:off x="16100583" y="9258300"/>
-            <a:ext cx="2005783" cy="1470490"/>
-          </a:xfrm>
-          <a:prstGeom prst="rect">
-            <a:avLst/>
-          </a:prstGeom>
-        </p:spPr>
-      </p:pic>
-      <p:sp>
-        <p:nvSpPr>
-          <p:cNvPr id="8" name="TextBox 8"/>
-          <p:cNvSpPr txBox="1"/>
-          <p:nvPr/>
-        </p:nvSpPr>
-        <p:spPr>
-          <a:xfrm>
-            <a:off x="1028700" y="1028700"/>
-            <a:ext cx="7567947" cy="2308324"/>
-          </a:xfrm>
-          <a:prstGeom prst="rect">
-            <a:avLst/>
-          </a:prstGeom>
-        </p:spPr>
-        <p:txBody>
-          <a:bodyPr lIns="0" tIns="0" rIns="0" bIns="0" rtlCol="0" anchor="t">
-            <a:spAutoFit/>
-          </a:bodyPr>
-          <a:lstStyle/>
-          <a:p>
-            <a:pPr>
-              <a:lnSpc>
-                <a:spcPts val="9000"/>
-              </a:lnSpc>
-            </a:pPr>
-            <a:r>
-              <a:rPr lang="en-US" sz="7500" spc="375" dirty="0">
-                <a:solidFill>
-                  <a:srgbClr val="000000"/>
-                </a:solidFill>
-                <a:latin typeface="League Spartan Bold"/>
-              </a:rPr>
-              <a:t>FOLLOWING ALONG</a:t>
-            </a:r>
-          </a:p>
-        </p:txBody>
-      </p:sp>
-      <p:sp>
-        <p:nvSpPr>
-          <p:cNvPr id="9" name="TextBox 9"/>
-          <p:cNvSpPr txBox="1"/>
-          <p:nvPr/>
-        </p:nvSpPr>
-        <p:spPr>
-          <a:xfrm rot="-5400000">
-            <a:off x="-1091624" y="7232974"/>
-            <a:ext cx="3650350" cy="400302"/>
-          </a:xfrm>
-          <a:prstGeom prst="rect">
-            <a:avLst/>
-          </a:prstGeom>
-        </p:spPr>
-        <p:txBody>
-          <a:bodyPr lIns="0" tIns="0" rIns="0" bIns="0" rtlCol="0" anchor="t">
-            <a:spAutoFit/>
-          </a:bodyPr>
-          <a:lstStyle/>
-          <a:p>
-            <a:pPr>
-              <a:lnSpc>
-                <a:spcPts val="3359"/>
-              </a:lnSpc>
-            </a:pPr>
-            <a:r>
-              <a:rPr lang="en-US" sz="2400" spc="192" dirty="0">
-                <a:solidFill>
-                  <a:srgbClr val="000000"/>
-                </a:solidFill>
-                <a:latin typeface="Gidole"/>
-              </a:rPr>
-              <a:t>Power Query PDQ!</a:t>
-            </a:r>
-          </a:p>
-        </p:txBody>
-      </p:sp>
-      <p:sp>
-        <p:nvSpPr>
-          <p:cNvPr id="10" name="TextBox 10"/>
-          <p:cNvSpPr txBox="1"/>
-          <p:nvPr/>
-        </p:nvSpPr>
-        <p:spPr>
-          <a:xfrm>
-            <a:off x="2112471" y="3337024"/>
-            <a:ext cx="6943162" cy="7355860"/>
-          </a:xfrm>
-          <a:prstGeom prst="rect">
-            <a:avLst/>
-          </a:prstGeom>
-        </p:spPr>
-        <p:txBody>
-          <a:bodyPr wrap="square" lIns="0" tIns="0" rIns="0" bIns="0" rtlCol="0" anchor="t">
-            <a:spAutoFit/>
-          </a:bodyPr>
-          <a:lstStyle/>
-          <a:p>
-            <a:r>
-              <a:rPr lang="en-US" sz="6600" spc="30" dirty="0">
-                <a:solidFill>
-                  <a:srgbClr val="000000"/>
-                </a:solidFill>
-                <a:latin typeface="Gidole"/>
-              </a:rPr>
-              <a:t>Download resources with link or QR code:</a:t>
-            </a:r>
-          </a:p>
-          <a:p>
-            <a:r>
-              <a:rPr lang="en-US" sz="8000" spc="30" dirty="0">
-                <a:solidFill>
-                  <a:srgbClr val="000000"/>
-                </a:solidFill>
-                <a:latin typeface="Gidole"/>
-                <a:hlinkClick r:id="rId4"/>
-              </a:rPr>
-              <a:t>https://swiy.co/pp-pdq</a:t>
-            </a:r>
-            <a:r>
-              <a:rPr lang="en-US" sz="8000" spc="30" dirty="0">
-                <a:solidFill>
-                  <a:srgbClr val="000000"/>
-                </a:solidFill>
-                <a:latin typeface="Gidole"/>
-              </a:rPr>
-              <a:t>  </a:t>
-            </a:r>
-            <a:endParaRPr lang="en-US" sz="6600" spc="30" dirty="0">
-              <a:solidFill>
-                <a:srgbClr val="000000"/>
-              </a:solidFill>
-              <a:latin typeface="Gidole"/>
-            </a:endParaRPr>
-          </a:p>
-          <a:p>
-            <a:endParaRPr lang="en-US" sz="6000" spc="30" dirty="0">
-              <a:solidFill>
-                <a:srgbClr val="000000"/>
-              </a:solidFill>
-              <a:latin typeface="Gidole"/>
-            </a:endParaRPr>
-          </a:p>
-          <a:p>
-            <a:endParaRPr lang="en-US" sz="6000" spc="30" dirty="0">
-              <a:solidFill>
-                <a:srgbClr val="000000"/>
-              </a:solidFill>
-              <a:latin typeface="Gidole"/>
-            </a:endParaRPr>
-          </a:p>
-        </p:txBody>
-      </p:sp>
-      <p:pic>
-        <p:nvPicPr>
-          <p:cNvPr id="13" name="Picture 12">
-            <a:extLst>
-              <a:ext uri="{FF2B5EF4-FFF2-40B4-BE49-F238E27FC236}">
-                <a16:creationId xmlns:a16="http://schemas.microsoft.com/office/drawing/2014/main" id="{6B2F4417-7B71-9FF4-9BC7-5B5367456973}"/>
-              </a:ext>
-            </a:extLst>
-          </p:cNvPr>
-          <p:cNvPicPr>
-            <a:picLocks noChangeAspect="1"/>
-          </p:cNvPicPr>
-          <p:nvPr/>
-        </p:nvPicPr>
-        <p:blipFill>
-          <a:blip r:embed="rId5"/>
-          <a:stretch>
-            <a:fillRect/>
-          </a:stretch>
-        </p:blipFill>
-        <p:spPr>
-          <a:xfrm>
-            <a:off x="10387650" y="2688959"/>
-            <a:ext cx="3653224" cy="3653224"/>
-          </a:xfrm>
-          <a:prstGeom prst="rect">
-            <a:avLst/>
-          </a:prstGeom>
-        </p:spPr>
-      </p:pic>
-    </p:spTree>
-    <p:extLst>
-      <p:ext uri="{BB962C8B-B14F-4D97-AF65-F5344CB8AC3E}">
-        <p14:creationId xmlns:p14="http://schemas.microsoft.com/office/powerpoint/2010/main" val="3926009965"/>
-      </p:ext>
-    </p:extLst>
-  </p:cSld>
-  <p:clrMapOvr>
-    <a:masterClrMapping/>
-  </p:clrMapOvr>
-</p:sld>
-</file>
-
-<file path=ppt/slides/slide5.xml><?xml version="1.0" encoding="utf-8"?>
-<p:sld xmlns:a="http://schemas.openxmlformats.org/drawingml/2006/main" xmlns:r="http://schemas.openxmlformats.org/officeDocument/2006/relationships" xmlns:p="http://schemas.openxmlformats.org/presentationml/2006/main">
-  <p:cSld>
-    <p:spTree>
-      <p:nvGrpSpPr>
-        <p:cNvPr id="1" name=""/>
-        <p:cNvGrpSpPr/>
-        <p:nvPr/>
-      </p:nvGrpSpPr>
-      <p:grpSpPr>
-        <a:xfrm>
-          <a:off x="0" y="0"/>
-          <a:ext cx="0" cy="0"/>
-          <a:chOff x="0" y="0"/>
-          <a:chExt cx="0" cy="0"/>
-        </a:xfrm>
-      </p:grpSpPr>
-      <p:sp>
-        <p:nvSpPr>
-          <p:cNvPr id="2" name="AutoShape 2"/>
-          <p:cNvSpPr/>
-          <p:nvPr/>
-        </p:nvSpPr>
-        <p:spPr>
-          <a:xfrm>
-            <a:off x="-225517" y="0"/>
-            <a:ext cx="18513517" cy="3466476"/>
-          </a:xfrm>
-          <a:prstGeom prst="rect">
-            <a:avLst/>
-          </a:prstGeom>
-          <a:solidFill>
-            <a:srgbClr val="3D3935"/>
-          </a:solidFill>
-        </p:spPr>
-      </p:sp>
-      <p:grpSp>
-        <p:nvGrpSpPr>
-          <p:cNvPr id="3" name="Group 3"/>
-          <p:cNvGrpSpPr/>
-          <p:nvPr/>
-        </p:nvGrpSpPr>
-        <p:grpSpPr>
-          <a:xfrm>
-            <a:off x="0" y="52709"/>
-            <a:ext cx="3419237" cy="3413767"/>
-            <a:chOff x="0" y="0"/>
-            <a:chExt cx="6350000" cy="6339840"/>
-          </a:xfrm>
-        </p:grpSpPr>
-        <p:sp>
-          <p:nvSpPr>
-            <p:cNvPr id="4" name="Freeform 4"/>
-            <p:cNvSpPr/>
-            <p:nvPr/>
-          </p:nvSpPr>
-          <p:spPr>
-            <a:xfrm>
-              <a:off x="0" y="0"/>
-              <a:ext cx="6350000" cy="6339840"/>
-            </a:xfrm>
-            <a:custGeom>
-              <a:avLst/>
-              <a:gdLst/>
-              <a:ahLst/>
-              <a:cxnLst/>
-              <a:rect l="l" t="t" r="r" b="b"/>
-              <a:pathLst>
-                <a:path w="6350000" h="6339840">
-                  <a:moveTo>
-                    <a:pt x="6350000" y="6339840"/>
-                  </a:moveTo>
-                  <a:lnTo>
-                    <a:pt x="0" y="6339840"/>
-                  </a:lnTo>
-                  <a:lnTo>
-                    <a:pt x="0" y="0"/>
-                  </a:lnTo>
-                  <a:close/>
-                </a:path>
-              </a:pathLst>
-            </a:custGeom>
-            <a:solidFill>
-              <a:srgbClr val="F2F0F4">
-                <a:alpha val="84705"/>
-              </a:srgbClr>
-            </a:solidFill>
-          </p:spPr>
-        </p:sp>
-      </p:grpSp>
-      <p:grpSp>
-        <p:nvGrpSpPr>
-          <p:cNvPr id="5" name="Group 5"/>
-          <p:cNvGrpSpPr/>
-          <p:nvPr/>
-        </p:nvGrpSpPr>
-        <p:grpSpPr>
-          <a:xfrm rot="-10800000">
-            <a:off x="-2110659" y="-189185"/>
-            <a:ext cx="4221318" cy="3655661"/>
-            <a:chOff x="0" y="0"/>
-            <a:chExt cx="6350000" cy="5499100"/>
-          </a:xfrm>
-        </p:grpSpPr>
-        <p:sp>
-          <p:nvSpPr>
-            <p:cNvPr id="6" name="Freeform 6"/>
-            <p:cNvSpPr/>
-            <p:nvPr/>
-          </p:nvSpPr>
-          <p:spPr>
-            <a:xfrm>
-              <a:off x="0" y="0"/>
-              <a:ext cx="6350000" cy="5499100"/>
-            </a:xfrm>
-            <a:custGeom>
-              <a:avLst/>
-              <a:gdLst/>
-              <a:ahLst/>
-              <a:cxnLst/>
-              <a:rect l="l" t="t" r="r" b="b"/>
-              <a:pathLst>
-                <a:path w="6350000" h="5499100">
-                  <a:moveTo>
-                    <a:pt x="0" y="5499100"/>
-                  </a:moveTo>
-                  <a:lnTo>
-                    <a:pt x="3175000" y="0"/>
-                  </a:lnTo>
-                  <a:lnTo>
-                    <a:pt x="6350000" y="5499100"/>
-                  </a:lnTo>
-                  <a:close/>
-                </a:path>
-              </a:pathLst>
-            </a:custGeom>
-            <a:solidFill>
-              <a:srgbClr val="CF3338"/>
-            </a:solidFill>
-          </p:spPr>
-        </p:sp>
-      </p:grpSp>
-      <p:sp>
-        <p:nvSpPr>
-          <p:cNvPr id="7" name="TextBox 7"/>
-          <p:cNvSpPr txBox="1"/>
-          <p:nvPr/>
-        </p:nvSpPr>
-        <p:spPr>
-          <a:xfrm>
-            <a:off x="2110659" y="435320"/>
-            <a:ext cx="15772737" cy="1095300"/>
-          </a:xfrm>
-          <a:prstGeom prst="rect">
-            <a:avLst/>
-          </a:prstGeom>
-        </p:spPr>
-        <p:txBody>
-          <a:bodyPr lIns="0" tIns="0" rIns="0" bIns="0" rtlCol="0" anchor="t">
-            <a:spAutoFit/>
-          </a:bodyPr>
-          <a:lstStyle/>
-          <a:p>
-            <a:pPr algn="r">
-              <a:lnSpc>
-                <a:spcPts val="9100"/>
-              </a:lnSpc>
-            </a:pPr>
-            <a:r>
-              <a:rPr lang="en-US" sz="6500" b="1" spc="195" dirty="0">
-                <a:solidFill>
-                  <a:srgbClr val="F2F0F4"/>
-                </a:solidFill>
-                <a:latin typeface="League Spartan Italics"/>
-              </a:rPr>
-              <a:t>No more </a:t>
-            </a:r>
-            <a:r>
-              <a:rPr lang="en-US" sz="6500" b="1" spc="195" dirty="0" err="1">
-                <a:solidFill>
-                  <a:srgbClr val="F2F0F4"/>
-                </a:solidFill>
-                <a:latin typeface="League Spartan Italics"/>
-              </a:rPr>
-              <a:t>Frankentables</a:t>
-            </a:r>
-            <a:r>
-              <a:rPr lang="en-US" sz="6500" b="1" spc="195" dirty="0">
-                <a:solidFill>
-                  <a:srgbClr val="F2F0F4"/>
-                </a:solidFill>
-                <a:latin typeface="League Spartan Italics"/>
-              </a:rPr>
-              <a:t>!</a:t>
-            </a:r>
-          </a:p>
-        </p:txBody>
-      </p:sp>
-      <p:pic>
-        <p:nvPicPr>
-          <p:cNvPr id="8" name="Picture 8"/>
-          <p:cNvPicPr>
-            <a:picLocks noChangeAspect="1"/>
-          </p:cNvPicPr>
-          <p:nvPr/>
-        </p:nvPicPr>
-        <p:blipFill>
-          <a:blip r:embed="rId3"/>
-          <a:srcRect b="44190"/>
-          <a:stretch>
-            <a:fillRect/>
-          </a:stretch>
-        </p:blipFill>
-        <p:spPr>
-          <a:xfrm>
-            <a:off x="16095120" y="9265255"/>
-            <a:ext cx="2013122" cy="823680"/>
-          </a:xfrm>
-          <a:prstGeom prst="rect">
-            <a:avLst/>
-          </a:prstGeom>
-        </p:spPr>
-      </p:pic>
-      <p:sp>
-        <p:nvSpPr>
-          <p:cNvPr id="9" name="TextBox 8">
-            <a:extLst>
-              <a:ext uri="{FF2B5EF4-FFF2-40B4-BE49-F238E27FC236}">
-                <a16:creationId xmlns:a16="http://schemas.microsoft.com/office/drawing/2014/main" id="{70F8E36B-5389-41E7-BBDB-BE061BE6D012}"/>
-              </a:ext>
-            </a:extLst>
-          </p:cNvPr>
-          <p:cNvSpPr txBox="1"/>
-          <p:nvPr/>
-        </p:nvSpPr>
-        <p:spPr>
-          <a:xfrm>
-            <a:off x="228600" y="3848100"/>
-            <a:ext cx="11353800" cy="1200329"/>
-          </a:xfrm>
-          <a:prstGeom prst="rect">
-            <a:avLst/>
-          </a:prstGeom>
-          <a:noFill/>
-        </p:spPr>
-        <p:txBody>
-          <a:bodyPr wrap="square" rtlCol="0">
-            <a:spAutoFit/>
-          </a:bodyPr>
-          <a:lstStyle/>
-          <a:p>
-            <a:pPr marL="571500" indent="-571500">
-              <a:buFont typeface="Arial" panose="020B0604020202020204" pitchFamily="34" charset="0"/>
-              <a:buChar char="•"/>
-            </a:pPr>
-            <a:r>
-              <a:rPr lang="en-US" sz="3600" dirty="0">
-                <a:latin typeface="Gidole" panose="020B0604020202020204" charset="0"/>
-              </a:rPr>
-              <a:t>File: </a:t>
-            </a:r>
-            <a:r>
-              <a:rPr lang="en-US" sz="3600" dirty="0">
-                <a:latin typeface="Roboto Mono" pitchFamily="2" charset="0"/>
-                <a:ea typeface="Roboto Mono" pitchFamily="2" charset="0"/>
-              </a:rPr>
-              <a:t>nycflights13-pre-pp.xlsx</a:t>
-            </a:r>
-          </a:p>
-          <a:p>
-            <a:pPr marL="571500" indent="-571500">
-              <a:buFont typeface="Arial" panose="020B0604020202020204" pitchFamily="34" charset="0"/>
-              <a:buChar char="•"/>
-            </a:pPr>
-            <a:r>
-              <a:rPr lang="en-US" sz="3600" dirty="0">
-                <a:latin typeface="Gidole" panose="02000503000000000000" pitchFamily="50" charset="0"/>
-                <a:ea typeface="Roboto Mono" pitchFamily="2" charset="0"/>
-              </a:rPr>
-              <a:t>What is a better way </a:t>
-            </a:r>
-            <a:r>
-              <a:rPr lang="en-US" sz="3600">
-                <a:latin typeface="Gidole" panose="02000503000000000000" pitchFamily="50" charset="0"/>
-                <a:ea typeface="Roboto Mono" pitchFamily="2" charset="0"/>
-              </a:rPr>
-              <a:t>of creating a table?</a:t>
-            </a:r>
-            <a:endParaRPr lang="en-US" sz="3600" dirty="0">
-              <a:latin typeface="Gidole" panose="020B0604020202020204" charset="0"/>
-            </a:endParaRPr>
-          </a:p>
-        </p:txBody>
-      </p:sp>
-    </p:spTree>
-    <p:extLst>
-      <p:ext uri="{BB962C8B-B14F-4D97-AF65-F5344CB8AC3E}">
-        <p14:creationId xmlns:p14="http://schemas.microsoft.com/office/powerpoint/2010/main" val="3385359437"/>
-      </p:ext>
-    </p:extLst>
-  </p:cSld>
-  <p:clrMapOvr>
-    <a:masterClrMapping/>
-  </p:clrMapOvr>
-</p:sld>
-</file>
-
-<file path=ppt/slides/slide6.xml><?xml version="1.0" encoding="utf-8"?>
-<p:sld xmlns:a="http://schemas.openxmlformats.org/drawingml/2006/main" xmlns:r="http://schemas.openxmlformats.org/officeDocument/2006/relationships" xmlns:p="http://schemas.openxmlformats.org/presentationml/2006/main">
-  <p:cSld>
-    <p:spTree>
-      <p:nvGrpSpPr>
-        <p:cNvPr id="1" name=""/>
-        <p:cNvGrpSpPr/>
-        <p:nvPr/>
-      </p:nvGrpSpPr>
-      <p:grpSpPr>
-        <a:xfrm>
-          <a:off x="0" y="0"/>
-          <a:ext cx="0" cy="0"/>
-          <a:chOff x="0" y="0"/>
-          <a:chExt cx="0" cy="0"/>
-        </a:xfrm>
-      </p:grpSpPr>
-      <p:pic>
-        <p:nvPicPr>
-          <p:cNvPr id="8" name="Picture 8"/>
-          <p:cNvPicPr>
-            <a:picLocks noChangeAspect="1"/>
-          </p:cNvPicPr>
-          <p:nvPr/>
-        </p:nvPicPr>
-        <p:blipFill>
-          <a:blip r:embed="rId3"/>
-          <a:srcRect/>
-          <a:stretch>
-            <a:fillRect/>
-          </a:stretch>
-        </p:blipFill>
-        <p:spPr>
-          <a:xfrm>
-            <a:off x="16459200" y="-99077"/>
-            <a:ext cx="2005783" cy="1470490"/>
-          </a:xfrm>
-          <a:prstGeom prst="rect">
-            <a:avLst/>
-          </a:prstGeom>
-        </p:spPr>
-      </p:pic>
-      <p:sp>
-        <p:nvSpPr>
-          <p:cNvPr id="9" name="TextBox 9"/>
-          <p:cNvSpPr txBox="1"/>
-          <p:nvPr/>
-        </p:nvSpPr>
-        <p:spPr>
-          <a:xfrm>
-            <a:off x="838200" y="617118"/>
-            <a:ext cx="15631206" cy="1209818"/>
-          </a:xfrm>
-          <a:prstGeom prst="rect">
-            <a:avLst/>
-          </a:prstGeom>
-        </p:spPr>
-        <p:txBody>
-          <a:bodyPr wrap="square" lIns="0" tIns="0" rIns="0" bIns="0" rtlCol="0" anchor="t">
-            <a:spAutoFit/>
-          </a:bodyPr>
-          <a:lstStyle/>
-          <a:p>
-            <a:pPr>
-              <a:lnSpc>
-                <a:spcPts val="10080"/>
-              </a:lnSpc>
-              <a:spcBef>
-                <a:spcPct val="0"/>
-              </a:spcBef>
-            </a:pPr>
-            <a:r>
-              <a:rPr lang="en-US" sz="7200" dirty="0">
-                <a:solidFill>
-                  <a:srgbClr val="000000"/>
-                </a:solidFill>
-                <a:latin typeface="Open Sans Extra Bold"/>
-              </a:rPr>
-              <a:t>QUESTIONS?</a:t>
-            </a:r>
-          </a:p>
-        </p:txBody>
-      </p:sp>
-      <p:pic>
-        <p:nvPicPr>
-          <p:cNvPr id="5" name="Picture 6">
-            <a:extLst>
-              <a:ext uri="{FF2B5EF4-FFF2-40B4-BE49-F238E27FC236}">
-                <a16:creationId xmlns:a16="http://schemas.microsoft.com/office/drawing/2014/main" id="{01C401A0-8EBC-47CA-B2DE-F204DE6EEF54}"/>
-              </a:ext>
-            </a:extLst>
-          </p:cNvPr>
-          <p:cNvPicPr>
-            <a:picLocks noChangeAspect="1"/>
-          </p:cNvPicPr>
-          <p:nvPr/>
-        </p:nvPicPr>
-        <p:blipFill>
-          <a:blip r:embed="rId4"/>
-          <a:srcRect b="44190"/>
-          <a:stretch>
-            <a:fillRect/>
-          </a:stretch>
-        </p:blipFill>
-        <p:spPr>
-          <a:xfrm>
-            <a:off x="16095120" y="9265255"/>
-            <a:ext cx="2013122" cy="823680"/>
-          </a:xfrm>
-          <a:prstGeom prst="rect">
-            <a:avLst/>
-          </a:prstGeom>
-        </p:spPr>
-      </p:pic>
-    </p:spTree>
-    <p:extLst>
-      <p:ext uri="{BB962C8B-B14F-4D97-AF65-F5344CB8AC3E}">
-        <p14:creationId xmlns:p14="http://schemas.microsoft.com/office/powerpoint/2010/main" val="2269851195"/>
-      </p:ext>
-    </p:extLst>
-  </p:cSld>
-  <p:clrMapOvr>
-    <a:masterClrMapping/>
-  </p:clrMapOvr>
-</p:sld>
-</file>
-
-<file path=ppt/slides/slide7.xml><?xml version="1.0" encoding="utf-8"?>
-<p:sld xmlns:a="http://schemas.openxmlformats.org/drawingml/2006/main" xmlns:r="http://schemas.openxmlformats.org/officeDocument/2006/relationships" xmlns:p="http://schemas.openxmlformats.org/presentationml/2006/main">
-  <p:cSld>
-    <p:spTree>
-      <p:nvGrpSpPr>
-        <p:cNvPr id="1" name=""/>
-        <p:cNvGrpSpPr/>
-        <p:nvPr/>
-      </p:nvGrpSpPr>
-      <p:grpSpPr>
-        <a:xfrm>
-          <a:off x="0" y="0"/>
-          <a:ext cx="0" cy="0"/>
-          <a:chOff x="0" y="0"/>
-          <a:chExt cx="0" cy="0"/>
-        </a:xfrm>
-      </p:grpSpPr>
-      <p:pic>
-        <p:nvPicPr>
-          <p:cNvPr id="8" name="Picture 8"/>
-          <p:cNvPicPr>
-            <a:picLocks noChangeAspect="1"/>
-          </p:cNvPicPr>
-          <p:nvPr/>
-        </p:nvPicPr>
-        <p:blipFill>
-          <a:blip r:embed="rId3"/>
-          <a:srcRect/>
-          <a:stretch>
-            <a:fillRect/>
-          </a:stretch>
-        </p:blipFill>
-        <p:spPr>
-          <a:xfrm>
-            <a:off x="16459200" y="-99077"/>
-            <a:ext cx="2005783" cy="1470490"/>
-          </a:xfrm>
-          <a:prstGeom prst="rect">
-            <a:avLst/>
-          </a:prstGeom>
-        </p:spPr>
-      </p:pic>
-      <p:sp>
-        <p:nvSpPr>
-          <p:cNvPr id="9" name="TextBox 9"/>
-          <p:cNvSpPr txBox="1"/>
-          <p:nvPr/>
-        </p:nvSpPr>
-        <p:spPr>
-          <a:xfrm>
-            <a:off x="838200" y="617118"/>
-            <a:ext cx="15631206" cy="1209818"/>
-          </a:xfrm>
-          <a:prstGeom prst="rect">
-            <a:avLst/>
-          </a:prstGeom>
-        </p:spPr>
-        <p:txBody>
-          <a:bodyPr wrap="square" lIns="0" tIns="0" rIns="0" bIns="0" rtlCol="0" anchor="t">
-            <a:spAutoFit/>
-          </a:bodyPr>
-          <a:lstStyle/>
-          <a:p>
-            <a:pPr>
-              <a:lnSpc>
-                <a:spcPts val="10080"/>
-              </a:lnSpc>
-              <a:spcBef>
-                <a:spcPct val="0"/>
-              </a:spcBef>
-            </a:pPr>
-            <a:r>
-              <a:rPr lang="en-US" sz="7200" dirty="0">
-                <a:solidFill>
-                  <a:srgbClr val="000000"/>
-                </a:solidFill>
-                <a:latin typeface="Open Sans Extra Bold"/>
-              </a:rPr>
-              <a:t>DEMO: PROFILING DATA</a:t>
-            </a:r>
-          </a:p>
-        </p:txBody>
-      </p:sp>
-      <p:pic>
-        <p:nvPicPr>
-          <p:cNvPr id="5" name="Picture 6">
-            <a:extLst>
-              <a:ext uri="{FF2B5EF4-FFF2-40B4-BE49-F238E27FC236}">
-                <a16:creationId xmlns:a16="http://schemas.microsoft.com/office/drawing/2014/main" id="{01C401A0-8EBC-47CA-B2DE-F204DE6EEF54}"/>
-              </a:ext>
-            </a:extLst>
-          </p:cNvPr>
-          <p:cNvPicPr>
-            <a:picLocks noChangeAspect="1"/>
-          </p:cNvPicPr>
-          <p:nvPr/>
-        </p:nvPicPr>
-        <p:blipFill>
-          <a:blip r:embed="rId4"/>
-          <a:srcRect b="44190"/>
-          <a:stretch>
-            <a:fillRect/>
-          </a:stretch>
-        </p:blipFill>
-        <p:spPr>
-          <a:xfrm>
-            <a:off x="16095120" y="9265255"/>
-            <a:ext cx="2013122" cy="823680"/>
-          </a:xfrm>
-          <a:prstGeom prst="rect">
-            <a:avLst/>
-          </a:prstGeom>
-        </p:spPr>
-      </p:pic>
-      <p:sp>
-        <p:nvSpPr>
-          <p:cNvPr id="2" name="TextBox 1">
-            <a:extLst>
-              <a:ext uri="{FF2B5EF4-FFF2-40B4-BE49-F238E27FC236}">
-                <a16:creationId xmlns:a16="http://schemas.microsoft.com/office/drawing/2014/main" id="{DA7E4D39-AF17-46FE-A0C7-071D1DD526E8}"/>
-              </a:ext>
-            </a:extLst>
-          </p:cNvPr>
-          <p:cNvSpPr txBox="1"/>
-          <p:nvPr/>
-        </p:nvSpPr>
-        <p:spPr>
-          <a:xfrm>
-            <a:off x="857250" y="1943100"/>
-            <a:ext cx="12877800" cy="2554545"/>
-          </a:xfrm>
-          <a:prstGeom prst="rect">
-            <a:avLst/>
-          </a:prstGeom>
-          <a:noFill/>
-        </p:spPr>
-        <p:txBody>
-          <a:bodyPr wrap="square" rtlCol="0">
-            <a:spAutoFit/>
-          </a:bodyPr>
-          <a:lstStyle/>
-          <a:p>
-            <a:pPr marL="571500" indent="-571500">
-              <a:buFont typeface="Arial" panose="020B0604020202020204" pitchFamily="34" charset="0"/>
-              <a:buChar char="•"/>
-            </a:pPr>
-            <a:r>
-              <a:rPr lang="en-US" sz="4000" dirty="0">
-                <a:latin typeface="Gidole" panose="02000503000000000000" pitchFamily="50" charset="0"/>
-              </a:rPr>
-              <a:t>File: </a:t>
-            </a:r>
-            <a:r>
-              <a:rPr lang="en-US" sz="4000" dirty="0">
-                <a:latin typeface="Roboto Mono" pitchFamily="2" charset="0"/>
-                <a:ea typeface="Roboto Mono" pitchFamily="2" charset="0"/>
-              </a:rPr>
-              <a:t>star.xlsx</a:t>
-            </a:r>
-          </a:p>
-          <a:p>
-            <a:pPr marL="571500" indent="-571500">
-              <a:buFont typeface="Arial" panose="020B0604020202020204" pitchFamily="34" charset="0"/>
-              <a:buChar char="•"/>
-            </a:pPr>
-            <a:r>
-              <a:rPr lang="en-US" sz="4000" dirty="0">
-                <a:latin typeface="Gidole" panose="02000503000000000000" pitchFamily="50" charset="0"/>
-                <a:ea typeface="Roboto Mono" pitchFamily="2" charset="0"/>
-              </a:rPr>
-              <a:t>Load into Power Query</a:t>
-            </a:r>
-          </a:p>
-          <a:p>
-            <a:pPr marL="571500" indent="-571500">
-              <a:buFont typeface="Arial" panose="020B0604020202020204" pitchFamily="34" charset="0"/>
-              <a:buChar char="•"/>
-            </a:pPr>
-            <a:r>
-              <a:rPr lang="en-US" sz="4000" dirty="0">
-                <a:latin typeface="Gidole" panose="02000503000000000000" pitchFamily="50" charset="0"/>
-                <a:ea typeface="Roboto Mono" pitchFamily="2" charset="0"/>
-              </a:rPr>
-              <a:t>Explore via Data Preview</a:t>
-            </a:r>
-          </a:p>
-          <a:p>
-            <a:pPr marL="571500" indent="-571500">
-              <a:buFont typeface="Arial" panose="020B0604020202020204" pitchFamily="34" charset="0"/>
-              <a:buChar char="•"/>
-            </a:pPr>
-            <a:r>
-              <a:rPr lang="en-US" sz="4000" i="1" dirty="0">
-                <a:latin typeface="Gidole" panose="02000503000000000000" pitchFamily="50" charset="0"/>
-                <a:ea typeface="Roboto Mono" pitchFamily="2" charset="0"/>
-              </a:rPr>
-              <a:t>Refer to demo notes</a:t>
-            </a:r>
-          </a:p>
-        </p:txBody>
-      </p:sp>
-    </p:spTree>
-    <p:extLst>
-      <p:ext uri="{BB962C8B-B14F-4D97-AF65-F5344CB8AC3E}">
-        <p14:creationId xmlns:p14="http://schemas.microsoft.com/office/powerpoint/2010/main" val="1901009749"/>
-      </p:ext>
-    </p:extLst>
-  </p:cSld>
-  <p:clrMapOvr>
-    <a:masterClrMapping/>
-  </p:clrMapOvr>
-</p:sld>
-</file>
-
-<file path=ppt/slides/slide8.xml><?xml version="1.0" encoding="utf-8"?>
-<p:sld xmlns:a="http://schemas.openxmlformats.org/drawingml/2006/main" xmlns:r="http://schemas.openxmlformats.org/officeDocument/2006/relationships" xmlns:p="http://schemas.openxmlformats.org/presentationml/2006/main">
-  <p:cSld>
-    <p:spTree>
-      <p:nvGrpSpPr>
-        <p:cNvPr id="1" name=""/>
-        <p:cNvGrpSpPr/>
-        <p:nvPr/>
-      </p:nvGrpSpPr>
-      <p:grpSpPr>
-        <a:xfrm>
-          <a:off x="0" y="0"/>
-          <a:ext cx="0" cy="0"/>
-          <a:chOff x="0" y="0"/>
-          <a:chExt cx="0" cy="0"/>
-        </a:xfrm>
-      </p:grpSpPr>
-      <p:pic>
-        <p:nvPicPr>
-          <p:cNvPr id="8" name="Picture 8"/>
-          <p:cNvPicPr>
-            <a:picLocks noChangeAspect="1"/>
-          </p:cNvPicPr>
-          <p:nvPr/>
-        </p:nvPicPr>
-        <p:blipFill>
-          <a:blip r:embed="rId3"/>
-          <a:srcRect/>
-          <a:stretch>
-            <a:fillRect/>
-          </a:stretch>
-        </p:blipFill>
-        <p:spPr>
-          <a:xfrm>
-            <a:off x="16459200" y="-99077"/>
-            <a:ext cx="2005783" cy="1470490"/>
-          </a:xfrm>
-          <a:prstGeom prst="rect">
-            <a:avLst/>
-          </a:prstGeom>
-        </p:spPr>
-      </p:pic>
-      <p:sp>
-        <p:nvSpPr>
-          <p:cNvPr id="9" name="TextBox 9"/>
-          <p:cNvSpPr txBox="1"/>
-          <p:nvPr/>
-        </p:nvSpPr>
-        <p:spPr>
-          <a:xfrm>
-            <a:off x="838200" y="617118"/>
-            <a:ext cx="15631206" cy="1209818"/>
-          </a:xfrm>
-          <a:prstGeom prst="rect">
-            <a:avLst/>
-          </a:prstGeom>
-        </p:spPr>
-        <p:txBody>
-          <a:bodyPr wrap="square" lIns="0" tIns="0" rIns="0" bIns="0" rtlCol="0" anchor="t">
-            <a:spAutoFit/>
-          </a:bodyPr>
-          <a:lstStyle/>
-          <a:p>
-            <a:pPr>
-              <a:lnSpc>
-                <a:spcPts val="10080"/>
-              </a:lnSpc>
-              <a:spcBef>
-                <a:spcPct val="0"/>
-              </a:spcBef>
-            </a:pPr>
-            <a:r>
-              <a:rPr lang="en-US" sz="7200" dirty="0">
-                <a:solidFill>
-                  <a:srgbClr val="000000"/>
-                </a:solidFill>
-                <a:latin typeface="Open Sans Extra Bold"/>
-              </a:rPr>
-              <a:t>DEMO: MANIPULATING ROWS</a:t>
-            </a:r>
-          </a:p>
-        </p:txBody>
-      </p:sp>
-      <p:pic>
-        <p:nvPicPr>
-          <p:cNvPr id="5" name="Picture 6">
-            <a:extLst>
-              <a:ext uri="{FF2B5EF4-FFF2-40B4-BE49-F238E27FC236}">
-                <a16:creationId xmlns:a16="http://schemas.microsoft.com/office/drawing/2014/main" id="{01C401A0-8EBC-47CA-B2DE-F204DE6EEF54}"/>
-              </a:ext>
-            </a:extLst>
-          </p:cNvPr>
-          <p:cNvPicPr>
-            <a:picLocks noChangeAspect="1"/>
-          </p:cNvPicPr>
-          <p:nvPr/>
-        </p:nvPicPr>
-        <p:blipFill>
-          <a:blip r:embed="rId4"/>
-          <a:srcRect b="44190"/>
-          <a:stretch>
-            <a:fillRect/>
-          </a:stretch>
-        </p:blipFill>
-        <p:spPr>
-          <a:xfrm>
-            <a:off x="16095120" y="9265255"/>
-            <a:ext cx="2013122" cy="823680"/>
-          </a:xfrm>
-          <a:prstGeom prst="rect">
-            <a:avLst/>
-          </a:prstGeom>
-        </p:spPr>
-      </p:pic>
-      <p:sp>
-        <p:nvSpPr>
-          <p:cNvPr id="2" name="TextBox 1">
-            <a:extLst>
-              <a:ext uri="{FF2B5EF4-FFF2-40B4-BE49-F238E27FC236}">
-                <a16:creationId xmlns:a16="http://schemas.microsoft.com/office/drawing/2014/main" id="{DA7E4D39-AF17-46FE-A0C7-071D1DD526E8}"/>
-              </a:ext>
-            </a:extLst>
-          </p:cNvPr>
-          <p:cNvSpPr txBox="1"/>
-          <p:nvPr/>
-        </p:nvSpPr>
-        <p:spPr>
-          <a:xfrm>
-            <a:off x="857250" y="1943100"/>
-            <a:ext cx="12877800" cy="707886"/>
-          </a:xfrm>
-          <a:prstGeom prst="rect">
-            <a:avLst/>
-          </a:prstGeom>
-          <a:noFill/>
-        </p:spPr>
-        <p:txBody>
-          <a:bodyPr wrap="square" rtlCol="0">
-            <a:spAutoFit/>
-          </a:bodyPr>
-          <a:lstStyle/>
-          <a:p>
-            <a:pPr marL="571500" indent="-571500">
-              <a:buFont typeface="Arial" panose="020B0604020202020204" pitchFamily="34" charset="0"/>
-              <a:buChar char="•"/>
-            </a:pPr>
-            <a:r>
-              <a:rPr lang="en-US" sz="4000" dirty="0">
-                <a:latin typeface="Gidole" panose="02000503000000000000" pitchFamily="50" charset="0"/>
-              </a:rPr>
-              <a:t>File: </a:t>
-            </a:r>
-            <a:r>
-              <a:rPr lang="en-US" sz="4000" dirty="0">
-                <a:latin typeface="Roboto Mono" pitchFamily="2" charset="0"/>
-                <a:ea typeface="Roboto Mono" pitchFamily="2" charset="0"/>
-              </a:rPr>
-              <a:t>office-rsvps.xlsx</a:t>
-            </a:r>
-          </a:p>
-        </p:txBody>
-      </p:sp>
-    </p:spTree>
-    <p:extLst>
-      <p:ext uri="{BB962C8B-B14F-4D97-AF65-F5344CB8AC3E}">
-        <p14:creationId xmlns:p14="http://schemas.microsoft.com/office/powerpoint/2010/main" val="737950228"/>
-      </p:ext>
-    </p:extLst>
-  </p:cSld>
-  <p:clrMapOvr>
-    <a:masterClrMapping/>
-  </p:clrMapOvr>
-</p:sld>
-</file>
-
-<file path=ppt/slides/slide9.xml><?xml version="1.0" encoding="utf-8"?>
-<p:sld xmlns:a="http://schemas.openxmlformats.org/drawingml/2006/main" xmlns:r="http://schemas.openxmlformats.org/officeDocument/2006/relationships" xmlns:p="http://schemas.openxmlformats.org/presentationml/2006/main">
-  <p:cSld>
-    <p:spTree>
-      <p:nvGrpSpPr>
-        <p:cNvPr id="1" name=""/>
-        <p:cNvGrpSpPr/>
-        <p:nvPr/>
-      </p:nvGrpSpPr>
-      <p:grpSpPr>
-        <a:xfrm>
-          <a:off x="0" y="0"/>
-          <a:ext cx="0" cy="0"/>
-          <a:chOff x="0" y="0"/>
-          <a:chExt cx="0" cy="0"/>
-        </a:xfrm>
-      </p:grpSpPr>
-      <p:sp>
-        <p:nvSpPr>
-          <p:cNvPr id="2" name="AutoShape 2"/>
-          <p:cNvSpPr/>
-          <p:nvPr/>
-        </p:nvSpPr>
-        <p:spPr>
-          <a:xfrm>
-            <a:off x="0" y="-56390"/>
-            <a:ext cx="10283741" cy="10399781"/>
-          </a:xfrm>
-          <a:prstGeom prst="rect">
-            <a:avLst/>
-          </a:prstGeom>
-          <a:solidFill>
-            <a:srgbClr val="CF3338"/>
-          </a:solidFill>
-        </p:spPr>
-      </p:sp>
-      <p:grpSp>
-        <p:nvGrpSpPr>
-          <p:cNvPr id="3" name="Group 3"/>
-          <p:cNvGrpSpPr/>
-          <p:nvPr/>
-        </p:nvGrpSpPr>
-        <p:grpSpPr>
-          <a:xfrm rot="5400000">
-            <a:off x="9957" y="-9957"/>
-            <a:ext cx="10263828" cy="10283741"/>
-            <a:chOff x="0" y="0"/>
-            <a:chExt cx="6350000" cy="6339840"/>
-          </a:xfrm>
-        </p:grpSpPr>
-        <p:sp>
-          <p:nvSpPr>
-            <p:cNvPr id="4" name="Freeform 4"/>
-            <p:cNvSpPr/>
-            <p:nvPr/>
-          </p:nvSpPr>
-          <p:spPr>
-            <a:xfrm>
-              <a:off x="0" y="0"/>
-              <a:ext cx="6350000" cy="6339840"/>
-            </a:xfrm>
-            <a:custGeom>
-              <a:avLst/>
-              <a:gdLst/>
-              <a:ahLst/>
-              <a:cxnLst/>
-              <a:rect l="l" t="t" r="r" b="b"/>
-              <a:pathLst>
-                <a:path w="6350000" h="6339840">
-                  <a:moveTo>
-                    <a:pt x="6350000" y="6339840"/>
-                  </a:moveTo>
-                  <a:lnTo>
-                    <a:pt x="0" y="6339840"/>
-                  </a:lnTo>
-                  <a:lnTo>
-                    <a:pt x="0" y="0"/>
-                  </a:lnTo>
-                  <a:close/>
-                </a:path>
-              </a:pathLst>
-            </a:custGeom>
-            <a:solidFill>
-              <a:srgbClr val="3D3935">
-                <a:alpha val="19607"/>
-              </a:srgbClr>
-            </a:solidFill>
-          </p:spPr>
-        </p:sp>
-      </p:grpSp>
-      <p:sp>
-        <p:nvSpPr>
-          <p:cNvPr id="5" name="TextBox 5"/>
-          <p:cNvSpPr txBox="1"/>
-          <p:nvPr/>
-        </p:nvSpPr>
-        <p:spPr>
-          <a:xfrm>
-            <a:off x="1329711" y="2960593"/>
-            <a:ext cx="7624318" cy="1690784"/>
-          </a:xfrm>
-          <a:prstGeom prst="rect">
-            <a:avLst/>
-          </a:prstGeom>
-        </p:spPr>
-        <p:txBody>
-          <a:bodyPr lIns="0" tIns="0" rIns="0" bIns="0" rtlCol="0" anchor="t">
-            <a:spAutoFit/>
-          </a:bodyPr>
-          <a:lstStyle/>
-          <a:p>
-            <a:pPr marL="457200" indent="-457200">
-              <a:lnSpc>
-                <a:spcPts val="4522"/>
-              </a:lnSpc>
-              <a:buFont typeface="Arial" panose="020B0604020202020204" pitchFamily="34" charset="0"/>
-              <a:buChar char="•"/>
-            </a:pPr>
-            <a:r>
-              <a:rPr lang="en-US" sz="3400" spc="340" dirty="0">
-                <a:solidFill>
-                  <a:schemeClr val="bg1"/>
-                </a:solidFill>
-                <a:latin typeface="Gidole"/>
-              </a:rPr>
-              <a:t>Learn more and connect at </a:t>
-            </a:r>
-            <a:r>
-              <a:rPr lang="en-US" sz="3400" spc="340" dirty="0">
-                <a:solidFill>
-                  <a:schemeClr val="bg1"/>
-                </a:solidFill>
-                <a:latin typeface="Gidole"/>
-                <a:hlinkClick r:id="rId3">
-                  <a:extLst>
-                    <a:ext uri="{A12FA001-AC4F-418D-AE19-62706E023703}">
-                      <ahyp:hlinkClr xmlns:ahyp="http://schemas.microsoft.com/office/drawing/2018/hyperlinkcolor" val="tx"/>
-                    </a:ext>
-                  </a:extLst>
-                </a:hlinkClick>
-              </a:rPr>
-              <a:t>https://social.stringfestanalytics.com/pq-workshops </a:t>
-            </a:r>
-            <a:endParaRPr lang="en-US" sz="3400" spc="340" dirty="0">
-              <a:solidFill>
-                <a:schemeClr val="bg1"/>
-              </a:solidFill>
-              <a:latin typeface="Gidole"/>
-            </a:endParaRPr>
-          </a:p>
-        </p:txBody>
-      </p:sp>
-      <p:sp>
-        <p:nvSpPr>
-          <p:cNvPr id="6" name="TextBox 6"/>
-          <p:cNvSpPr txBox="1"/>
-          <p:nvPr/>
-        </p:nvSpPr>
-        <p:spPr>
-          <a:xfrm rot="5400000">
-            <a:off x="15031804" y="6973654"/>
-            <a:ext cx="3734903" cy="834390"/>
-          </a:xfrm>
-          <a:prstGeom prst="rect">
-            <a:avLst/>
-          </a:prstGeom>
-        </p:spPr>
-        <p:txBody>
-          <a:bodyPr lIns="0" tIns="0" rIns="0" bIns="0" rtlCol="0" anchor="t">
-            <a:spAutoFit/>
-          </a:bodyPr>
-          <a:lstStyle/>
-          <a:p>
-            <a:pPr algn="r">
-              <a:lnSpc>
-                <a:spcPts val="3359"/>
-              </a:lnSpc>
-            </a:pPr>
-            <a:r>
-              <a:rPr lang="en-US" sz="2400" spc="192">
-                <a:solidFill>
-                  <a:srgbClr val="F2F0F4"/>
-                </a:solidFill>
-                <a:latin typeface="Gidole"/>
-              </a:rPr>
-              <a:t>Human Centered Design • MDLS 2020</a:t>
-            </a:r>
-          </a:p>
-        </p:txBody>
-      </p:sp>
-      <p:pic>
-        <p:nvPicPr>
-          <p:cNvPr id="7" name="Picture 7"/>
-          <p:cNvPicPr>
-            <a:picLocks noChangeAspect="1"/>
-          </p:cNvPicPr>
-          <p:nvPr/>
-        </p:nvPicPr>
-        <p:blipFill>
-          <a:blip r:embed="rId4"/>
-          <a:srcRect/>
-          <a:stretch>
-            <a:fillRect/>
-          </a:stretch>
-        </p:blipFill>
-        <p:spPr>
-          <a:xfrm>
-            <a:off x="16100583" y="9258300"/>
-            <a:ext cx="2005783" cy="1470490"/>
-          </a:xfrm>
-          <a:prstGeom prst="rect">
-            <a:avLst/>
-          </a:prstGeom>
-        </p:spPr>
-      </p:pic>
-      <p:sp>
-        <p:nvSpPr>
-          <p:cNvPr id="9" name="TextBox 9"/>
-          <p:cNvSpPr txBox="1"/>
-          <p:nvPr/>
-        </p:nvSpPr>
-        <p:spPr>
-          <a:xfrm>
-            <a:off x="657572" y="942975"/>
-            <a:ext cx="8486428" cy="1485663"/>
-          </a:xfrm>
-          <a:prstGeom prst="rect">
-            <a:avLst/>
-          </a:prstGeom>
-        </p:spPr>
-        <p:txBody>
-          <a:bodyPr lIns="0" tIns="0" rIns="0" bIns="0" rtlCol="0" anchor="t">
-            <a:spAutoFit/>
-          </a:bodyPr>
-          <a:lstStyle/>
-          <a:p>
-            <a:pPr>
-              <a:lnSpc>
-                <a:spcPts val="5880"/>
-              </a:lnSpc>
-              <a:spcBef>
-                <a:spcPct val="0"/>
-              </a:spcBef>
-            </a:pPr>
-            <a:r>
-              <a:rPr lang="en-US" sz="4200" dirty="0">
-                <a:solidFill>
-                  <a:srgbClr val="FFFFFF"/>
-                </a:solidFill>
-                <a:latin typeface="League Spartan"/>
-              </a:rPr>
-              <a:t>Power Query corporate training</a:t>
-            </a:r>
-          </a:p>
-        </p:txBody>
-      </p:sp>
-      <p:pic>
-        <p:nvPicPr>
-          <p:cNvPr id="10" name="Picture 9" descr="Text&#10;&#10;Description automatically generated">
-            <a:extLst>
-              <a:ext uri="{FF2B5EF4-FFF2-40B4-BE49-F238E27FC236}">
-                <a16:creationId xmlns:a16="http://schemas.microsoft.com/office/drawing/2014/main" id="{E63B4FF6-BF88-4463-8657-7F5CDE66BB1D}"/>
-              </a:ext>
-            </a:extLst>
-          </p:cNvPr>
-          <p:cNvPicPr>
-            <a:picLocks noChangeAspect="1"/>
-          </p:cNvPicPr>
-          <p:nvPr/>
-        </p:nvPicPr>
-        <p:blipFill>
-          <a:blip r:embed="rId5" cstate="print">
-            <a:extLst>
-              <a:ext uri="{28A0092B-C50C-407E-A947-70E740481C1C}">
-                <a14:useLocalDpi xmlns:a14="http://schemas.microsoft.com/office/drawing/2010/main" val="0"/>
-              </a:ext>
-            </a:extLst>
-          </a:blip>
-          <a:stretch>
-            <a:fillRect/>
-          </a:stretch>
-        </p:blipFill>
-        <p:spPr>
-          <a:xfrm>
-            <a:off x="11094686" y="752926"/>
-            <a:ext cx="6336807" cy="8200574"/>
-          </a:xfrm>
-          <a:prstGeom prst="rect">
-            <a:avLst/>
-          </a:prstGeom>
-        </p:spPr>
-      </p:pic>
-      <p:pic>
-        <p:nvPicPr>
-          <p:cNvPr id="11" name="Picture 10" descr="Qr code&#10;&#10;Description automatically generated">
-            <a:extLst>
-              <a:ext uri="{FF2B5EF4-FFF2-40B4-BE49-F238E27FC236}">
-                <a16:creationId xmlns:a16="http://schemas.microsoft.com/office/drawing/2014/main" id="{745137F5-7D9B-7863-8E4A-8A625B048E74}"/>
-              </a:ext>
-            </a:extLst>
-          </p:cNvPr>
-          <p:cNvPicPr>
-            <a:picLocks noChangeAspect="1"/>
-          </p:cNvPicPr>
-          <p:nvPr/>
-        </p:nvPicPr>
-        <p:blipFill>
-          <a:blip r:embed="rId6" cstate="print">
-            <a:extLst>
-              <a:ext uri="{28A0092B-C50C-407E-A947-70E740481C1C}">
-                <a14:useLocalDpi xmlns:a14="http://schemas.microsoft.com/office/drawing/2010/main" val="0"/>
-              </a:ext>
-            </a:extLst>
-          </a:blip>
-          <a:stretch>
-            <a:fillRect/>
-          </a:stretch>
-        </p:blipFill>
-        <p:spPr>
-          <a:xfrm>
-            <a:off x="533400" y="6819900"/>
-            <a:ext cx="2895600" cy="2895600"/>
-          </a:xfrm>
-          <a:prstGeom prst="rect">
-            <a:avLst/>
-          </a:prstGeom>
-        </p:spPr>
-      </p:pic>
-    </p:spTree>
-    <p:extLst>
-      <p:ext uri="{BB962C8B-B14F-4D97-AF65-F5344CB8AC3E}">
-        <p14:creationId xmlns:p14="http://schemas.microsoft.com/office/powerpoint/2010/main" val="3987180466"/>
       </p:ext>
     </p:extLst>
   </p:cSld>

--- a/pp-pdq.pptx
+++ b/pp-pdq.pptx
@@ -5,7 +5,7 @@
     <p:sldMasterId id="2147483648" r:id="rId1"/>
   </p:sldMasterIdLst>
   <p:notesMasterIdLst>
-    <p:notesMasterId r:id="rId12"/>
+    <p:notesMasterId r:id="rId13"/>
   </p:notesMasterIdLst>
   <p:sldIdLst>
     <p:sldId id="256" r:id="rId2"/>
@@ -16,40 +16,41 @@
     <p:sldId id="365" r:id="rId7"/>
     <p:sldId id="405" r:id="rId8"/>
     <p:sldId id="390" r:id="rId9"/>
-    <p:sldId id="400" r:id="rId10"/>
-    <p:sldId id="404" r:id="rId11"/>
+    <p:sldId id="414" r:id="rId10"/>
+    <p:sldId id="400" r:id="rId11"/>
+    <p:sldId id="404" r:id="rId12"/>
   </p:sldIdLst>
   <p:sldSz cx="18288000" cy="10287000"/>
   <p:notesSz cx="6858000" cy="9144000"/>
   <p:embeddedFontLst>
     <p:embeddedFont>
       <p:font typeface="Calibri" panose="020F0502020204030204" pitchFamily="34" charset="0"/>
-      <p:regular r:id="rId13"/>
-      <p:bold r:id="rId14"/>
-      <p:italic r:id="rId15"/>
-      <p:boldItalic r:id="rId16"/>
+      <p:regular r:id="rId14"/>
+      <p:bold r:id="rId15"/>
+      <p:italic r:id="rId16"/>
+      <p:boldItalic r:id="rId17"/>
     </p:embeddedFont>
     <p:embeddedFont>
       <p:font typeface="Consolas" panose="020B0609020204030204" pitchFamily="49" charset="0"/>
-      <p:regular r:id="rId17"/>
-      <p:bold r:id="rId18"/>
-      <p:italic r:id="rId19"/>
-      <p:boldItalic r:id="rId20"/>
+      <p:regular r:id="rId18"/>
+      <p:bold r:id="rId19"/>
+      <p:italic r:id="rId20"/>
+      <p:boldItalic r:id="rId21"/>
     </p:embeddedFont>
     <p:embeddedFont>
-      <p:font typeface="Gidole" panose="02000503000000000000" pitchFamily="2" charset="0"/>
-      <p:regular r:id="rId21"/>
+      <p:font typeface="Gidole" panose="020B0604020202020204" charset="0"/>
+      <p:regular r:id="rId22"/>
     </p:embeddedFont>
     <p:embeddedFont>
       <p:font typeface="Open Sans Extra Bold" panose="020B0604020202020204" charset="0"/>
-      <p:regular r:id="rId22"/>
+      <p:regular r:id="rId23"/>
     </p:embeddedFont>
     <p:embeddedFont>
-      <p:font typeface="Roboto Mono" pitchFamily="2" charset="0"/>
-      <p:regular r:id="rId23"/>
-      <p:bold r:id="rId24"/>
-      <p:italic r:id="rId25"/>
-      <p:boldItalic r:id="rId26"/>
+      <p:font typeface="Roboto Mono" panose="020B0604020202020204" charset="0"/>
+      <p:regular r:id="rId24"/>
+      <p:bold r:id="rId25"/>
+      <p:italic r:id="rId26"/>
+      <p:boldItalic r:id="rId27"/>
     </p:embeddedFont>
   </p:embeddedFontLst>
   <p:defaultTextStyle>
@@ -260,7 +261,7 @@
           <a:p>
             <a:fld id="{17A98A70-FA8C-4354-959C-C70678AC9BCF}" type="datetimeFigureOut">
               <a:rPr lang="en-US" smtClean="0"/>
-              <a:t>9/24/2022</a:t>
+              <a:t>11/8/2022</a:t>
             </a:fld>
             <a:endParaRPr lang="en-US"/>
           </a:p>
@@ -572,7 +573,7 @@
           <a:lstStyle/>
           <a:p>
             <a:r>
-              <a:rPr lang="en-US"/>
+              <a:rPr lang="en-US" dirty="0"/>
               <a:t>https://swiy.co/musopen</a:t>
             </a:r>
           </a:p>
@@ -660,7 +661,13 @@
           <a:p>
             <a:r>
               <a:rPr lang="en-US" dirty="0"/>
-              <a:t>Any questions on descriptive statistics? </a:t>
+              <a:t>I’m a data analyst give me data on how I did</a:t>
+            </a:r>
+          </a:p>
+          <a:p>
+            <a:r>
+              <a:rPr lang="en-US" dirty="0"/>
+              <a:t>Testimonials also VERY helpful. </a:t>
             </a:r>
           </a:p>
         </p:txBody>
@@ -683,6 +690,93 @@
             <a:fld id="{FFB500C5-13F7-48FC-8160-C29AECF6C602}" type="slidenum">
               <a:rPr lang="en-US" smtClean="0"/>
               <a:t>10</a:t>
+            </a:fld>
+            <a:endParaRPr lang="en-US"/>
+          </a:p>
+        </p:txBody>
+      </p:sp>
+    </p:spTree>
+    <p:extLst>
+      <p:ext uri="{BB962C8B-B14F-4D97-AF65-F5344CB8AC3E}">
+        <p14:creationId xmlns:p14="http://schemas.microsoft.com/office/powerpoint/2010/main" val="3125451817"/>
+      </p:ext>
+    </p:extLst>
+  </p:cSld>
+  <p:clrMapOvr>
+    <a:masterClrMapping/>
+  </p:clrMapOvr>
+</p:notes>
+</file>
+
+<file path=ppt/notesSlides/notesSlide11.xml><?xml version="1.0" encoding="utf-8"?>
+<p:notes xmlns:a="http://schemas.openxmlformats.org/drawingml/2006/main" xmlns:r="http://schemas.openxmlformats.org/officeDocument/2006/relationships" xmlns:p="http://schemas.openxmlformats.org/presentationml/2006/main">
+  <p:cSld>
+    <p:spTree>
+      <p:nvGrpSpPr>
+        <p:cNvPr id="1" name=""/>
+        <p:cNvGrpSpPr/>
+        <p:nvPr/>
+      </p:nvGrpSpPr>
+      <p:grpSpPr>
+        <a:xfrm>
+          <a:off x="0" y="0"/>
+          <a:ext cx="0" cy="0"/>
+          <a:chOff x="0" y="0"/>
+          <a:chExt cx="0" cy="0"/>
+        </a:xfrm>
+      </p:grpSpPr>
+      <p:sp>
+        <p:nvSpPr>
+          <p:cNvPr id="2" name="Slide Image Placeholder 1"/>
+          <p:cNvSpPr>
+            <a:spLocks noGrp="1" noRot="1" noChangeAspect="1"/>
+          </p:cNvSpPr>
+          <p:nvPr>
+            <p:ph type="sldImg"/>
+          </p:nvPr>
+        </p:nvSpPr>
+        <p:spPr/>
+      </p:sp>
+      <p:sp>
+        <p:nvSpPr>
+          <p:cNvPr id="3" name="Notes Placeholder 2"/>
+          <p:cNvSpPr>
+            <a:spLocks noGrp="1"/>
+          </p:cNvSpPr>
+          <p:nvPr>
+            <p:ph type="body" idx="1"/>
+          </p:nvPr>
+        </p:nvSpPr>
+        <p:spPr/>
+        <p:txBody>
+          <a:bodyPr/>
+          <a:lstStyle/>
+          <a:p>
+            <a:r>
+              <a:rPr lang="en-US" dirty="0"/>
+              <a:t>Any questions on descriptive statistics? </a:t>
+            </a:r>
+          </a:p>
+        </p:txBody>
+      </p:sp>
+      <p:sp>
+        <p:nvSpPr>
+          <p:cNvPr id="4" name="Slide Number Placeholder 3"/>
+          <p:cNvSpPr>
+            <a:spLocks noGrp="1"/>
+          </p:cNvSpPr>
+          <p:nvPr>
+            <p:ph type="sldNum" sz="quarter" idx="5"/>
+          </p:nvPr>
+        </p:nvSpPr>
+        <p:spPr/>
+        <p:txBody>
+          <a:bodyPr/>
+          <a:lstStyle/>
+          <a:p>
+            <a:fld id="{FFB500C5-13F7-48FC-8160-C29AECF6C602}" type="slidenum">
+              <a:rPr lang="en-US" smtClean="0"/>
+              <a:t>11</a:t>
             </a:fld>
             <a:endParaRPr lang="en-US"/>
           </a:p>
@@ -1371,13 +1465,7 @@
           <a:p>
             <a:r>
               <a:rPr lang="en-US" dirty="0"/>
-              <a:t>I’m a data analyst give me data on how I did</a:t>
-            </a:r>
-          </a:p>
-          <a:p>
-            <a:r>
-              <a:rPr lang="en-US" dirty="0"/>
-              <a:t>Testimonials also VERY helpful. </a:t>
+              <a:t>There’s also let and lambda</a:t>
             </a:r>
           </a:p>
         </p:txBody>
@@ -1408,7 +1496,7 @@
     </p:spTree>
     <p:extLst>
       <p:ext uri="{BB962C8B-B14F-4D97-AF65-F5344CB8AC3E}">
-        <p14:creationId xmlns:p14="http://schemas.microsoft.com/office/powerpoint/2010/main" val="3125451817"/>
+        <p14:creationId xmlns:p14="http://schemas.microsoft.com/office/powerpoint/2010/main" val="2457380505"/>
       </p:ext>
     </p:extLst>
   </p:cSld>
@@ -1598,7 +1686,7 @@
             <a:fld id="{1D8BD707-D9CF-40AE-B4C6-C98DA3205C09}" type="datetimeFigureOut">
               <a:rPr lang="en-US" smtClean="0"/>
               <a:pPr/>
-              <a:t>9/24/2022</a:t>
+              <a:t>11/8/2022</a:t>
             </a:fld>
             <a:endParaRPr lang="en-US"/>
           </a:p>
@@ -1763,7 +1851,7 @@
             <a:fld id="{1D8BD707-D9CF-40AE-B4C6-C98DA3205C09}" type="datetimeFigureOut">
               <a:rPr lang="en-US" smtClean="0"/>
               <a:pPr/>
-              <a:t>9/24/2022</a:t>
+              <a:t>11/8/2022</a:t>
             </a:fld>
             <a:endParaRPr lang="en-US"/>
           </a:p>
@@ -1938,7 +2026,7 @@
             <a:fld id="{1D8BD707-D9CF-40AE-B4C6-C98DA3205C09}" type="datetimeFigureOut">
               <a:rPr lang="en-US" smtClean="0"/>
               <a:pPr/>
-              <a:t>9/24/2022</a:t>
+              <a:t>11/8/2022</a:t>
             </a:fld>
             <a:endParaRPr lang="en-US"/>
           </a:p>
@@ -2103,7 +2191,7 @@
             <a:fld id="{1D8BD707-D9CF-40AE-B4C6-C98DA3205C09}" type="datetimeFigureOut">
               <a:rPr lang="en-US" smtClean="0"/>
               <a:pPr/>
-              <a:t>9/24/2022</a:t>
+              <a:t>11/8/2022</a:t>
             </a:fld>
             <a:endParaRPr lang="en-US"/>
           </a:p>
@@ -2345,7 +2433,7 @@
             <a:fld id="{1D8BD707-D9CF-40AE-B4C6-C98DA3205C09}" type="datetimeFigureOut">
               <a:rPr lang="en-US" smtClean="0"/>
               <a:pPr/>
-              <a:t>9/24/2022</a:t>
+              <a:t>11/8/2022</a:t>
             </a:fld>
             <a:endParaRPr lang="en-US"/>
           </a:p>
@@ -2627,7 +2715,7 @@
             <a:fld id="{1D8BD707-D9CF-40AE-B4C6-C98DA3205C09}" type="datetimeFigureOut">
               <a:rPr lang="en-US" smtClean="0"/>
               <a:pPr/>
-              <a:t>9/24/2022</a:t>
+              <a:t>11/8/2022</a:t>
             </a:fld>
             <a:endParaRPr lang="en-US"/>
           </a:p>
@@ -3043,7 +3131,7 @@
             <a:fld id="{1D8BD707-D9CF-40AE-B4C6-C98DA3205C09}" type="datetimeFigureOut">
               <a:rPr lang="en-US" smtClean="0"/>
               <a:pPr/>
-              <a:t>9/24/2022</a:t>
+              <a:t>11/8/2022</a:t>
             </a:fld>
             <a:endParaRPr lang="en-US"/>
           </a:p>
@@ -3157,7 +3245,7 @@
             <a:fld id="{1D8BD707-D9CF-40AE-B4C6-C98DA3205C09}" type="datetimeFigureOut">
               <a:rPr lang="en-US" smtClean="0"/>
               <a:pPr/>
-              <a:t>9/24/2022</a:t>
+              <a:t>11/8/2022</a:t>
             </a:fld>
             <a:endParaRPr lang="en-US"/>
           </a:p>
@@ -3249,7 +3337,7 @@
             <a:fld id="{1D8BD707-D9CF-40AE-B4C6-C98DA3205C09}" type="datetimeFigureOut">
               <a:rPr lang="en-US" smtClean="0"/>
               <a:pPr/>
-              <a:t>9/24/2022</a:t>
+              <a:t>11/8/2022</a:t>
             </a:fld>
             <a:endParaRPr lang="en-US"/>
           </a:p>
@@ -3521,7 +3609,7 @@
             <a:fld id="{1D8BD707-D9CF-40AE-B4C6-C98DA3205C09}" type="datetimeFigureOut">
               <a:rPr lang="en-US" smtClean="0"/>
               <a:pPr/>
-              <a:t>9/24/2022</a:t>
+              <a:t>11/8/2022</a:t>
             </a:fld>
             <a:endParaRPr lang="en-US"/>
           </a:p>
@@ -3770,7 +3858,7 @@
             <a:fld id="{1D8BD707-D9CF-40AE-B4C6-C98DA3205C09}" type="datetimeFigureOut">
               <a:rPr lang="en-US" smtClean="0"/>
               <a:pPr/>
-              <a:t>9/24/2022</a:t>
+              <a:t>11/8/2022</a:t>
             </a:fld>
             <a:endParaRPr lang="en-US"/>
           </a:p>
@@ -3983,7 +4071,7 @@
             <a:fld id="{1D8BD707-D9CF-40AE-B4C6-C98DA3205C09}" type="datetimeFigureOut">
               <a:rPr lang="en-US" smtClean="0"/>
               <a:pPr/>
-              <a:t>9/24/2022</a:t>
+              <a:t>11/8/2022</a:t>
             </a:fld>
             <a:endParaRPr lang="en-US"/>
           </a:p>
@@ -4476,6 +4564,230 @@
                 </a:solidFill>
                 <a:latin typeface="Open Sans Extra Bold"/>
               </a:rPr>
+              <a:t>TAKE THE SURVEY</a:t>
+            </a:r>
+          </a:p>
+        </p:txBody>
+      </p:sp>
+      <p:pic>
+        <p:nvPicPr>
+          <p:cNvPr id="5" name="Picture 6">
+            <a:extLst>
+              <a:ext uri="{FF2B5EF4-FFF2-40B4-BE49-F238E27FC236}">
+                <a16:creationId xmlns:a16="http://schemas.microsoft.com/office/drawing/2014/main" id="{01C401A0-8EBC-47CA-B2DE-F204DE6EEF54}"/>
+              </a:ext>
+            </a:extLst>
+          </p:cNvPr>
+          <p:cNvPicPr>
+            <a:picLocks noChangeAspect="1"/>
+          </p:cNvPicPr>
+          <p:nvPr/>
+        </p:nvPicPr>
+        <p:blipFill>
+          <a:blip r:embed="rId4"/>
+          <a:srcRect b="44190"/>
+          <a:stretch>
+            <a:fillRect/>
+          </a:stretch>
+        </p:blipFill>
+        <p:spPr>
+          <a:xfrm>
+            <a:off x="16095120" y="9265255"/>
+            <a:ext cx="2013122" cy="823680"/>
+          </a:xfrm>
+          <a:prstGeom prst="rect">
+            <a:avLst/>
+          </a:prstGeom>
+        </p:spPr>
+      </p:pic>
+      <p:sp>
+        <p:nvSpPr>
+          <p:cNvPr id="6" name="TextBox 5">
+            <a:extLst>
+              <a:ext uri="{FF2B5EF4-FFF2-40B4-BE49-F238E27FC236}">
+                <a16:creationId xmlns:a16="http://schemas.microsoft.com/office/drawing/2014/main" id="{B72B56F1-579F-4CEC-BF86-0455EEB5C6F1}"/>
+              </a:ext>
+            </a:extLst>
+          </p:cNvPr>
+          <p:cNvSpPr txBox="1"/>
+          <p:nvPr/>
+        </p:nvSpPr>
+        <p:spPr>
+          <a:xfrm>
+            <a:off x="857250" y="1943100"/>
+            <a:ext cx="8727030" cy="5232202"/>
+          </a:xfrm>
+          <a:prstGeom prst="rect">
+            <a:avLst/>
+          </a:prstGeom>
+          <a:noFill/>
+        </p:spPr>
+        <p:txBody>
+          <a:bodyPr wrap="square" rtlCol="0">
+            <a:spAutoFit/>
+          </a:bodyPr>
+          <a:lstStyle/>
+          <a:p>
+            <a:r>
+              <a:rPr lang="en-US" sz="4800" dirty="0">
+                <a:latin typeface="Gidole" panose="02000503000000000000" pitchFamily="2" charset="0"/>
+                <a:ea typeface="Roboto Mono" pitchFamily="2" charset="0"/>
+              </a:rPr>
+              <a:t>How did I do today? Testimonials or other data welcome!</a:t>
+            </a:r>
+          </a:p>
+          <a:p>
+            <a:endParaRPr lang="en-US" sz="4000" dirty="0">
+              <a:latin typeface="Gidole" panose="02000503000000000000" pitchFamily="2" charset="0"/>
+              <a:ea typeface="Roboto Mono" pitchFamily="2" charset="0"/>
+            </a:endParaRPr>
+          </a:p>
+          <a:p>
+            <a:r>
+              <a:rPr lang="en-US" sz="6600" dirty="0">
+                <a:latin typeface="Gidole" panose="02000503000000000000" pitchFamily="2" charset="0"/>
+                <a:ea typeface="Roboto Mono" pitchFamily="2" charset="0"/>
+                <a:hlinkClick r:id="rId5"/>
+              </a:rPr>
+              <a:t>https://social.stringfestanalytics.com/event-feedback</a:t>
+            </a:r>
+            <a:r>
+              <a:rPr lang="en-US" sz="6600" dirty="0">
+                <a:latin typeface="Gidole" panose="02000503000000000000" pitchFamily="2" charset="0"/>
+                <a:ea typeface="Roboto Mono" pitchFamily="2" charset="0"/>
+              </a:rPr>
+              <a:t>  </a:t>
+            </a:r>
+          </a:p>
+        </p:txBody>
+      </p:sp>
+      <p:pic>
+        <p:nvPicPr>
+          <p:cNvPr id="3" name="Picture 2" descr="Shape&#10;&#10;Description automatically generated with low confidence">
+            <a:extLst>
+              <a:ext uri="{FF2B5EF4-FFF2-40B4-BE49-F238E27FC236}">
+                <a16:creationId xmlns:a16="http://schemas.microsoft.com/office/drawing/2014/main" id="{42F3175D-B642-4C36-959D-6981F5B7F69C}"/>
+              </a:ext>
+            </a:extLst>
+          </p:cNvPr>
+          <p:cNvPicPr>
+            <a:picLocks noChangeAspect="1"/>
+          </p:cNvPicPr>
+          <p:nvPr/>
+        </p:nvPicPr>
+        <p:blipFill>
+          <a:blip r:embed="rId6">
+            <a:extLst>
+              <a:ext uri="{28A0092B-C50C-407E-A947-70E740481C1C}">
+                <a14:useLocalDpi xmlns:a14="http://schemas.microsoft.com/office/drawing/2010/main" val="0"/>
+              </a:ext>
+            </a:extLst>
+          </a:blip>
+          <a:stretch>
+            <a:fillRect/>
+          </a:stretch>
+        </p:blipFill>
+        <p:spPr>
+          <a:xfrm>
+            <a:off x="10210800" y="4836284"/>
+            <a:ext cx="5257800" cy="5257800"/>
+          </a:xfrm>
+          <a:prstGeom prst="rect">
+            <a:avLst/>
+          </a:prstGeom>
+        </p:spPr>
+      </p:pic>
+    </p:spTree>
+    <p:extLst>
+      <p:ext uri="{BB962C8B-B14F-4D97-AF65-F5344CB8AC3E}">
+        <p14:creationId xmlns:p14="http://schemas.microsoft.com/office/powerpoint/2010/main" val="3032095955"/>
+      </p:ext>
+    </p:extLst>
+  </p:cSld>
+  <p:clrMapOvr>
+    <a:masterClrMapping/>
+  </p:clrMapOvr>
+</p:sld>
+</file>
+
+<file path=ppt/slides/slide11.xml><?xml version="1.0" encoding="utf-8"?>
+<p:sld xmlns:a="http://schemas.openxmlformats.org/drawingml/2006/main" xmlns:r="http://schemas.openxmlformats.org/officeDocument/2006/relationships" xmlns:p="http://schemas.openxmlformats.org/presentationml/2006/main">
+  <p:cSld>
+    <p:spTree>
+      <p:nvGrpSpPr>
+        <p:cNvPr id="1" name=""/>
+        <p:cNvGrpSpPr/>
+        <p:nvPr/>
+      </p:nvGrpSpPr>
+      <p:grpSpPr>
+        <a:xfrm>
+          <a:off x="0" y="0"/>
+          <a:ext cx="0" cy="0"/>
+          <a:chOff x="0" y="0"/>
+          <a:chExt cx="0" cy="0"/>
+        </a:xfrm>
+      </p:grpSpPr>
+      <p:pic>
+        <p:nvPicPr>
+          <p:cNvPr id="8" name="Picture 8"/>
+          <p:cNvPicPr>
+            <a:picLocks noChangeAspect="1"/>
+          </p:cNvPicPr>
+          <p:nvPr/>
+        </p:nvPicPr>
+        <p:blipFill>
+          <a:blip r:embed="rId3"/>
+          <a:srcRect/>
+          <a:stretch>
+            <a:fillRect/>
+          </a:stretch>
+        </p:blipFill>
+        <p:spPr>
+          <a:xfrm>
+            <a:off x="16459200" y="-99077"/>
+            <a:ext cx="2005783" cy="1470490"/>
+          </a:xfrm>
+          <a:prstGeom prst="rect">
+            <a:avLst/>
+          </a:prstGeom>
+        </p:spPr>
+      </p:pic>
+      <p:sp>
+        <p:nvSpPr>
+          <p:cNvPr id="9" name="TextBox 9"/>
+          <p:cNvSpPr txBox="1"/>
+          <p:nvPr/>
+        </p:nvSpPr>
+        <p:spPr>
+          <a:xfrm>
+            <a:off x="838200" y="617118"/>
+            <a:ext cx="15631206" cy="1209818"/>
+          </a:xfrm>
+          <a:prstGeom prst="rect">
+            <a:avLst/>
+          </a:prstGeom>
+        </p:spPr>
+        <p:txBody>
+          <a:bodyPr wrap="square" lIns="0" tIns="0" rIns="0" bIns="0" rtlCol="0" anchor="t">
+            <a:spAutoFit/>
+          </a:bodyPr>
+          <a:lstStyle/>
+          <a:p>
+            <a:pPr>
+              <a:lnSpc>
+                <a:spcPts val="10080"/>
+              </a:lnSpc>
+              <a:spcBef>
+                <a:spcPct val="0"/>
+              </a:spcBef>
+            </a:pPr>
+            <a:r>
+              <a:rPr lang="en-US" sz="7200" dirty="0">
+                <a:solidFill>
+                  <a:srgbClr val="000000"/>
+                </a:solidFill>
+                <a:latin typeface="Open Sans Extra Bold"/>
+              </a:rPr>
               <a:t>FINAL QUESTIONS?</a:t>
             </a:r>
           </a:p>
@@ -6977,7 +7289,7 @@
                 </a:solidFill>
                 <a:latin typeface="Open Sans Extra Bold"/>
               </a:rPr>
-              <a:t>TAKE THE SURVEY</a:t>
+              <a:t>REFERRAL PROGRAM</a:t>
             </a:r>
           </a:p>
         </p:txBody>
@@ -7028,7 +7340,7 @@
         <p:spPr>
           <a:xfrm>
             <a:off x="857250" y="1943100"/>
-            <a:ext cx="8727030" cy="5232202"/>
+            <a:ext cx="12020550" cy="7478970"/>
           </a:xfrm>
           <a:prstGeom prst="rect">
             <a:avLst/>
@@ -7041,31 +7353,103 @@
           </a:bodyPr>
           <a:lstStyle/>
           <a:p>
+            <a:pPr marL="685800" indent="-685800">
+              <a:buFont typeface="Arial" panose="020B0604020202020204" pitchFamily="34" charset="0"/>
+              <a:buChar char="•"/>
+            </a:pPr>
             <a:r>
               <a:rPr lang="en-US" sz="4800" dirty="0">
                 <a:latin typeface="Gidole" panose="02000503000000000000" pitchFamily="2" charset="0"/>
                 <a:ea typeface="Roboto Mono" pitchFamily="2" charset="0"/>
               </a:rPr>
-              <a:t>How did I do today? Testimonials or other data welcome!</a:t>
-            </a:r>
-          </a:p>
-          <a:p>
-            <a:endParaRPr lang="en-US" sz="4000" dirty="0">
+              <a:t>Refer me to a training client &amp; get</a:t>
+            </a:r>
+          </a:p>
+          <a:p>
+            <a:pPr marL="1143000" lvl="1" indent="-685800">
+              <a:buFont typeface="Arial" panose="020B0604020202020204" pitchFamily="34" charset="0"/>
+              <a:buChar char="•"/>
+            </a:pPr>
+            <a:r>
+              <a:rPr lang="en-US" sz="4800" dirty="0">
+                <a:latin typeface="Gidole" panose="02000503000000000000" pitchFamily="2" charset="0"/>
+                <a:ea typeface="Roboto Mono" pitchFamily="2" charset="0"/>
+              </a:rPr>
+              <a:t>Two 45-minute coaching sessions</a:t>
+            </a:r>
+          </a:p>
+          <a:p>
+            <a:pPr marL="1143000" lvl="1" indent="-685800">
+              <a:buFont typeface="Arial" panose="020B0604020202020204" pitchFamily="34" charset="0"/>
+              <a:buChar char="•"/>
+            </a:pPr>
+            <a:r>
+              <a:rPr lang="en-US" sz="4800" dirty="0">
+                <a:latin typeface="Gidole" panose="02000503000000000000" pitchFamily="2" charset="0"/>
+                <a:ea typeface="Roboto Mono" pitchFamily="2" charset="0"/>
+              </a:rPr>
+              <a:t>Signed copy of </a:t>
+            </a:r>
+            <a:r>
+              <a:rPr lang="en-US" sz="4800" i="1" dirty="0">
+                <a:latin typeface="Gidole" panose="02000503000000000000" pitchFamily="2" charset="0"/>
+                <a:ea typeface="Roboto Mono" pitchFamily="2" charset="0"/>
+              </a:rPr>
+              <a:t>Advancing into Analytics</a:t>
+            </a:r>
+          </a:p>
+          <a:p>
+            <a:pPr marL="1143000" lvl="1" indent="-685800">
+              <a:buFont typeface="Arial" panose="020B0604020202020204" pitchFamily="34" charset="0"/>
+              <a:buChar char="•"/>
+            </a:pPr>
+            <a:r>
+              <a:rPr lang="en-US" sz="4800" dirty="0">
+                <a:latin typeface="Gidole" panose="02000503000000000000" pitchFamily="2" charset="0"/>
+                <a:ea typeface="Roboto Mono" pitchFamily="2" charset="0"/>
+              </a:rPr>
+              <a:t>Free access to my on-demand Power Query training course</a:t>
+            </a:r>
+          </a:p>
+          <a:p>
+            <a:pPr marL="1143000" lvl="1" indent="-685800">
+              <a:buFont typeface="Arial" panose="020B0604020202020204" pitchFamily="34" charset="0"/>
+              <a:buChar char="•"/>
+            </a:pPr>
+            <a:endParaRPr lang="en-US" sz="4800" dirty="0">
               <a:latin typeface="Gidole" panose="02000503000000000000" pitchFamily="2" charset="0"/>
               <a:ea typeface="Roboto Mono" pitchFamily="2" charset="0"/>
             </a:endParaRPr>
           </a:p>
           <a:p>
-            <a:r>
-              <a:rPr lang="en-US" sz="6600" dirty="0">
+            <a:pPr marL="1143000" lvl="1" indent="-685800">
+              <a:buFont typeface="Arial" panose="020B0604020202020204" pitchFamily="34" charset="0"/>
+              <a:buChar char="•"/>
+            </a:pPr>
+            <a:endParaRPr lang="en-US" sz="4800" dirty="0">
+              <a:latin typeface="Gidole" panose="02000503000000000000" pitchFamily="2" charset="0"/>
+              <a:ea typeface="Roboto Mono" pitchFamily="2" charset="0"/>
+            </a:endParaRPr>
+          </a:p>
+          <a:p>
+            <a:pPr lvl="1"/>
+            <a:r>
+              <a:rPr lang="en-US" sz="4800" dirty="0">
+                <a:latin typeface="Gidole" panose="02000503000000000000" pitchFamily="2" charset="0"/>
+                <a:ea typeface="Roboto Mono" pitchFamily="2" charset="0"/>
+              </a:rPr>
+              <a:t>Get in touch: </a:t>
+            </a:r>
+            <a:r>
+              <a:rPr lang="en-US" sz="4800" dirty="0">
                 <a:latin typeface="Gidole" panose="02000503000000000000" pitchFamily="2" charset="0"/>
                 <a:ea typeface="Roboto Mono" pitchFamily="2" charset="0"/>
                 <a:hlinkClick r:id="rId5"/>
               </a:rPr>
-              <a:t>https://social.stringfestanalytics.com/event-feedback</a:t>
-            </a:r>
-            <a:r>
-              <a:rPr lang="en-US" sz="6600" dirty="0">
+              <a:t>https://stringfestanalytics.com/client-referrals/</a:t>
+            </a:r>
+            <a:r>
+              <a:rPr lang="en-US" sz="4800" dirty="0">
                 <a:latin typeface="Gidole" panose="02000503000000000000" pitchFamily="2" charset="0"/>
                 <a:ea typeface="Roboto Mono" pitchFamily="2" charset="0"/>
               </a:rPr>
@@ -7074,46 +7458,10 @@
           </a:p>
         </p:txBody>
       </p:sp>
-      <p:pic>
-        <p:nvPicPr>
-          <p:cNvPr id="3" name="Picture 2" descr="Shape&#10;&#10;Description automatically generated with low confidence">
-            <a:extLst>
-              <a:ext uri="{FF2B5EF4-FFF2-40B4-BE49-F238E27FC236}">
-                <a16:creationId xmlns:a16="http://schemas.microsoft.com/office/drawing/2014/main" id="{42F3175D-B642-4C36-959D-6981F5B7F69C}"/>
-              </a:ext>
-            </a:extLst>
-          </p:cNvPr>
-          <p:cNvPicPr>
-            <a:picLocks noChangeAspect="1"/>
-          </p:cNvPicPr>
-          <p:nvPr/>
-        </p:nvPicPr>
-        <p:blipFill>
-          <a:blip r:embed="rId6">
-            <a:extLst>
-              <a:ext uri="{28A0092B-C50C-407E-A947-70E740481C1C}">
-                <a14:useLocalDpi xmlns:a14="http://schemas.microsoft.com/office/drawing/2010/main" val="0"/>
-              </a:ext>
-            </a:extLst>
-          </a:blip>
-          <a:stretch>
-            <a:fillRect/>
-          </a:stretch>
-        </p:blipFill>
-        <p:spPr>
-          <a:xfrm>
-            <a:off x="10210800" y="4836284"/>
-            <a:ext cx="5257800" cy="5257800"/>
-          </a:xfrm>
-          <a:prstGeom prst="rect">
-            <a:avLst/>
-          </a:prstGeom>
-        </p:spPr>
-      </p:pic>
     </p:spTree>
     <p:extLst>
       <p:ext uri="{BB962C8B-B14F-4D97-AF65-F5344CB8AC3E}">
-        <p14:creationId xmlns:p14="http://schemas.microsoft.com/office/powerpoint/2010/main" val="3032095955"/>
+        <p14:creationId xmlns:p14="http://schemas.microsoft.com/office/powerpoint/2010/main" val="2448359920"/>
       </p:ext>
     </p:extLst>
   </p:cSld>

--- a/pp-pdq.pptx
+++ b/pp-pdq.pptx
@@ -5,7 +5,7 @@
     <p:sldMasterId id="2147483648" r:id="rId1"/>
   </p:sldMasterIdLst>
   <p:notesMasterIdLst>
-    <p:notesMasterId r:id="rId13"/>
+    <p:notesMasterId r:id="rId14"/>
   </p:notesMasterIdLst>
   <p:sldIdLst>
     <p:sldId id="256" r:id="rId2"/>
@@ -13,44 +13,50 @@
     <p:sldId id="403" r:id="rId4"/>
     <p:sldId id="348" r:id="rId5"/>
     <p:sldId id="282" r:id="rId6"/>
-    <p:sldId id="365" r:id="rId7"/>
-    <p:sldId id="405" r:id="rId8"/>
-    <p:sldId id="390" r:id="rId9"/>
-    <p:sldId id="414" r:id="rId10"/>
-    <p:sldId id="400" r:id="rId11"/>
-    <p:sldId id="404" r:id="rId12"/>
+    <p:sldId id="415" r:id="rId7"/>
+    <p:sldId id="365" r:id="rId8"/>
+    <p:sldId id="405" r:id="rId9"/>
+    <p:sldId id="390" r:id="rId10"/>
+    <p:sldId id="414" r:id="rId11"/>
+    <p:sldId id="400" r:id="rId12"/>
+    <p:sldId id="404" r:id="rId13"/>
   </p:sldIdLst>
   <p:sldSz cx="18288000" cy="10287000"/>
   <p:notesSz cx="6858000" cy="9144000"/>
   <p:embeddedFontLst>
     <p:embeddedFont>
       <p:font typeface="Calibri" panose="020F0502020204030204" pitchFamily="34" charset="0"/>
-      <p:regular r:id="rId14"/>
-      <p:bold r:id="rId15"/>
-      <p:italic r:id="rId16"/>
-      <p:boldItalic r:id="rId17"/>
+      <p:regular r:id="rId15"/>
+      <p:bold r:id="rId16"/>
+      <p:italic r:id="rId17"/>
+      <p:boldItalic r:id="rId18"/>
     </p:embeddedFont>
     <p:embeddedFont>
       <p:font typeface="Consolas" panose="020B0609020204030204" pitchFamily="49" charset="0"/>
-      <p:regular r:id="rId18"/>
-      <p:bold r:id="rId19"/>
-      <p:italic r:id="rId20"/>
-      <p:boldItalic r:id="rId21"/>
+      <p:regular r:id="rId19"/>
+      <p:bold r:id="rId20"/>
+      <p:italic r:id="rId21"/>
+      <p:boldItalic r:id="rId22"/>
     </p:embeddedFont>
     <p:embeddedFont>
       <p:font typeface="Gidole" panose="020B0604020202020204" charset="0"/>
-      <p:regular r:id="rId22"/>
+      <p:regular r:id="rId23"/>
     </p:embeddedFont>
     <p:embeddedFont>
       <p:font typeface="Open Sans Extra Bold" panose="020B0604020202020204" charset="0"/>
-      <p:regular r:id="rId23"/>
+      <p:regular r:id="rId24"/>
     </p:embeddedFont>
     <p:embeddedFont>
-      <p:font typeface="Roboto Mono" panose="020B0604020202020204" charset="0"/>
-      <p:regular r:id="rId24"/>
-      <p:bold r:id="rId25"/>
-      <p:italic r:id="rId26"/>
-      <p:boldItalic r:id="rId27"/>
+      <p:font typeface="Roboto Mono" panose="00000009000000000000" pitchFamily="49" charset="0"/>
+      <p:regular r:id="rId25"/>
+      <p:bold r:id="rId26"/>
+      <p:italic r:id="rId27"/>
+      <p:boldItalic r:id="rId28"/>
+    </p:embeddedFont>
+    <p:embeddedFont>
+      <p:font typeface="Segoe UI Light" panose="020B0502040204020203" pitchFamily="34" charset="0"/>
+      <p:regular r:id="rId29"/>
+      <p:italic r:id="rId30"/>
     </p:embeddedFont>
   </p:embeddedFontLst>
   <p:defaultTextStyle>
@@ -261,7 +267,7 @@
           <a:p>
             <a:fld id="{17A98A70-FA8C-4354-959C-C70678AC9BCF}" type="datetimeFigureOut">
               <a:rPr lang="en-US" smtClean="0"/>
-              <a:t>11/8/2022</a:t>
+              <a:t>9/26/2023</a:t>
             </a:fld>
             <a:endParaRPr lang="en-US"/>
           </a:p>
@@ -661,13 +667,7 @@
           <a:p>
             <a:r>
               <a:rPr lang="en-US" dirty="0"/>
-              <a:t>I’m a data analyst give me data on how I did</a:t>
-            </a:r>
-          </a:p>
-          <a:p>
-            <a:r>
-              <a:rPr lang="en-US" dirty="0"/>
-              <a:t>Testimonials also VERY helpful. </a:t>
+              <a:t>There’s also let and lambda</a:t>
             </a:r>
           </a:p>
         </p:txBody>
@@ -698,7 +698,7 @@
     </p:spTree>
     <p:extLst>
       <p:ext uri="{BB962C8B-B14F-4D97-AF65-F5344CB8AC3E}">
-        <p14:creationId xmlns:p14="http://schemas.microsoft.com/office/powerpoint/2010/main" val="3125451817"/>
+        <p14:creationId xmlns:p14="http://schemas.microsoft.com/office/powerpoint/2010/main" val="2457380505"/>
       </p:ext>
     </p:extLst>
   </p:cSld>
@@ -754,7 +754,13 @@
           <a:p>
             <a:r>
               <a:rPr lang="en-US" dirty="0"/>
-              <a:t>Any questions on descriptive statistics? </a:t>
+              <a:t>I’m a data analyst give me data on how I did</a:t>
+            </a:r>
+          </a:p>
+          <a:p>
+            <a:r>
+              <a:rPr lang="en-US" dirty="0"/>
+              <a:t>Testimonials also VERY helpful. </a:t>
             </a:r>
           </a:p>
         </p:txBody>
@@ -777,6 +783,93 @@
             <a:fld id="{FFB500C5-13F7-48FC-8160-C29AECF6C602}" type="slidenum">
               <a:rPr lang="en-US" smtClean="0"/>
               <a:t>11</a:t>
+            </a:fld>
+            <a:endParaRPr lang="en-US"/>
+          </a:p>
+        </p:txBody>
+      </p:sp>
+    </p:spTree>
+    <p:extLst>
+      <p:ext uri="{BB962C8B-B14F-4D97-AF65-F5344CB8AC3E}">
+        <p14:creationId xmlns:p14="http://schemas.microsoft.com/office/powerpoint/2010/main" val="3125451817"/>
+      </p:ext>
+    </p:extLst>
+  </p:cSld>
+  <p:clrMapOvr>
+    <a:masterClrMapping/>
+  </p:clrMapOvr>
+</p:notes>
+</file>
+
+<file path=ppt/notesSlides/notesSlide12.xml><?xml version="1.0" encoding="utf-8"?>
+<p:notes xmlns:a="http://schemas.openxmlformats.org/drawingml/2006/main" xmlns:r="http://schemas.openxmlformats.org/officeDocument/2006/relationships" xmlns:p="http://schemas.openxmlformats.org/presentationml/2006/main">
+  <p:cSld>
+    <p:spTree>
+      <p:nvGrpSpPr>
+        <p:cNvPr id="1" name=""/>
+        <p:cNvGrpSpPr/>
+        <p:nvPr/>
+      </p:nvGrpSpPr>
+      <p:grpSpPr>
+        <a:xfrm>
+          <a:off x="0" y="0"/>
+          <a:ext cx="0" cy="0"/>
+          <a:chOff x="0" y="0"/>
+          <a:chExt cx="0" cy="0"/>
+        </a:xfrm>
+      </p:grpSpPr>
+      <p:sp>
+        <p:nvSpPr>
+          <p:cNvPr id="2" name="Slide Image Placeholder 1"/>
+          <p:cNvSpPr>
+            <a:spLocks noGrp="1" noRot="1" noChangeAspect="1"/>
+          </p:cNvSpPr>
+          <p:nvPr>
+            <p:ph type="sldImg"/>
+          </p:nvPr>
+        </p:nvSpPr>
+        <p:spPr/>
+      </p:sp>
+      <p:sp>
+        <p:nvSpPr>
+          <p:cNvPr id="3" name="Notes Placeholder 2"/>
+          <p:cNvSpPr>
+            <a:spLocks noGrp="1"/>
+          </p:cNvSpPr>
+          <p:nvPr>
+            <p:ph type="body" idx="1"/>
+          </p:nvPr>
+        </p:nvSpPr>
+        <p:spPr/>
+        <p:txBody>
+          <a:bodyPr/>
+          <a:lstStyle/>
+          <a:p>
+            <a:r>
+              <a:rPr lang="en-US" dirty="0"/>
+              <a:t>Any questions on descriptive statistics? </a:t>
+            </a:r>
+          </a:p>
+        </p:txBody>
+      </p:sp>
+      <p:sp>
+        <p:nvSpPr>
+          <p:cNvPr id="4" name="Slide Number Placeholder 3"/>
+          <p:cNvSpPr>
+            <a:spLocks noGrp="1"/>
+          </p:cNvSpPr>
+          <p:nvPr>
+            <p:ph type="sldNum" sz="quarter" idx="5"/>
+          </p:nvPr>
+        </p:nvSpPr>
+        <p:spPr/>
+        <p:txBody>
+          <a:bodyPr/>
+          <a:lstStyle/>
+          <a:p>
+            <a:fld id="{FFB500C5-13F7-48FC-8160-C29AECF6C602}" type="slidenum">
+              <a:rPr lang="en-US" smtClean="0"/>
+              <a:t>12</a:t>
             </a:fld>
             <a:endParaRPr lang="en-US"/>
           </a:p>
@@ -1238,7 +1331,7 @@
     </p:spTree>
     <p:extLst>
       <p:ext uri="{BB962C8B-B14F-4D97-AF65-F5344CB8AC3E}">
-        <p14:creationId xmlns:p14="http://schemas.microsoft.com/office/powerpoint/2010/main" val="3625376761"/>
+        <p14:creationId xmlns:p14="http://schemas.microsoft.com/office/powerpoint/2010/main" val="1659985869"/>
       </p:ext>
     </p:extLst>
   </p:cSld>
@@ -1322,7 +1415,7 @@
     </p:spTree>
     <p:extLst>
       <p:ext uri="{BB962C8B-B14F-4D97-AF65-F5344CB8AC3E}">
-        <p14:creationId xmlns:p14="http://schemas.microsoft.com/office/powerpoint/2010/main" val="1907416994"/>
+        <p14:creationId xmlns:p14="http://schemas.microsoft.com/office/powerpoint/2010/main" val="3625376761"/>
       </p:ext>
     </p:extLst>
   </p:cSld>
@@ -1376,10 +1469,7 @@
           <a:bodyPr/>
           <a:lstStyle/>
           <a:p>
-            <a:r>
-              <a:rPr lang="en-US" dirty="0"/>
-              <a:t>Thanks for coming! Feel free to contact me anytime, find me on LinkedIn, I also write frequently on this stuff so check out my website too. </a:t>
-            </a:r>
+            <a:endParaRPr lang="en-US" dirty="0"/>
           </a:p>
         </p:txBody>
       </p:sp>
@@ -1409,7 +1499,7 @@
     </p:spTree>
     <p:extLst>
       <p:ext uri="{BB962C8B-B14F-4D97-AF65-F5344CB8AC3E}">
-        <p14:creationId xmlns:p14="http://schemas.microsoft.com/office/powerpoint/2010/main" val="2404527324"/>
+        <p14:creationId xmlns:p14="http://schemas.microsoft.com/office/powerpoint/2010/main" val="1907416994"/>
       </p:ext>
     </p:extLst>
   </p:cSld>
@@ -1465,7 +1555,7 @@
           <a:p>
             <a:r>
               <a:rPr lang="en-US" dirty="0"/>
-              <a:t>There’s also let and lambda</a:t>
+              <a:t>Thanks for coming! Feel free to contact me anytime, find me on LinkedIn, I also write frequently on this stuff so check out my website too. </a:t>
             </a:r>
           </a:p>
         </p:txBody>
@@ -1496,7 +1586,7 @@
     </p:spTree>
     <p:extLst>
       <p:ext uri="{BB962C8B-B14F-4D97-AF65-F5344CB8AC3E}">
-        <p14:creationId xmlns:p14="http://schemas.microsoft.com/office/powerpoint/2010/main" val="2457380505"/>
+        <p14:creationId xmlns:p14="http://schemas.microsoft.com/office/powerpoint/2010/main" val="2404527324"/>
       </p:ext>
     </p:extLst>
   </p:cSld>
@@ -1686,7 +1776,7 @@
             <a:fld id="{1D8BD707-D9CF-40AE-B4C6-C98DA3205C09}" type="datetimeFigureOut">
               <a:rPr lang="en-US" smtClean="0"/>
               <a:pPr/>
-              <a:t>11/8/2022</a:t>
+              <a:t>9/26/2023</a:t>
             </a:fld>
             <a:endParaRPr lang="en-US"/>
           </a:p>
@@ -1851,7 +1941,7 @@
             <a:fld id="{1D8BD707-D9CF-40AE-B4C6-C98DA3205C09}" type="datetimeFigureOut">
               <a:rPr lang="en-US" smtClean="0"/>
               <a:pPr/>
-              <a:t>11/8/2022</a:t>
+              <a:t>9/26/2023</a:t>
             </a:fld>
             <a:endParaRPr lang="en-US"/>
           </a:p>
@@ -2026,7 +2116,7 @@
             <a:fld id="{1D8BD707-D9CF-40AE-B4C6-C98DA3205C09}" type="datetimeFigureOut">
               <a:rPr lang="en-US" smtClean="0"/>
               <a:pPr/>
-              <a:t>11/8/2022</a:t>
+              <a:t>9/26/2023</a:t>
             </a:fld>
             <a:endParaRPr lang="en-US"/>
           </a:p>
@@ -2191,7 +2281,7 @@
             <a:fld id="{1D8BD707-D9CF-40AE-B4C6-C98DA3205C09}" type="datetimeFigureOut">
               <a:rPr lang="en-US" smtClean="0"/>
               <a:pPr/>
-              <a:t>11/8/2022</a:t>
+              <a:t>9/26/2023</a:t>
             </a:fld>
             <a:endParaRPr lang="en-US"/>
           </a:p>
@@ -2433,7 +2523,7 @@
             <a:fld id="{1D8BD707-D9CF-40AE-B4C6-C98DA3205C09}" type="datetimeFigureOut">
               <a:rPr lang="en-US" smtClean="0"/>
               <a:pPr/>
-              <a:t>11/8/2022</a:t>
+              <a:t>9/26/2023</a:t>
             </a:fld>
             <a:endParaRPr lang="en-US"/>
           </a:p>
@@ -2715,7 +2805,7 @@
             <a:fld id="{1D8BD707-D9CF-40AE-B4C6-C98DA3205C09}" type="datetimeFigureOut">
               <a:rPr lang="en-US" smtClean="0"/>
               <a:pPr/>
-              <a:t>11/8/2022</a:t>
+              <a:t>9/26/2023</a:t>
             </a:fld>
             <a:endParaRPr lang="en-US"/>
           </a:p>
@@ -3131,7 +3221,7 @@
             <a:fld id="{1D8BD707-D9CF-40AE-B4C6-C98DA3205C09}" type="datetimeFigureOut">
               <a:rPr lang="en-US" smtClean="0"/>
               <a:pPr/>
-              <a:t>11/8/2022</a:t>
+              <a:t>9/26/2023</a:t>
             </a:fld>
             <a:endParaRPr lang="en-US"/>
           </a:p>
@@ -3245,7 +3335,7 @@
             <a:fld id="{1D8BD707-D9CF-40AE-B4C6-C98DA3205C09}" type="datetimeFigureOut">
               <a:rPr lang="en-US" smtClean="0"/>
               <a:pPr/>
-              <a:t>11/8/2022</a:t>
+              <a:t>9/26/2023</a:t>
             </a:fld>
             <a:endParaRPr lang="en-US"/>
           </a:p>
@@ -3337,7 +3427,7 @@
             <a:fld id="{1D8BD707-D9CF-40AE-B4C6-C98DA3205C09}" type="datetimeFigureOut">
               <a:rPr lang="en-US" smtClean="0"/>
               <a:pPr/>
-              <a:t>11/8/2022</a:t>
+              <a:t>9/26/2023</a:t>
             </a:fld>
             <a:endParaRPr lang="en-US"/>
           </a:p>
@@ -3609,7 +3699,7 @@
             <a:fld id="{1D8BD707-D9CF-40AE-B4C6-C98DA3205C09}" type="datetimeFigureOut">
               <a:rPr lang="en-US" smtClean="0"/>
               <a:pPr/>
-              <a:t>11/8/2022</a:t>
+              <a:t>9/26/2023</a:t>
             </a:fld>
             <a:endParaRPr lang="en-US"/>
           </a:p>
@@ -3858,7 +3948,7 @@
             <a:fld id="{1D8BD707-D9CF-40AE-B4C6-C98DA3205C09}" type="datetimeFigureOut">
               <a:rPr lang="en-US" smtClean="0"/>
               <a:pPr/>
-              <a:t>11/8/2022</a:t>
+              <a:t>9/26/2023</a:t>
             </a:fld>
             <a:endParaRPr lang="en-US"/>
           </a:p>
@@ -4071,7 +4161,7 @@
             <a:fld id="{1D8BD707-D9CF-40AE-B4C6-C98DA3205C09}" type="datetimeFigureOut">
               <a:rPr lang="en-US" smtClean="0"/>
               <a:pPr/>
-              <a:t>11/8/2022</a:t>
+              <a:t>9/26/2023</a:t>
             </a:fld>
             <a:endParaRPr lang="en-US"/>
           </a:p>
@@ -4564,7 +4654,7 @@
                 </a:solidFill>
                 <a:latin typeface="Open Sans Extra Bold"/>
               </a:rPr>
-              <a:t>TAKE THE SURVEY</a:t>
+              <a:t>REFERRAL PROGRAM</a:t>
             </a:r>
           </a:p>
         </p:txBody>
@@ -4615,7 +4705,7 @@
         <p:spPr>
           <a:xfrm>
             <a:off x="857250" y="1943100"/>
-            <a:ext cx="8727030" cy="5232202"/>
+            <a:ext cx="12020550" cy="7478970"/>
           </a:xfrm>
           <a:prstGeom prst="rect">
             <a:avLst/>
@@ -4628,31 +4718,103 @@
           </a:bodyPr>
           <a:lstStyle/>
           <a:p>
+            <a:pPr marL="685800" indent="-685800">
+              <a:buFont typeface="Arial" panose="020B0604020202020204" pitchFamily="34" charset="0"/>
+              <a:buChar char="•"/>
+            </a:pPr>
             <a:r>
               <a:rPr lang="en-US" sz="4800" dirty="0">
                 <a:latin typeface="Gidole" panose="02000503000000000000" pitchFamily="2" charset="0"/>
                 <a:ea typeface="Roboto Mono" pitchFamily="2" charset="0"/>
               </a:rPr>
-              <a:t>How did I do today? Testimonials or other data welcome!</a:t>
-            </a:r>
-          </a:p>
-          <a:p>
-            <a:endParaRPr lang="en-US" sz="4000" dirty="0">
+              <a:t>Refer me to a training client &amp; get</a:t>
+            </a:r>
+          </a:p>
+          <a:p>
+            <a:pPr marL="1143000" lvl="1" indent="-685800">
+              <a:buFont typeface="Arial" panose="020B0604020202020204" pitchFamily="34" charset="0"/>
+              <a:buChar char="•"/>
+            </a:pPr>
+            <a:r>
+              <a:rPr lang="en-US" sz="4800" dirty="0">
+                <a:latin typeface="Gidole" panose="02000503000000000000" pitchFamily="2" charset="0"/>
+                <a:ea typeface="Roboto Mono" pitchFamily="2" charset="0"/>
+              </a:rPr>
+              <a:t>Two 45-minute coaching sessions</a:t>
+            </a:r>
+          </a:p>
+          <a:p>
+            <a:pPr marL="1143000" lvl="1" indent="-685800">
+              <a:buFont typeface="Arial" panose="020B0604020202020204" pitchFamily="34" charset="0"/>
+              <a:buChar char="•"/>
+            </a:pPr>
+            <a:r>
+              <a:rPr lang="en-US" sz="4800" dirty="0">
+                <a:latin typeface="Gidole" panose="02000503000000000000" pitchFamily="2" charset="0"/>
+                <a:ea typeface="Roboto Mono" pitchFamily="2" charset="0"/>
+              </a:rPr>
+              <a:t>Signed copy of </a:t>
+            </a:r>
+            <a:r>
+              <a:rPr lang="en-US" sz="4800" i="1" dirty="0">
+                <a:latin typeface="Gidole" panose="02000503000000000000" pitchFamily="2" charset="0"/>
+                <a:ea typeface="Roboto Mono" pitchFamily="2" charset="0"/>
+              </a:rPr>
+              <a:t>Advancing into Analytics</a:t>
+            </a:r>
+          </a:p>
+          <a:p>
+            <a:pPr marL="1143000" lvl="1" indent="-685800">
+              <a:buFont typeface="Arial" panose="020B0604020202020204" pitchFamily="34" charset="0"/>
+              <a:buChar char="•"/>
+            </a:pPr>
+            <a:r>
+              <a:rPr lang="en-US" sz="4800" dirty="0">
+                <a:latin typeface="Gidole" panose="02000503000000000000" pitchFamily="2" charset="0"/>
+                <a:ea typeface="Roboto Mono" pitchFamily="2" charset="0"/>
+              </a:rPr>
+              <a:t>Free access to my on-demand Power Query training course</a:t>
+            </a:r>
+          </a:p>
+          <a:p>
+            <a:pPr marL="1143000" lvl="1" indent="-685800">
+              <a:buFont typeface="Arial" panose="020B0604020202020204" pitchFamily="34" charset="0"/>
+              <a:buChar char="•"/>
+            </a:pPr>
+            <a:endParaRPr lang="en-US" sz="4800" dirty="0">
               <a:latin typeface="Gidole" panose="02000503000000000000" pitchFamily="2" charset="0"/>
               <a:ea typeface="Roboto Mono" pitchFamily="2" charset="0"/>
             </a:endParaRPr>
           </a:p>
           <a:p>
-            <a:r>
-              <a:rPr lang="en-US" sz="6600" dirty="0">
+            <a:pPr marL="1143000" lvl="1" indent="-685800">
+              <a:buFont typeface="Arial" panose="020B0604020202020204" pitchFamily="34" charset="0"/>
+              <a:buChar char="•"/>
+            </a:pPr>
+            <a:endParaRPr lang="en-US" sz="4800" dirty="0">
+              <a:latin typeface="Gidole" panose="02000503000000000000" pitchFamily="2" charset="0"/>
+              <a:ea typeface="Roboto Mono" pitchFamily="2" charset="0"/>
+            </a:endParaRPr>
+          </a:p>
+          <a:p>
+            <a:pPr lvl="1"/>
+            <a:r>
+              <a:rPr lang="en-US" sz="4800" dirty="0">
+                <a:latin typeface="Gidole" panose="02000503000000000000" pitchFamily="2" charset="0"/>
+                <a:ea typeface="Roboto Mono" pitchFamily="2" charset="0"/>
+              </a:rPr>
+              <a:t>Get in touch: </a:t>
+            </a:r>
+            <a:r>
+              <a:rPr lang="en-US" sz="4800" dirty="0">
                 <a:latin typeface="Gidole" panose="02000503000000000000" pitchFamily="2" charset="0"/>
                 <a:ea typeface="Roboto Mono" pitchFamily="2" charset="0"/>
                 <a:hlinkClick r:id="rId5"/>
               </a:rPr>
-              <a:t>https://social.stringfestanalytics.com/event-feedback</a:t>
-            </a:r>
-            <a:r>
-              <a:rPr lang="en-US" sz="6600" dirty="0">
+              <a:t>https://stringfestanalytics.com/client-referrals/</a:t>
+            </a:r>
+            <a:r>
+              <a:rPr lang="en-US" sz="4800" dirty="0">
                 <a:latin typeface="Gidole" panose="02000503000000000000" pitchFamily="2" charset="0"/>
                 <a:ea typeface="Roboto Mono" pitchFamily="2" charset="0"/>
               </a:rPr>
@@ -4661,46 +4823,10 @@
           </a:p>
         </p:txBody>
       </p:sp>
-      <p:pic>
-        <p:nvPicPr>
-          <p:cNvPr id="3" name="Picture 2" descr="Shape&#10;&#10;Description automatically generated with low confidence">
-            <a:extLst>
-              <a:ext uri="{FF2B5EF4-FFF2-40B4-BE49-F238E27FC236}">
-                <a16:creationId xmlns:a16="http://schemas.microsoft.com/office/drawing/2014/main" id="{42F3175D-B642-4C36-959D-6981F5B7F69C}"/>
-              </a:ext>
-            </a:extLst>
-          </p:cNvPr>
-          <p:cNvPicPr>
-            <a:picLocks noChangeAspect="1"/>
-          </p:cNvPicPr>
-          <p:nvPr/>
-        </p:nvPicPr>
-        <p:blipFill>
-          <a:blip r:embed="rId6">
-            <a:extLst>
-              <a:ext uri="{28A0092B-C50C-407E-A947-70E740481C1C}">
-                <a14:useLocalDpi xmlns:a14="http://schemas.microsoft.com/office/drawing/2010/main" val="0"/>
-              </a:ext>
-            </a:extLst>
-          </a:blip>
-          <a:stretch>
-            <a:fillRect/>
-          </a:stretch>
-        </p:blipFill>
-        <p:spPr>
-          <a:xfrm>
-            <a:off x="10210800" y="4836284"/>
-            <a:ext cx="5257800" cy="5257800"/>
-          </a:xfrm>
-          <a:prstGeom prst="rect">
-            <a:avLst/>
-          </a:prstGeom>
-        </p:spPr>
-      </p:pic>
     </p:spTree>
     <p:extLst>
       <p:ext uri="{BB962C8B-B14F-4D97-AF65-F5344CB8AC3E}">
-        <p14:creationId xmlns:p14="http://schemas.microsoft.com/office/powerpoint/2010/main" val="3032095955"/>
+        <p14:creationId xmlns:p14="http://schemas.microsoft.com/office/powerpoint/2010/main" val="2448359920"/>
       </p:ext>
     </p:extLst>
   </p:cSld>
@@ -4788,6 +4914,230 @@
                 </a:solidFill>
                 <a:latin typeface="Open Sans Extra Bold"/>
               </a:rPr>
+              <a:t>TAKE THE SURVEY</a:t>
+            </a:r>
+          </a:p>
+        </p:txBody>
+      </p:sp>
+      <p:pic>
+        <p:nvPicPr>
+          <p:cNvPr id="5" name="Picture 6">
+            <a:extLst>
+              <a:ext uri="{FF2B5EF4-FFF2-40B4-BE49-F238E27FC236}">
+                <a16:creationId xmlns:a16="http://schemas.microsoft.com/office/drawing/2014/main" id="{01C401A0-8EBC-47CA-B2DE-F204DE6EEF54}"/>
+              </a:ext>
+            </a:extLst>
+          </p:cNvPr>
+          <p:cNvPicPr>
+            <a:picLocks noChangeAspect="1"/>
+          </p:cNvPicPr>
+          <p:nvPr/>
+        </p:nvPicPr>
+        <p:blipFill>
+          <a:blip r:embed="rId4"/>
+          <a:srcRect b="44190"/>
+          <a:stretch>
+            <a:fillRect/>
+          </a:stretch>
+        </p:blipFill>
+        <p:spPr>
+          <a:xfrm>
+            <a:off x="16095120" y="9265255"/>
+            <a:ext cx="2013122" cy="823680"/>
+          </a:xfrm>
+          <a:prstGeom prst="rect">
+            <a:avLst/>
+          </a:prstGeom>
+        </p:spPr>
+      </p:pic>
+      <p:sp>
+        <p:nvSpPr>
+          <p:cNvPr id="6" name="TextBox 5">
+            <a:extLst>
+              <a:ext uri="{FF2B5EF4-FFF2-40B4-BE49-F238E27FC236}">
+                <a16:creationId xmlns:a16="http://schemas.microsoft.com/office/drawing/2014/main" id="{B72B56F1-579F-4CEC-BF86-0455EEB5C6F1}"/>
+              </a:ext>
+            </a:extLst>
+          </p:cNvPr>
+          <p:cNvSpPr txBox="1"/>
+          <p:nvPr/>
+        </p:nvSpPr>
+        <p:spPr>
+          <a:xfrm>
+            <a:off x="857250" y="1943100"/>
+            <a:ext cx="8727030" cy="5232202"/>
+          </a:xfrm>
+          <a:prstGeom prst="rect">
+            <a:avLst/>
+          </a:prstGeom>
+          <a:noFill/>
+        </p:spPr>
+        <p:txBody>
+          <a:bodyPr wrap="square" rtlCol="0">
+            <a:spAutoFit/>
+          </a:bodyPr>
+          <a:lstStyle/>
+          <a:p>
+            <a:r>
+              <a:rPr lang="en-US" sz="4800" dirty="0">
+                <a:latin typeface="Gidole" panose="02000503000000000000" pitchFamily="2" charset="0"/>
+                <a:ea typeface="Roboto Mono" pitchFamily="2" charset="0"/>
+              </a:rPr>
+              <a:t>How did I do today? Testimonials or other data welcome!</a:t>
+            </a:r>
+          </a:p>
+          <a:p>
+            <a:endParaRPr lang="en-US" sz="4000" dirty="0">
+              <a:latin typeface="Gidole" panose="02000503000000000000" pitchFamily="2" charset="0"/>
+              <a:ea typeface="Roboto Mono" pitchFamily="2" charset="0"/>
+            </a:endParaRPr>
+          </a:p>
+          <a:p>
+            <a:r>
+              <a:rPr lang="en-US" sz="6600" dirty="0">
+                <a:latin typeface="Gidole" panose="02000503000000000000" pitchFamily="2" charset="0"/>
+                <a:ea typeface="Roboto Mono" pitchFamily="2" charset="0"/>
+                <a:hlinkClick r:id="rId5"/>
+              </a:rPr>
+              <a:t>https://social.stringfestanalytics.com/event-feedback</a:t>
+            </a:r>
+            <a:r>
+              <a:rPr lang="en-US" sz="6600" dirty="0">
+                <a:latin typeface="Gidole" panose="02000503000000000000" pitchFamily="2" charset="0"/>
+                <a:ea typeface="Roboto Mono" pitchFamily="2" charset="0"/>
+              </a:rPr>
+              <a:t>  </a:t>
+            </a:r>
+          </a:p>
+        </p:txBody>
+      </p:sp>
+      <p:pic>
+        <p:nvPicPr>
+          <p:cNvPr id="3" name="Picture 2" descr="Shape&#10;&#10;Description automatically generated with low confidence">
+            <a:extLst>
+              <a:ext uri="{FF2B5EF4-FFF2-40B4-BE49-F238E27FC236}">
+                <a16:creationId xmlns:a16="http://schemas.microsoft.com/office/drawing/2014/main" id="{42F3175D-B642-4C36-959D-6981F5B7F69C}"/>
+              </a:ext>
+            </a:extLst>
+          </p:cNvPr>
+          <p:cNvPicPr>
+            <a:picLocks noChangeAspect="1"/>
+          </p:cNvPicPr>
+          <p:nvPr/>
+        </p:nvPicPr>
+        <p:blipFill>
+          <a:blip r:embed="rId6">
+            <a:extLst>
+              <a:ext uri="{28A0092B-C50C-407E-A947-70E740481C1C}">
+                <a14:useLocalDpi xmlns:a14="http://schemas.microsoft.com/office/drawing/2010/main" val="0"/>
+              </a:ext>
+            </a:extLst>
+          </a:blip>
+          <a:stretch>
+            <a:fillRect/>
+          </a:stretch>
+        </p:blipFill>
+        <p:spPr>
+          <a:xfrm>
+            <a:off x="10210800" y="4836284"/>
+            <a:ext cx="5257800" cy="5257800"/>
+          </a:xfrm>
+          <a:prstGeom prst="rect">
+            <a:avLst/>
+          </a:prstGeom>
+        </p:spPr>
+      </p:pic>
+    </p:spTree>
+    <p:extLst>
+      <p:ext uri="{BB962C8B-B14F-4D97-AF65-F5344CB8AC3E}">
+        <p14:creationId xmlns:p14="http://schemas.microsoft.com/office/powerpoint/2010/main" val="3032095955"/>
+      </p:ext>
+    </p:extLst>
+  </p:cSld>
+  <p:clrMapOvr>
+    <a:masterClrMapping/>
+  </p:clrMapOvr>
+</p:sld>
+</file>
+
+<file path=ppt/slides/slide12.xml><?xml version="1.0" encoding="utf-8"?>
+<p:sld xmlns:a="http://schemas.openxmlformats.org/drawingml/2006/main" xmlns:r="http://schemas.openxmlformats.org/officeDocument/2006/relationships" xmlns:p="http://schemas.openxmlformats.org/presentationml/2006/main">
+  <p:cSld>
+    <p:spTree>
+      <p:nvGrpSpPr>
+        <p:cNvPr id="1" name=""/>
+        <p:cNvGrpSpPr/>
+        <p:nvPr/>
+      </p:nvGrpSpPr>
+      <p:grpSpPr>
+        <a:xfrm>
+          <a:off x="0" y="0"/>
+          <a:ext cx="0" cy="0"/>
+          <a:chOff x="0" y="0"/>
+          <a:chExt cx="0" cy="0"/>
+        </a:xfrm>
+      </p:grpSpPr>
+      <p:pic>
+        <p:nvPicPr>
+          <p:cNvPr id="8" name="Picture 8"/>
+          <p:cNvPicPr>
+            <a:picLocks noChangeAspect="1"/>
+          </p:cNvPicPr>
+          <p:nvPr/>
+        </p:nvPicPr>
+        <p:blipFill>
+          <a:blip r:embed="rId3"/>
+          <a:srcRect/>
+          <a:stretch>
+            <a:fillRect/>
+          </a:stretch>
+        </p:blipFill>
+        <p:spPr>
+          <a:xfrm>
+            <a:off x="16459200" y="-99077"/>
+            <a:ext cx="2005783" cy="1470490"/>
+          </a:xfrm>
+          <a:prstGeom prst="rect">
+            <a:avLst/>
+          </a:prstGeom>
+        </p:spPr>
+      </p:pic>
+      <p:sp>
+        <p:nvSpPr>
+          <p:cNvPr id="9" name="TextBox 9"/>
+          <p:cNvSpPr txBox="1"/>
+          <p:nvPr/>
+        </p:nvSpPr>
+        <p:spPr>
+          <a:xfrm>
+            <a:off x="838200" y="617118"/>
+            <a:ext cx="15631206" cy="1209818"/>
+          </a:xfrm>
+          <a:prstGeom prst="rect">
+            <a:avLst/>
+          </a:prstGeom>
+        </p:spPr>
+        <p:txBody>
+          <a:bodyPr wrap="square" lIns="0" tIns="0" rIns="0" bIns="0" rtlCol="0" anchor="t">
+            <a:spAutoFit/>
+          </a:bodyPr>
+          <a:lstStyle/>
+          <a:p>
+            <a:pPr>
+              <a:lnSpc>
+                <a:spcPts val="10080"/>
+              </a:lnSpc>
+              <a:spcBef>
+                <a:spcPct val="0"/>
+              </a:spcBef>
+            </a:pPr>
+            <a:r>
+              <a:rPr lang="en-US" sz="7200" dirty="0">
+                <a:solidFill>
+                  <a:srgbClr val="000000"/>
+                </a:solidFill>
+                <a:latin typeface="Open Sans Extra Bold"/>
+              </a:rPr>
               <a:t>FINAL QUESTIONS?</a:t>
             </a:r>
           </a:p>
@@ -4983,6 +5333,13 @@
               <a:srgbClr val="CF3338"/>
             </a:solidFill>
           </p:spPr>
+          <p:txBody>
+            <a:bodyPr/>
+            <a:lstStyle/>
+            <a:p>
+              <a:endParaRPr lang="en-US"/>
+            </a:p>
+          </p:txBody>
         </p:sp>
       </p:grpSp>
       <p:grpSp>
@@ -5035,6 +5392,13 @@
               <a:srgbClr val="3D3935"/>
             </a:solidFill>
           </p:spPr>
+          <p:txBody>
+            <a:bodyPr/>
+            <a:lstStyle/>
+            <a:p>
+              <a:endParaRPr lang="en-US"/>
+            </a:p>
+          </p:txBody>
         </p:sp>
       </p:grpSp>
       <p:sp>
@@ -5055,6 +5419,13 @@
             <a:srgbClr val="000000"/>
           </a:solidFill>
         </p:spPr>
+        <p:txBody>
+          <a:bodyPr/>
+          <a:lstStyle/>
+          <a:p>
+            <a:endParaRPr lang="en-US"/>
+          </a:p>
+        </p:txBody>
       </p:sp>
       <p:pic>
         <p:nvPicPr>
@@ -5373,6 +5744,13 @@
               <a:srgbClr val="CF3338"/>
             </a:solidFill>
           </p:spPr>
+          <p:txBody>
+            <a:bodyPr/>
+            <a:lstStyle/>
+            <a:p>
+              <a:endParaRPr lang="en-US"/>
+            </a:p>
+          </p:txBody>
         </p:sp>
       </p:grpSp>
       <p:grpSp>
@@ -5425,6 +5803,13 @@
               <a:srgbClr val="3D3935"/>
             </a:solidFill>
           </p:spPr>
+          <p:txBody>
+            <a:bodyPr/>
+            <a:lstStyle/>
+            <a:p>
+              <a:endParaRPr lang="en-US"/>
+            </a:p>
+          </p:txBody>
         </p:sp>
       </p:grpSp>
       <p:sp>
@@ -5445,6 +5830,13 @@
             <a:srgbClr val="000000"/>
           </a:solidFill>
         </p:spPr>
+        <p:txBody>
+          <a:bodyPr/>
+          <a:lstStyle/>
+          <a:p>
+            <a:endParaRPr lang="en-US"/>
+          </a:p>
+        </p:txBody>
       </p:sp>
       <p:pic>
         <p:nvPicPr>
@@ -5733,6 +6125,13 @@
               <a:srgbClr val="CF3338"/>
             </a:solidFill>
           </p:spPr>
+          <p:txBody>
+            <a:bodyPr/>
+            <a:lstStyle/>
+            <a:p>
+              <a:endParaRPr lang="en-US"/>
+            </a:p>
+          </p:txBody>
         </p:sp>
       </p:grpSp>
       <p:grpSp>
@@ -5785,6 +6184,13 @@
               <a:srgbClr val="3D3935"/>
             </a:solidFill>
           </p:spPr>
+          <p:txBody>
+            <a:bodyPr/>
+            <a:lstStyle/>
+            <a:p>
+              <a:endParaRPr lang="en-US"/>
+            </a:p>
+          </p:txBody>
         </p:sp>
       </p:grpSp>
       <p:sp>
@@ -5805,6 +6211,13 @@
             <a:srgbClr val="000000"/>
           </a:solidFill>
         </p:spPr>
+        <p:txBody>
+          <a:bodyPr/>
+          <a:lstStyle/>
+          <a:p>
+            <a:endParaRPr lang="en-US"/>
+          </a:p>
+        </p:txBody>
       </p:sp>
       <p:pic>
         <p:nvPicPr>
@@ -6061,6 +6474,13 @@
             <a:srgbClr val="3D3935"/>
           </a:solidFill>
         </p:spPr>
+        <p:txBody>
+          <a:bodyPr/>
+          <a:lstStyle/>
+          <a:p>
+            <a:endParaRPr lang="en-US"/>
+          </a:p>
+        </p:txBody>
       </p:sp>
       <p:grpSp>
         <p:nvGrpSpPr>
@@ -6114,6 +6534,13 @@
               </a:srgbClr>
             </a:solidFill>
           </p:spPr>
+          <p:txBody>
+            <a:bodyPr/>
+            <a:lstStyle/>
+            <a:p>
+              <a:endParaRPr lang="en-US"/>
+            </a:p>
+          </p:txBody>
         </p:sp>
       </p:grpSp>
       <p:grpSp>
@@ -6166,6 +6593,13 @@
               <a:srgbClr val="CF3338"/>
             </a:solidFill>
           </p:spPr>
+          <p:txBody>
+            <a:bodyPr/>
+            <a:lstStyle/>
+            <a:p>
+              <a:endParaRPr lang="en-US"/>
+            </a:p>
+          </p:txBody>
         </p:sp>
       </p:grpSp>
       <p:sp>
@@ -6422,6 +6856,108 @@
           </a:prstGeom>
         </p:spPr>
       </p:pic>
+      <p:sp>
+        <p:nvSpPr>
+          <p:cNvPr id="9" name="TextBox 9"/>
+          <p:cNvSpPr txBox="1"/>
+          <p:nvPr/>
+        </p:nvSpPr>
+        <p:spPr>
+          <a:xfrm>
+            <a:off x="838200" y="617118"/>
+            <a:ext cx="15631206" cy="8417689"/>
+          </a:xfrm>
+          <a:prstGeom prst="rect">
+            <a:avLst/>
+          </a:prstGeom>
+        </p:spPr>
+        <p:txBody>
+          <a:bodyPr wrap="square" lIns="0" tIns="0" rIns="0" bIns="0" rtlCol="0" anchor="t">
+            <a:spAutoFit/>
+          </a:bodyPr>
+          <a:lstStyle/>
+          <a:p>
+            <a:r>
+              <a:rPr lang="en-US" sz="7200" b="1" dirty="0">
+                <a:solidFill>
+                  <a:srgbClr val="1E1E1E"/>
+                </a:solidFill>
+                <a:effectLst/>
+                <a:latin typeface="Segoe UI Light" panose="020B0502040204020203" pitchFamily="34" charset="0"/>
+              </a:rPr>
+              <a:t>Start the Power Pivot add-in for Excel</a:t>
+            </a:r>
+          </a:p>
+          <a:p>
+            <a:endParaRPr lang="en-US" sz="7200" b="0" dirty="0">
+              <a:solidFill>
+                <a:srgbClr val="1E1E1E"/>
+              </a:solidFill>
+              <a:effectLst/>
+              <a:latin typeface="Segoe UI Light" panose="020B0502040204020203" pitchFamily="34" charset="0"/>
+            </a:endParaRPr>
+          </a:p>
+          <a:p>
+            <a:r>
+              <a:rPr lang="en-US" sz="7200" i="1" dirty="0">
+                <a:solidFill>
+                  <a:srgbClr val="767676"/>
+                </a:solidFill>
+                <a:effectLst/>
+              </a:rPr>
+              <a:t>Excel for Microsoft 365 Excel 2021 Excel 2019 Excel 2016 Excel 2013</a:t>
+            </a:r>
+          </a:p>
+          <a:p>
+            <a:endParaRPr lang="en-US" sz="7200" i="1" dirty="0">
+              <a:solidFill>
+                <a:srgbClr val="767676"/>
+              </a:solidFill>
+            </a:endParaRPr>
+          </a:p>
+          <a:p>
+            <a:r>
+              <a:rPr lang="en-US" sz="11500" dirty="0">
+                <a:solidFill>
+                  <a:srgbClr val="767676"/>
+                </a:solidFill>
+                <a:hlinkClick r:id="rId4"/>
+              </a:rPr>
+              <a:t>https://swiy.co</a:t>
+            </a:r>
+            <a:r>
+              <a:rPr lang="en-US" sz="11500">
+                <a:solidFill>
+                  <a:srgbClr val="767676"/>
+                </a:solidFill>
+                <a:hlinkClick r:id="rId4"/>
+              </a:rPr>
+              <a:t>/HO7G</a:t>
+            </a:r>
+            <a:r>
+              <a:rPr lang="en-US" sz="11500">
+                <a:solidFill>
+                  <a:srgbClr val="767676"/>
+                </a:solidFill>
+              </a:rPr>
+              <a:t> </a:t>
+            </a:r>
+            <a:endParaRPr lang="en-US" sz="11500" dirty="0">
+              <a:solidFill>
+                <a:srgbClr val="767676"/>
+              </a:solidFill>
+            </a:endParaRPr>
+          </a:p>
+          <a:p>
+            <a:endParaRPr lang="en-US" sz="7200" i="1" dirty="0">
+              <a:solidFill>
+                <a:srgbClr val="767676"/>
+              </a:solidFill>
+              <a:effectLst/>
+            </a:endParaRPr>
+          </a:p>
+        </p:txBody>
+      </p:sp>
       <p:pic>
         <p:nvPicPr>
           <p:cNvPr id="5" name="Picture 6">
@@ -6437,7 +6973,7 @@
           <p:nvPr/>
         </p:nvPicPr>
         <p:blipFill>
-          <a:blip r:embed="rId4"/>
+          <a:blip r:embed="rId5"/>
           <a:srcRect b="44190"/>
           <a:stretch>
             <a:fillRect/>
@@ -6453,57 +6989,10 @@
           </a:prstGeom>
         </p:spPr>
       </p:pic>
-      <p:pic>
-        <p:nvPicPr>
-          <p:cNvPr id="1026" name="Picture 2">
-            <a:extLst>
-              <a:ext uri="{FF2B5EF4-FFF2-40B4-BE49-F238E27FC236}">
-                <a16:creationId xmlns:a16="http://schemas.microsoft.com/office/drawing/2014/main" id="{E6212744-6B0F-8A8C-557B-8B9F96F53484}"/>
-              </a:ext>
-            </a:extLst>
-          </p:cNvPr>
-          <p:cNvPicPr>
-            <a:picLocks noChangeAspect="1" noChangeArrowheads="1"/>
-          </p:cNvPicPr>
-          <p:nvPr/>
-        </p:nvPicPr>
-        <p:blipFill>
-          <a:blip r:embed="rId5">
-            <a:extLst>
-              <a:ext uri="{28A0092B-C50C-407E-A947-70E740481C1C}">
-                <a14:useLocalDpi xmlns:a14="http://schemas.microsoft.com/office/drawing/2010/main" val="0"/>
-              </a:ext>
-            </a:extLst>
-          </a:blip>
-          <a:srcRect/>
-          <a:stretch>
-            <a:fillRect/>
-          </a:stretch>
-        </p:blipFill>
-        <p:spPr bwMode="auto">
-          <a:xfrm>
-            <a:off x="7189" y="0"/>
-            <a:ext cx="18288000" cy="10287000"/>
-          </a:xfrm>
-          <a:prstGeom prst="rect">
-            <a:avLst/>
-          </a:prstGeom>
-          <a:noFill/>
-          <a:extLst>
-            <a:ext uri="{909E8E84-426E-40DD-AFC4-6F175D3DCCD1}">
-              <a14:hiddenFill xmlns:a14="http://schemas.microsoft.com/office/drawing/2010/main">
-                <a:solidFill>
-                  <a:srgbClr val="FFFFFF"/>
-                </a:solidFill>
-              </a14:hiddenFill>
-            </a:ext>
-          </a:extLst>
-        </p:spPr>
-      </p:pic>
     </p:spTree>
     <p:extLst>
       <p:ext uri="{BB962C8B-B14F-4D97-AF65-F5344CB8AC3E}">
-        <p14:creationId xmlns:p14="http://schemas.microsoft.com/office/powerpoint/2010/main" val="2269851195"/>
+        <p14:creationId xmlns:p14="http://schemas.microsoft.com/office/powerpoint/2010/main" val="3330640548"/>
       </p:ext>
     </p:extLst>
   </p:cSld>
@@ -6555,47 +7044,6 @@
           </a:prstGeom>
         </p:spPr>
       </p:pic>
-      <p:sp>
-        <p:nvSpPr>
-          <p:cNvPr id="9" name="TextBox 9"/>
-          <p:cNvSpPr txBox="1"/>
-          <p:nvPr/>
-        </p:nvSpPr>
-        <p:spPr>
-          <a:xfrm>
-            <a:off x="838200" y="617118"/>
-            <a:ext cx="15631206" cy="1209818"/>
-          </a:xfrm>
-          <a:prstGeom prst="rect">
-            <a:avLst/>
-          </a:prstGeom>
-        </p:spPr>
-        <p:txBody>
-          <a:bodyPr wrap="square" lIns="0" tIns="0" rIns="0" bIns="0" rtlCol="0" anchor="t">
-            <a:spAutoFit/>
-          </a:bodyPr>
-          <a:lstStyle/>
-          <a:p>
-            <a:pPr>
-              <a:lnSpc>
-                <a:spcPts val="10080"/>
-              </a:lnSpc>
-              <a:spcBef>
-                <a:spcPct val="0"/>
-              </a:spcBef>
-            </a:pPr>
-            <a:r>
-              <a:rPr lang="en-US" sz="7200" dirty="0">
-                <a:solidFill>
-                  <a:srgbClr val="000000"/>
-                </a:solidFill>
-                <a:latin typeface="Open Sans Extra Bold"/>
-              </a:rPr>
-              <a:t>QUESTIONS?</a:t>
-            </a:r>
-          </a:p>
-        </p:txBody>
-      </p:sp>
       <p:pic>
         <p:nvPicPr>
           <p:cNvPr id="5" name="Picture 6">
@@ -6627,6 +7075,180 @@
           </a:prstGeom>
         </p:spPr>
       </p:pic>
+      <p:pic>
+        <p:nvPicPr>
+          <p:cNvPr id="1026" name="Picture 2">
+            <a:extLst>
+              <a:ext uri="{FF2B5EF4-FFF2-40B4-BE49-F238E27FC236}">
+                <a16:creationId xmlns:a16="http://schemas.microsoft.com/office/drawing/2014/main" id="{E6212744-6B0F-8A8C-557B-8B9F96F53484}"/>
+              </a:ext>
+            </a:extLst>
+          </p:cNvPr>
+          <p:cNvPicPr>
+            <a:picLocks noChangeAspect="1" noChangeArrowheads="1"/>
+          </p:cNvPicPr>
+          <p:nvPr/>
+        </p:nvPicPr>
+        <p:blipFill>
+          <a:blip r:embed="rId5">
+            <a:extLst>
+              <a:ext uri="{28A0092B-C50C-407E-A947-70E740481C1C}">
+                <a14:useLocalDpi xmlns:a14="http://schemas.microsoft.com/office/drawing/2010/main" val="0"/>
+              </a:ext>
+            </a:extLst>
+          </a:blip>
+          <a:srcRect/>
+          <a:stretch>
+            <a:fillRect/>
+          </a:stretch>
+        </p:blipFill>
+        <p:spPr bwMode="auto">
+          <a:xfrm>
+            <a:off x="7189" y="0"/>
+            <a:ext cx="18288000" cy="10287000"/>
+          </a:xfrm>
+          <a:prstGeom prst="rect">
+            <a:avLst/>
+          </a:prstGeom>
+          <a:noFill/>
+          <a:extLst>
+            <a:ext uri="{909E8E84-426E-40DD-AFC4-6F175D3DCCD1}">
+              <a14:hiddenFill xmlns:a14="http://schemas.microsoft.com/office/drawing/2010/main">
+                <a:solidFill>
+                  <a:srgbClr val="FFFFFF"/>
+                </a:solidFill>
+              </a14:hiddenFill>
+            </a:ext>
+          </a:extLst>
+        </p:spPr>
+      </p:pic>
+    </p:spTree>
+    <p:extLst>
+      <p:ext uri="{BB962C8B-B14F-4D97-AF65-F5344CB8AC3E}">
+        <p14:creationId xmlns:p14="http://schemas.microsoft.com/office/powerpoint/2010/main" val="2269851195"/>
+      </p:ext>
+    </p:extLst>
+  </p:cSld>
+  <p:clrMapOvr>
+    <a:masterClrMapping/>
+  </p:clrMapOvr>
+</p:sld>
+</file>
+
+<file path=ppt/slides/slide8.xml><?xml version="1.0" encoding="utf-8"?>
+<p:sld xmlns:a="http://schemas.openxmlformats.org/drawingml/2006/main" xmlns:r="http://schemas.openxmlformats.org/officeDocument/2006/relationships" xmlns:p="http://schemas.openxmlformats.org/presentationml/2006/main">
+  <p:cSld>
+    <p:spTree>
+      <p:nvGrpSpPr>
+        <p:cNvPr id="1" name=""/>
+        <p:cNvGrpSpPr/>
+        <p:nvPr/>
+      </p:nvGrpSpPr>
+      <p:grpSpPr>
+        <a:xfrm>
+          <a:off x="0" y="0"/>
+          <a:ext cx="0" cy="0"/>
+          <a:chOff x="0" y="0"/>
+          <a:chExt cx="0" cy="0"/>
+        </a:xfrm>
+      </p:grpSpPr>
+      <p:pic>
+        <p:nvPicPr>
+          <p:cNvPr id="8" name="Picture 8"/>
+          <p:cNvPicPr>
+            <a:picLocks noChangeAspect="1"/>
+          </p:cNvPicPr>
+          <p:nvPr/>
+        </p:nvPicPr>
+        <p:blipFill>
+          <a:blip r:embed="rId3"/>
+          <a:srcRect/>
+          <a:stretch>
+            <a:fillRect/>
+          </a:stretch>
+        </p:blipFill>
+        <p:spPr>
+          <a:xfrm>
+            <a:off x="16459200" y="-99077"/>
+            <a:ext cx="2005783" cy="1470490"/>
+          </a:xfrm>
+          <a:prstGeom prst="rect">
+            <a:avLst/>
+          </a:prstGeom>
+        </p:spPr>
+      </p:pic>
+      <p:sp>
+        <p:nvSpPr>
+          <p:cNvPr id="9" name="TextBox 9"/>
+          <p:cNvSpPr txBox="1"/>
+          <p:nvPr/>
+        </p:nvSpPr>
+        <p:spPr>
+          <a:xfrm>
+            <a:off x="838200" y="617118"/>
+            <a:ext cx="15631206" cy="1209818"/>
+          </a:xfrm>
+          <a:prstGeom prst="rect">
+            <a:avLst/>
+          </a:prstGeom>
+        </p:spPr>
+        <p:txBody>
+          <a:bodyPr wrap="square" lIns="0" tIns="0" rIns="0" bIns="0" rtlCol="0" anchor="t">
+            <a:spAutoFit/>
+          </a:bodyPr>
+          <a:lstStyle/>
+          <a:p>
+            <a:pPr>
+              <a:lnSpc>
+                <a:spcPts val="10080"/>
+              </a:lnSpc>
+              <a:spcBef>
+                <a:spcPct val="0"/>
+              </a:spcBef>
+            </a:pPr>
+            <a:r>
+              <a:rPr lang="en-US" sz="7200" dirty="0">
+                <a:solidFill>
+                  <a:srgbClr val="000000"/>
+                </a:solidFill>
+                <a:latin typeface="Open Sans Extra Bold"/>
+              </a:rPr>
+              <a:t>QUESTIONS?</a:t>
+            </a:r>
+          </a:p>
+        </p:txBody>
+      </p:sp>
+      <p:pic>
+        <p:nvPicPr>
+          <p:cNvPr id="5" name="Picture 6">
+            <a:extLst>
+              <a:ext uri="{FF2B5EF4-FFF2-40B4-BE49-F238E27FC236}">
+                <a16:creationId xmlns:a16="http://schemas.microsoft.com/office/drawing/2014/main" id="{01C401A0-8EBC-47CA-B2DE-F204DE6EEF54}"/>
+              </a:ext>
+            </a:extLst>
+          </p:cNvPr>
+          <p:cNvPicPr>
+            <a:picLocks noChangeAspect="1"/>
+          </p:cNvPicPr>
+          <p:nvPr/>
+        </p:nvPicPr>
+        <p:blipFill>
+          <a:blip r:embed="rId4"/>
+          <a:srcRect b="44190"/>
+          <a:stretch>
+            <a:fillRect/>
+          </a:stretch>
+        </p:blipFill>
+        <p:spPr>
+          <a:xfrm>
+            <a:off x="16095120" y="9265255"/>
+            <a:ext cx="2013122" cy="823680"/>
+          </a:xfrm>
+          <a:prstGeom prst="rect">
+            <a:avLst/>
+          </a:prstGeom>
+        </p:spPr>
+      </p:pic>
     </p:spTree>
     <p:extLst>
       <p:ext uri="{BB962C8B-B14F-4D97-AF65-F5344CB8AC3E}">
@@ -6640,7 +7262,7 @@
 </p:sld>
 </file>
 
-<file path=ppt/slides/slide8.xml><?xml version="1.0" encoding="utf-8"?>
+<file path=ppt/slides/slide9.xml><?xml version="1.0" encoding="utf-8"?>
 <p:sld xmlns:a="http://schemas.openxmlformats.org/drawingml/2006/main" xmlns:r="http://schemas.openxmlformats.org/officeDocument/2006/relationships" xmlns:p="http://schemas.openxmlformats.org/presentationml/2006/main">
   <p:cSld>
     <p:bg>
@@ -6686,6 +7308,13 @@
             <a:srgbClr val="CF3338"/>
           </a:solidFill>
         </p:spPr>
+        <p:txBody>
+          <a:bodyPr/>
+          <a:lstStyle/>
+          <a:p>
+            <a:endParaRPr lang="en-US"/>
+          </a:p>
+        </p:txBody>
       </p:sp>
       <p:grpSp>
         <p:nvGrpSpPr>
@@ -6739,6 +7368,13 @@
               </a:srgbClr>
             </a:solidFill>
           </p:spPr>
+          <p:txBody>
+            <a:bodyPr/>
+            <a:lstStyle/>
+            <a:p>
+              <a:endParaRPr lang="en-US"/>
+            </a:p>
+          </p:txBody>
         </p:sp>
       </p:grpSp>
       <p:grpSp>
@@ -6794,6 +7430,13 @@
               <a:srgbClr val="F2F0F4"/>
             </a:solidFill>
           </p:spPr>
+          <p:txBody>
+            <a:bodyPr/>
+            <a:lstStyle/>
+            <a:p>
+              <a:endParaRPr lang="en-US"/>
+            </a:p>
+          </p:txBody>
         </p:sp>
       </p:grpSp>
       <p:pic>
@@ -7204,266 +7847,6 @@
         </p:spPr>
       </p:pic>
     </p:spTree>
-  </p:cSld>
-  <p:clrMapOvr>
-    <a:masterClrMapping/>
-  </p:clrMapOvr>
-</p:sld>
-</file>
-
-<file path=ppt/slides/slide9.xml><?xml version="1.0" encoding="utf-8"?>
-<p:sld xmlns:a="http://schemas.openxmlformats.org/drawingml/2006/main" xmlns:r="http://schemas.openxmlformats.org/officeDocument/2006/relationships" xmlns:p="http://schemas.openxmlformats.org/presentationml/2006/main">
-  <p:cSld>
-    <p:spTree>
-      <p:nvGrpSpPr>
-        <p:cNvPr id="1" name=""/>
-        <p:cNvGrpSpPr/>
-        <p:nvPr/>
-      </p:nvGrpSpPr>
-      <p:grpSpPr>
-        <a:xfrm>
-          <a:off x="0" y="0"/>
-          <a:ext cx="0" cy="0"/>
-          <a:chOff x="0" y="0"/>
-          <a:chExt cx="0" cy="0"/>
-        </a:xfrm>
-      </p:grpSpPr>
-      <p:pic>
-        <p:nvPicPr>
-          <p:cNvPr id="8" name="Picture 8"/>
-          <p:cNvPicPr>
-            <a:picLocks noChangeAspect="1"/>
-          </p:cNvPicPr>
-          <p:nvPr/>
-        </p:nvPicPr>
-        <p:blipFill>
-          <a:blip r:embed="rId3"/>
-          <a:srcRect/>
-          <a:stretch>
-            <a:fillRect/>
-          </a:stretch>
-        </p:blipFill>
-        <p:spPr>
-          <a:xfrm>
-            <a:off x="16459200" y="-99077"/>
-            <a:ext cx="2005783" cy="1470490"/>
-          </a:xfrm>
-          <a:prstGeom prst="rect">
-            <a:avLst/>
-          </a:prstGeom>
-        </p:spPr>
-      </p:pic>
-      <p:sp>
-        <p:nvSpPr>
-          <p:cNvPr id="9" name="TextBox 9"/>
-          <p:cNvSpPr txBox="1"/>
-          <p:nvPr/>
-        </p:nvSpPr>
-        <p:spPr>
-          <a:xfrm>
-            <a:off x="838200" y="617118"/>
-            <a:ext cx="15631206" cy="1209818"/>
-          </a:xfrm>
-          <a:prstGeom prst="rect">
-            <a:avLst/>
-          </a:prstGeom>
-        </p:spPr>
-        <p:txBody>
-          <a:bodyPr wrap="square" lIns="0" tIns="0" rIns="0" bIns="0" rtlCol="0" anchor="t">
-            <a:spAutoFit/>
-          </a:bodyPr>
-          <a:lstStyle/>
-          <a:p>
-            <a:pPr>
-              <a:lnSpc>
-                <a:spcPts val="10080"/>
-              </a:lnSpc>
-              <a:spcBef>
-                <a:spcPct val="0"/>
-              </a:spcBef>
-            </a:pPr>
-            <a:r>
-              <a:rPr lang="en-US" sz="7200" dirty="0">
-                <a:solidFill>
-                  <a:srgbClr val="000000"/>
-                </a:solidFill>
-                <a:latin typeface="Open Sans Extra Bold"/>
-              </a:rPr>
-              <a:t>REFERRAL PROGRAM</a:t>
-            </a:r>
-          </a:p>
-        </p:txBody>
-      </p:sp>
-      <p:pic>
-        <p:nvPicPr>
-          <p:cNvPr id="5" name="Picture 6">
-            <a:extLst>
-              <a:ext uri="{FF2B5EF4-FFF2-40B4-BE49-F238E27FC236}">
-                <a16:creationId xmlns:a16="http://schemas.microsoft.com/office/drawing/2014/main" id="{01C401A0-8EBC-47CA-B2DE-F204DE6EEF54}"/>
-              </a:ext>
-            </a:extLst>
-          </p:cNvPr>
-          <p:cNvPicPr>
-            <a:picLocks noChangeAspect="1"/>
-          </p:cNvPicPr>
-          <p:nvPr/>
-        </p:nvPicPr>
-        <p:blipFill>
-          <a:blip r:embed="rId4"/>
-          <a:srcRect b="44190"/>
-          <a:stretch>
-            <a:fillRect/>
-          </a:stretch>
-        </p:blipFill>
-        <p:spPr>
-          <a:xfrm>
-            <a:off x="16095120" y="9265255"/>
-            <a:ext cx="2013122" cy="823680"/>
-          </a:xfrm>
-          <a:prstGeom prst="rect">
-            <a:avLst/>
-          </a:prstGeom>
-        </p:spPr>
-      </p:pic>
-      <p:sp>
-        <p:nvSpPr>
-          <p:cNvPr id="6" name="TextBox 5">
-            <a:extLst>
-              <a:ext uri="{FF2B5EF4-FFF2-40B4-BE49-F238E27FC236}">
-                <a16:creationId xmlns:a16="http://schemas.microsoft.com/office/drawing/2014/main" id="{B72B56F1-579F-4CEC-BF86-0455EEB5C6F1}"/>
-              </a:ext>
-            </a:extLst>
-          </p:cNvPr>
-          <p:cNvSpPr txBox="1"/>
-          <p:nvPr/>
-        </p:nvSpPr>
-        <p:spPr>
-          <a:xfrm>
-            <a:off x="857250" y="1943100"/>
-            <a:ext cx="12020550" cy="7478970"/>
-          </a:xfrm>
-          <a:prstGeom prst="rect">
-            <a:avLst/>
-          </a:prstGeom>
-          <a:noFill/>
-        </p:spPr>
-        <p:txBody>
-          <a:bodyPr wrap="square" rtlCol="0">
-            <a:spAutoFit/>
-          </a:bodyPr>
-          <a:lstStyle/>
-          <a:p>
-            <a:pPr marL="685800" indent="-685800">
-              <a:buFont typeface="Arial" panose="020B0604020202020204" pitchFamily="34" charset="0"/>
-              <a:buChar char="•"/>
-            </a:pPr>
-            <a:r>
-              <a:rPr lang="en-US" sz="4800" dirty="0">
-                <a:latin typeface="Gidole" panose="02000503000000000000" pitchFamily="2" charset="0"/>
-                <a:ea typeface="Roboto Mono" pitchFamily="2" charset="0"/>
-              </a:rPr>
-              <a:t>Refer me to a training client &amp; get</a:t>
-            </a:r>
-          </a:p>
-          <a:p>
-            <a:pPr marL="1143000" lvl="1" indent="-685800">
-              <a:buFont typeface="Arial" panose="020B0604020202020204" pitchFamily="34" charset="0"/>
-              <a:buChar char="•"/>
-            </a:pPr>
-            <a:r>
-              <a:rPr lang="en-US" sz="4800" dirty="0">
-                <a:latin typeface="Gidole" panose="02000503000000000000" pitchFamily="2" charset="0"/>
-                <a:ea typeface="Roboto Mono" pitchFamily="2" charset="0"/>
-              </a:rPr>
-              <a:t>Two 45-minute coaching sessions</a:t>
-            </a:r>
-          </a:p>
-          <a:p>
-            <a:pPr marL="1143000" lvl="1" indent="-685800">
-              <a:buFont typeface="Arial" panose="020B0604020202020204" pitchFamily="34" charset="0"/>
-              <a:buChar char="•"/>
-            </a:pPr>
-            <a:r>
-              <a:rPr lang="en-US" sz="4800" dirty="0">
-                <a:latin typeface="Gidole" panose="02000503000000000000" pitchFamily="2" charset="0"/>
-                <a:ea typeface="Roboto Mono" pitchFamily="2" charset="0"/>
-              </a:rPr>
-              <a:t>Signed copy of </a:t>
-            </a:r>
-            <a:r>
-              <a:rPr lang="en-US" sz="4800" i="1" dirty="0">
-                <a:latin typeface="Gidole" panose="02000503000000000000" pitchFamily="2" charset="0"/>
-                <a:ea typeface="Roboto Mono" pitchFamily="2" charset="0"/>
-              </a:rPr>
-              <a:t>Advancing into Analytics</a:t>
-            </a:r>
-          </a:p>
-          <a:p>
-            <a:pPr marL="1143000" lvl="1" indent="-685800">
-              <a:buFont typeface="Arial" panose="020B0604020202020204" pitchFamily="34" charset="0"/>
-              <a:buChar char="•"/>
-            </a:pPr>
-            <a:r>
-              <a:rPr lang="en-US" sz="4800" dirty="0">
-                <a:latin typeface="Gidole" panose="02000503000000000000" pitchFamily="2" charset="0"/>
-                <a:ea typeface="Roboto Mono" pitchFamily="2" charset="0"/>
-              </a:rPr>
-              <a:t>Free access to my on-demand Power Query training course</a:t>
-            </a:r>
-          </a:p>
-          <a:p>
-            <a:pPr marL="1143000" lvl="1" indent="-685800">
-              <a:buFont typeface="Arial" panose="020B0604020202020204" pitchFamily="34" charset="0"/>
-              <a:buChar char="•"/>
-            </a:pPr>
-            <a:endParaRPr lang="en-US" sz="4800" dirty="0">
-              <a:latin typeface="Gidole" panose="02000503000000000000" pitchFamily="2" charset="0"/>
-              <a:ea typeface="Roboto Mono" pitchFamily="2" charset="0"/>
-            </a:endParaRPr>
-          </a:p>
-          <a:p>
-            <a:pPr marL="1143000" lvl="1" indent="-685800">
-              <a:buFont typeface="Arial" panose="020B0604020202020204" pitchFamily="34" charset="0"/>
-              <a:buChar char="•"/>
-            </a:pPr>
-            <a:endParaRPr lang="en-US" sz="4800" dirty="0">
-              <a:latin typeface="Gidole" panose="02000503000000000000" pitchFamily="2" charset="0"/>
-              <a:ea typeface="Roboto Mono" pitchFamily="2" charset="0"/>
-            </a:endParaRPr>
-          </a:p>
-          <a:p>
-            <a:pPr lvl="1"/>
-            <a:r>
-              <a:rPr lang="en-US" sz="4800" dirty="0">
-                <a:latin typeface="Gidole" panose="02000503000000000000" pitchFamily="2" charset="0"/>
-                <a:ea typeface="Roboto Mono" pitchFamily="2" charset="0"/>
-              </a:rPr>
-              <a:t>Get in touch: </a:t>
-            </a:r>
-            <a:r>
-              <a:rPr lang="en-US" sz="4800" dirty="0">
-                <a:latin typeface="Gidole" panose="02000503000000000000" pitchFamily="2" charset="0"/>
-                <a:ea typeface="Roboto Mono" pitchFamily="2" charset="0"/>
-                <a:hlinkClick r:id="rId5"/>
-              </a:rPr>
-              <a:t>https://stringfestanalytics.com/client-referrals/</a:t>
-            </a:r>
-            <a:r>
-              <a:rPr lang="en-US" sz="4800" dirty="0">
-                <a:latin typeface="Gidole" panose="02000503000000000000" pitchFamily="2" charset="0"/>
-                <a:ea typeface="Roboto Mono" pitchFamily="2" charset="0"/>
-              </a:rPr>
-              <a:t>  </a:t>
-            </a:r>
-          </a:p>
-        </p:txBody>
-      </p:sp>
-    </p:spTree>
-    <p:extLst>
-      <p:ext uri="{BB962C8B-B14F-4D97-AF65-F5344CB8AC3E}">
-        <p14:creationId xmlns:p14="http://schemas.microsoft.com/office/powerpoint/2010/main" val="2448359920"/>
-      </p:ext>
-    </p:extLst>
   </p:cSld>
   <p:clrMapOvr>
     <a:masterClrMapping/>
